--- a/Презентация/Кейс2-SNZ-Левыкин.pptx
+++ b/Презентация/Кейс2-SNZ-Левыкин.pptx
@@ -9,7 +9,9 @@
     <p:sldId id="266" r:id="rId3"/>
     <p:sldId id="267" r:id="rId4"/>
     <p:sldId id="268" r:id="rId5"/>
-    <p:sldId id="265" r:id="rId6"/>
+    <p:sldId id="269" r:id="rId6"/>
+    <p:sldId id="270" r:id="rId7"/>
+    <p:sldId id="265" r:id="rId8"/>
   </p:sldIdLst>
   <p:sldSz cx="12192000" cy="6858000"/>
   <p:notesSz cx="6858000" cy="9144000"/>
@@ -3579,36 +3581,6 @@
       </p:pic>
       <p:pic>
         <p:nvPicPr>
-          <p:cNvPr id="90" name="Рисунок 89"/>
-          <p:cNvPicPr>
-            <a:picLocks noChangeAspect="1"/>
-          </p:cNvPicPr>
-          <p:nvPr/>
-        </p:nvPicPr>
-        <p:blipFill>
-          <a:blip r:embed="rId3">
-            <a:extLst>
-              <a:ext uri="{28A0092B-C50C-407E-A947-70E740481C1C}">
-                <a14:useLocalDpi xmlns:a14="http://schemas.microsoft.com/office/drawing/2010/main" val="0"/>
-              </a:ext>
-            </a:extLst>
-          </a:blip>
-          <a:stretch>
-            <a:fillRect/>
-          </a:stretch>
-        </p:blipFill>
-        <p:spPr>
-          <a:xfrm>
-            <a:off x="8604444" y="4539209"/>
-            <a:ext cx="756670" cy="1688799"/>
-          </a:xfrm>
-          <a:prstGeom prst="rect">
-            <a:avLst/>
-          </a:prstGeom>
-        </p:spPr>
-      </p:pic>
-      <p:pic>
-        <p:nvPicPr>
           <p:cNvPr id="93" name="Рисунок 92"/>
           <p:cNvPicPr>
             <a:picLocks noChangeAspect="1"/>
@@ -3616,7 +3588,7 @@
           <p:nvPr/>
         </p:nvPicPr>
         <p:blipFill>
-          <a:blip r:embed="rId4" cstate="print">
+          <a:blip r:embed="rId3" cstate="print">
             <a:extLst>
               <a:ext uri="{28A0092B-C50C-407E-A947-70E740481C1C}">
                 <a14:useLocalDpi xmlns:a14="http://schemas.microsoft.com/office/drawing/2010/main" val="0"/>
@@ -4215,36 +4187,6 @@
       </p:pic>
       <p:pic>
         <p:nvPicPr>
-          <p:cNvPr id="90" name="Рисунок 89"/>
-          <p:cNvPicPr>
-            <a:picLocks noChangeAspect="1"/>
-          </p:cNvPicPr>
-          <p:nvPr/>
-        </p:nvPicPr>
-        <p:blipFill>
-          <a:blip r:embed="rId3">
-            <a:extLst>
-              <a:ext uri="{28A0092B-C50C-407E-A947-70E740481C1C}">
-                <a14:useLocalDpi xmlns:a14="http://schemas.microsoft.com/office/drawing/2010/main" val="0"/>
-              </a:ext>
-            </a:extLst>
-          </a:blip>
-          <a:stretch>
-            <a:fillRect/>
-          </a:stretch>
-        </p:blipFill>
-        <p:spPr>
-          <a:xfrm>
-            <a:off x="8604444" y="4539209"/>
-            <a:ext cx="756670" cy="1688799"/>
-          </a:xfrm>
-          <a:prstGeom prst="rect">
-            <a:avLst/>
-          </a:prstGeom>
-        </p:spPr>
-      </p:pic>
-      <p:pic>
-        <p:nvPicPr>
           <p:cNvPr id="93" name="Рисунок 92"/>
           <p:cNvPicPr>
             <a:picLocks noChangeAspect="1"/>
@@ -4252,7 +4194,7 @@
           <p:nvPr/>
         </p:nvPicPr>
         <p:blipFill>
-          <a:blip r:embed="rId4" cstate="print">
+          <a:blip r:embed="rId3" cstate="print">
             <a:extLst>
               <a:ext uri="{28A0092B-C50C-407E-A947-70E740481C1C}">
                 <a14:useLocalDpi xmlns:a14="http://schemas.microsoft.com/office/drawing/2010/main" val="0"/>
@@ -4455,7 +4397,7 @@
               <a:t>и среду для разработки моделей </a:t>
             </a:r>
             <a:r>
-              <a:rPr lang="en-US" sz="1400" b="1" dirty="0" err="1">
+              <a:rPr lang="en-US" sz="1400" b="1" dirty="0">
                 <a:solidFill>
                   <a:schemeClr val="tx1">
                     <a:lumMod val="50000"/>
@@ -4520,7 +4462,7 @@
               <a:t>Систему реального времени реализовать на основе технологии </a:t>
             </a:r>
             <a:r>
-              <a:rPr lang="en-US" sz="1400" b="1" dirty="0" err="1">
+              <a:rPr lang="en-US" sz="1400" b="1" dirty="0">
                 <a:solidFill>
                   <a:schemeClr val="tx1">
                     <a:lumMod val="50000"/>
@@ -4904,7 +4846,7 @@
                 <a:ea typeface="Montserrat SemiBold"/>
                 <a:cs typeface="Gotham Pro" panose="02000503040000020004" pitchFamily="2" charset="0"/>
                 <a:sym typeface="Montserrat SemiBold"/>
-                <a:hlinkClick r:id="rId5"/>
+                <a:hlinkClick r:id="rId4"/>
               </a:rPr>
               <a:t>https://ru.wikipedia.org/wiki/Modelica</a:t>
             </a:r>
@@ -5026,7 +4968,7 @@
                 <a:ea typeface="Montserrat SemiBold"/>
                 <a:cs typeface="Gotham Pro" panose="02000503040000020004" pitchFamily="2" charset="0"/>
                 <a:sym typeface="Montserrat SemiBold"/>
-                <a:hlinkClick r:id="rId6"/>
+                <a:hlinkClick r:id="rId5"/>
               </a:rPr>
               <a:t>https://ru.wikipedia.org/wiki/OpenModelica</a:t>
             </a:r>
@@ -5298,7 +5240,7 @@
                 <a:ea typeface="Montserrat SemiBold"/>
                 <a:cs typeface="Gotham Pro" panose="02000503040000020004" pitchFamily="2" charset="0"/>
                 <a:sym typeface="Montserrat SemiBold"/>
-                <a:hlinkClick r:id="rId7"/>
+                <a:hlinkClick r:id="rId6"/>
               </a:rPr>
               <a:t>https://en.wikipedia.org/wiki/Functional_Mock-up_Interface</a:t>
             </a:r>
@@ -5450,7 +5392,7 @@
                 <a:ea typeface="Montserrat SemiBold"/>
                 <a:cs typeface="Gotham Pro" panose="02000503040000020004" pitchFamily="2" charset="0"/>
                 <a:sym typeface="Montserrat SemiBold"/>
-                <a:hlinkClick r:id="rId8"/>
+                <a:hlinkClick r:id="rId7"/>
               </a:rPr>
               <a:t>https://en.wikipedia.org/wiki/SignalR</a:t>
             </a:r>
@@ -5531,14 +5473,14 @@
       </p:pic>
       <p:pic>
         <p:nvPicPr>
-          <p:cNvPr id="90" name="Рисунок 89"/>
+          <p:cNvPr id="93" name="Рисунок 92"/>
           <p:cNvPicPr>
             <a:picLocks noChangeAspect="1"/>
           </p:cNvPicPr>
           <p:nvPr/>
         </p:nvPicPr>
         <p:blipFill>
-          <a:blip r:embed="rId3">
+          <a:blip r:embed="rId3" cstate="print">
             <a:extLst>
               <a:ext uri="{28A0092B-C50C-407E-A947-70E740481C1C}">
                 <a14:useLocalDpi xmlns:a14="http://schemas.microsoft.com/office/drawing/2010/main" val="0"/>
@@ -5551,19 +5493,304 @@
         </p:blipFill>
         <p:spPr>
           <a:xfrm>
-            <a:off x="8604444" y="4539209"/>
-            <a:ext cx="756670" cy="1688799"/>
+            <a:off x="370726" y="216906"/>
+            <a:ext cx="1042437" cy="297599"/>
           </a:xfrm>
           <a:prstGeom prst="rect">
             <a:avLst/>
           </a:prstGeom>
         </p:spPr>
       </p:pic>
+      <p:sp>
+        <p:nvSpPr>
+          <p:cNvPr id="2" name="Google Shape;62;p14">
+            <a:extLst>
+              <a:ext uri="{FF2B5EF4-FFF2-40B4-BE49-F238E27FC236}">
+                <a16:creationId xmlns:a16="http://schemas.microsoft.com/office/drawing/2014/main" id="{B9898F5D-4DFA-B198-8974-8B54136833FE}"/>
+              </a:ext>
+            </a:extLst>
+          </p:cNvPr>
+          <p:cNvSpPr txBox="1">
+            <a:spLocks/>
+          </p:cNvSpPr>
+          <p:nvPr/>
+        </p:nvSpPr>
+        <p:spPr>
+          <a:xfrm>
+            <a:off x="690036" y="533695"/>
+            <a:ext cx="11011287" cy="479065"/>
+          </a:xfrm>
+          <a:prstGeom prst="rect">
+            <a:avLst/>
+          </a:prstGeom>
+        </p:spPr>
+        <p:txBody>
+          <a:bodyPr spcFirstLastPara="1" vert="horz" wrap="square" lIns="91425" tIns="91425" rIns="91425" bIns="91425" rtlCol="0" anchor="t" anchorCtr="0">
+            <a:noAutofit/>
+          </a:bodyPr>
+          <a:lstStyle>
+            <a:lvl1pPr algn="ctr" defTabSz="914400" rtl="0" eaLnBrk="1" latinLnBrk="0" hangingPunct="1">
+              <a:lnSpc>
+                <a:spcPct val="90000"/>
+              </a:lnSpc>
+              <a:spcBef>
+                <a:spcPct val="0"/>
+              </a:spcBef>
+              <a:buNone/>
+              <a:defRPr sz="6000" kern="1200">
+                <a:solidFill>
+                  <a:schemeClr val="tx1"/>
+                </a:solidFill>
+                <a:latin typeface="+mj-lt"/>
+                <a:ea typeface="+mj-ea"/>
+                <a:cs typeface="+mj-cs"/>
+              </a:defRPr>
+            </a:lvl1pPr>
+          </a:lstStyle>
+          <a:p>
+            <a:pPr algn="l">
+              <a:buClr>
+                <a:schemeClr val="dk1"/>
+              </a:buClr>
+              <a:buSzPts val="990"/>
+            </a:pPr>
+            <a:r>
+              <a:rPr lang="ru-RU" sz="2400" b="1" dirty="0">
+                <a:solidFill>
+                  <a:srgbClr val="0A9B69"/>
+                </a:solidFill>
+                <a:latin typeface="Montserrat Medium" panose="00000600000000000000" pitchFamily="2" charset="-52"/>
+                <a:ea typeface="Montserrat SemiBold"/>
+                <a:cs typeface="Gotham Pro" panose="02000503040000020004" pitchFamily="2" charset="0"/>
+                <a:sym typeface="Montserrat SemiBold"/>
+              </a:rPr>
+              <a:t>Архитектура решения</a:t>
+            </a:r>
+          </a:p>
+        </p:txBody>
+      </p:sp>
+      <p:sp>
+        <p:nvSpPr>
+          <p:cNvPr id="3" name="Google Shape;62;p14">
+            <a:extLst>
+              <a:ext uri="{FF2B5EF4-FFF2-40B4-BE49-F238E27FC236}">
+                <a16:creationId xmlns:a16="http://schemas.microsoft.com/office/drawing/2014/main" id="{0F2AD3D4-B09C-C0A9-2F89-4AA5CA91FAA7}"/>
+              </a:ext>
+            </a:extLst>
+          </p:cNvPr>
+          <p:cNvSpPr txBox="1">
+            <a:spLocks/>
+          </p:cNvSpPr>
+          <p:nvPr/>
+        </p:nvSpPr>
+        <p:spPr>
+          <a:xfrm>
+            <a:off x="690037" y="1012760"/>
+            <a:ext cx="11011288" cy="678065"/>
+          </a:xfrm>
+          <a:prstGeom prst="rect">
+            <a:avLst/>
+          </a:prstGeom>
+        </p:spPr>
+        <p:txBody>
+          <a:bodyPr spcFirstLastPara="1" vert="horz" wrap="square" lIns="91425" tIns="91425" rIns="91425" bIns="91425" rtlCol="0" anchor="t" anchorCtr="0">
+            <a:noAutofit/>
+          </a:bodyPr>
+          <a:lstStyle>
+            <a:lvl1pPr algn="ctr" defTabSz="914400" rtl="0" eaLnBrk="1" latinLnBrk="0" hangingPunct="1">
+              <a:lnSpc>
+                <a:spcPct val="90000"/>
+              </a:lnSpc>
+              <a:spcBef>
+                <a:spcPct val="0"/>
+              </a:spcBef>
+              <a:buNone/>
+              <a:defRPr sz="6000" kern="1200">
+                <a:solidFill>
+                  <a:schemeClr val="tx1"/>
+                </a:solidFill>
+                <a:latin typeface="+mj-lt"/>
+                <a:ea typeface="+mj-ea"/>
+                <a:cs typeface="+mj-cs"/>
+              </a:defRPr>
+            </a:lvl1pPr>
+          </a:lstStyle>
+          <a:p>
+            <a:pPr algn="l">
+              <a:buClr>
+                <a:schemeClr val="dk1"/>
+              </a:buClr>
+              <a:buSzPts val="990"/>
+            </a:pPr>
+            <a:r>
+              <a:rPr lang="ru-RU" sz="2000" b="1" dirty="0">
+                <a:solidFill>
+                  <a:srgbClr val="C00000"/>
+                </a:solidFill>
+                <a:latin typeface="Montserrat Medium" panose="00000600000000000000" pitchFamily="2" charset="-52"/>
+                <a:ea typeface="Montserrat SemiBold"/>
+                <a:cs typeface="Gotham Pro" panose="02000503040000020004" pitchFamily="2" charset="0"/>
+                <a:sym typeface="Montserrat SemiBold"/>
+              </a:rPr>
+              <a:t>Программное обеспечение АСУ может быть реализовано с использованием микросервисной архитектуры.</a:t>
+            </a:r>
+          </a:p>
+        </p:txBody>
+      </p:sp>
+      <p:sp>
+        <p:nvSpPr>
+          <p:cNvPr id="4" name="Шестиугольник 3">
+            <a:extLst>
+              <a:ext uri="{FF2B5EF4-FFF2-40B4-BE49-F238E27FC236}">
+                <a16:creationId xmlns:a16="http://schemas.microsoft.com/office/drawing/2014/main" id="{2947AF8F-6042-3257-354A-1FE9D8235C7D}"/>
+              </a:ext>
+            </a:extLst>
+          </p:cNvPr>
+          <p:cNvSpPr/>
+          <p:nvPr/>
+        </p:nvSpPr>
+        <p:spPr>
+          <a:xfrm>
+            <a:off x="4841966" y="2072634"/>
+            <a:ext cx="3240000" cy="3240000"/>
+          </a:xfrm>
+          <a:prstGeom prst="hexagon">
+            <a:avLst/>
+          </a:prstGeom>
+          <a:solidFill>
+            <a:srgbClr val="7CC4A3"/>
+          </a:solidFill>
+          <a:ln>
+            <a:solidFill>
+              <a:srgbClr val="008E5B"/>
+            </a:solidFill>
+          </a:ln>
+        </p:spPr>
+        <p:style>
+          <a:lnRef idx="2">
+            <a:schemeClr val="accent1">
+              <a:shade val="15000"/>
+            </a:schemeClr>
+          </a:lnRef>
+          <a:fillRef idx="1">
+            <a:schemeClr val="accent1"/>
+          </a:fillRef>
+          <a:effectRef idx="0">
+            <a:schemeClr val="accent1"/>
+          </a:effectRef>
+          <a:fontRef idx="minor">
+            <a:schemeClr val="lt1"/>
+          </a:fontRef>
+        </p:style>
+        <p:txBody>
+          <a:bodyPr rtlCol="0" anchor="ctr"/>
+          <a:lstStyle/>
+          <a:p>
+            <a:pPr algn="ctr"/>
+            <a:endParaRPr lang="ru-RU"/>
+          </a:p>
+        </p:txBody>
+      </p:sp>
+      <p:sp>
+        <p:nvSpPr>
+          <p:cNvPr id="5" name="Google Shape;62;p14">
+            <a:extLst>
+              <a:ext uri="{FF2B5EF4-FFF2-40B4-BE49-F238E27FC236}">
+                <a16:creationId xmlns:a16="http://schemas.microsoft.com/office/drawing/2014/main" id="{126F1182-0359-74A8-B635-894AC24A526B}"/>
+              </a:ext>
+            </a:extLst>
+          </p:cNvPr>
+          <p:cNvSpPr txBox="1">
+            <a:spLocks/>
+          </p:cNvSpPr>
+          <p:nvPr/>
+        </p:nvSpPr>
+        <p:spPr>
+          <a:xfrm>
+            <a:off x="5259977" y="1753560"/>
+            <a:ext cx="2439633" cy="297599"/>
+          </a:xfrm>
+          <a:prstGeom prst="rect">
+            <a:avLst/>
+          </a:prstGeom>
+        </p:spPr>
+        <p:txBody>
+          <a:bodyPr spcFirstLastPara="1" vert="horz" wrap="square" lIns="91425" tIns="91425" rIns="91425" bIns="91425" rtlCol="0" anchor="t" anchorCtr="0">
+            <a:noAutofit/>
+          </a:bodyPr>
+          <a:lstStyle>
+            <a:lvl1pPr algn="ctr" defTabSz="914400" rtl="0" eaLnBrk="1" latinLnBrk="0" hangingPunct="1">
+              <a:lnSpc>
+                <a:spcPct val="90000"/>
+              </a:lnSpc>
+              <a:spcBef>
+                <a:spcPct val="0"/>
+              </a:spcBef>
+              <a:buNone/>
+              <a:defRPr sz="6000" kern="1200">
+                <a:solidFill>
+                  <a:schemeClr val="tx1"/>
+                </a:solidFill>
+                <a:latin typeface="+mj-lt"/>
+                <a:ea typeface="+mj-ea"/>
+                <a:cs typeface="+mj-cs"/>
+              </a:defRPr>
+            </a:lvl1pPr>
+          </a:lstStyle>
+          <a:p>
+            <a:pPr>
+              <a:buClr>
+                <a:schemeClr val="dk1"/>
+              </a:buClr>
+              <a:buSzPts val="990"/>
+            </a:pPr>
+            <a:r>
+              <a:rPr lang="ru-RU" sz="1100" b="1" dirty="0">
+                <a:solidFill>
+                  <a:srgbClr val="D53033"/>
+                </a:solidFill>
+                <a:latin typeface="Montserrat Medium" panose="00000600000000000000" pitchFamily="2" charset="-52"/>
+                <a:ea typeface="Montserrat SemiBold"/>
+                <a:cs typeface="Gotham Pro" panose="02000503040000020004" pitchFamily="2" charset="0"/>
+                <a:sym typeface="Montserrat SemiBold"/>
+              </a:rPr>
+              <a:t>Сервис моделирования</a:t>
+            </a:r>
+            <a:r>
+              <a:rPr lang="en-US" sz="1100" b="1" dirty="0">
+                <a:solidFill>
+                  <a:srgbClr val="D53033"/>
+                </a:solidFill>
+                <a:latin typeface="Montserrat Medium" panose="00000600000000000000" pitchFamily="2" charset="-52"/>
+                <a:ea typeface="Montserrat SemiBold"/>
+                <a:cs typeface="Gotham Pro" panose="02000503040000020004" pitchFamily="2" charset="0"/>
+                <a:sym typeface="Montserrat SemiBold"/>
+              </a:rPr>
+              <a:t>, C#</a:t>
+            </a:r>
+            <a:endParaRPr lang="ru-RU" sz="1100" b="1" dirty="0">
+              <a:solidFill>
+                <a:srgbClr val="D53033"/>
+              </a:solidFill>
+              <a:latin typeface="Montserrat Medium" panose="00000600000000000000" pitchFamily="2" charset="-52"/>
+              <a:ea typeface="Montserrat SemiBold"/>
+              <a:cs typeface="Gotham Pro" panose="02000503040000020004" pitchFamily="2" charset="0"/>
+              <a:sym typeface="Montserrat SemiBold"/>
+            </a:endParaRPr>
+          </a:p>
+        </p:txBody>
+      </p:sp>
       <p:pic>
         <p:nvPicPr>
-          <p:cNvPr id="93" name="Рисунок 92"/>
+          <p:cNvPr id="1026" name="Picture 2">
+            <a:extLst>
+              <a:ext uri="{FF2B5EF4-FFF2-40B4-BE49-F238E27FC236}">
+                <a16:creationId xmlns:a16="http://schemas.microsoft.com/office/drawing/2014/main" id="{9E2C5FB2-2C3A-A107-49CD-D17CDE4F3FD5}"/>
+              </a:ext>
+            </a:extLst>
+          </p:cNvPr>
           <p:cNvPicPr>
-            <a:picLocks noChangeAspect="1"/>
+            <a:picLocks noChangeAspect="1" noChangeArrowheads="1"/>
           </p:cNvPicPr>
           <p:nvPr/>
         </p:nvPicPr>
@@ -5575,26 +5802,37 @@
               </a:ext>
             </a:extLst>
           </a:blip>
+          <a:srcRect/>
           <a:stretch>
             <a:fillRect/>
           </a:stretch>
         </p:blipFill>
-        <p:spPr>
-          <a:xfrm>
-            <a:off x="370726" y="216906"/>
-            <a:ext cx="1042437" cy="297599"/>
+        <p:spPr bwMode="auto">
+          <a:xfrm>
+            <a:off x="9109165" y="2886819"/>
+            <a:ext cx="2865120" cy="1611630"/>
           </a:xfrm>
           <a:prstGeom prst="rect">
             <a:avLst/>
           </a:prstGeom>
+          <a:noFill/>
+          <a:extLst>
+            <a:ext uri="{909E8E84-426E-40DD-AFC4-6F175D3DCCD1}">
+              <a14:hiddenFill xmlns:a14="http://schemas.microsoft.com/office/drawing/2010/main">
+                <a:solidFill>
+                  <a:srgbClr val="FFFFFF"/>
+                </a:solidFill>
+              </a14:hiddenFill>
+            </a:ext>
+          </a:extLst>
         </p:spPr>
       </p:pic>
       <p:sp>
         <p:nvSpPr>
-          <p:cNvPr id="2" name="Google Shape;62;p14">
+          <p:cNvPr id="6" name="Google Shape;62;p14">
             <a:extLst>
               <a:ext uri="{FF2B5EF4-FFF2-40B4-BE49-F238E27FC236}">
-                <a16:creationId xmlns:a16="http://schemas.microsoft.com/office/drawing/2014/main" id="{B9898F5D-4DFA-B198-8974-8B54136833FE}"/>
+                <a16:creationId xmlns:a16="http://schemas.microsoft.com/office/drawing/2014/main" id="{11038806-1F76-D4B2-11A0-29995E395E5F}"/>
               </a:ext>
             </a:extLst>
           </p:cNvPr>
@@ -5605,8 +5843,8 @@
         </p:nvSpPr>
         <p:spPr>
           <a:xfrm>
-            <a:off x="690036" y="533695"/>
-            <a:ext cx="11011287" cy="479065"/>
+            <a:off x="9667542" y="2551699"/>
+            <a:ext cx="1748366" cy="297599"/>
           </a:xfrm>
           <a:prstGeom prst="rect">
             <a:avLst/>
@@ -5636,33 +5874,96 @@
             </a:lvl1pPr>
           </a:lstStyle>
           <a:p>
-            <a:pPr algn="l">
+            <a:pPr>
               <a:buClr>
                 <a:schemeClr val="dk1"/>
               </a:buClr>
               <a:buSzPts val="990"/>
             </a:pPr>
             <a:r>
-              <a:rPr lang="ru-RU" sz="2400" b="1" dirty="0">
-                <a:solidFill>
-                  <a:srgbClr val="0A9B69"/>
-                </a:solidFill>
-                <a:latin typeface="Montserrat Medium" panose="00000600000000000000" pitchFamily="2" charset="-52"/>
-                <a:ea typeface="Montserrat SemiBold"/>
-                <a:cs typeface="Gotham Pro" panose="02000503040000020004" pitchFamily="2" charset="0"/>
-                <a:sym typeface="Montserrat SemiBold"/>
-              </a:rPr>
-              <a:t>Архитектура решения</a:t>
-            </a:r>
-          </a:p>
-        </p:txBody>
-      </p:sp>
-      <p:sp>
-        <p:nvSpPr>
-          <p:cNvPr id="3" name="Google Shape;62;p14">
+              <a:rPr lang="en-US" sz="1100" b="1" dirty="0">
+                <a:solidFill>
+                  <a:srgbClr val="D53033"/>
+                </a:solidFill>
+                <a:latin typeface="Montserrat Medium" panose="00000600000000000000" pitchFamily="2" charset="-52"/>
+                <a:ea typeface="Montserrat SemiBold"/>
+                <a:cs typeface="Gotham Pro" panose="02000503040000020004" pitchFamily="2" charset="0"/>
+                <a:sym typeface="Montserrat SemiBold"/>
+              </a:rPr>
+              <a:t>OpenModelica</a:t>
+            </a:r>
+            <a:endParaRPr lang="ru-RU" sz="1100" b="1" dirty="0">
+              <a:solidFill>
+                <a:srgbClr val="D53033"/>
+              </a:solidFill>
+              <a:latin typeface="Montserrat Medium" panose="00000600000000000000" pitchFamily="2" charset="-52"/>
+              <a:ea typeface="Montserrat SemiBold"/>
+              <a:cs typeface="Gotham Pro" panose="02000503040000020004" pitchFamily="2" charset="0"/>
+              <a:sym typeface="Montserrat SemiBold"/>
+            </a:endParaRPr>
+          </a:p>
+        </p:txBody>
+      </p:sp>
+      <p:sp>
+        <p:nvSpPr>
+          <p:cNvPr id="7" name="Прямоугольник: скругленные углы 6">
             <a:extLst>
               <a:ext uri="{FF2B5EF4-FFF2-40B4-BE49-F238E27FC236}">
-                <a16:creationId xmlns:a16="http://schemas.microsoft.com/office/drawing/2014/main" id="{0F2AD3D4-B09C-C0A9-2F89-4AA5CA91FAA7}"/>
+                <a16:creationId xmlns:a16="http://schemas.microsoft.com/office/drawing/2014/main" id="{3BBC1B20-C091-4CD0-8206-54914BFD1E16}"/>
+              </a:ext>
+            </a:extLst>
+          </p:cNvPr>
+          <p:cNvSpPr/>
+          <p:nvPr/>
+        </p:nvSpPr>
+        <p:spPr>
+          <a:xfrm>
+            <a:off x="5561657" y="2792634"/>
+            <a:ext cx="1800000" cy="1800000"/>
+          </a:xfrm>
+          <a:prstGeom prst="roundRect">
+            <a:avLst/>
+          </a:prstGeom>
+          <a:solidFill>
+            <a:srgbClr val="C5E5D7"/>
+          </a:solidFill>
+          <a:ln>
+            <a:solidFill>
+              <a:srgbClr val="008E5B"/>
+            </a:solidFill>
+          </a:ln>
+        </p:spPr>
+        <p:style>
+          <a:lnRef idx="2">
+            <a:schemeClr val="accent1">
+              <a:shade val="15000"/>
+            </a:schemeClr>
+          </a:lnRef>
+          <a:fillRef idx="1">
+            <a:schemeClr val="accent1"/>
+          </a:fillRef>
+          <a:effectRef idx="0">
+            <a:schemeClr val="accent1"/>
+          </a:effectRef>
+          <a:fontRef idx="minor">
+            <a:schemeClr val="lt1"/>
+          </a:fontRef>
+        </p:style>
+        <p:txBody>
+          <a:bodyPr rtlCol="0" anchor="ctr"/>
+          <a:lstStyle/>
+          <a:p>
+            <a:pPr algn="ctr"/>
+            <a:endParaRPr lang="ru-RU"/>
+          </a:p>
+        </p:txBody>
+      </p:sp>
+      <p:sp>
+        <p:nvSpPr>
+          <p:cNvPr id="8" name="Google Shape;62;p14">
+            <a:extLst>
+              <a:ext uri="{FF2B5EF4-FFF2-40B4-BE49-F238E27FC236}">
+                <a16:creationId xmlns:a16="http://schemas.microsoft.com/office/drawing/2014/main" id="{1F88DEFF-F584-0B9E-B524-FB7927A39D43}"/>
               </a:ext>
             </a:extLst>
           </p:cNvPr>
@@ -5673,8 +5974,8 @@
         </p:nvSpPr>
         <p:spPr>
           <a:xfrm>
-            <a:off x="690037" y="1012760"/>
-            <a:ext cx="11011288" cy="694111"/>
+            <a:off x="5613291" y="3461578"/>
+            <a:ext cx="1748366" cy="462112"/>
           </a:xfrm>
           <a:prstGeom prst="rect">
             <a:avLst/>
@@ -5704,24 +6005,2320 @@
             </a:lvl1pPr>
           </a:lstStyle>
           <a:p>
-            <a:pPr algn="l">
+            <a:pPr>
               <a:buClr>
                 <a:schemeClr val="dk1"/>
               </a:buClr>
               <a:buSzPts val="990"/>
             </a:pPr>
             <a:r>
-              <a:rPr lang="ru-RU" sz="2000" b="1" dirty="0">
-                <a:solidFill>
-                  <a:srgbClr val="C00000"/>
-                </a:solidFill>
-                <a:latin typeface="Montserrat Medium" panose="00000600000000000000" pitchFamily="2" charset="-52"/>
-                <a:ea typeface="Montserrat SemiBold"/>
-                <a:cs typeface="Gotham Pro" panose="02000503040000020004" pitchFamily="2" charset="0"/>
-                <a:sym typeface="Montserrat SemiBold"/>
-              </a:rPr>
-              <a:t>.</a:t>
-            </a:r>
+              <a:rPr lang="en-US" sz="1100" b="1" dirty="0">
+                <a:solidFill>
+                  <a:schemeClr val="tx1">
+                    <a:lumMod val="50000"/>
+                    <a:lumOff val="50000"/>
+                  </a:schemeClr>
+                </a:solidFill>
+                <a:latin typeface="Montserrat Medium" panose="00000600000000000000" pitchFamily="2" charset="-52"/>
+                <a:ea typeface="Montserrat SemiBold"/>
+                <a:cs typeface="Gotham Pro" panose="02000503040000020004" pitchFamily="2" charset="0"/>
+                <a:sym typeface="Montserrat SemiBold"/>
+              </a:rPr>
+              <a:t>FMU </a:t>
+            </a:r>
+            <a:r>
+              <a:rPr lang="ru-RU" sz="1100" b="1" dirty="0">
+                <a:solidFill>
+                  <a:schemeClr val="tx1">
+                    <a:lumMod val="50000"/>
+                    <a:lumOff val="50000"/>
+                  </a:schemeClr>
+                </a:solidFill>
+                <a:latin typeface="Montserrat Medium" panose="00000600000000000000" pitchFamily="2" charset="-52"/>
+                <a:ea typeface="Montserrat SemiBold"/>
+                <a:cs typeface="Gotham Pro" panose="02000503040000020004" pitchFamily="2" charset="0"/>
+                <a:sym typeface="Montserrat SemiBold"/>
+              </a:rPr>
+              <a:t>модель </a:t>
+            </a:r>
+            <a:br>
+              <a:rPr lang="ru-RU" sz="1100" b="1" dirty="0">
+                <a:solidFill>
+                  <a:schemeClr val="tx1">
+                    <a:lumMod val="50000"/>
+                    <a:lumOff val="50000"/>
+                  </a:schemeClr>
+                </a:solidFill>
+                <a:latin typeface="Montserrat Medium" panose="00000600000000000000" pitchFamily="2" charset="-52"/>
+                <a:ea typeface="Montserrat SemiBold"/>
+                <a:cs typeface="Gotham Pro" panose="02000503040000020004" pitchFamily="2" charset="0"/>
+                <a:sym typeface="Montserrat SemiBold"/>
+              </a:rPr>
+            </a:br>
+            <a:r>
+              <a:rPr lang="ru-RU" sz="1100" b="1" dirty="0">
+                <a:solidFill>
+                  <a:schemeClr val="tx1">
+                    <a:lumMod val="50000"/>
+                    <a:lumOff val="50000"/>
+                  </a:schemeClr>
+                </a:solidFill>
+                <a:latin typeface="Montserrat Medium" panose="00000600000000000000" pitchFamily="2" charset="-52"/>
+                <a:ea typeface="Montserrat SemiBold"/>
+                <a:cs typeface="Gotham Pro" panose="02000503040000020004" pitchFamily="2" charset="0"/>
+                <a:sym typeface="Montserrat SemiBold"/>
+              </a:rPr>
+              <a:t>системы перекачки</a:t>
+            </a:r>
+          </a:p>
+        </p:txBody>
+      </p:sp>
+      <p:sp>
+        <p:nvSpPr>
+          <p:cNvPr id="9" name="Google Shape;62;p14">
+            <a:extLst>
+              <a:ext uri="{FF2B5EF4-FFF2-40B4-BE49-F238E27FC236}">
+                <a16:creationId xmlns:a16="http://schemas.microsoft.com/office/drawing/2014/main" id="{108E941F-CBFF-0205-B5D5-C4F46951284F}"/>
+              </a:ext>
+            </a:extLst>
+          </p:cNvPr>
+          <p:cNvSpPr txBox="1">
+            <a:spLocks/>
+          </p:cNvSpPr>
+          <p:nvPr/>
+        </p:nvSpPr>
+        <p:spPr>
+          <a:xfrm>
+            <a:off x="9667542" y="4498449"/>
+            <a:ext cx="1748366" cy="456731"/>
+          </a:xfrm>
+          <a:prstGeom prst="rect">
+            <a:avLst/>
+          </a:prstGeom>
+        </p:spPr>
+        <p:txBody>
+          <a:bodyPr spcFirstLastPara="1" vert="horz" wrap="square" lIns="91425" tIns="91425" rIns="91425" bIns="91425" rtlCol="0" anchor="t" anchorCtr="0">
+            <a:noAutofit/>
+          </a:bodyPr>
+          <a:lstStyle>
+            <a:lvl1pPr algn="ctr" defTabSz="914400" rtl="0" eaLnBrk="1" latinLnBrk="0" hangingPunct="1">
+              <a:lnSpc>
+                <a:spcPct val="90000"/>
+              </a:lnSpc>
+              <a:spcBef>
+                <a:spcPct val="0"/>
+              </a:spcBef>
+              <a:buNone/>
+              <a:defRPr sz="6000" kern="1200">
+                <a:solidFill>
+                  <a:schemeClr val="tx1"/>
+                </a:solidFill>
+                <a:latin typeface="+mj-lt"/>
+                <a:ea typeface="+mj-ea"/>
+                <a:cs typeface="+mj-cs"/>
+              </a:defRPr>
+            </a:lvl1pPr>
+          </a:lstStyle>
+          <a:p>
+            <a:pPr>
+              <a:buClr>
+                <a:schemeClr val="dk1"/>
+              </a:buClr>
+              <a:buSzPts val="990"/>
+            </a:pPr>
+            <a:r>
+              <a:rPr lang="ru-RU" sz="1100" b="1" dirty="0">
+                <a:solidFill>
+                  <a:schemeClr val="tx1">
+                    <a:lumMod val="50000"/>
+                    <a:lumOff val="50000"/>
+                  </a:schemeClr>
+                </a:solidFill>
+                <a:latin typeface="Montserrat Medium" panose="00000600000000000000" pitchFamily="2" charset="-52"/>
+                <a:ea typeface="Montserrat SemiBold"/>
+                <a:cs typeface="Gotham Pro" panose="02000503040000020004" pitchFamily="2" charset="0"/>
+                <a:sym typeface="Montserrat SemiBold"/>
+              </a:rPr>
+              <a:t>Модель системы перекачки</a:t>
+            </a:r>
+          </a:p>
+        </p:txBody>
+      </p:sp>
+      <p:sp>
+        <p:nvSpPr>
+          <p:cNvPr id="10" name="Google Shape;62;p14">
+            <a:extLst>
+              <a:ext uri="{FF2B5EF4-FFF2-40B4-BE49-F238E27FC236}">
+                <a16:creationId xmlns:a16="http://schemas.microsoft.com/office/drawing/2014/main" id="{4CEE467D-913F-4B12-A214-CFE57DAF0D40}"/>
+              </a:ext>
+            </a:extLst>
+          </p:cNvPr>
+          <p:cNvSpPr txBox="1">
+            <a:spLocks/>
+          </p:cNvSpPr>
+          <p:nvPr/>
+        </p:nvSpPr>
+        <p:spPr>
+          <a:xfrm>
+            <a:off x="5613290" y="2094109"/>
+            <a:ext cx="1696731" cy="332087"/>
+          </a:xfrm>
+          <a:prstGeom prst="rect">
+            <a:avLst/>
+          </a:prstGeom>
+        </p:spPr>
+        <p:txBody>
+          <a:bodyPr spcFirstLastPara="1" vert="horz" wrap="square" lIns="91425" tIns="91425" rIns="91425" bIns="91425" rtlCol="0" anchor="t" anchorCtr="0">
+            <a:noAutofit/>
+          </a:bodyPr>
+          <a:lstStyle>
+            <a:lvl1pPr algn="ctr" defTabSz="914400" rtl="0" eaLnBrk="1" latinLnBrk="0" hangingPunct="1">
+              <a:lnSpc>
+                <a:spcPct val="90000"/>
+              </a:lnSpc>
+              <a:spcBef>
+                <a:spcPct val="0"/>
+              </a:spcBef>
+              <a:buNone/>
+              <a:defRPr sz="6000" kern="1200">
+                <a:solidFill>
+                  <a:schemeClr val="tx1"/>
+                </a:solidFill>
+                <a:latin typeface="+mj-lt"/>
+                <a:ea typeface="+mj-ea"/>
+                <a:cs typeface="+mj-cs"/>
+              </a:defRPr>
+            </a:lvl1pPr>
+          </a:lstStyle>
+          <a:p>
+            <a:pPr>
+              <a:buClr>
+                <a:schemeClr val="dk1"/>
+              </a:buClr>
+              <a:buSzPts val="990"/>
+            </a:pPr>
+            <a:r>
+              <a:rPr lang="en-US" sz="1100" b="1" dirty="0">
+                <a:solidFill>
+                  <a:srgbClr val="008E5B"/>
+                </a:solidFill>
+                <a:latin typeface="Montserrat Medium" panose="00000600000000000000" pitchFamily="2" charset="-52"/>
+                <a:ea typeface="Montserrat SemiBold"/>
+                <a:cs typeface="Gotham Pro" panose="02000503040000020004" pitchFamily="2" charset="0"/>
+                <a:sym typeface="Montserrat SemiBold"/>
+              </a:rPr>
+              <a:t>ASP.Net</a:t>
+            </a:r>
+            <a:endParaRPr lang="ru-RU" sz="1100" b="1" dirty="0">
+              <a:solidFill>
+                <a:srgbClr val="008E5B"/>
+              </a:solidFill>
+              <a:latin typeface="Montserrat Medium" panose="00000600000000000000" pitchFamily="2" charset="-52"/>
+              <a:ea typeface="Montserrat SemiBold"/>
+              <a:cs typeface="Gotham Pro" panose="02000503040000020004" pitchFamily="2" charset="0"/>
+              <a:sym typeface="Montserrat SemiBold"/>
+            </a:endParaRPr>
+          </a:p>
+        </p:txBody>
+      </p:sp>
+      <p:sp>
+        <p:nvSpPr>
+          <p:cNvPr id="11" name="Google Shape;62;p14">
+            <a:extLst>
+              <a:ext uri="{FF2B5EF4-FFF2-40B4-BE49-F238E27FC236}">
+                <a16:creationId xmlns:a16="http://schemas.microsoft.com/office/drawing/2014/main" id="{2B6768F5-6AFA-45E9-1E5B-F6A9BA53A7A3}"/>
+              </a:ext>
+            </a:extLst>
+          </p:cNvPr>
+          <p:cNvSpPr txBox="1">
+            <a:spLocks/>
+          </p:cNvSpPr>
+          <p:nvPr/>
+        </p:nvSpPr>
+        <p:spPr>
+          <a:xfrm>
+            <a:off x="5639108" y="2832479"/>
+            <a:ext cx="1696731" cy="332087"/>
+          </a:xfrm>
+          <a:prstGeom prst="rect">
+            <a:avLst/>
+          </a:prstGeom>
+        </p:spPr>
+        <p:txBody>
+          <a:bodyPr spcFirstLastPara="1" vert="horz" wrap="square" lIns="91425" tIns="91425" rIns="91425" bIns="91425" rtlCol="0" anchor="t" anchorCtr="0">
+            <a:noAutofit/>
+          </a:bodyPr>
+          <a:lstStyle>
+            <a:lvl1pPr algn="ctr" defTabSz="914400" rtl="0" eaLnBrk="1" latinLnBrk="0" hangingPunct="1">
+              <a:lnSpc>
+                <a:spcPct val="90000"/>
+              </a:lnSpc>
+              <a:spcBef>
+                <a:spcPct val="0"/>
+              </a:spcBef>
+              <a:buNone/>
+              <a:defRPr sz="6000" kern="1200">
+                <a:solidFill>
+                  <a:schemeClr val="tx1"/>
+                </a:solidFill>
+                <a:latin typeface="+mj-lt"/>
+                <a:ea typeface="+mj-ea"/>
+                <a:cs typeface="+mj-cs"/>
+              </a:defRPr>
+            </a:lvl1pPr>
+          </a:lstStyle>
+          <a:p>
+            <a:pPr>
+              <a:buClr>
+                <a:schemeClr val="dk1"/>
+              </a:buClr>
+              <a:buSzPts val="990"/>
+            </a:pPr>
+            <a:r>
+              <a:rPr lang="en-US" sz="1100" b="1" dirty="0">
+                <a:solidFill>
+                  <a:srgbClr val="008E5B"/>
+                </a:solidFill>
+                <a:latin typeface="Montserrat Medium" panose="00000600000000000000" pitchFamily="2" charset="-52"/>
+                <a:ea typeface="Montserrat SemiBold"/>
+                <a:cs typeface="Gotham Pro" panose="02000503040000020004" pitchFamily="2" charset="0"/>
+                <a:sym typeface="Montserrat SemiBold"/>
+              </a:rPr>
+              <a:t>FMU wrapper</a:t>
+            </a:r>
+            <a:endParaRPr lang="ru-RU" sz="1100" b="1" dirty="0">
+              <a:solidFill>
+                <a:srgbClr val="008E5B"/>
+              </a:solidFill>
+              <a:latin typeface="Montserrat Medium" panose="00000600000000000000" pitchFamily="2" charset="-52"/>
+              <a:ea typeface="Montserrat SemiBold"/>
+              <a:cs typeface="Gotham Pro" panose="02000503040000020004" pitchFamily="2" charset="0"/>
+              <a:sym typeface="Montserrat SemiBold"/>
+            </a:endParaRPr>
+          </a:p>
+        </p:txBody>
+      </p:sp>
+      <p:sp>
+        <p:nvSpPr>
+          <p:cNvPr id="12" name="Цилиндр 11">
+            <a:extLst>
+              <a:ext uri="{FF2B5EF4-FFF2-40B4-BE49-F238E27FC236}">
+                <a16:creationId xmlns:a16="http://schemas.microsoft.com/office/drawing/2014/main" id="{2BDCCE5D-5A8C-0587-F95A-08F44D1CFE70}"/>
+              </a:ext>
+            </a:extLst>
+          </p:cNvPr>
+          <p:cNvSpPr/>
+          <p:nvPr/>
+        </p:nvSpPr>
+        <p:spPr>
+          <a:xfrm>
+            <a:off x="8107679" y="4979018"/>
+            <a:ext cx="1001486" cy="1045028"/>
+          </a:xfrm>
+          <a:prstGeom prst="can">
+            <a:avLst/>
+          </a:prstGeom>
+          <a:solidFill>
+            <a:srgbClr val="7CC4A3"/>
+          </a:solidFill>
+          <a:ln>
+            <a:solidFill>
+              <a:srgbClr val="008E5B"/>
+            </a:solidFill>
+          </a:ln>
+        </p:spPr>
+        <p:style>
+          <a:lnRef idx="2">
+            <a:schemeClr val="accent1">
+              <a:shade val="15000"/>
+            </a:schemeClr>
+          </a:lnRef>
+          <a:fillRef idx="1">
+            <a:schemeClr val="accent1"/>
+          </a:fillRef>
+          <a:effectRef idx="0">
+            <a:schemeClr val="accent1"/>
+          </a:effectRef>
+          <a:fontRef idx="minor">
+            <a:schemeClr val="lt1"/>
+          </a:fontRef>
+        </p:style>
+        <p:txBody>
+          <a:bodyPr rtlCol="0" anchor="ctr"/>
+          <a:lstStyle/>
+          <a:p>
+            <a:pPr algn="ctr"/>
+            <a:endParaRPr lang="ru-RU"/>
+          </a:p>
+        </p:txBody>
+      </p:sp>
+      <p:sp>
+        <p:nvSpPr>
+          <p:cNvPr id="13" name="Стрелка: вправо 12">
+            <a:extLst>
+              <a:ext uri="{FF2B5EF4-FFF2-40B4-BE49-F238E27FC236}">
+                <a16:creationId xmlns:a16="http://schemas.microsoft.com/office/drawing/2014/main" id="{25B21A03-AF17-D0FD-38E4-82F45CE448D3}"/>
+              </a:ext>
+            </a:extLst>
+          </p:cNvPr>
+          <p:cNvSpPr/>
+          <p:nvPr/>
+        </p:nvSpPr>
+        <p:spPr>
+          <a:xfrm rot="10800000">
+            <a:off x="7264164" y="3548400"/>
+            <a:ext cx="1748367" cy="297012"/>
+          </a:xfrm>
+          <a:prstGeom prst="rightArrow">
+            <a:avLst/>
+          </a:prstGeom>
+          <a:solidFill>
+            <a:srgbClr val="C5E5D7"/>
+          </a:solidFill>
+          <a:ln>
+            <a:solidFill>
+              <a:srgbClr val="008E5B"/>
+            </a:solidFill>
+          </a:ln>
+        </p:spPr>
+        <p:style>
+          <a:lnRef idx="2">
+            <a:schemeClr val="accent1">
+              <a:shade val="15000"/>
+            </a:schemeClr>
+          </a:lnRef>
+          <a:fillRef idx="1">
+            <a:schemeClr val="accent1"/>
+          </a:fillRef>
+          <a:effectRef idx="0">
+            <a:schemeClr val="accent1"/>
+          </a:effectRef>
+          <a:fontRef idx="minor">
+            <a:schemeClr val="lt1"/>
+          </a:fontRef>
+        </p:style>
+        <p:txBody>
+          <a:bodyPr rtlCol="0" anchor="ctr"/>
+          <a:lstStyle/>
+          <a:p>
+            <a:pPr algn="ctr"/>
+            <a:endParaRPr lang="ru-RU"/>
+          </a:p>
+        </p:txBody>
+      </p:sp>
+      <p:sp>
+        <p:nvSpPr>
+          <p:cNvPr id="14" name="Google Shape;62;p14">
+            <a:extLst>
+              <a:ext uri="{FF2B5EF4-FFF2-40B4-BE49-F238E27FC236}">
+                <a16:creationId xmlns:a16="http://schemas.microsoft.com/office/drawing/2014/main" id="{DE942EEE-DCB8-615C-CF0C-C53968E37831}"/>
+              </a:ext>
+            </a:extLst>
+          </p:cNvPr>
+          <p:cNvSpPr txBox="1">
+            <a:spLocks/>
+          </p:cNvSpPr>
+          <p:nvPr/>
+        </p:nvSpPr>
+        <p:spPr>
+          <a:xfrm>
+            <a:off x="7132320" y="6067590"/>
+            <a:ext cx="3143794" cy="571672"/>
+          </a:xfrm>
+          <a:prstGeom prst="rect">
+            <a:avLst/>
+          </a:prstGeom>
+        </p:spPr>
+        <p:txBody>
+          <a:bodyPr spcFirstLastPara="1" vert="horz" wrap="square" lIns="91425" tIns="91425" rIns="91425" bIns="91425" rtlCol="0" anchor="t" anchorCtr="0">
+            <a:noAutofit/>
+          </a:bodyPr>
+          <a:lstStyle>
+            <a:lvl1pPr algn="ctr" defTabSz="914400" rtl="0" eaLnBrk="1" latinLnBrk="0" hangingPunct="1">
+              <a:lnSpc>
+                <a:spcPct val="90000"/>
+              </a:lnSpc>
+              <a:spcBef>
+                <a:spcPct val="0"/>
+              </a:spcBef>
+              <a:buNone/>
+              <a:defRPr sz="6000" kern="1200">
+                <a:solidFill>
+                  <a:schemeClr val="tx1"/>
+                </a:solidFill>
+                <a:latin typeface="+mj-lt"/>
+                <a:ea typeface="+mj-ea"/>
+                <a:cs typeface="+mj-cs"/>
+              </a:defRPr>
+            </a:lvl1pPr>
+          </a:lstStyle>
+          <a:p>
+            <a:pPr>
+              <a:buClr>
+                <a:schemeClr val="dk1"/>
+              </a:buClr>
+              <a:buSzPts val="990"/>
+            </a:pPr>
+            <a:r>
+              <a:rPr lang="ru-RU" sz="1100" b="1" dirty="0">
+                <a:solidFill>
+                  <a:schemeClr val="tx1">
+                    <a:lumMod val="50000"/>
+                    <a:lumOff val="50000"/>
+                  </a:schemeClr>
+                </a:solidFill>
+                <a:latin typeface="Montserrat Medium" panose="00000600000000000000" pitchFamily="2" charset="-52"/>
+                <a:ea typeface="Montserrat SemiBold"/>
+                <a:cs typeface="Gotham Pro" panose="02000503040000020004" pitchFamily="2" charset="0"/>
+                <a:sym typeface="Montserrat SemiBold"/>
+              </a:rPr>
+              <a:t>Параметры долговременного хранения (например, объёмы ёмкостей, пороговые значения и т.п.)</a:t>
+            </a:r>
+          </a:p>
+        </p:txBody>
+      </p:sp>
+      <p:sp>
+        <p:nvSpPr>
+          <p:cNvPr id="15" name="Стрелка: вправо 14">
+            <a:extLst>
+              <a:ext uri="{FF2B5EF4-FFF2-40B4-BE49-F238E27FC236}">
+                <a16:creationId xmlns:a16="http://schemas.microsoft.com/office/drawing/2014/main" id="{7763D0A9-DE2A-83B6-4B0C-8620A9BE3C05}"/>
+              </a:ext>
+            </a:extLst>
+          </p:cNvPr>
+          <p:cNvSpPr/>
+          <p:nvPr/>
+        </p:nvSpPr>
+        <p:spPr>
+          <a:xfrm rot="13446392">
+            <a:off x="6880949" y="4437281"/>
+            <a:ext cx="1390290" cy="297012"/>
+          </a:xfrm>
+          <a:prstGeom prst="rightArrow">
+            <a:avLst/>
+          </a:prstGeom>
+          <a:solidFill>
+            <a:srgbClr val="C5E5D7"/>
+          </a:solidFill>
+          <a:ln>
+            <a:solidFill>
+              <a:srgbClr val="008E5B"/>
+            </a:solidFill>
+          </a:ln>
+        </p:spPr>
+        <p:style>
+          <a:lnRef idx="2">
+            <a:schemeClr val="accent1">
+              <a:shade val="15000"/>
+            </a:schemeClr>
+          </a:lnRef>
+          <a:fillRef idx="1">
+            <a:schemeClr val="accent1"/>
+          </a:fillRef>
+          <a:effectRef idx="0">
+            <a:schemeClr val="accent1"/>
+          </a:effectRef>
+          <a:fontRef idx="minor">
+            <a:schemeClr val="lt1"/>
+          </a:fontRef>
+        </p:style>
+        <p:txBody>
+          <a:bodyPr rtlCol="0" anchor="ctr"/>
+          <a:lstStyle/>
+          <a:p>
+            <a:pPr algn="ctr"/>
+            <a:endParaRPr lang="ru-RU"/>
+          </a:p>
+        </p:txBody>
+      </p:sp>
+      <p:sp>
+        <p:nvSpPr>
+          <p:cNvPr id="16" name="Google Shape;62;p14">
+            <a:extLst>
+              <a:ext uri="{FF2B5EF4-FFF2-40B4-BE49-F238E27FC236}">
+                <a16:creationId xmlns:a16="http://schemas.microsoft.com/office/drawing/2014/main" id="{151B723E-620C-8CE3-5E03-1BE2228CD513}"/>
+              </a:ext>
+            </a:extLst>
+          </p:cNvPr>
+          <p:cNvSpPr txBox="1">
+            <a:spLocks/>
+          </p:cNvSpPr>
+          <p:nvPr/>
+        </p:nvSpPr>
+        <p:spPr>
+          <a:xfrm>
+            <a:off x="7699611" y="2784890"/>
+            <a:ext cx="1454331" cy="608094"/>
+          </a:xfrm>
+          <a:prstGeom prst="rect">
+            <a:avLst/>
+          </a:prstGeom>
+        </p:spPr>
+        <p:txBody>
+          <a:bodyPr spcFirstLastPara="1" vert="horz" wrap="square" lIns="91425" tIns="91425" rIns="91425" bIns="91425" rtlCol="0" anchor="t" anchorCtr="0">
+            <a:noAutofit/>
+          </a:bodyPr>
+          <a:lstStyle>
+            <a:lvl1pPr algn="ctr" defTabSz="914400" rtl="0" eaLnBrk="1" latinLnBrk="0" hangingPunct="1">
+              <a:lnSpc>
+                <a:spcPct val="90000"/>
+              </a:lnSpc>
+              <a:spcBef>
+                <a:spcPct val="0"/>
+              </a:spcBef>
+              <a:buNone/>
+              <a:defRPr sz="6000" kern="1200">
+                <a:solidFill>
+                  <a:schemeClr val="tx1"/>
+                </a:solidFill>
+                <a:latin typeface="+mj-lt"/>
+                <a:ea typeface="+mj-ea"/>
+                <a:cs typeface="+mj-cs"/>
+              </a:defRPr>
+            </a:lvl1pPr>
+          </a:lstStyle>
+          <a:p>
+            <a:pPr>
+              <a:buClr>
+                <a:schemeClr val="dk1"/>
+              </a:buClr>
+              <a:buSzPts val="990"/>
+            </a:pPr>
+            <a:r>
+              <a:rPr lang="ru-RU" sz="1100" b="1" dirty="0">
+                <a:solidFill>
+                  <a:schemeClr val="tx1">
+                    <a:lumMod val="50000"/>
+                    <a:lumOff val="50000"/>
+                  </a:schemeClr>
+                </a:solidFill>
+                <a:latin typeface="Montserrat Medium" panose="00000600000000000000" pitchFamily="2" charset="-52"/>
+                <a:ea typeface="Montserrat SemiBold"/>
+                <a:cs typeface="Gotham Pro" panose="02000503040000020004" pitchFamily="2" charset="0"/>
+                <a:sym typeface="Montserrat SemiBold"/>
+              </a:rPr>
+              <a:t>Преобразование модели по стандарту </a:t>
+            </a:r>
+            <a:r>
+              <a:rPr lang="en-US" sz="1100" b="1" dirty="0">
+                <a:solidFill>
+                  <a:schemeClr val="tx1">
+                    <a:lumMod val="50000"/>
+                    <a:lumOff val="50000"/>
+                  </a:schemeClr>
+                </a:solidFill>
+                <a:latin typeface="Montserrat Medium" panose="00000600000000000000" pitchFamily="2" charset="-52"/>
+                <a:ea typeface="Montserrat SemiBold"/>
+                <a:cs typeface="Gotham Pro" panose="02000503040000020004" pitchFamily="2" charset="0"/>
+                <a:sym typeface="Montserrat SemiBold"/>
+              </a:rPr>
+              <a:t>FMI</a:t>
+            </a:r>
+            <a:endParaRPr lang="ru-RU" sz="1100" b="1" dirty="0">
+              <a:solidFill>
+                <a:schemeClr val="tx1">
+                  <a:lumMod val="50000"/>
+                  <a:lumOff val="50000"/>
+                </a:schemeClr>
+              </a:solidFill>
+              <a:latin typeface="Montserrat Medium" panose="00000600000000000000" pitchFamily="2" charset="-52"/>
+              <a:ea typeface="Montserrat SemiBold"/>
+              <a:cs typeface="Gotham Pro" panose="02000503040000020004" pitchFamily="2" charset="0"/>
+              <a:sym typeface="Montserrat SemiBold"/>
+            </a:endParaRPr>
+          </a:p>
+        </p:txBody>
+      </p:sp>
+      <p:sp>
+        <p:nvSpPr>
+          <p:cNvPr id="17" name="Облако 16">
+            <a:extLst>
+              <a:ext uri="{FF2B5EF4-FFF2-40B4-BE49-F238E27FC236}">
+                <a16:creationId xmlns:a16="http://schemas.microsoft.com/office/drawing/2014/main" id="{0D8B28D2-0281-A3DF-6398-BBD524E1F0B6}"/>
+              </a:ext>
+            </a:extLst>
+          </p:cNvPr>
+          <p:cNvSpPr/>
+          <p:nvPr/>
+        </p:nvSpPr>
+        <p:spPr>
+          <a:xfrm>
+            <a:off x="2298445" y="2700498"/>
+            <a:ext cx="2384282" cy="1946750"/>
+          </a:xfrm>
+          <a:prstGeom prst="cloud">
+            <a:avLst/>
+          </a:prstGeom>
+          <a:solidFill>
+            <a:srgbClr val="7CC4A3"/>
+          </a:solidFill>
+          <a:ln>
+            <a:solidFill>
+              <a:srgbClr val="008E5B"/>
+            </a:solidFill>
+          </a:ln>
+        </p:spPr>
+        <p:style>
+          <a:lnRef idx="2">
+            <a:schemeClr val="accent1">
+              <a:shade val="15000"/>
+            </a:schemeClr>
+          </a:lnRef>
+          <a:fillRef idx="1">
+            <a:schemeClr val="accent1"/>
+          </a:fillRef>
+          <a:effectRef idx="0">
+            <a:schemeClr val="accent1"/>
+          </a:effectRef>
+          <a:fontRef idx="minor">
+            <a:schemeClr val="lt1"/>
+          </a:fontRef>
+        </p:style>
+        <p:txBody>
+          <a:bodyPr rtlCol="0" anchor="ctr"/>
+          <a:lstStyle/>
+          <a:p>
+            <a:pPr algn="ctr"/>
+            <a:r>
+              <a:rPr lang="en-US" sz="1400" b="1" dirty="0">
+                <a:solidFill>
+                  <a:srgbClr val="008E5B"/>
+                </a:solidFill>
+                <a:latin typeface="Montserrat Medium" panose="00000600000000000000" pitchFamily="2" charset="-52"/>
+              </a:rPr>
+              <a:t>SignalR</a:t>
+            </a:r>
+            <a:endParaRPr lang="ru-RU" sz="1400" b="1" dirty="0">
+              <a:solidFill>
+                <a:srgbClr val="008E5B"/>
+              </a:solidFill>
+              <a:latin typeface="Montserrat Medium" panose="00000600000000000000" pitchFamily="2" charset="-52"/>
+            </a:endParaRPr>
+          </a:p>
+        </p:txBody>
+      </p:sp>
+      <p:sp>
+        <p:nvSpPr>
+          <p:cNvPr id="19" name="Шестиугольник 18">
+            <a:extLst>
+              <a:ext uri="{FF2B5EF4-FFF2-40B4-BE49-F238E27FC236}">
+                <a16:creationId xmlns:a16="http://schemas.microsoft.com/office/drawing/2014/main" id="{8B56847C-76CD-29F3-A1C6-A211CEAF49CA}"/>
+              </a:ext>
+            </a:extLst>
+          </p:cNvPr>
+          <p:cNvSpPr/>
+          <p:nvPr/>
+        </p:nvSpPr>
+        <p:spPr>
+          <a:xfrm>
+            <a:off x="630128" y="2063595"/>
+            <a:ext cx="720000" cy="720000"/>
+          </a:xfrm>
+          <a:prstGeom prst="hexagon">
+            <a:avLst/>
+          </a:prstGeom>
+          <a:solidFill>
+            <a:srgbClr val="7CC4A3"/>
+          </a:solidFill>
+          <a:ln>
+            <a:solidFill>
+              <a:srgbClr val="008E5B"/>
+            </a:solidFill>
+          </a:ln>
+        </p:spPr>
+        <p:style>
+          <a:lnRef idx="2">
+            <a:schemeClr val="accent1">
+              <a:shade val="15000"/>
+            </a:schemeClr>
+          </a:lnRef>
+          <a:fillRef idx="1">
+            <a:schemeClr val="accent1"/>
+          </a:fillRef>
+          <a:effectRef idx="0">
+            <a:schemeClr val="accent1"/>
+          </a:effectRef>
+          <a:fontRef idx="minor">
+            <a:schemeClr val="lt1"/>
+          </a:fontRef>
+        </p:style>
+        <p:txBody>
+          <a:bodyPr rtlCol="0" anchor="ctr"/>
+          <a:lstStyle/>
+          <a:p>
+            <a:pPr algn="ctr"/>
+            <a:endParaRPr lang="ru-RU"/>
+          </a:p>
+        </p:txBody>
+      </p:sp>
+      <p:sp>
+        <p:nvSpPr>
+          <p:cNvPr id="20" name="Шестиугольник 19">
+            <a:extLst>
+              <a:ext uri="{FF2B5EF4-FFF2-40B4-BE49-F238E27FC236}">
+                <a16:creationId xmlns:a16="http://schemas.microsoft.com/office/drawing/2014/main" id="{C04D926F-0080-B036-8F70-B5CBB287394B}"/>
+              </a:ext>
+            </a:extLst>
+          </p:cNvPr>
+          <p:cNvSpPr/>
+          <p:nvPr/>
+        </p:nvSpPr>
+        <p:spPr>
+          <a:xfrm>
+            <a:off x="1422916" y="2063595"/>
+            <a:ext cx="720000" cy="720000"/>
+          </a:xfrm>
+          <a:prstGeom prst="hexagon">
+            <a:avLst/>
+          </a:prstGeom>
+          <a:solidFill>
+            <a:srgbClr val="7CC4A3"/>
+          </a:solidFill>
+          <a:ln>
+            <a:solidFill>
+              <a:srgbClr val="008E5B"/>
+            </a:solidFill>
+          </a:ln>
+        </p:spPr>
+        <p:style>
+          <a:lnRef idx="2">
+            <a:schemeClr val="accent1">
+              <a:shade val="15000"/>
+            </a:schemeClr>
+          </a:lnRef>
+          <a:fillRef idx="1">
+            <a:schemeClr val="accent1"/>
+          </a:fillRef>
+          <a:effectRef idx="0">
+            <a:schemeClr val="accent1"/>
+          </a:effectRef>
+          <a:fontRef idx="minor">
+            <a:schemeClr val="lt1"/>
+          </a:fontRef>
+        </p:style>
+        <p:txBody>
+          <a:bodyPr rtlCol="0" anchor="ctr"/>
+          <a:lstStyle/>
+          <a:p>
+            <a:pPr algn="ctr"/>
+            <a:endParaRPr lang="ru-RU"/>
+          </a:p>
+        </p:txBody>
+      </p:sp>
+      <p:sp>
+        <p:nvSpPr>
+          <p:cNvPr id="21" name="Шестиугольник 20">
+            <a:extLst>
+              <a:ext uri="{FF2B5EF4-FFF2-40B4-BE49-F238E27FC236}">
+                <a16:creationId xmlns:a16="http://schemas.microsoft.com/office/drawing/2014/main" id="{AB4C51AB-049F-F840-DBE0-D7048D698967}"/>
+              </a:ext>
+            </a:extLst>
+          </p:cNvPr>
+          <p:cNvSpPr/>
+          <p:nvPr/>
+        </p:nvSpPr>
+        <p:spPr>
+          <a:xfrm>
+            <a:off x="2502607" y="2075525"/>
+            <a:ext cx="720000" cy="720000"/>
+          </a:xfrm>
+          <a:prstGeom prst="hexagon">
+            <a:avLst/>
+          </a:prstGeom>
+          <a:solidFill>
+            <a:srgbClr val="7CC4A3"/>
+          </a:solidFill>
+          <a:ln>
+            <a:solidFill>
+              <a:srgbClr val="008E5B"/>
+            </a:solidFill>
+          </a:ln>
+        </p:spPr>
+        <p:style>
+          <a:lnRef idx="2">
+            <a:schemeClr val="accent1">
+              <a:shade val="15000"/>
+            </a:schemeClr>
+          </a:lnRef>
+          <a:fillRef idx="1">
+            <a:schemeClr val="accent1"/>
+          </a:fillRef>
+          <a:effectRef idx="0">
+            <a:schemeClr val="accent1"/>
+          </a:effectRef>
+          <a:fontRef idx="minor">
+            <a:schemeClr val="lt1"/>
+          </a:fontRef>
+        </p:style>
+        <p:txBody>
+          <a:bodyPr rtlCol="0" anchor="ctr"/>
+          <a:lstStyle/>
+          <a:p>
+            <a:pPr algn="ctr"/>
+            <a:endParaRPr lang="ru-RU"/>
+          </a:p>
+        </p:txBody>
+      </p:sp>
+      <p:sp>
+        <p:nvSpPr>
+          <p:cNvPr id="22" name="Google Shape;62;p14">
+            <a:extLst>
+              <a:ext uri="{FF2B5EF4-FFF2-40B4-BE49-F238E27FC236}">
+                <a16:creationId xmlns:a16="http://schemas.microsoft.com/office/drawing/2014/main" id="{90657DA5-5E06-C88A-C5B6-A7F4FCB59C64}"/>
+              </a:ext>
+            </a:extLst>
+          </p:cNvPr>
+          <p:cNvSpPr txBox="1">
+            <a:spLocks/>
+          </p:cNvSpPr>
+          <p:nvPr/>
+        </p:nvSpPr>
+        <p:spPr>
+          <a:xfrm>
+            <a:off x="2131586" y="2297621"/>
+            <a:ext cx="382352" cy="275808"/>
+          </a:xfrm>
+          <a:prstGeom prst="rect">
+            <a:avLst/>
+          </a:prstGeom>
+        </p:spPr>
+        <p:txBody>
+          <a:bodyPr spcFirstLastPara="1" vert="horz" wrap="square" lIns="91425" tIns="91425" rIns="91425" bIns="91425" rtlCol="0" anchor="t" anchorCtr="0">
+            <a:noAutofit/>
+          </a:bodyPr>
+          <a:lstStyle>
+            <a:lvl1pPr algn="ctr" defTabSz="914400" rtl="0" eaLnBrk="1" latinLnBrk="0" hangingPunct="1">
+              <a:lnSpc>
+                <a:spcPct val="90000"/>
+              </a:lnSpc>
+              <a:spcBef>
+                <a:spcPct val="0"/>
+              </a:spcBef>
+              <a:buNone/>
+              <a:defRPr sz="6000" kern="1200">
+                <a:solidFill>
+                  <a:schemeClr val="tx1"/>
+                </a:solidFill>
+                <a:latin typeface="+mj-lt"/>
+                <a:ea typeface="+mj-ea"/>
+                <a:cs typeface="+mj-cs"/>
+              </a:defRPr>
+            </a:lvl1pPr>
+          </a:lstStyle>
+          <a:p>
+            <a:pPr>
+              <a:buClr>
+                <a:schemeClr val="dk1"/>
+              </a:buClr>
+              <a:buSzPts val="990"/>
+            </a:pPr>
+            <a:r>
+              <a:rPr lang="en-US" sz="1100" b="1" dirty="0">
+                <a:solidFill>
+                  <a:srgbClr val="008E5B"/>
+                </a:solidFill>
+                <a:latin typeface="Montserrat Medium" panose="00000600000000000000" pitchFamily="2" charset="-52"/>
+                <a:ea typeface="Montserrat SemiBold"/>
+                <a:cs typeface="Gotham Pro" panose="02000503040000020004" pitchFamily="2" charset="0"/>
+                <a:sym typeface="Montserrat SemiBold"/>
+              </a:rPr>
+              <a:t>. . .</a:t>
+            </a:r>
+            <a:endParaRPr lang="ru-RU" sz="1100" b="1" dirty="0">
+              <a:solidFill>
+                <a:srgbClr val="008E5B"/>
+              </a:solidFill>
+              <a:latin typeface="Montserrat Medium" panose="00000600000000000000" pitchFamily="2" charset="-52"/>
+              <a:ea typeface="Montserrat SemiBold"/>
+              <a:cs typeface="Gotham Pro" panose="02000503040000020004" pitchFamily="2" charset="0"/>
+              <a:sym typeface="Montserrat SemiBold"/>
+            </a:endParaRPr>
+          </a:p>
+        </p:txBody>
+      </p:sp>
+      <p:sp>
+        <p:nvSpPr>
+          <p:cNvPr id="23" name="Google Shape;62;p14">
+            <a:extLst>
+              <a:ext uri="{FF2B5EF4-FFF2-40B4-BE49-F238E27FC236}">
+                <a16:creationId xmlns:a16="http://schemas.microsoft.com/office/drawing/2014/main" id="{D16D1C0E-5C0A-459B-355A-6F1A4EB0470A}"/>
+              </a:ext>
+            </a:extLst>
+          </p:cNvPr>
+          <p:cNvSpPr txBox="1">
+            <a:spLocks/>
+          </p:cNvSpPr>
+          <p:nvPr/>
+        </p:nvSpPr>
+        <p:spPr>
+          <a:xfrm>
+            <a:off x="630128" y="1756697"/>
+            <a:ext cx="2592479" cy="297599"/>
+          </a:xfrm>
+          <a:prstGeom prst="rect">
+            <a:avLst/>
+          </a:prstGeom>
+        </p:spPr>
+        <p:txBody>
+          <a:bodyPr spcFirstLastPara="1" vert="horz" wrap="square" lIns="91425" tIns="91425" rIns="91425" bIns="91425" rtlCol="0" anchor="t" anchorCtr="0">
+            <a:noAutofit/>
+          </a:bodyPr>
+          <a:lstStyle>
+            <a:lvl1pPr algn="ctr" defTabSz="914400" rtl="0" eaLnBrk="1" latinLnBrk="0" hangingPunct="1">
+              <a:lnSpc>
+                <a:spcPct val="90000"/>
+              </a:lnSpc>
+              <a:spcBef>
+                <a:spcPct val="0"/>
+              </a:spcBef>
+              <a:buNone/>
+              <a:defRPr sz="6000" kern="1200">
+                <a:solidFill>
+                  <a:schemeClr val="tx1"/>
+                </a:solidFill>
+                <a:latin typeface="+mj-lt"/>
+                <a:ea typeface="+mj-ea"/>
+                <a:cs typeface="+mj-cs"/>
+              </a:defRPr>
+            </a:lvl1pPr>
+          </a:lstStyle>
+          <a:p>
+            <a:pPr>
+              <a:buClr>
+                <a:schemeClr val="dk1"/>
+              </a:buClr>
+              <a:buSzPts val="990"/>
+            </a:pPr>
+            <a:r>
+              <a:rPr lang="ru-RU" sz="1100" b="1" dirty="0">
+                <a:solidFill>
+                  <a:srgbClr val="D53033"/>
+                </a:solidFill>
+                <a:latin typeface="Montserrat Medium" panose="00000600000000000000" pitchFamily="2" charset="-52"/>
+                <a:ea typeface="Montserrat SemiBold"/>
+                <a:cs typeface="Gotham Pro" panose="02000503040000020004" pitchFamily="2" charset="0"/>
+                <a:sym typeface="Montserrat SemiBold"/>
+              </a:rPr>
+              <a:t>Сервисы управления ДНС</a:t>
+            </a:r>
+          </a:p>
+        </p:txBody>
+      </p:sp>
+      <p:sp>
+        <p:nvSpPr>
+          <p:cNvPr id="24" name="Стрелка: влево-вправо 23">
+            <a:extLst>
+              <a:ext uri="{FF2B5EF4-FFF2-40B4-BE49-F238E27FC236}">
+                <a16:creationId xmlns:a16="http://schemas.microsoft.com/office/drawing/2014/main" id="{33480786-18E2-CDEB-F19E-74DCB9802747}"/>
+              </a:ext>
+            </a:extLst>
+          </p:cNvPr>
+          <p:cNvSpPr/>
+          <p:nvPr/>
+        </p:nvSpPr>
+        <p:spPr>
+          <a:xfrm rot="13442032">
+            <a:off x="2768287" y="2607060"/>
+            <a:ext cx="840665" cy="297599"/>
+          </a:xfrm>
+          <a:prstGeom prst="leftRightArrow">
+            <a:avLst/>
+          </a:prstGeom>
+          <a:solidFill>
+            <a:srgbClr val="C5E5D7"/>
+          </a:solidFill>
+          <a:ln>
+            <a:solidFill>
+              <a:srgbClr val="008E5B"/>
+            </a:solidFill>
+          </a:ln>
+        </p:spPr>
+        <p:style>
+          <a:lnRef idx="2">
+            <a:schemeClr val="accent1">
+              <a:shade val="15000"/>
+            </a:schemeClr>
+          </a:lnRef>
+          <a:fillRef idx="1">
+            <a:schemeClr val="accent1"/>
+          </a:fillRef>
+          <a:effectRef idx="0">
+            <a:schemeClr val="accent1"/>
+          </a:effectRef>
+          <a:fontRef idx="minor">
+            <a:schemeClr val="lt1"/>
+          </a:fontRef>
+        </p:style>
+        <p:txBody>
+          <a:bodyPr rtlCol="0" anchor="ctr"/>
+          <a:lstStyle/>
+          <a:p>
+            <a:pPr algn="ctr"/>
+            <a:endParaRPr lang="ru-RU"/>
+          </a:p>
+        </p:txBody>
+      </p:sp>
+      <p:sp>
+        <p:nvSpPr>
+          <p:cNvPr id="26" name="Стрелка: влево-вправо 25">
+            <a:extLst>
+              <a:ext uri="{FF2B5EF4-FFF2-40B4-BE49-F238E27FC236}">
+                <a16:creationId xmlns:a16="http://schemas.microsoft.com/office/drawing/2014/main" id="{FC381CF7-31D1-4CD3-1D75-93E625AA2428}"/>
+              </a:ext>
+            </a:extLst>
+          </p:cNvPr>
+          <p:cNvSpPr/>
+          <p:nvPr/>
+        </p:nvSpPr>
+        <p:spPr>
+          <a:xfrm rot="13442032">
+            <a:off x="1630796" y="2804769"/>
+            <a:ext cx="1411443" cy="297599"/>
+          </a:xfrm>
+          <a:prstGeom prst="leftRightArrow">
+            <a:avLst/>
+          </a:prstGeom>
+          <a:solidFill>
+            <a:srgbClr val="C5E5D7"/>
+          </a:solidFill>
+          <a:ln>
+            <a:solidFill>
+              <a:srgbClr val="008E5B"/>
+            </a:solidFill>
+          </a:ln>
+        </p:spPr>
+        <p:style>
+          <a:lnRef idx="2">
+            <a:schemeClr val="accent1">
+              <a:shade val="15000"/>
+            </a:schemeClr>
+          </a:lnRef>
+          <a:fillRef idx="1">
+            <a:schemeClr val="accent1"/>
+          </a:fillRef>
+          <a:effectRef idx="0">
+            <a:schemeClr val="accent1"/>
+          </a:effectRef>
+          <a:fontRef idx="minor">
+            <a:schemeClr val="lt1"/>
+          </a:fontRef>
+        </p:style>
+        <p:txBody>
+          <a:bodyPr rtlCol="0" anchor="ctr"/>
+          <a:lstStyle/>
+          <a:p>
+            <a:pPr algn="ctr"/>
+            <a:endParaRPr lang="ru-RU"/>
+          </a:p>
+        </p:txBody>
+      </p:sp>
+      <p:sp>
+        <p:nvSpPr>
+          <p:cNvPr id="27" name="Стрелка: влево-вправо 26">
+            <a:extLst>
+              <a:ext uri="{FF2B5EF4-FFF2-40B4-BE49-F238E27FC236}">
+                <a16:creationId xmlns:a16="http://schemas.microsoft.com/office/drawing/2014/main" id="{CBDDDAB0-0F07-6840-DB96-7215295A3B20}"/>
+              </a:ext>
+            </a:extLst>
+          </p:cNvPr>
+          <p:cNvSpPr/>
+          <p:nvPr/>
+        </p:nvSpPr>
+        <p:spPr>
+          <a:xfrm rot="13442032">
+            <a:off x="645951" y="3162906"/>
+            <a:ext cx="2312591" cy="297599"/>
+          </a:xfrm>
+          <a:prstGeom prst="leftRightArrow">
+            <a:avLst/>
+          </a:prstGeom>
+          <a:solidFill>
+            <a:srgbClr val="C5E5D7"/>
+          </a:solidFill>
+          <a:ln>
+            <a:solidFill>
+              <a:srgbClr val="008E5B"/>
+            </a:solidFill>
+          </a:ln>
+        </p:spPr>
+        <p:style>
+          <a:lnRef idx="2">
+            <a:schemeClr val="accent1">
+              <a:shade val="15000"/>
+            </a:schemeClr>
+          </a:lnRef>
+          <a:fillRef idx="1">
+            <a:schemeClr val="accent1"/>
+          </a:fillRef>
+          <a:effectRef idx="0">
+            <a:schemeClr val="accent1"/>
+          </a:effectRef>
+          <a:fontRef idx="minor">
+            <a:schemeClr val="lt1"/>
+          </a:fontRef>
+        </p:style>
+        <p:txBody>
+          <a:bodyPr rtlCol="0" anchor="ctr"/>
+          <a:lstStyle/>
+          <a:p>
+            <a:pPr algn="ctr"/>
+            <a:endParaRPr lang="ru-RU"/>
+          </a:p>
+        </p:txBody>
+      </p:sp>
+      <p:sp>
+        <p:nvSpPr>
+          <p:cNvPr id="28" name="Шестиугольник 27">
+            <a:extLst>
+              <a:ext uri="{FF2B5EF4-FFF2-40B4-BE49-F238E27FC236}">
+                <a16:creationId xmlns:a16="http://schemas.microsoft.com/office/drawing/2014/main" id="{86F12670-0AEA-C9D7-1E3B-A5398278793B}"/>
+              </a:ext>
+            </a:extLst>
+          </p:cNvPr>
+          <p:cNvSpPr/>
+          <p:nvPr/>
+        </p:nvSpPr>
+        <p:spPr>
+          <a:xfrm>
+            <a:off x="625783" y="5356194"/>
+            <a:ext cx="720000" cy="720000"/>
+          </a:xfrm>
+          <a:prstGeom prst="hexagon">
+            <a:avLst/>
+          </a:prstGeom>
+          <a:solidFill>
+            <a:srgbClr val="7CC4A3"/>
+          </a:solidFill>
+          <a:ln>
+            <a:solidFill>
+              <a:srgbClr val="008E5B"/>
+            </a:solidFill>
+          </a:ln>
+        </p:spPr>
+        <p:style>
+          <a:lnRef idx="2">
+            <a:schemeClr val="accent1">
+              <a:shade val="15000"/>
+            </a:schemeClr>
+          </a:lnRef>
+          <a:fillRef idx="1">
+            <a:schemeClr val="accent1"/>
+          </a:fillRef>
+          <a:effectRef idx="0">
+            <a:schemeClr val="accent1"/>
+          </a:effectRef>
+          <a:fontRef idx="minor">
+            <a:schemeClr val="lt1"/>
+          </a:fontRef>
+        </p:style>
+        <p:txBody>
+          <a:bodyPr rtlCol="0" anchor="ctr"/>
+          <a:lstStyle/>
+          <a:p>
+            <a:pPr algn="ctr"/>
+            <a:endParaRPr lang="ru-RU"/>
+          </a:p>
+        </p:txBody>
+      </p:sp>
+      <p:sp>
+        <p:nvSpPr>
+          <p:cNvPr id="29" name="Google Shape;62;p14">
+            <a:extLst>
+              <a:ext uri="{FF2B5EF4-FFF2-40B4-BE49-F238E27FC236}">
+                <a16:creationId xmlns:a16="http://schemas.microsoft.com/office/drawing/2014/main" id="{2B727031-4C39-29B3-19CD-9B123D8FCE8A}"/>
+              </a:ext>
+            </a:extLst>
+          </p:cNvPr>
+          <p:cNvSpPr txBox="1">
+            <a:spLocks/>
+          </p:cNvSpPr>
+          <p:nvPr/>
+        </p:nvSpPr>
+        <p:spPr>
+          <a:xfrm>
+            <a:off x="140583" y="4932120"/>
+            <a:ext cx="1205200" cy="297599"/>
+          </a:xfrm>
+          <a:prstGeom prst="rect">
+            <a:avLst/>
+          </a:prstGeom>
+        </p:spPr>
+        <p:txBody>
+          <a:bodyPr spcFirstLastPara="1" vert="horz" wrap="square" lIns="91425" tIns="91425" rIns="91425" bIns="91425" rtlCol="0" anchor="t" anchorCtr="0">
+            <a:noAutofit/>
+          </a:bodyPr>
+          <a:lstStyle>
+            <a:lvl1pPr algn="ctr" defTabSz="914400" rtl="0" eaLnBrk="1" latinLnBrk="0" hangingPunct="1">
+              <a:lnSpc>
+                <a:spcPct val="90000"/>
+              </a:lnSpc>
+              <a:spcBef>
+                <a:spcPct val="0"/>
+              </a:spcBef>
+              <a:buNone/>
+              <a:defRPr sz="6000" kern="1200">
+                <a:solidFill>
+                  <a:schemeClr val="tx1"/>
+                </a:solidFill>
+                <a:latin typeface="+mj-lt"/>
+                <a:ea typeface="+mj-ea"/>
+                <a:cs typeface="+mj-cs"/>
+              </a:defRPr>
+            </a:lvl1pPr>
+          </a:lstStyle>
+          <a:p>
+            <a:pPr>
+              <a:buClr>
+                <a:schemeClr val="dk1"/>
+              </a:buClr>
+              <a:buSzPts val="990"/>
+            </a:pPr>
+            <a:r>
+              <a:rPr lang="ru-RU" sz="1100" b="1" dirty="0">
+                <a:solidFill>
+                  <a:srgbClr val="D53033"/>
+                </a:solidFill>
+                <a:latin typeface="Montserrat Medium" panose="00000600000000000000" pitchFamily="2" charset="-52"/>
+                <a:ea typeface="Montserrat SemiBold"/>
+                <a:cs typeface="Gotham Pro" panose="02000503040000020004" pitchFamily="2" charset="0"/>
+                <a:sym typeface="Montserrat SemiBold"/>
+              </a:rPr>
+              <a:t>Сервис контроля ТП</a:t>
+            </a:r>
+          </a:p>
+        </p:txBody>
+      </p:sp>
+      <p:sp>
+        <p:nvSpPr>
+          <p:cNvPr id="30" name="Стрелка: вправо 29">
+            <a:extLst>
+              <a:ext uri="{FF2B5EF4-FFF2-40B4-BE49-F238E27FC236}">
+                <a16:creationId xmlns:a16="http://schemas.microsoft.com/office/drawing/2014/main" id="{0CD0142A-D58E-EE96-A3EB-E643025F6695}"/>
+              </a:ext>
+            </a:extLst>
+          </p:cNvPr>
+          <p:cNvSpPr/>
+          <p:nvPr/>
+        </p:nvSpPr>
+        <p:spPr>
+          <a:xfrm rot="19234105">
+            <a:off x="1113298" y="4672798"/>
+            <a:ext cx="2000090" cy="297012"/>
+          </a:xfrm>
+          <a:prstGeom prst="rightArrow">
+            <a:avLst/>
+          </a:prstGeom>
+          <a:solidFill>
+            <a:srgbClr val="C5E5D7"/>
+          </a:solidFill>
+          <a:ln>
+            <a:solidFill>
+              <a:srgbClr val="008E5B"/>
+            </a:solidFill>
+          </a:ln>
+        </p:spPr>
+        <p:style>
+          <a:lnRef idx="2">
+            <a:schemeClr val="accent1">
+              <a:shade val="15000"/>
+            </a:schemeClr>
+          </a:lnRef>
+          <a:fillRef idx="1">
+            <a:schemeClr val="accent1"/>
+          </a:fillRef>
+          <a:effectRef idx="0">
+            <a:schemeClr val="accent1"/>
+          </a:effectRef>
+          <a:fontRef idx="minor">
+            <a:schemeClr val="lt1"/>
+          </a:fontRef>
+        </p:style>
+        <p:txBody>
+          <a:bodyPr rtlCol="0" anchor="ctr"/>
+          <a:lstStyle/>
+          <a:p>
+            <a:pPr algn="ctr"/>
+            <a:endParaRPr lang="ru-RU"/>
+          </a:p>
+        </p:txBody>
+      </p:sp>
+      <p:sp>
+        <p:nvSpPr>
+          <p:cNvPr id="31" name="Google Shape;62;p14">
+            <a:extLst>
+              <a:ext uri="{FF2B5EF4-FFF2-40B4-BE49-F238E27FC236}">
+                <a16:creationId xmlns:a16="http://schemas.microsoft.com/office/drawing/2014/main" id="{865F312D-07B5-F403-9951-60D246C486E7}"/>
+              </a:ext>
+            </a:extLst>
+          </p:cNvPr>
+          <p:cNvSpPr txBox="1">
+            <a:spLocks/>
+          </p:cNvSpPr>
+          <p:nvPr/>
+        </p:nvSpPr>
+        <p:spPr>
+          <a:xfrm>
+            <a:off x="7514039" y="4281740"/>
+            <a:ext cx="1454331" cy="608094"/>
+          </a:xfrm>
+          <a:prstGeom prst="rect">
+            <a:avLst/>
+          </a:prstGeom>
+        </p:spPr>
+        <p:txBody>
+          <a:bodyPr spcFirstLastPara="1" vert="horz" wrap="square" lIns="91425" tIns="91425" rIns="91425" bIns="91425" rtlCol="0" anchor="t" anchorCtr="0">
+            <a:noAutofit/>
+          </a:bodyPr>
+          <a:lstStyle>
+            <a:lvl1pPr algn="ctr" defTabSz="914400" rtl="0" eaLnBrk="1" latinLnBrk="0" hangingPunct="1">
+              <a:lnSpc>
+                <a:spcPct val="90000"/>
+              </a:lnSpc>
+              <a:spcBef>
+                <a:spcPct val="0"/>
+              </a:spcBef>
+              <a:buNone/>
+              <a:defRPr sz="6000" kern="1200">
+                <a:solidFill>
+                  <a:schemeClr val="tx1"/>
+                </a:solidFill>
+                <a:latin typeface="+mj-lt"/>
+                <a:ea typeface="+mj-ea"/>
+                <a:cs typeface="+mj-cs"/>
+              </a:defRPr>
+            </a:lvl1pPr>
+          </a:lstStyle>
+          <a:p>
+            <a:pPr>
+              <a:buClr>
+                <a:schemeClr val="dk1"/>
+              </a:buClr>
+              <a:buSzPts val="990"/>
+            </a:pPr>
+            <a:r>
+              <a:rPr lang="ru-RU" sz="1100" b="1" dirty="0">
+                <a:solidFill>
+                  <a:schemeClr val="tx1">
+                    <a:lumMod val="50000"/>
+                    <a:lumOff val="50000"/>
+                  </a:schemeClr>
+                </a:solidFill>
+                <a:latin typeface="Montserrat Medium" panose="00000600000000000000" pitchFamily="2" charset="-52"/>
+                <a:ea typeface="Montserrat SemiBold"/>
+                <a:cs typeface="Gotham Pro" panose="02000503040000020004" pitchFamily="2" charset="0"/>
+                <a:sym typeface="Montserrat SemiBold"/>
+              </a:rPr>
+              <a:t>Интерфейс параметров модели</a:t>
+            </a:r>
+          </a:p>
+        </p:txBody>
+      </p:sp>
+      <p:sp>
+        <p:nvSpPr>
+          <p:cNvPr id="32" name="Google Shape;62;p14">
+            <a:extLst>
+              <a:ext uri="{FF2B5EF4-FFF2-40B4-BE49-F238E27FC236}">
+                <a16:creationId xmlns:a16="http://schemas.microsoft.com/office/drawing/2014/main" id="{8765EFDD-AC99-032E-A081-DD7AA18A3741}"/>
+              </a:ext>
+            </a:extLst>
+          </p:cNvPr>
+          <p:cNvSpPr txBox="1">
+            <a:spLocks/>
+          </p:cNvSpPr>
+          <p:nvPr/>
+        </p:nvSpPr>
+        <p:spPr>
+          <a:xfrm>
+            <a:off x="4030451" y="4222404"/>
+            <a:ext cx="1401187" cy="608094"/>
+          </a:xfrm>
+          <a:prstGeom prst="rect">
+            <a:avLst/>
+          </a:prstGeom>
+          <a:noFill/>
+        </p:spPr>
+        <p:txBody>
+          <a:bodyPr spcFirstLastPara="1" vert="horz" wrap="square" lIns="91425" tIns="91425" rIns="91425" bIns="91425" rtlCol="0" anchor="t" anchorCtr="0">
+            <a:noAutofit/>
+          </a:bodyPr>
+          <a:lstStyle>
+            <a:lvl1pPr algn="ctr" defTabSz="914400" rtl="0" eaLnBrk="1" latinLnBrk="0" hangingPunct="1">
+              <a:lnSpc>
+                <a:spcPct val="90000"/>
+              </a:lnSpc>
+              <a:spcBef>
+                <a:spcPct val="0"/>
+              </a:spcBef>
+              <a:buNone/>
+              <a:defRPr sz="6000" kern="1200">
+                <a:solidFill>
+                  <a:schemeClr val="tx1"/>
+                </a:solidFill>
+                <a:latin typeface="+mj-lt"/>
+                <a:ea typeface="+mj-ea"/>
+                <a:cs typeface="+mj-cs"/>
+              </a:defRPr>
+            </a:lvl1pPr>
+          </a:lstStyle>
+          <a:p>
+            <a:pPr>
+              <a:buClr>
+                <a:schemeClr val="dk1"/>
+              </a:buClr>
+              <a:buSzPts val="990"/>
+            </a:pPr>
+            <a:r>
+              <a:rPr lang="ru-RU" sz="1100" b="1" dirty="0">
+                <a:solidFill>
+                  <a:schemeClr val="tx1">
+                    <a:lumMod val="50000"/>
+                    <a:lumOff val="50000"/>
+                  </a:schemeClr>
+                </a:solidFill>
+                <a:latin typeface="Montserrat Medium" panose="00000600000000000000" pitchFamily="2" charset="-52"/>
+                <a:ea typeface="Montserrat SemiBold"/>
+                <a:cs typeface="Gotham Pro" panose="02000503040000020004" pitchFamily="2" charset="0"/>
+                <a:sym typeface="Montserrat SemiBold"/>
+              </a:rPr>
+              <a:t>Интерфейс результатов моделирования</a:t>
+            </a:r>
+          </a:p>
+        </p:txBody>
+      </p:sp>
+      <p:sp>
+        <p:nvSpPr>
+          <p:cNvPr id="33" name="Стрелка: вправо 32">
+            <a:extLst>
+              <a:ext uri="{FF2B5EF4-FFF2-40B4-BE49-F238E27FC236}">
+                <a16:creationId xmlns:a16="http://schemas.microsoft.com/office/drawing/2014/main" id="{C9EA0587-31C6-FF48-EE12-2F4748327D76}"/>
+              </a:ext>
+            </a:extLst>
+          </p:cNvPr>
+          <p:cNvSpPr/>
+          <p:nvPr/>
+        </p:nvSpPr>
+        <p:spPr>
+          <a:xfrm>
+            <a:off x="4115243" y="3241427"/>
+            <a:ext cx="1748367" cy="297012"/>
+          </a:xfrm>
+          <a:prstGeom prst="rightArrow">
+            <a:avLst/>
+          </a:prstGeom>
+          <a:solidFill>
+            <a:srgbClr val="C5E5D7"/>
+          </a:solidFill>
+          <a:ln>
+            <a:solidFill>
+              <a:srgbClr val="008E5B"/>
+            </a:solidFill>
+          </a:ln>
+        </p:spPr>
+        <p:style>
+          <a:lnRef idx="2">
+            <a:schemeClr val="accent1">
+              <a:shade val="15000"/>
+            </a:schemeClr>
+          </a:lnRef>
+          <a:fillRef idx="1">
+            <a:schemeClr val="accent1"/>
+          </a:fillRef>
+          <a:effectRef idx="0">
+            <a:schemeClr val="accent1"/>
+          </a:effectRef>
+          <a:fontRef idx="minor">
+            <a:schemeClr val="lt1"/>
+          </a:fontRef>
+        </p:style>
+        <p:txBody>
+          <a:bodyPr rtlCol="0" anchor="ctr"/>
+          <a:lstStyle/>
+          <a:p>
+            <a:pPr algn="ctr"/>
+            <a:endParaRPr lang="ru-RU"/>
+          </a:p>
+        </p:txBody>
+      </p:sp>
+      <p:sp>
+        <p:nvSpPr>
+          <p:cNvPr id="34" name="Google Shape;62;p14">
+            <a:extLst>
+              <a:ext uri="{FF2B5EF4-FFF2-40B4-BE49-F238E27FC236}">
+                <a16:creationId xmlns:a16="http://schemas.microsoft.com/office/drawing/2014/main" id="{8937DD66-8FC4-66AF-839E-E933F4F1D072}"/>
+              </a:ext>
+            </a:extLst>
+          </p:cNvPr>
+          <p:cNvSpPr txBox="1">
+            <a:spLocks/>
+          </p:cNvSpPr>
+          <p:nvPr/>
+        </p:nvSpPr>
+        <p:spPr>
+          <a:xfrm>
+            <a:off x="4231006" y="2427839"/>
+            <a:ext cx="1205014" cy="608094"/>
+          </a:xfrm>
+          <a:prstGeom prst="rect">
+            <a:avLst/>
+          </a:prstGeom>
+        </p:spPr>
+        <p:txBody>
+          <a:bodyPr spcFirstLastPara="1" vert="horz" wrap="square" lIns="91425" tIns="91425" rIns="91425" bIns="91425" rtlCol="0" anchor="t" anchorCtr="0">
+            <a:noAutofit/>
+          </a:bodyPr>
+          <a:lstStyle>
+            <a:lvl1pPr algn="ctr" defTabSz="914400" rtl="0" eaLnBrk="1" latinLnBrk="0" hangingPunct="1">
+              <a:lnSpc>
+                <a:spcPct val="90000"/>
+              </a:lnSpc>
+              <a:spcBef>
+                <a:spcPct val="0"/>
+              </a:spcBef>
+              <a:buNone/>
+              <a:defRPr sz="6000" kern="1200">
+                <a:solidFill>
+                  <a:schemeClr val="tx1"/>
+                </a:solidFill>
+                <a:latin typeface="+mj-lt"/>
+                <a:ea typeface="+mj-ea"/>
+                <a:cs typeface="+mj-cs"/>
+              </a:defRPr>
+            </a:lvl1pPr>
+          </a:lstStyle>
+          <a:p>
+            <a:pPr>
+              <a:buClr>
+                <a:schemeClr val="dk1"/>
+              </a:buClr>
+              <a:buSzPts val="990"/>
+            </a:pPr>
+            <a:r>
+              <a:rPr lang="ru-RU" sz="1100" b="1" dirty="0">
+                <a:solidFill>
+                  <a:schemeClr val="tx1">
+                    <a:lumMod val="50000"/>
+                    <a:lumOff val="50000"/>
+                  </a:schemeClr>
+                </a:solidFill>
+                <a:latin typeface="Montserrat Medium" panose="00000600000000000000" pitchFamily="2" charset="-52"/>
+                <a:ea typeface="Montserrat SemiBold"/>
+                <a:cs typeface="Gotham Pro" panose="02000503040000020004" pitchFamily="2" charset="0"/>
+                <a:sym typeface="Montserrat SemiBold"/>
+              </a:rPr>
+              <a:t>Интерфейс параметров модели</a:t>
+            </a:r>
+          </a:p>
+        </p:txBody>
+      </p:sp>
+      <p:sp>
+        <p:nvSpPr>
+          <p:cNvPr id="35" name="Стрелка: вправо 34">
+            <a:extLst>
+              <a:ext uri="{FF2B5EF4-FFF2-40B4-BE49-F238E27FC236}">
+                <a16:creationId xmlns:a16="http://schemas.microsoft.com/office/drawing/2014/main" id="{E0D11C9B-BFF6-1A8C-AFA6-4C3E15D559B4}"/>
+              </a:ext>
+            </a:extLst>
+          </p:cNvPr>
+          <p:cNvSpPr/>
+          <p:nvPr/>
+        </p:nvSpPr>
+        <p:spPr>
+          <a:xfrm rot="10800000">
+            <a:off x="3919466" y="3579226"/>
+            <a:ext cx="1748367" cy="297012"/>
+          </a:xfrm>
+          <a:prstGeom prst="rightArrow">
+            <a:avLst/>
+          </a:prstGeom>
+          <a:solidFill>
+            <a:srgbClr val="C5E5D7"/>
+          </a:solidFill>
+          <a:ln>
+            <a:solidFill>
+              <a:srgbClr val="008E5B"/>
+            </a:solidFill>
+          </a:ln>
+        </p:spPr>
+        <p:style>
+          <a:lnRef idx="2">
+            <a:schemeClr val="accent1">
+              <a:shade val="15000"/>
+            </a:schemeClr>
+          </a:lnRef>
+          <a:fillRef idx="1">
+            <a:schemeClr val="accent1"/>
+          </a:fillRef>
+          <a:effectRef idx="0">
+            <a:schemeClr val="accent1"/>
+          </a:effectRef>
+          <a:fontRef idx="minor">
+            <a:schemeClr val="lt1"/>
+          </a:fontRef>
+        </p:style>
+        <p:txBody>
+          <a:bodyPr rtlCol="0" anchor="ctr"/>
+          <a:lstStyle/>
+          <a:p>
+            <a:pPr algn="ctr"/>
+            <a:endParaRPr lang="ru-RU"/>
+          </a:p>
+        </p:txBody>
+      </p:sp>
+      <p:pic>
+        <p:nvPicPr>
+          <p:cNvPr id="39" name="Рисунок 38">
+            <a:extLst>
+              <a:ext uri="{FF2B5EF4-FFF2-40B4-BE49-F238E27FC236}">
+                <a16:creationId xmlns:a16="http://schemas.microsoft.com/office/drawing/2014/main" id="{9C57D51C-9812-B326-CAB8-B1E76F8A8DCC}"/>
+              </a:ext>
+            </a:extLst>
+          </p:cNvPr>
+          <p:cNvPicPr>
+            <a:picLocks noChangeAspect="1"/>
+          </p:cNvPicPr>
+          <p:nvPr/>
+        </p:nvPicPr>
+        <p:blipFill>
+          <a:blip r:embed="rId5"/>
+          <a:stretch>
+            <a:fillRect/>
+          </a:stretch>
+        </p:blipFill>
+        <p:spPr>
+          <a:xfrm>
+            <a:off x="1874187" y="5262776"/>
+            <a:ext cx="2073907" cy="1121835"/>
+          </a:xfrm>
+          <a:prstGeom prst="rect">
+            <a:avLst/>
+          </a:prstGeom>
+          <a:ln>
+            <a:solidFill>
+              <a:srgbClr val="008E5B"/>
+            </a:solidFill>
+          </a:ln>
+        </p:spPr>
+      </p:pic>
+      <p:sp>
+        <p:nvSpPr>
+          <p:cNvPr id="41" name="Стрелка: вправо 40">
+            <a:extLst>
+              <a:ext uri="{FF2B5EF4-FFF2-40B4-BE49-F238E27FC236}">
+                <a16:creationId xmlns:a16="http://schemas.microsoft.com/office/drawing/2014/main" id="{EFDCA160-DC27-D21B-610A-058ADC26ACB3}"/>
+              </a:ext>
+            </a:extLst>
+          </p:cNvPr>
+          <p:cNvSpPr/>
+          <p:nvPr/>
+        </p:nvSpPr>
+        <p:spPr>
+          <a:xfrm rot="5400000">
+            <a:off x="2857661" y="4741328"/>
+            <a:ext cx="1390290" cy="297012"/>
+          </a:xfrm>
+          <a:prstGeom prst="rightArrow">
+            <a:avLst/>
+          </a:prstGeom>
+          <a:solidFill>
+            <a:srgbClr val="C5E5D7"/>
+          </a:solidFill>
+          <a:ln>
+            <a:solidFill>
+              <a:srgbClr val="008E5B"/>
+            </a:solidFill>
+          </a:ln>
+        </p:spPr>
+        <p:style>
+          <a:lnRef idx="2">
+            <a:schemeClr val="accent1">
+              <a:shade val="15000"/>
+            </a:schemeClr>
+          </a:lnRef>
+          <a:fillRef idx="1">
+            <a:schemeClr val="accent1"/>
+          </a:fillRef>
+          <a:effectRef idx="0">
+            <a:schemeClr val="accent1"/>
+          </a:effectRef>
+          <a:fontRef idx="minor">
+            <a:schemeClr val="lt1"/>
+          </a:fontRef>
+        </p:style>
+        <p:txBody>
+          <a:bodyPr rtlCol="0" anchor="ctr"/>
+          <a:lstStyle/>
+          <a:p>
+            <a:pPr algn="ctr"/>
+            <a:endParaRPr lang="ru-RU"/>
+          </a:p>
+        </p:txBody>
+      </p:sp>
+      <p:sp>
+        <p:nvSpPr>
+          <p:cNvPr id="40" name="Google Shape;62;p14">
+            <a:extLst>
+              <a:ext uri="{FF2B5EF4-FFF2-40B4-BE49-F238E27FC236}">
+                <a16:creationId xmlns:a16="http://schemas.microsoft.com/office/drawing/2014/main" id="{2155D9D9-2EFF-D850-B4E3-26F474730902}"/>
+              </a:ext>
+            </a:extLst>
+          </p:cNvPr>
+          <p:cNvSpPr txBox="1">
+            <a:spLocks/>
+          </p:cNvSpPr>
+          <p:nvPr/>
+        </p:nvSpPr>
+        <p:spPr>
+          <a:xfrm>
+            <a:off x="2133686" y="4817276"/>
+            <a:ext cx="1261933" cy="297599"/>
+          </a:xfrm>
+          <a:prstGeom prst="rect">
+            <a:avLst/>
+          </a:prstGeom>
+        </p:spPr>
+        <p:txBody>
+          <a:bodyPr spcFirstLastPara="1" vert="horz" wrap="square" lIns="91425" tIns="91425" rIns="91425" bIns="91425" rtlCol="0" anchor="t" anchorCtr="0">
+            <a:noAutofit/>
+          </a:bodyPr>
+          <a:lstStyle>
+            <a:lvl1pPr algn="ctr" defTabSz="914400" rtl="0" eaLnBrk="1" latinLnBrk="0" hangingPunct="1">
+              <a:lnSpc>
+                <a:spcPct val="90000"/>
+              </a:lnSpc>
+              <a:spcBef>
+                <a:spcPct val="0"/>
+              </a:spcBef>
+              <a:buNone/>
+              <a:defRPr sz="6000" kern="1200">
+                <a:solidFill>
+                  <a:schemeClr val="tx1"/>
+                </a:solidFill>
+                <a:latin typeface="+mj-lt"/>
+                <a:ea typeface="+mj-ea"/>
+                <a:cs typeface="+mj-cs"/>
+              </a:defRPr>
+            </a:lvl1pPr>
+          </a:lstStyle>
+          <a:p>
+            <a:pPr>
+              <a:buClr>
+                <a:schemeClr val="dk1"/>
+              </a:buClr>
+              <a:buSzPts val="990"/>
+            </a:pPr>
+            <a:r>
+              <a:rPr lang="en-US" sz="1100" b="1" dirty="0">
+                <a:solidFill>
+                  <a:srgbClr val="D53033"/>
+                </a:solidFill>
+                <a:latin typeface="Montserrat Medium" panose="00000600000000000000" pitchFamily="2" charset="-52"/>
+                <a:ea typeface="Montserrat SemiBold"/>
+                <a:cs typeface="Gotham Pro" panose="02000503040000020004" pitchFamily="2" charset="0"/>
+                <a:sym typeface="Montserrat SemiBold"/>
+              </a:rPr>
+              <a:t>UI </a:t>
+            </a:r>
+            <a:r>
+              <a:rPr lang="ru-RU" sz="1100" b="1" dirty="0">
+                <a:solidFill>
+                  <a:srgbClr val="D53033"/>
+                </a:solidFill>
+                <a:latin typeface="Montserrat Medium" panose="00000600000000000000" pitchFamily="2" charset="-52"/>
+                <a:ea typeface="Montserrat SemiBold"/>
+                <a:cs typeface="Gotham Pro" panose="02000503040000020004" pitchFamily="2" charset="0"/>
+                <a:sym typeface="Montserrat SemiBold"/>
+              </a:rPr>
+              <a:t>системы мониторинга</a:t>
+            </a:r>
+          </a:p>
+        </p:txBody>
+      </p:sp>
+      <p:sp>
+        <p:nvSpPr>
+          <p:cNvPr id="42" name="Google Shape;62;p14">
+            <a:extLst>
+              <a:ext uri="{FF2B5EF4-FFF2-40B4-BE49-F238E27FC236}">
+                <a16:creationId xmlns:a16="http://schemas.microsoft.com/office/drawing/2014/main" id="{09C07EAE-0DC9-2F3A-ECA6-D43A25FD5402}"/>
+              </a:ext>
+            </a:extLst>
+          </p:cNvPr>
+          <p:cNvSpPr txBox="1">
+            <a:spLocks/>
+          </p:cNvSpPr>
+          <p:nvPr/>
+        </p:nvSpPr>
+        <p:spPr>
+          <a:xfrm>
+            <a:off x="1450809" y="6379277"/>
+            <a:ext cx="2467813" cy="329402"/>
+          </a:xfrm>
+          <a:prstGeom prst="rect">
+            <a:avLst/>
+          </a:prstGeom>
+        </p:spPr>
+        <p:txBody>
+          <a:bodyPr spcFirstLastPara="1" vert="horz" wrap="square" lIns="91425" tIns="91425" rIns="91425" bIns="91425" rtlCol="0" anchor="t" anchorCtr="0">
+            <a:noAutofit/>
+          </a:bodyPr>
+          <a:lstStyle>
+            <a:lvl1pPr algn="ctr" defTabSz="914400" rtl="0" eaLnBrk="1" latinLnBrk="0" hangingPunct="1">
+              <a:lnSpc>
+                <a:spcPct val="90000"/>
+              </a:lnSpc>
+              <a:spcBef>
+                <a:spcPct val="0"/>
+              </a:spcBef>
+              <a:buNone/>
+              <a:defRPr sz="6000" kern="1200">
+                <a:solidFill>
+                  <a:schemeClr val="tx1"/>
+                </a:solidFill>
+                <a:latin typeface="+mj-lt"/>
+                <a:ea typeface="+mj-ea"/>
+                <a:cs typeface="+mj-cs"/>
+              </a:defRPr>
+            </a:lvl1pPr>
+          </a:lstStyle>
+          <a:p>
+            <a:pPr>
+              <a:buClr>
+                <a:schemeClr val="dk1"/>
+              </a:buClr>
+              <a:buSzPts val="990"/>
+            </a:pPr>
+            <a:r>
+              <a:rPr lang="en-US" sz="1100" b="1" dirty="0">
+                <a:solidFill>
+                  <a:schemeClr val="tx1">
+                    <a:lumMod val="50000"/>
+                    <a:lumOff val="50000"/>
+                  </a:schemeClr>
+                </a:solidFill>
+                <a:latin typeface="Montserrat Medium" panose="00000600000000000000" pitchFamily="2" charset="-52"/>
+                <a:ea typeface="Montserrat SemiBold"/>
+                <a:cs typeface="Gotham Pro" panose="02000503040000020004" pitchFamily="2" charset="0"/>
+                <a:sym typeface="Montserrat SemiBold"/>
+              </a:rPr>
+              <a:t>Web</a:t>
+            </a:r>
+            <a:r>
+              <a:rPr lang="ru-RU" sz="1100" b="1" dirty="0">
+                <a:solidFill>
+                  <a:schemeClr val="tx1">
+                    <a:lumMod val="50000"/>
+                    <a:lumOff val="50000"/>
+                  </a:schemeClr>
+                </a:solidFill>
+                <a:latin typeface="Montserrat Medium" panose="00000600000000000000" pitchFamily="2" charset="-52"/>
+                <a:ea typeface="Montserrat SemiBold"/>
+                <a:cs typeface="Gotham Pro" panose="02000503040000020004" pitchFamily="2" charset="0"/>
+                <a:sym typeface="Montserrat SemiBold"/>
+              </a:rPr>
+              <a:t>-приложение, </a:t>
+            </a:r>
+            <a:r>
+              <a:rPr lang="en-US" sz="1100" b="1" dirty="0">
+                <a:solidFill>
+                  <a:schemeClr val="tx1">
+                    <a:lumMod val="50000"/>
+                    <a:lumOff val="50000"/>
+                  </a:schemeClr>
+                </a:solidFill>
+                <a:latin typeface="Montserrat Medium" panose="00000600000000000000" pitchFamily="2" charset="-52"/>
+                <a:ea typeface="Montserrat SemiBold"/>
+                <a:cs typeface="Gotham Pro" panose="02000503040000020004" pitchFamily="2" charset="0"/>
+                <a:sym typeface="Montserrat SemiBold"/>
+              </a:rPr>
+              <a:t>JavaScript</a:t>
+            </a:r>
+            <a:endParaRPr lang="ru-RU" sz="1100" b="1" dirty="0">
+              <a:solidFill>
+                <a:schemeClr val="tx1">
+                  <a:lumMod val="50000"/>
+                  <a:lumOff val="50000"/>
+                </a:schemeClr>
+              </a:solidFill>
+              <a:latin typeface="Montserrat Medium" panose="00000600000000000000" pitchFamily="2" charset="-52"/>
+              <a:ea typeface="Montserrat SemiBold"/>
+              <a:cs typeface="Gotham Pro" panose="02000503040000020004" pitchFamily="2" charset="0"/>
+              <a:sym typeface="Montserrat SemiBold"/>
+            </a:endParaRPr>
+          </a:p>
+        </p:txBody>
+      </p:sp>
+      <p:sp>
+        <p:nvSpPr>
+          <p:cNvPr id="43" name="AutoShape 4">
+            <a:extLst>
+              <a:ext uri="{FF2B5EF4-FFF2-40B4-BE49-F238E27FC236}">
+                <a16:creationId xmlns:a16="http://schemas.microsoft.com/office/drawing/2014/main" id="{4F537E68-0161-03FB-C1F8-7C834286583E}"/>
+              </a:ext>
+            </a:extLst>
+          </p:cNvPr>
+          <p:cNvSpPr>
+            <a:spLocks noChangeAspect="1" noChangeArrowheads="1"/>
+          </p:cNvSpPr>
+          <p:nvPr/>
+        </p:nvSpPr>
+        <p:spPr bwMode="auto">
+          <a:xfrm>
+            <a:off x="5943600" y="3145966"/>
+            <a:ext cx="304800" cy="304800"/>
+          </a:xfrm>
+          <a:prstGeom prst="rect">
+            <a:avLst/>
+          </a:prstGeom>
+          <a:noFill/>
+          <a:extLst>
+            <a:ext uri="{909E8E84-426E-40DD-AFC4-6F175D3DCCD1}">
+              <a14:hiddenFill xmlns:a14="http://schemas.microsoft.com/office/drawing/2010/main">
+                <a:solidFill>
+                  <a:srgbClr val="FFFFFF"/>
+                </a:solidFill>
+              </a14:hiddenFill>
+            </a:ext>
+          </a:extLst>
+        </p:spPr>
+        <p:txBody>
+          <a:bodyPr vert="horz" wrap="square" lIns="91440" tIns="45720" rIns="91440" bIns="45720" numCol="1" anchor="t" anchorCtr="0" compatLnSpc="1">
+            <a:prstTxWarp prst="textNoShape">
+              <a:avLst/>
+            </a:prstTxWarp>
+          </a:bodyPr>
+          <a:lstStyle/>
+          <a:p>
+            <a:endParaRPr lang="ru-RU"/>
+          </a:p>
+        </p:txBody>
+      </p:sp>
+      <p:pic>
+        <p:nvPicPr>
+          <p:cNvPr id="46" name="Рисунок 45">
+            <a:extLst>
+              <a:ext uri="{FF2B5EF4-FFF2-40B4-BE49-F238E27FC236}">
+                <a16:creationId xmlns:a16="http://schemas.microsoft.com/office/drawing/2014/main" id="{516AFB80-09BE-ED5C-D88C-3C5D533C5693}"/>
+              </a:ext>
+            </a:extLst>
+          </p:cNvPr>
+          <p:cNvPicPr>
+            <a:picLocks noChangeAspect="1"/>
+          </p:cNvPicPr>
+          <p:nvPr/>
+        </p:nvPicPr>
+        <p:blipFill>
+          <a:blip r:embed="rId6"/>
+          <a:stretch>
+            <a:fillRect/>
+          </a:stretch>
+        </p:blipFill>
+        <p:spPr>
+          <a:xfrm>
+            <a:off x="4133742" y="5386932"/>
+            <a:ext cx="1534091" cy="989673"/>
+          </a:xfrm>
+          <a:prstGeom prst="rect">
+            <a:avLst/>
+          </a:prstGeom>
+        </p:spPr>
+      </p:pic>
+      <p:sp>
+        <p:nvSpPr>
+          <p:cNvPr id="47" name="Google Shape;62;p14">
+            <a:extLst>
+              <a:ext uri="{FF2B5EF4-FFF2-40B4-BE49-F238E27FC236}">
+                <a16:creationId xmlns:a16="http://schemas.microsoft.com/office/drawing/2014/main" id="{F268EFE8-EEF0-CFCD-C4ED-D9FD28E03DA4}"/>
+              </a:ext>
+            </a:extLst>
+          </p:cNvPr>
+          <p:cNvSpPr txBox="1">
+            <a:spLocks/>
+          </p:cNvSpPr>
+          <p:nvPr/>
+        </p:nvSpPr>
+        <p:spPr>
+          <a:xfrm>
+            <a:off x="3886529" y="6376605"/>
+            <a:ext cx="2073907" cy="329402"/>
+          </a:xfrm>
+          <a:prstGeom prst="rect">
+            <a:avLst/>
+          </a:prstGeom>
+        </p:spPr>
+        <p:txBody>
+          <a:bodyPr spcFirstLastPara="1" vert="horz" wrap="square" lIns="91425" tIns="91425" rIns="91425" bIns="91425" rtlCol="0" anchor="t" anchorCtr="0">
+            <a:noAutofit/>
+          </a:bodyPr>
+          <a:lstStyle>
+            <a:lvl1pPr algn="ctr" defTabSz="914400" rtl="0" eaLnBrk="1" latinLnBrk="0" hangingPunct="1">
+              <a:lnSpc>
+                <a:spcPct val="90000"/>
+              </a:lnSpc>
+              <a:spcBef>
+                <a:spcPct val="0"/>
+              </a:spcBef>
+              <a:buNone/>
+              <a:defRPr sz="6000" kern="1200">
+                <a:solidFill>
+                  <a:schemeClr val="tx1"/>
+                </a:solidFill>
+                <a:latin typeface="+mj-lt"/>
+                <a:ea typeface="+mj-ea"/>
+                <a:cs typeface="+mj-cs"/>
+              </a:defRPr>
+            </a:lvl1pPr>
+          </a:lstStyle>
+          <a:p>
+            <a:pPr>
+              <a:buClr>
+                <a:schemeClr val="dk1"/>
+              </a:buClr>
+              <a:buSzPts val="990"/>
+            </a:pPr>
+            <a:r>
+              <a:rPr lang="en-US" sz="1100" b="1" dirty="0">
+                <a:solidFill>
+                  <a:schemeClr val="tx1">
+                    <a:lumMod val="50000"/>
+                    <a:lumOff val="50000"/>
+                  </a:schemeClr>
+                </a:solidFill>
+                <a:latin typeface="Montserrat Medium" panose="00000600000000000000" pitchFamily="2" charset="-52"/>
+                <a:ea typeface="Montserrat SemiBold"/>
+                <a:cs typeface="Gotham Pro" panose="02000503040000020004" pitchFamily="2" charset="0"/>
+                <a:sym typeface="Montserrat SemiBold"/>
+              </a:rPr>
+              <a:t>Desktop</a:t>
+            </a:r>
+            <a:r>
+              <a:rPr lang="ru-RU" sz="1100" b="1" dirty="0">
+                <a:solidFill>
+                  <a:schemeClr val="tx1">
+                    <a:lumMod val="50000"/>
+                    <a:lumOff val="50000"/>
+                  </a:schemeClr>
+                </a:solidFill>
+                <a:latin typeface="Montserrat Medium" panose="00000600000000000000" pitchFamily="2" charset="-52"/>
+                <a:ea typeface="Montserrat SemiBold"/>
+                <a:cs typeface="Gotham Pro" panose="02000503040000020004" pitchFamily="2" charset="0"/>
+                <a:sym typeface="Montserrat SemiBold"/>
+              </a:rPr>
+              <a:t>-приложение, </a:t>
+            </a:r>
+            <a:r>
+              <a:rPr lang="en-US" sz="1100" b="1" dirty="0">
+                <a:solidFill>
+                  <a:schemeClr val="tx1">
+                    <a:lumMod val="50000"/>
+                    <a:lumOff val="50000"/>
+                  </a:schemeClr>
+                </a:solidFill>
+                <a:latin typeface="Montserrat Medium" panose="00000600000000000000" pitchFamily="2" charset="-52"/>
+                <a:ea typeface="Montserrat SemiBold"/>
+                <a:cs typeface="Gotham Pro" panose="02000503040000020004" pitchFamily="2" charset="0"/>
+                <a:sym typeface="Montserrat SemiBold"/>
+              </a:rPr>
+              <a:t>C#</a:t>
+            </a:r>
+            <a:endParaRPr lang="ru-RU" sz="1100" b="1" dirty="0">
+              <a:solidFill>
+                <a:schemeClr val="tx1">
+                  <a:lumMod val="50000"/>
+                  <a:lumOff val="50000"/>
+                </a:schemeClr>
+              </a:solidFill>
+              <a:latin typeface="Montserrat Medium" panose="00000600000000000000" pitchFamily="2" charset="-52"/>
+              <a:ea typeface="Montserrat SemiBold"/>
+              <a:cs typeface="Gotham Pro" panose="02000503040000020004" pitchFamily="2" charset="0"/>
+              <a:sym typeface="Montserrat SemiBold"/>
+            </a:endParaRPr>
+          </a:p>
+        </p:txBody>
+      </p:sp>
+      <p:sp>
+        <p:nvSpPr>
+          <p:cNvPr id="48" name="Google Shape;62;p14">
+            <a:extLst>
+              <a:ext uri="{FF2B5EF4-FFF2-40B4-BE49-F238E27FC236}">
+                <a16:creationId xmlns:a16="http://schemas.microsoft.com/office/drawing/2014/main" id="{C3CBD519-63FA-7792-F4E4-341A641244A6}"/>
+              </a:ext>
+            </a:extLst>
+          </p:cNvPr>
+          <p:cNvSpPr txBox="1">
+            <a:spLocks/>
+          </p:cNvSpPr>
+          <p:nvPr/>
+        </p:nvSpPr>
+        <p:spPr>
+          <a:xfrm>
+            <a:off x="4242889" y="4949194"/>
+            <a:ext cx="1261933" cy="297599"/>
+          </a:xfrm>
+          <a:prstGeom prst="rect">
+            <a:avLst/>
+          </a:prstGeom>
+        </p:spPr>
+        <p:txBody>
+          <a:bodyPr spcFirstLastPara="1" vert="horz" wrap="square" lIns="91425" tIns="91425" rIns="91425" bIns="91425" rtlCol="0" anchor="t" anchorCtr="0">
+            <a:noAutofit/>
+          </a:bodyPr>
+          <a:lstStyle>
+            <a:lvl1pPr algn="ctr" defTabSz="914400" rtl="0" eaLnBrk="1" latinLnBrk="0" hangingPunct="1">
+              <a:lnSpc>
+                <a:spcPct val="90000"/>
+              </a:lnSpc>
+              <a:spcBef>
+                <a:spcPct val="0"/>
+              </a:spcBef>
+              <a:buNone/>
+              <a:defRPr sz="6000" kern="1200">
+                <a:solidFill>
+                  <a:schemeClr val="tx1"/>
+                </a:solidFill>
+                <a:latin typeface="+mj-lt"/>
+                <a:ea typeface="+mj-ea"/>
+                <a:cs typeface="+mj-cs"/>
+              </a:defRPr>
+            </a:lvl1pPr>
+          </a:lstStyle>
+          <a:p>
+            <a:pPr>
+              <a:buClr>
+                <a:schemeClr val="dk1"/>
+              </a:buClr>
+              <a:buSzPts val="990"/>
+            </a:pPr>
+            <a:r>
+              <a:rPr lang="en-US" sz="1100" b="1" dirty="0">
+                <a:solidFill>
+                  <a:srgbClr val="D53033"/>
+                </a:solidFill>
+                <a:latin typeface="Montserrat Medium" panose="00000600000000000000" pitchFamily="2" charset="-52"/>
+                <a:ea typeface="Montserrat SemiBold"/>
+                <a:cs typeface="Gotham Pro" panose="02000503040000020004" pitchFamily="2" charset="0"/>
+                <a:sym typeface="Montserrat SemiBold"/>
+              </a:rPr>
+              <a:t>UI </a:t>
+            </a:r>
+            <a:r>
+              <a:rPr lang="ru-RU" sz="1100" b="1" dirty="0">
+                <a:solidFill>
+                  <a:srgbClr val="D53033"/>
+                </a:solidFill>
+                <a:latin typeface="Montserrat Medium" panose="00000600000000000000" pitchFamily="2" charset="-52"/>
+                <a:ea typeface="Montserrat SemiBold"/>
+                <a:cs typeface="Gotham Pro" panose="02000503040000020004" pitchFamily="2" charset="0"/>
+                <a:sym typeface="Montserrat SemiBold"/>
+              </a:rPr>
+              <a:t>оператора системы</a:t>
+            </a:r>
+          </a:p>
+        </p:txBody>
+      </p:sp>
+      <p:sp>
+        <p:nvSpPr>
+          <p:cNvPr id="49" name="Стрелка: вправо 48">
+            <a:extLst>
+              <a:ext uri="{FF2B5EF4-FFF2-40B4-BE49-F238E27FC236}">
+                <a16:creationId xmlns:a16="http://schemas.microsoft.com/office/drawing/2014/main" id="{75D61873-AC90-F9B2-1286-86E554B156D7}"/>
+              </a:ext>
+            </a:extLst>
+          </p:cNvPr>
+          <p:cNvSpPr/>
+          <p:nvPr/>
+        </p:nvSpPr>
+        <p:spPr>
+          <a:xfrm rot="18603325">
+            <a:off x="5304633" y="4720676"/>
+            <a:ext cx="1502191" cy="297012"/>
+          </a:xfrm>
+          <a:prstGeom prst="rightArrow">
+            <a:avLst/>
+          </a:prstGeom>
+          <a:solidFill>
+            <a:srgbClr val="C5E5D7"/>
+          </a:solidFill>
+          <a:ln>
+            <a:solidFill>
+              <a:srgbClr val="008E5B"/>
+            </a:solidFill>
+          </a:ln>
+        </p:spPr>
+        <p:style>
+          <a:lnRef idx="2">
+            <a:schemeClr val="accent1">
+              <a:shade val="15000"/>
+            </a:schemeClr>
+          </a:lnRef>
+          <a:fillRef idx="1">
+            <a:schemeClr val="accent1"/>
+          </a:fillRef>
+          <a:effectRef idx="0">
+            <a:schemeClr val="accent1"/>
+          </a:effectRef>
+          <a:fontRef idx="minor">
+            <a:schemeClr val="lt1"/>
+          </a:fontRef>
+        </p:style>
+        <p:txBody>
+          <a:bodyPr rtlCol="0" anchor="ctr"/>
+          <a:lstStyle/>
+          <a:p>
+            <a:pPr algn="ctr"/>
+            <a:endParaRPr lang="ru-RU"/>
+          </a:p>
+        </p:txBody>
+      </p:sp>
+      <p:sp>
+        <p:nvSpPr>
+          <p:cNvPr id="50" name="Стрелка: вправо 49">
+            <a:extLst>
+              <a:ext uri="{FF2B5EF4-FFF2-40B4-BE49-F238E27FC236}">
+                <a16:creationId xmlns:a16="http://schemas.microsoft.com/office/drawing/2014/main" id="{4A07DACC-DC17-91B8-763B-AE7B90EC24A3}"/>
+              </a:ext>
+            </a:extLst>
+          </p:cNvPr>
+          <p:cNvSpPr/>
+          <p:nvPr/>
+        </p:nvSpPr>
+        <p:spPr>
+          <a:xfrm>
+            <a:off x="5745621" y="5701038"/>
+            <a:ext cx="2336345" cy="297012"/>
+          </a:xfrm>
+          <a:prstGeom prst="rightArrow">
+            <a:avLst/>
+          </a:prstGeom>
+          <a:solidFill>
+            <a:srgbClr val="C5E5D7"/>
+          </a:solidFill>
+          <a:ln>
+            <a:solidFill>
+              <a:srgbClr val="008E5B"/>
+            </a:solidFill>
+          </a:ln>
+        </p:spPr>
+        <p:style>
+          <a:lnRef idx="2">
+            <a:schemeClr val="accent1">
+              <a:shade val="15000"/>
+            </a:schemeClr>
+          </a:lnRef>
+          <a:fillRef idx="1">
+            <a:schemeClr val="accent1"/>
+          </a:fillRef>
+          <a:effectRef idx="0">
+            <a:schemeClr val="accent1"/>
+          </a:effectRef>
+          <a:fontRef idx="minor">
+            <a:schemeClr val="lt1"/>
+          </a:fontRef>
+        </p:style>
+        <p:txBody>
+          <a:bodyPr rtlCol="0" anchor="ctr"/>
+          <a:lstStyle/>
+          <a:p>
+            <a:pPr algn="ctr"/>
+            <a:endParaRPr lang="ru-RU"/>
           </a:p>
         </p:txBody>
       </p:sp>
@@ -5755,6 +8352,1884 @@
           <a:chExt cx="0" cy="0"/>
         </a:xfrm>
       </p:grpSpPr>
+      <p:pic>
+        <p:nvPicPr>
+          <p:cNvPr id="88" name="Рисунок 87"/>
+          <p:cNvPicPr>
+            <a:picLocks noChangeAspect="1"/>
+          </p:cNvPicPr>
+          <p:nvPr/>
+        </p:nvPicPr>
+        <p:blipFill>
+          <a:blip r:embed="rId2" cstate="print">
+            <a:extLst>
+              <a:ext uri="{28A0092B-C50C-407E-A947-70E740481C1C}">
+                <a14:useLocalDpi xmlns:a14="http://schemas.microsoft.com/office/drawing/2010/main" val="0"/>
+              </a:ext>
+            </a:extLst>
+          </a:blip>
+          <a:stretch>
+            <a:fillRect/>
+          </a:stretch>
+        </p:blipFill>
+        <p:spPr>
+          <a:xfrm>
+            <a:off x="10962658" y="5701827"/>
+            <a:ext cx="738667" cy="738667"/>
+          </a:xfrm>
+          <a:prstGeom prst="rect">
+            <a:avLst/>
+          </a:prstGeom>
+        </p:spPr>
+      </p:pic>
+      <p:pic>
+        <p:nvPicPr>
+          <p:cNvPr id="93" name="Рисунок 92"/>
+          <p:cNvPicPr>
+            <a:picLocks noChangeAspect="1"/>
+          </p:cNvPicPr>
+          <p:nvPr/>
+        </p:nvPicPr>
+        <p:blipFill>
+          <a:blip r:embed="rId3" cstate="print">
+            <a:extLst>
+              <a:ext uri="{28A0092B-C50C-407E-A947-70E740481C1C}">
+                <a14:useLocalDpi xmlns:a14="http://schemas.microsoft.com/office/drawing/2010/main" val="0"/>
+              </a:ext>
+            </a:extLst>
+          </a:blip>
+          <a:stretch>
+            <a:fillRect/>
+          </a:stretch>
+        </p:blipFill>
+        <p:spPr>
+          <a:xfrm>
+            <a:off x="370726" y="216906"/>
+            <a:ext cx="1042437" cy="297599"/>
+          </a:xfrm>
+          <a:prstGeom prst="rect">
+            <a:avLst/>
+          </a:prstGeom>
+        </p:spPr>
+      </p:pic>
+      <p:sp>
+        <p:nvSpPr>
+          <p:cNvPr id="2" name="Google Shape;62;p14">
+            <a:extLst>
+              <a:ext uri="{FF2B5EF4-FFF2-40B4-BE49-F238E27FC236}">
+                <a16:creationId xmlns:a16="http://schemas.microsoft.com/office/drawing/2014/main" id="{B9898F5D-4DFA-B198-8974-8B54136833FE}"/>
+              </a:ext>
+            </a:extLst>
+          </p:cNvPr>
+          <p:cNvSpPr txBox="1">
+            <a:spLocks/>
+          </p:cNvSpPr>
+          <p:nvPr/>
+        </p:nvSpPr>
+        <p:spPr>
+          <a:xfrm>
+            <a:off x="690036" y="533695"/>
+            <a:ext cx="11011287" cy="479065"/>
+          </a:xfrm>
+          <a:prstGeom prst="rect">
+            <a:avLst/>
+          </a:prstGeom>
+        </p:spPr>
+        <p:txBody>
+          <a:bodyPr spcFirstLastPara="1" vert="horz" wrap="square" lIns="91425" tIns="91425" rIns="91425" bIns="91425" rtlCol="0" anchor="t" anchorCtr="0">
+            <a:noAutofit/>
+          </a:bodyPr>
+          <a:lstStyle>
+            <a:lvl1pPr algn="ctr" defTabSz="914400" rtl="0" eaLnBrk="1" latinLnBrk="0" hangingPunct="1">
+              <a:lnSpc>
+                <a:spcPct val="90000"/>
+              </a:lnSpc>
+              <a:spcBef>
+                <a:spcPct val="0"/>
+              </a:spcBef>
+              <a:buNone/>
+              <a:defRPr sz="6000" kern="1200">
+                <a:solidFill>
+                  <a:schemeClr val="tx1"/>
+                </a:solidFill>
+                <a:latin typeface="+mj-lt"/>
+                <a:ea typeface="+mj-ea"/>
+                <a:cs typeface="+mj-cs"/>
+              </a:defRPr>
+            </a:lvl1pPr>
+          </a:lstStyle>
+          <a:p>
+            <a:pPr algn="l">
+              <a:buClr>
+                <a:schemeClr val="dk1"/>
+              </a:buClr>
+              <a:buSzPts val="990"/>
+            </a:pPr>
+            <a:r>
+              <a:rPr lang="ru-RU" sz="2400" b="1" dirty="0">
+                <a:solidFill>
+                  <a:srgbClr val="0A9B69"/>
+                </a:solidFill>
+                <a:latin typeface="Montserrat Medium" panose="00000600000000000000" pitchFamily="2" charset="-52"/>
+                <a:ea typeface="Montserrat SemiBold"/>
+                <a:cs typeface="Gotham Pro" panose="02000503040000020004" pitchFamily="2" charset="0"/>
+                <a:sym typeface="Montserrat SemiBold"/>
+              </a:rPr>
+              <a:t>Архитектура прототипа</a:t>
+            </a:r>
+          </a:p>
+        </p:txBody>
+      </p:sp>
+      <p:sp>
+        <p:nvSpPr>
+          <p:cNvPr id="3" name="Google Shape;62;p14">
+            <a:extLst>
+              <a:ext uri="{FF2B5EF4-FFF2-40B4-BE49-F238E27FC236}">
+                <a16:creationId xmlns:a16="http://schemas.microsoft.com/office/drawing/2014/main" id="{0F2AD3D4-B09C-C0A9-2F89-4AA5CA91FAA7}"/>
+              </a:ext>
+            </a:extLst>
+          </p:cNvPr>
+          <p:cNvSpPr txBox="1">
+            <a:spLocks/>
+          </p:cNvSpPr>
+          <p:nvPr/>
+        </p:nvSpPr>
+        <p:spPr>
+          <a:xfrm>
+            <a:off x="690037" y="1012760"/>
+            <a:ext cx="11011288" cy="678065"/>
+          </a:xfrm>
+          <a:prstGeom prst="rect">
+            <a:avLst/>
+          </a:prstGeom>
+        </p:spPr>
+        <p:txBody>
+          <a:bodyPr spcFirstLastPara="1" vert="horz" wrap="square" lIns="91425" tIns="91425" rIns="91425" bIns="91425" rtlCol="0" anchor="t" anchorCtr="0">
+            <a:noAutofit/>
+          </a:bodyPr>
+          <a:lstStyle>
+            <a:lvl1pPr algn="ctr" defTabSz="914400" rtl="0" eaLnBrk="1" latinLnBrk="0" hangingPunct="1">
+              <a:lnSpc>
+                <a:spcPct val="90000"/>
+              </a:lnSpc>
+              <a:spcBef>
+                <a:spcPct val="0"/>
+              </a:spcBef>
+              <a:buNone/>
+              <a:defRPr sz="6000" kern="1200">
+                <a:solidFill>
+                  <a:schemeClr val="tx1"/>
+                </a:solidFill>
+                <a:latin typeface="+mj-lt"/>
+                <a:ea typeface="+mj-ea"/>
+                <a:cs typeface="+mj-cs"/>
+              </a:defRPr>
+            </a:lvl1pPr>
+          </a:lstStyle>
+          <a:p>
+            <a:pPr algn="l">
+              <a:buClr>
+                <a:schemeClr val="dk1"/>
+              </a:buClr>
+              <a:buSzPts val="990"/>
+            </a:pPr>
+            <a:r>
+              <a:rPr lang="ru-RU" sz="2000" b="1" dirty="0">
+                <a:solidFill>
+                  <a:srgbClr val="C00000"/>
+                </a:solidFill>
+                <a:latin typeface="Montserrat Medium" panose="00000600000000000000" pitchFamily="2" charset="-52"/>
+                <a:ea typeface="Montserrat SemiBold"/>
+                <a:cs typeface="Gotham Pro" panose="02000503040000020004" pitchFamily="2" charset="0"/>
+                <a:sym typeface="Montserrat SemiBold"/>
+              </a:rPr>
+              <a:t>Прототип предназначен для демонстрации моделирования работы ДНС в реальном времени.</a:t>
+            </a:r>
+          </a:p>
+        </p:txBody>
+      </p:sp>
+      <p:sp>
+        <p:nvSpPr>
+          <p:cNvPr id="4" name="Шестиугольник 3">
+            <a:extLst>
+              <a:ext uri="{FF2B5EF4-FFF2-40B4-BE49-F238E27FC236}">
+                <a16:creationId xmlns:a16="http://schemas.microsoft.com/office/drawing/2014/main" id="{2947AF8F-6042-3257-354A-1FE9D8235C7D}"/>
+              </a:ext>
+            </a:extLst>
+          </p:cNvPr>
+          <p:cNvSpPr/>
+          <p:nvPr/>
+        </p:nvSpPr>
+        <p:spPr>
+          <a:xfrm>
+            <a:off x="4841966" y="2159726"/>
+            <a:ext cx="3240000" cy="3240000"/>
+          </a:xfrm>
+          <a:prstGeom prst="hexagon">
+            <a:avLst/>
+          </a:prstGeom>
+          <a:solidFill>
+            <a:srgbClr val="7CC4A3"/>
+          </a:solidFill>
+          <a:ln>
+            <a:solidFill>
+              <a:srgbClr val="008E5B"/>
+            </a:solidFill>
+          </a:ln>
+        </p:spPr>
+        <p:style>
+          <a:lnRef idx="2">
+            <a:schemeClr val="accent1">
+              <a:shade val="15000"/>
+            </a:schemeClr>
+          </a:lnRef>
+          <a:fillRef idx="1">
+            <a:schemeClr val="accent1"/>
+          </a:fillRef>
+          <a:effectRef idx="0">
+            <a:schemeClr val="accent1"/>
+          </a:effectRef>
+          <a:fontRef idx="minor">
+            <a:schemeClr val="lt1"/>
+          </a:fontRef>
+        </p:style>
+        <p:txBody>
+          <a:bodyPr rtlCol="0" anchor="ctr"/>
+          <a:lstStyle/>
+          <a:p>
+            <a:pPr algn="ctr"/>
+            <a:endParaRPr lang="ru-RU"/>
+          </a:p>
+        </p:txBody>
+      </p:sp>
+      <p:sp>
+        <p:nvSpPr>
+          <p:cNvPr id="5" name="Google Shape;62;p14">
+            <a:extLst>
+              <a:ext uri="{FF2B5EF4-FFF2-40B4-BE49-F238E27FC236}">
+                <a16:creationId xmlns:a16="http://schemas.microsoft.com/office/drawing/2014/main" id="{126F1182-0359-74A8-B635-894AC24A526B}"/>
+              </a:ext>
+            </a:extLst>
+          </p:cNvPr>
+          <p:cNvSpPr txBox="1">
+            <a:spLocks/>
+          </p:cNvSpPr>
+          <p:nvPr/>
+        </p:nvSpPr>
+        <p:spPr>
+          <a:xfrm>
+            <a:off x="5259977" y="1840652"/>
+            <a:ext cx="2439633" cy="297599"/>
+          </a:xfrm>
+          <a:prstGeom prst="rect">
+            <a:avLst/>
+          </a:prstGeom>
+        </p:spPr>
+        <p:txBody>
+          <a:bodyPr spcFirstLastPara="1" vert="horz" wrap="square" lIns="91425" tIns="91425" rIns="91425" bIns="91425" rtlCol="0" anchor="t" anchorCtr="0">
+            <a:noAutofit/>
+          </a:bodyPr>
+          <a:lstStyle>
+            <a:lvl1pPr algn="ctr" defTabSz="914400" rtl="0" eaLnBrk="1" latinLnBrk="0" hangingPunct="1">
+              <a:lnSpc>
+                <a:spcPct val="90000"/>
+              </a:lnSpc>
+              <a:spcBef>
+                <a:spcPct val="0"/>
+              </a:spcBef>
+              <a:buNone/>
+              <a:defRPr sz="6000" kern="1200">
+                <a:solidFill>
+                  <a:schemeClr val="tx1"/>
+                </a:solidFill>
+                <a:latin typeface="+mj-lt"/>
+                <a:ea typeface="+mj-ea"/>
+                <a:cs typeface="+mj-cs"/>
+              </a:defRPr>
+            </a:lvl1pPr>
+          </a:lstStyle>
+          <a:p>
+            <a:pPr>
+              <a:buClr>
+                <a:schemeClr val="dk1"/>
+              </a:buClr>
+              <a:buSzPts val="990"/>
+            </a:pPr>
+            <a:r>
+              <a:rPr lang="ru-RU" sz="1100" b="1" dirty="0">
+                <a:solidFill>
+                  <a:srgbClr val="D53033"/>
+                </a:solidFill>
+                <a:latin typeface="Montserrat Medium" panose="00000600000000000000" pitchFamily="2" charset="-52"/>
+                <a:ea typeface="Montserrat SemiBold"/>
+                <a:cs typeface="Gotham Pro" panose="02000503040000020004" pitchFamily="2" charset="0"/>
+                <a:sym typeface="Montserrat SemiBold"/>
+              </a:rPr>
+              <a:t>Сервис моделирования</a:t>
+            </a:r>
+            <a:r>
+              <a:rPr lang="en-US" sz="1100" b="1" dirty="0">
+                <a:solidFill>
+                  <a:srgbClr val="D53033"/>
+                </a:solidFill>
+                <a:latin typeface="Montserrat Medium" panose="00000600000000000000" pitchFamily="2" charset="-52"/>
+                <a:ea typeface="Montserrat SemiBold"/>
+                <a:cs typeface="Gotham Pro" panose="02000503040000020004" pitchFamily="2" charset="0"/>
+                <a:sym typeface="Montserrat SemiBold"/>
+              </a:rPr>
+              <a:t>, C#</a:t>
+            </a:r>
+            <a:endParaRPr lang="ru-RU" sz="1100" b="1" dirty="0">
+              <a:solidFill>
+                <a:srgbClr val="D53033"/>
+              </a:solidFill>
+              <a:latin typeface="Montserrat Medium" panose="00000600000000000000" pitchFamily="2" charset="-52"/>
+              <a:ea typeface="Montserrat SemiBold"/>
+              <a:cs typeface="Gotham Pro" panose="02000503040000020004" pitchFamily="2" charset="0"/>
+              <a:sym typeface="Montserrat SemiBold"/>
+            </a:endParaRPr>
+          </a:p>
+        </p:txBody>
+      </p:sp>
+      <p:pic>
+        <p:nvPicPr>
+          <p:cNvPr id="1026" name="Picture 2">
+            <a:extLst>
+              <a:ext uri="{FF2B5EF4-FFF2-40B4-BE49-F238E27FC236}">
+                <a16:creationId xmlns:a16="http://schemas.microsoft.com/office/drawing/2014/main" id="{9E2C5FB2-2C3A-A107-49CD-D17CDE4F3FD5}"/>
+              </a:ext>
+            </a:extLst>
+          </p:cNvPr>
+          <p:cNvPicPr>
+            <a:picLocks noChangeAspect="1" noChangeArrowheads="1"/>
+          </p:cNvPicPr>
+          <p:nvPr/>
+        </p:nvPicPr>
+        <p:blipFill>
+          <a:blip r:embed="rId4" cstate="print">
+            <a:extLst>
+              <a:ext uri="{28A0092B-C50C-407E-A947-70E740481C1C}">
+                <a14:useLocalDpi xmlns:a14="http://schemas.microsoft.com/office/drawing/2010/main" val="0"/>
+              </a:ext>
+            </a:extLst>
+          </a:blip>
+          <a:srcRect/>
+          <a:stretch>
+            <a:fillRect/>
+          </a:stretch>
+        </p:blipFill>
+        <p:spPr bwMode="auto">
+          <a:xfrm>
+            <a:off x="9109165" y="2973911"/>
+            <a:ext cx="2865120" cy="1611630"/>
+          </a:xfrm>
+          <a:prstGeom prst="rect">
+            <a:avLst/>
+          </a:prstGeom>
+          <a:noFill/>
+          <a:extLst>
+            <a:ext uri="{909E8E84-426E-40DD-AFC4-6F175D3DCCD1}">
+              <a14:hiddenFill xmlns:a14="http://schemas.microsoft.com/office/drawing/2010/main">
+                <a:solidFill>
+                  <a:srgbClr val="FFFFFF"/>
+                </a:solidFill>
+              </a14:hiddenFill>
+            </a:ext>
+          </a:extLst>
+        </p:spPr>
+      </p:pic>
+      <p:sp>
+        <p:nvSpPr>
+          <p:cNvPr id="6" name="Google Shape;62;p14">
+            <a:extLst>
+              <a:ext uri="{FF2B5EF4-FFF2-40B4-BE49-F238E27FC236}">
+                <a16:creationId xmlns:a16="http://schemas.microsoft.com/office/drawing/2014/main" id="{11038806-1F76-D4B2-11A0-29995E395E5F}"/>
+              </a:ext>
+            </a:extLst>
+          </p:cNvPr>
+          <p:cNvSpPr txBox="1">
+            <a:spLocks/>
+          </p:cNvSpPr>
+          <p:nvPr/>
+        </p:nvSpPr>
+        <p:spPr>
+          <a:xfrm>
+            <a:off x="9667542" y="2638791"/>
+            <a:ext cx="1748366" cy="297599"/>
+          </a:xfrm>
+          <a:prstGeom prst="rect">
+            <a:avLst/>
+          </a:prstGeom>
+        </p:spPr>
+        <p:txBody>
+          <a:bodyPr spcFirstLastPara="1" vert="horz" wrap="square" lIns="91425" tIns="91425" rIns="91425" bIns="91425" rtlCol="0" anchor="t" anchorCtr="0">
+            <a:noAutofit/>
+          </a:bodyPr>
+          <a:lstStyle>
+            <a:lvl1pPr algn="ctr" defTabSz="914400" rtl="0" eaLnBrk="1" latinLnBrk="0" hangingPunct="1">
+              <a:lnSpc>
+                <a:spcPct val="90000"/>
+              </a:lnSpc>
+              <a:spcBef>
+                <a:spcPct val="0"/>
+              </a:spcBef>
+              <a:buNone/>
+              <a:defRPr sz="6000" kern="1200">
+                <a:solidFill>
+                  <a:schemeClr val="tx1"/>
+                </a:solidFill>
+                <a:latin typeface="+mj-lt"/>
+                <a:ea typeface="+mj-ea"/>
+                <a:cs typeface="+mj-cs"/>
+              </a:defRPr>
+            </a:lvl1pPr>
+          </a:lstStyle>
+          <a:p>
+            <a:pPr>
+              <a:buClr>
+                <a:schemeClr val="dk1"/>
+              </a:buClr>
+              <a:buSzPts val="990"/>
+            </a:pPr>
+            <a:r>
+              <a:rPr lang="en-US" sz="1100" b="1" dirty="0">
+                <a:solidFill>
+                  <a:srgbClr val="D53033"/>
+                </a:solidFill>
+                <a:latin typeface="Montserrat Medium" panose="00000600000000000000" pitchFamily="2" charset="-52"/>
+                <a:ea typeface="Montserrat SemiBold"/>
+                <a:cs typeface="Gotham Pro" panose="02000503040000020004" pitchFamily="2" charset="0"/>
+                <a:sym typeface="Montserrat SemiBold"/>
+              </a:rPr>
+              <a:t>OpenModelica</a:t>
+            </a:r>
+            <a:endParaRPr lang="ru-RU" sz="1100" b="1" dirty="0">
+              <a:solidFill>
+                <a:srgbClr val="D53033"/>
+              </a:solidFill>
+              <a:latin typeface="Montserrat Medium" panose="00000600000000000000" pitchFamily="2" charset="-52"/>
+              <a:ea typeface="Montserrat SemiBold"/>
+              <a:cs typeface="Gotham Pro" panose="02000503040000020004" pitchFamily="2" charset="0"/>
+              <a:sym typeface="Montserrat SemiBold"/>
+            </a:endParaRPr>
+          </a:p>
+        </p:txBody>
+      </p:sp>
+      <p:sp>
+        <p:nvSpPr>
+          <p:cNvPr id="7" name="Прямоугольник: скругленные углы 6">
+            <a:extLst>
+              <a:ext uri="{FF2B5EF4-FFF2-40B4-BE49-F238E27FC236}">
+                <a16:creationId xmlns:a16="http://schemas.microsoft.com/office/drawing/2014/main" id="{3BBC1B20-C091-4CD0-8206-54914BFD1E16}"/>
+              </a:ext>
+            </a:extLst>
+          </p:cNvPr>
+          <p:cNvSpPr/>
+          <p:nvPr/>
+        </p:nvSpPr>
+        <p:spPr>
+          <a:xfrm>
+            <a:off x="5561657" y="2879726"/>
+            <a:ext cx="1800000" cy="1800000"/>
+          </a:xfrm>
+          <a:prstGeom prst="roundRect">
+            <a:avLst/>
+          </a:prstGeom>
+          <a:solidFill>
+            <a:srgbClr val="C5E5D7"/>
+          </a:solidFill>
+          <a:ln>
+            <a:solidFill>
+              <a:srgbClr val="008E5B"/>
+            </a:solidFill>
+          </a:ln>
+        </p:spPr>
+        <p:style>
+          <a:lnRef idx="2">
+            <a:schemeClr val="accent1">
+              <a:shade val="15000"/>
+            </a:schemeClr>
+          </a:lnRef>
+          <a:fillRef idx="1">
+            <a:schemeClr val="accent1"/>
+          </a:fillRef>
+          <a:effectRef idx="0">
+            <a:schemeClr val="accent1"/>
+          </a:effectRef>
+          <a:fontRef idx="minor">
+            <a:schemeClr val="lt1"/>
+          </a:fontRef>
+        </p:style>
+        <p:txBody>
+          <a:bodyPr rtlCol="0" anchor="ctr"/>
+          <a:lstStyle/>
+          <a:p>
+            <a:pPr algn="ctr"/>
+            <a:endParaRPr lang="ru-RU"/>
+          </a:p>
+        </p:txBody>
+      </p:sp>
+      <p:sp>
+        <p:nvSpPr>
+          <p:cNvPr id="8" name="Google Shape;62;p14">
+            <a:extLst>
+              <a:ext uri="{FF2B5EF4-FFF2-40B4-BE49-F238E27FC236}">
+                <a16:creationId xmlns:a16="http://schemas.microsoft.com/office/drawing/2014/main" id="{1F88DEFF-F584-0B9E-B524-FB7927A39D43}"/>
+              </a:ext>
+            </a:extLst>
+          </p:cNvPr>
+          <p:cNvSpPr txBox="1">
+            <a:spLocks/>
+          </p:cNvSpPr>
+          <p:nvPr/>
+        </p:nvSpPr>
+        <p:spPr>
+          <a:xfrm>
+            <a:off x="5613291" y="3548670"/>
+            <a:ext cx="1748366" cy="462112"/>
+          </a:xfrm>
+          <a:prstGeom prst="rect">
+            <a:avLst/>
+          </a:prstGeom>
+        </p:spPr>
+        <p:txBody>
+          <a:bodyPr spcFirstLastPara="1" vert="horz" wrap="square" lIns="91425" tIns="91425" rIns="91425" bIns="91425" rtlCol="0" anchor="t" anchorCtr="0">
+            <a:noAutofit/>
+          </a:bodyPr>
+          <a:lstStyle>
+            <a:lvl1pPr algn="ctr" defTabSz="914400" rtl="0" eaLnBrk="1" latinLnBrk="0" hangingPunct="1">
+              <a:lnSpc>
+                <a:spcPct val="90000"/>
+              </a:lnSpc>
+              <a:spcBef>
+                <a:spcPct val="0"/>
+              </a:spcBef>
+              <a:buNone/>
+              <a:defRPr sz="6000" kern="1200">
+                <a:solidFill>
+                  <a:schemeClr val="tx1"/>
+                </a:solidFill>
+                <a:latin typeface="+mj-lt"/>
+                <a:ea typeface="+mj-ea"/>
+                <a:cs typeface="+mj-cs"/>
+              </a:defRPr>
+            </a:lvl1pPr>
+          </a:lstStyle>
+          <a:p>
+            <a:pPr>
+              <a:buClr>
+                <a:schemeClr val="dk1"/>
+              </a:buClr>
+              <a:buSzPts val="990"/>
+            </a:pPr>
+            <a:r>
+              <a:rPr lang="en-US" sz="1100" b="1" dirty="0">
+                <a:solidFill>
+                  <a:schemeClr val="tx1">
+                    <a:lumMod val="50000"/>
+                    <a:lumOff val="50000"/>
+                  </a:schemeClr>
+                </a:solidFill>
+                <a:latin typeface="Montserrat Medium" panose="00000600000000000000" pitchFamily="2" charset="-52"/>
+                <a:ea typeface="Montserrat SemiBold"/>
+                <a:cs typeface="Gotham Pro" panose="02000503040000020004" pitchFamily="2" charset="0"/>
+                <a:sym typeface="Montserrat SemiBold"/>
+              </a:rPr>
+              <a:t>FMU </a:t>
+            </a:r>
+            <a:r>
+              <a:rPr lang="ru-RU" sz="1100" b="1" dirty="0">
+                <a:solidFill>
+                  <a:schemeClr val="tx1">
+                    <a:lumMod val="50000"/>
+                    <a:lumOff val="50000"/>
+                  </a:schemeClr>
+                </a:solidFill>
+                <a:latin typeface="Montserrat Medium" panose="00000600000000000000" pitchFamily="2" charset="-52"/>
+                <a:ea typeface="Montserrat SemiBold"/>
+                <a:cs typeface="Gotham Pro" panose="02000503040000020004" pitchFamily="2" charset="0"/>
+                <a:sym typeface="Montserrat SemiBold"/>
+              </a:rPr>
+              <a:t>модель </a:t>
+            </a:r>
+            <a:br>
+              <a:rPr lang="ru-RU" sz="1100" b="1" dirty="0">
+                <a:solidFill>
+                  <a:schemeClr val="tx1">
+                    <a:lumMod val="50000"/>
+                    <a:lumOff val="50000"/>
+                  </a:schemeClr>
+                </a:solidFill>
+                <a:latin typeface="Montserrat Medium" panose="00000600000000000000" pitchFamily="2" charset="-52"/>
+                <a:ea typeface="Montserrat SemiBold"/>
+                <a:cs typeface="Gotham Pro" panose="02000503040000020004" pitchFamily="2" charset="0"/>
+                <a:sym typeface="Montserrat SemiBold"/>
+              </a:rPr>
+            </a:br>
+            <a:r>
+              <a:rPr lang="ru-RU" sz="1100" b="1" dirty="0">
+                <a:solidFill>
+                  <a:schemeClr val="tx1">
+                    <a:lumMod val="50000"/>
+                    <a:lumOff val="50000"/>
+                  </a:schemeClr>
+                </a:solidFill>
+                <a:latin typeface="Montserrat Medium" panose="00000600000000000000" pitchFamily="2" charset="-52"/>
+                <a:ea typeface="Montserrat SemiBold"/>
+                <a:cs typeface="Gotham Pro" panose="02000503040000020004" pitchFamily="2" charset="0"/>
+                <a:sym typeface="Montserrat SemiBold"/>
+              </a:rPr>
+              <a:t>ДНС</a:t>
+            </a:r>
+          </a:p>
+        </p:txBody>
+      </p:sp>
+      <p:sp>
+        <p:nvSpPr>
+          <p:cNvPr id="9" name="Google Shape;62;p14">
+            <a:extLst>
+              <a:ext uri="{FF2B5EF4-FFF2-40B4-BE49-F238E27FC236}">
+                <a16:creationId xmlns:a16="http://schemas.microsoft.com/office/drawing/2014/main" id="{108E941F-CBFF-0205-B5D5-C4F46951284F}"/>
+              </a:ext>
+            </a:extLst>
+          </p:cNvPr>
+          <p:cNvSpPr txBox="1">
+            <a:spLocks/>
+          </p:cNvSpPr>
+          <p:nvPr/>
+        </p:nvSpPr>
+        <p:spPr>
+          <a:xfrm>
+            <a:off x="9667542" y="4585541"/>
+            <a:ext cx="1748366" cy="456731"/>
+          </a:xfrm>
+          <a:prstGeom prst="rect">
+            <a:avLst/>
+          </a:prstGeom>
+        </p:spPr>
+        <p:txBody>
+          <a:bodyPr spcFirstLastPara="1" vert="horz" wrap="square" lIns="91425" tIns="91425" rIns="91425" bIns="91425" rtlCol="0" anchor="t" anchorCtr="0">
+            <a:noAutofit/>
+          </a:bodyPr>
+          <a:lstStyle>
+            <a:lvl1pPr algn="ctr" defTabSz="914400" rtl="0" eaLnBrk="1" latinLnBrk="0" hangingPunct="1">
+              <a:lnSpc>
+                <a:spcPct val="90000"/>
+              </a:lnSpc>
+              <a:spcBef>
+                <a:spcPct val="0"/>
+              </a:spcBef>
+              <a:buNone/>
+              <a:defRPr sz="6000" kern="1200">
+                <a:solidFill>
+                  <a:schemeClr val="tx1"/>
+                </a:solidFill>
+                <a:latin typeface="+mj-lt"/>
+                <a:ea typeface="+mj-ea"/>
+                <a:cs typeface="+mj-cs"/>
+              </a:defRPr>
+            </a:lvl1pPr>
+          </a:lstStyle>
+          <a:p>
+            <a:pPr>
+              <a:buClr>
+                <a:schemeClr val="dk1"/>
+              </a:buClr>
+              <a:buSzPts val="990"/>
+            </a:pPr>
+            <a:r>
+              <a:rPr lang="ru-RU" sz="1100" b="1" dirty="0">
+                <a:solidFill>
+                  <a:schemeClr val="tx1">
+                    <a:lumMod val="50000"/>
+                    <a:lumOff val="50000"/>
+                  </a:schemeClr>
+                </a:solidFill>
+                <a:latin typeface="Montserrat Medium" panose="00000600000000000000" pitchFamily="2" charset="-52"/>
+                <a:ea typeface="Montserrat SemiBold"/>
+                <a:cs typeface="Gotham Pro" panose="02000503040000020004" pitchFamily="2" charset="0"/>
+                <a:sym typeface="Montserrat SemiBold"/>
+              </a:rPr>
+              <a:t>Модель ДНС</a:t>
+            </a:r>
+          </a:p>
+        </p:txBody>
+      </p:sp>
+      <p:sp>
+        <p:nvSpPr>
+          <p:cNvPr id="10" name="Google Shape;62;p14">
+            <a:extLst>
+              <a:ext uri="{FF2B5EF4-FFF2-40B4-BE49-F238E27FC236}">
+                <a16:creationId xmlns:a16="http://schemas.microsoft.com/office/drawing/2014/main" id="{4CEE467D-913F-4B12-A214-CFE57DAF0D40}"/>
+              </a:ext>
+            </a:extLst>
+          </p:cNvPr>
+          <p:cNvSpPr txBox="1">
+            <a:spLocks/>
+          </p:cNvSpPr>
+          <p:nvPr/>
+        </p:nvSpPr>
+        <p:spPr>
+          <a:xfrm>
+            <a:off x="5613290" y="2181201"/>
+            <a:ext cx="1696731" cy="332087"/>
+          </a:xfrm>
+          <a:prstGeom prst="rect">
+            <a:avLst/>
+          </a:prstGeom>
+        </p:spPr>
+        <p:txBody>
+          <a:bodyPr spcFirstLastPara="1" vert="horz" wrap="square" lIns="91425" tIns="91425" rIns="91425" bIns="91425" rtlCol="0" anchor="t" anchorCtr="0">
+            <a:noAutofit/>
+          </a:bodyPr>
+          <a:lstStyle>
+            <a:lvl1pPr algn="ctr" defTabSz="914400" rtl="0" eaLnBrk="1" latinLnBrk="0" hangingPunct="1">
+              <a:lnSpc>
+                <a:spcPct val="90000"/>
+              </a:lnSpc>
+              <a:spcBef>
+                <a:spcPct val="0"/>
+              </a:spcBef>
+              <a:buNone/>
+              <a:defRPr sz="6000" kern="1200">
+                <a:solidFill>
+                  <a:schemeClr val="tx1"/>
+                </a:solidFill>
+                <a:latin typeface="+mj-lt"/>
+                <a:ea typeface="+mj-ea"/>
+                <a:cs typeface="+mj-cs"/>
+              </a:defRPr>
+            </a:lvl1pPr>
+          </a:lstStyle>
+          <a:p>
+            <a:pPr>
+              <a:buClr>
+                <a:schemeClr val="dk1"/>
+              </a:buClr>
+              <a:buSzPts val="990"/>
+            </a:pPr>
+            <a:r>
+              <a:rPr lang="en-US" sz="1100" b="1" dirty="0">
+                <a:solidFill>
+                  <a:srgbClr val="008E5B"/>
+                </a:solidFill>
+                <a:latin typeface="Montserrat Medium" panose="00000600000000000000" pitchFamily="2" charset="-52"/>
+                <a:ea typeface="Montserrat SemiBold"/>
+                <a:cs typeface="Gotham Pro" panose="02000503040000020004" pitchFamily="2" charset="0"/>
+                <a:sym typeface="Montserrat SemiBold"/>
+              </a:rPr>
+              <a:t>ASP.Net</a:t>
+            </a:r>
+            <a:endParaRPr lang="ru-RU" sz="1100" b="1" dirty="0">
+              <a:solidFill>
+                <a:srgbClr val="008E5B"/>
+              </a:solidFill>
+              <a:latin typeface="Montserrat Medium" panose="00000600000000000000" pitchFamily="2" charset="-52"/>
+              <a:ea typeface="Montserrat SemiBold"/>
+              <a:cs typeface="Gotham Pro" panose="02000503040000020004" pitchFamily="2" charset="0"/>
+              <a:sym typeface="Montserrat SemiBold"/>
+            </a:endParaRPr>
+          </a:p>
+        </p:txBody>
+      </p:sp>
+      <p:sp>
+        <p:nvSpPr>
+          <p:cNvPr id="11" name="Google Shape;62;p14">
+            <a:extLst>
+              <a:ext uri="{FF2B5EF4-FFF2-40B4-BE49-F238E27FC236}">
+                <a16:creationId xmlns:a16="http://schemas.microsoft.com/office/drawing/2014/main" id="{2B6768F5-6AFA-45E9-1E5B-F6A9BA53A7A3}"/>
+              </a:ext>
+            </a:extLst>
+          </p:cNvPr>
+          <p:cNvSpPr txBox="1">
+            <a:spLocks/>
+          </p:cNvSpPr>
+          <p:nvPr/>
+        </p:nvSpPr>
+        <p:spPr>
+          <a:xfrm>
+            <a:off x="5639108" y="2919571"/>
+            <a:ext cx="1696731" cy="332087"/>
+          </a:xfrm>
+          <a:prstGeom prst="rect">
+            <a:avLst/>
+          </a:prstGeom>
+        </p:spPr>
+        <p:txBody>
+          <a:bodyPr spcFirstLastPara="1" vert="horz" wrap="square" lIns="91425" tIns="91425" rIns="91425" bIns="91425" rtlCol="0" anchor="t" anchorCtr="0">
+            <a:noAutofit/>
+          </a:bodyPr>
+          <a:lstStyle>
+            <a:lvl1pPr algn="ctr" defTabSz="914400" rtl="0" eaLnBrk="1" latinLnBrk="0" hangingPunct="1">
+              <a:lnSpc>
+                <a:spcPct val="90000"/>
+              </a:lnSpc>
+              <a:spcBef>
+                <a:spcPct val="0"/>
+              </a:spcBef>
+              <a:buNone/>
+              <a:defRPr sz="6000" kern="1200">
+                <a:solidFill>
+                  <a:schemeClr val="tx1"/>
+                </a:solidFill>
+                <a:latin typeface="+mj-lt"/>
+                <a:ea typeface="+mj-ea"/>
+                <a:cs typeface="+mj-cs"/>
+              </a:defRPr>
+            </a:lvl1pPr>
+          </a:lstStyle>
+          <a:p>
+            <a:pPr>
+              <a:buClr>
+                <a:schemeClr val="dk1"/>
+              </a:buClr>
+              <a:buSzPts val="990"/>
+            </a:pPr>
+            <a:r>
+              <a:rPr lang="en-US" sz="1100" b="1" dirty="0">
+                <a:solidFill>
+                  <a:srgbClr val="008E5B"/>
+                </a:solidFill>
+                <a:latin typeface="Montserrat Medium" panose="00000600000000000000" pitchFamily="2" charset="-52"/>
+                <a:ea typeface="Montserrat SemiBold"/>
+                <a:cs typeface="Gotham Pro" panose="02000503040000020004" pitchFamily="2" charset="0"/>
+                <a:sym typeface="Montserrat SemiBold"/>
+              </a:rPr>
+              <a:t>FMU wrapper</a:t>
+            </a:r>
+            <a:endParaRPr lang="ru-RU" sz="1100" b="1" dirty="0">
+              <a:solidFill>
+                <a:srgbClr val="008E5B"/>
+              </a:solidFill>
+              <a:latin typeface="Montserrat Medium" panose="00000600000000000000" pitchFamily="2" charset="-52"/>
+              <a:ea typeface="Montserrat SemiBold"/>
+              <a:cs typeface="Gotham Pro" panose="02000503040000020004" pitchFamily="2" charset="0"/>
+              <a:sym typeface="Montserrat SemiBold"/>
+            </a:endParaRPr>
+          </a:p>
+        </p:txBody>
+      </p:sp>
+      <p:sp>
+        <p:nvSpPr>
+          <p:cNvPr id="13" name="Стрелка: вправо 12">
+            <a:extLst>
+              <a:ext uri="{FF2B5EF4-FFF2-40B4-BE49-F238E27FC236}">
+                <a16:creationId xmlns:a16="http://schemas.microsoft.com/office/drawing/2014/main" id="{25B21A03-AF17-D0FD-38E4-82F45CE448D3}"/>
+              </a:ext>
+            </a:extLst>
+          </p:cNvPr>
+          <p:cNvSpPr/>
+          <p:nvPr/>
+        </p:nvSpPr>
+        <p:spPr>
+          <a:xfrm rot="10800000">
+            <a:off x="7264164" y="3635492"/>
+            <a:ext cx="1748367" cy="297012"/>
+          </a:xfrm>
+          <a:prstGeom prst="rightArrow">
+            <a:avLst/>
+          </a:prstGeom>
+          <a:solidFill>
+            <a:srgbClr val="C5E5D7"/>
+          </a:solidFill>
+          <a:ln>
+            <a:solidFill>
+              <a:srgbClr val="008E5B"/>
+            </a:solidFill>
+          </a:ln>
+        </p:spPr>
+        <p:style>
+          <a:lnRef idx="2">
+            <a:schemeClr val="accent1">
+              <a:shade val="15000"/>
+            </a:schemeClr>
+          </a:lnRef>
+          <a:fillRef idx="1">
+            <a:schemeClr val="accent1"/>
+          </a:fillRef>
+          <a:effectRef idx="0">
+            <a:schemeClr val="accent1"/>
+          </a:effectRef>
+          <a:fontRef idx="minor">
+            <a:schemeClr val="lt1"/>
+          </a:fontRef>
+        </p:style>
+        <p:txBody>
+          <a:bodyPr rtlCol="0" anchor="ctr"/>
+          <a:lstStyle/>
+          <a:p>
+            <a:pPr algn="ctr"/>
+            <a:endParaRPr lang="ru-RU"/>
+          </a:p>
+        </p:txBody>
+      </p:sp>
+      <p:sp>
+        <p:nvSpPr>
+          <p:cNvPr id="16" name="Google Shape;62;p14">
+            <a:extLst>
+              <a:ext uri="{FF2B5EF4-FFF2-40B4-BE49-F238E27FC236}">
+                <a16:creationId xmlns:a16="http://schemas.microsoft.com/office/drawing/2014/main" id="{151B723E-620C-8CE3-5E03-1BE2228CD513}"/>
+              </a:ext>
+            </a:extLst>
+          </p:cNvPr>
+          <p:cNvSpPr txBox="1">
+            <a:spLocks/>
+          </p:cNvSpPr>
+          <p:nvPr/>
+        </p:nvSpPr>
+        <p:spPr>
+          <a:xfrm>
+            <a:off x="7699611" y="2871982"/>
+            <a:ext cx="1454331" cy="608094"/>
+          </a:xfrm>
+          <a:prstGeom prst="rect">
+            <a:avLst/>
+          </a:prstGeom>
+        </p:spPr>
+        <p:txBody>
+          <a:bodyPr spcFirstLastPara="1" vert="horz" wrap="square" lIns="91425" tIns="91425" rIns="91425" bIns="91425" rtlCol="0" anchor="t" anchorCtr="0">
+            <a:noAutofit/>
+          </a:bodyPr>
+          <a:lstStyle>
+            <a:lvl1pPr algn="ctr" defTabSz="914400" rtl="0" eaLnBrk="1" latinLnBrk="0" hangingPunct="1">
+              <a:lnSpc>
+                <a:spcPct val="90000"/>
+              </a:lnSpc>
+              <a:spcBef>
+                <a:spcPct val="0"/>
+              </a:spcBef>
+              <a:buNone/>
+              <a:defRPr sz="6000" kern="1200">
+                <a:solidFill>
+                  <a:schemeClr val="tx1"/>
+                </a:solidFill>
+                <a:latin typeface="+mj-lt"/>
+                <a:ea typeface="+mj-ea"/>
+                <a:cs typeface="+mj-cs"/>
+              </a:defRPr>
+            </a:lvl1pPr>
+          </a:lstStyle>
+          <a:p>
+            <a:pPr>
+              <a:buClr>
+                <a:schemeClr val="dk1"/>
+              </a:buClr>
+              <a:buSzPts val="990"/>
+            </a:pPr>
+            <a:r>
+              <a:rPr lang="ru-RU" sz="1100" b="1" dirty="0">
+                <a:solidFill>
+                  <a:schemeClr val="tx1">
+                    <a:lumMod val="50000"/>
+                    <a:lumOff val="50000"/>
+                  </a:schemeClr>
+                </a:solidFill>
+                <a:latin typeface="Montserrat Medium" panose="00000600000000000000" pitchFamily="2" charset="-52"/>
+                <a:ea typeface="Montserrat SemiBold"/>
+                <a:cs typeface="Gotham Pro" panose="02000503040000020004" pitchFamily="2" charset="0"/>
+                <a:sym typeface="Montserrat SemiBold"/>
+              </a:rPr>
+              <a:t>Преобразование модели по стандарту </a:t>
+            </a:r>
+            <a:r>
+              <a:rPr lang="en-US" sz="1100" b="1" dirty="0">
+                <a:solidFill>
+                  <a:schemeClr val="tx1">
+                    <a:lumMod val="50000"/>
+                    <a:lumOff val="50000"/>
+                  </a:schemeClr>
+                </a:solidFill>
+                <a:latin typeface="Montserrat Medium" panose="00000600000000000000" pitchFamily="2" charset="-52"/>
+                <a:ea typeface="Montserrat SemiBold"/>
+                <a:cs typeface="Gotham Pro" panose="02000503040000020004" pitchFamily="2" charset="0"/>
+                <a:sym typeface="Montserrat SemiBold"/>
+              </a:rPr>
+              <a:t>FMI</a:t>
+            </a:r>
+            <a:endParaRPr lang="ru-RU" sz="1100" b="1" dirty="0">
+              <a:solidFill>
+                <a:schemeClr val="tx1">
+                  <a:lumMod val="50000"/>
+                  <a:lumOff val="50000"/>
+                </a:schemeClr>
+              </a:solidFill>
+              <a:latin typeface="Montserrat Medium" panose="00000600000000000000" pitchFamily="2" charset="-52"/>
+              <a:ea typeface="Montserrat SemiBold"/>
+              <a:cs typeface="Gotham Pro" panose="02000503040000020004" pitchFamily="2" charset="0"/>
+              <a:sym typeface="Montserrat SemiBold"/>
+            </a:endParaRPr>
+          </a:p>
+        </p:txBody>
+      </p:sp>
+      <p:sp>
+        <p:nvSpPr>
+          <p:cNvPr id="17" name="Облако 16">
+            <a:extLst>
+              <a:ext uri="{FF2B5EF4-FFF2-40B4-BE49-F238E27FC236}">
+                <a16:creationId xmlns:a16="http://schemas.microsoft.com/office/drawing/2014/main" id="{0D8B28D2-0281-A3DF-6398-BBD524E1F0B6}"/>
+              </a:ext>
+            </a:extLst>
+          </p:cNvPr>
+          <p:cNvSpPr/>
+          <p:nvPr/>
+        </p:nvSpPr>
+        <p:spPr>
+          <a:xfrm>
+            <a:off x="2298445" y="2787590"/>
+            <a:ext cx="2384282" cy="1946750"/>
+          </a:xfrm>
+          <a:prstGeom prst="cloud">
+            <a:avLst/>
+          </a:prstGeom>
+          <a:solidFill>
+            <a:srgbClr val="7CC4A3"/>
+          </a:solidFill>
+          <a:ln>
+            <a:solidFill>
+              <a:srgbClr val="008E5B"/>
+            </a:solidFill>
+          </a:ln>
+        </p:spPr>
+        <p:style>
+          <a:lnRef idx="2">
+            <a:schemeClr val="accent1">
+              <a:shade val="15000"/>
+            </a:schemeClr>
+          </a:lnRef>
+          <a:fillRef idx="1">
+            <a:schemeClr val="accent1"/>
+          </a:fillRef>
+          <a:effectRef idx="0">
+            <a:schemeClr val="accent1"/>
+          </a:effectRef>
+          <a:fontRef idx="minor">
+            <a:schemeClr val="lt1"/>
+          </a:fontRef>
+        </p:style>
+        <p:txBody>
+          <a:bodyPr rtlCol="0" anchor="ctr"/>
+          <a:lstStyle/>
+          <a:p>
+            <a:pPr algn="ctr"/>
+            <a:r>
+              <a:rPr lang="en-US" sz="1400" b="1" dirty="0">
+                <a:solidFill>
+                  <a:srgbClr val="008E5B"/>
+                </a:solidFill>
+                <a:latin typeface="Montserrat Medium" panose="00000600000000000000" pitchFamily="2" charset="-52"/>
+              </a:rPr>
+              <a:t>SignalR</a:t>
+            </a:r>
+            <a:endParaRPr lang="ru-RU" sz="1400" b="1" dirty="0">
+              <a:solidFill>
+                <a:srgbClr val="008E5B"/>
+              </a:solidFill>
+              <a:latin typeface="Montserrat Medium" panose="00000600000000000000" pitchFamily="2" charset="-52"/>
+            </a:endParaRPr>
+          </a:p>
+        </p:txBody>
+      </p:sp>
+      <p:sp>
+        <p:nvSpPr>
+          <p:cNvPr id="32" name="Google Shape;62;p14">
+            <a:extLst>
+              <a:ext uri="{FF2B5EF4-FFF2-40B4-BE49-F238E27FC236}">
+                <a16:creationId xmlns:a16="http://schemas.microsoft.com/office/drawing/2014/main" id="{8765EFDD-AC99-032E-A081-DD7AA18A3741}"/>
+              </a:ext>
+            </a:extLst>
+          </p:cNvPr>
+          <p:cNvSpPr txBox="1">
+            <a:spLocks/>
+          </p:cNvSpPr>
+          <p:nvPr/>
+        </p:nvSpPr>
+        <p:spPr>
+          <a:xfrm>
+            <a:off x="4030451" y="4309496"/>
+            <a:ext cx="1401187" cy="608094"/>
+          </a:xfrm>
+          <a:prstGeom prst="rect">
+            <a:avLst/>
+          </a:prstGeom>
+          <a:noFill/>
+        </p:spPr>
+        <p:txBody>
+          <a:bodyPr spcFirstLastPara="1" vert="horz" wrap="square" lIns="91425" tIns="91425" rIns="91425" bIns="91425" rtlCol="0" anchor="t" anchorCtr="0">
+            <a:noAutofit/>
+          </a:bodyPr>
+          <a:lstStyle>
+            <a:lvl1pPr algn="ctr" defTabSz="914400" rtl="0" eaLnBrk="1" latinLnBrk="0" hangingPunct="1">
+              <a:lnSpc>
+                <a:spcPct val="90000"/>
+              </a:lnSpc>
+              <a:spcBef>
+                <a:spcPct val="0"/>
+              </a:spcBef>
+              <a:buNone/>
+              <a:defRPr sz="6000" kern="1200">
+                <a:solidFill>
+                  <a:schemeClr val="tx1"/>
+                </a:solidFill>
+                <a:latin typeface="+mj-lt"/>
+                <a:ea typeface="+mj-ea"/>
+                <a:cs typeface="+mj-cs"/>
+              </a:defRPr>
+            </a:lvl1pPr>
+          </a:lstStyle>
+          <a:p>
+            <a:pPr>
+              <a:buClr>
+                <a:schemeClr val="dk1"/>
+              </a:buClr>
+              <a:buSzPts val="990"/>
+            </a:pPr>
+            <a:r>
+              <a:rPr lang="ru-RU" sz="1100" b="1" dirty="0">
+                <a:solidFill>
+                  <a:schemeClr val="tx1">
+                    <a:lumMod val="50000"/>
+                    <a:lumOff val="50000"/>
+                  </a:schemeClr>
+                </a:solidFill>
+                <a:latin typeface="Montserrat Medium" panose="00000600000000000000" pitchFamily="2" charset="-52"/>
+                <a:ea typeface="Montserrat SemiBold"/>
+                <a:cs typeface="Gotham Pro" panose="02000503040000020004" pitchFamily="2" charset="0"/>
+                <a:sym typeface="Montserrat SemiBold"/>
+              </a:rPr>
+              <a:t>Интерфейс результатов моделирования</a:t>
+            </a:r>
+          </a:p>
+        </p:txBody>
+      </p:sp>
+      <p:sp>
+        <p:nvSpPr>
+          <p:cNvPr id="35" name="Стрелка: вправо 34">
+            <a:extLst>
+              <a:ext uri="{FF2B5EF4-FFF2-40B4-BE49-F238E27FC236}">
+                <a16:creationId xmlns:a16="http://schemas.microsoft.com/office/drawing/2014/main" id="{E0D11C9B-BFF6-1A8C-AFA6-4C3E15D559B4}"/>
+              </a:ext>
+            </a:extLst>
+          </p:cNvPr>
+          <p:cNvSpPr/>
+          <p:nvPr/>
+        </p:nvSpPr>
+        <p:spPr>
+          <a:xfrm rot="10800000">
+            <a:off x="3919466" y="3666318"/>
+            <a:ext cx="1748367" cy="297012"/>
+          </a:xfrm>
+          <a:prstGeom prst="rightArrow">
+            <a:avLst/>
+          </a:prstGeom>
+          <a:solidFill>
+            <a:srgbClr val="C5E5D7"/>
+          </a:solidFill>
+          <a:ln>
+            <a:solidFill>
+              <a:srgbClr val="008E5B"/>
+            </a:solidFill>
+          </a:ln>
+        </p:spPr>
+        <p:style>
+          <a:lnRef idx="2">
+            <a:schemeClr val="accent1">
+              <a:shade val="15000"/>
+            </a:schemeClr>
+          </a:lnRef>
+          <a:fillRef idx="1">
+            <a:schemeClr val="accent1"/>
+          </a:fillRef>
+          <a:effectRef idx="0">
+            <a:schemeClr val="accent1"/>
+          </a:effectRef>
+          <a:fontRef idx="minor">
+            <a:schemeClr val="lt1"/>
+          </a:fontRef>
+        </p:style>
+        <p:txBody>
+          <a:bodyPr rtlCol="0" anchor="ctr"/>
+          <a:lstStyle/>
+          <a:p>
+            <a:pPr algn="ctr"/>
+            <a:endParaRPr lang="ru-RU"/>
+          </a:p>
+        </p:txBody>
+      </p:sp>
+      <p:pic>
+        <p:nvPicPr>
+          <p:cNvPr id="39" name="Рисунок 38">
+            <a:extLst>
+              <a:ext uri="{FF2B5EF4-FFF2-40B4-BE49-F238E27FC236}">
+                <a16:creationId xmlns:a16="http://schemas.microsoft.com/office/drawing/2014/main" id="{9C57D51C-9812-B326-CAB8-B1E76F8A8DCC}"/>
+              </a:ext>
+            </a:extLst>
+          </p:cNvPr>
+          <p:cNvPicPr>
+            <a:picLocks noChangeAspect="1"/>
+          </p:cNvPicPr>
+          <p:nvPr/>
+        </p:nvPicPr>
+        <p:blipFill>
+          <a:blip r:embed="rId5"/>
+          <a:stretch>
+            <a:fillRect/>
+          </a:stretch>
+        </p:blipFill>
+        <p:spPr>
+          <a:xfrm>
+            <a:off x="370726" y="4481354"/>
+            <a:ext cx="2073907" cy="1121835"/>
+          </a:xfrm>
+          <a:prstGeom prst="rect">
+            <a:avLst/>
+          </a:prstGeom>
+          <a:ln>
+            <a:solidFill>
+              <a:srgbClr val="008E5B"/>
+            </a:solidFill>
+          </a:ln>
+        </p:spPr>
+      </p:pic>
+      <p:sp>
+        <p:nvSpPr>
+          <p:cNvPr id="41" name="Стрелка: вправо 40">
+            <a:extLst>
+              <a:ext uri="{FF2B5EF4-FFF2-40B4-BE49-F238E27FC236}">
+                <a16:creationId xmlns:a16="http://schemas.microsoft.com/office/drawing/2014/main" id="{EFDCA160-DC27-D21B-610A-058ADC26ACB3}"/>
+              </a:ext>
+            </a:extLst>
+          </p:cNvPr>
+          <p:cNvSpPr/>
+          <p:nvPr/>
+        </p:nvSpPr>
+        <p:spPr>
+          <a:xfrm rot="8483121">
+            <a:off x="1768902" y="4437034"/>
+            <a:ext cx="1390290" cy="297012"/>
+          </a:xfrm>
+          <a:prstGeom prst="rightArrow">
+            <a:avLst/>
+          </a:prstGeom>
+          <a:solidFill>
+            <a:srgbClr val="C5E5D7"/>
+          </a:solidFill>
+          <a:ln>
+            <a:solidFill>
+              <a:srgbClr val="008E5B"/>
+            </a:solidFill>
+          </a:ln>
+        </p:spPr>
+        <p:style>
+          <a:lnRef idx="2">
+            <a:schemeClr val="accent1">
+              <a:shade val="15000"/>
+            </a:schemeClr>
+          </a:lnRef>
+          <a:fillRef idx="1">
+            <a:schemeClr val="accent1"/>
+          </a:fillRef>
+          <a:effectRef idx="0">
+            <a:schemeClr val="accent1"/>
+          </a:effectRef>
+          <a:fontRef idx="minor">
+            <a:schemeClr val="lt1"/>
+          </a:fontRef>
+        </p:style>
+        <p:txBody>
+          <a:bodyPr rtlCol="0" anchor="ctr"/>
+          <a:lstStyle/>
+          <a:p>
+            <a:pPr algn="ctr"/>
+            <a:endParaRPr lang="ru-RU"/>
+          </a:p>
+        </p:txBody>
+      </p:sp>
+      <p:sp>
+        <p:nvSpPr>
+          <p:cNvPr id="40" name="Google Shape;62;p14">
+            <a:extLst>
+              <a:ext uri="{FF2B5EF4-FFF2-40B4-BE49-F238E27FC236}">
+                <a16:creationId xmlns:a16="http://schemas.microsoft.com/office/drawing/2014/main" id="{2155D9D9-2EFF-D850-B4E3-26F474730902}"/>
+              </a:ext>
+            </a:extLst>
+          </p:cNvPr>
+          <p:cNvSpPr txBox="1">
+            <a:spLocks/>
+          </p:cNvSpPr>
+          <p:nvPr/>
+        </p:nvSpPr>
+        <p:spPr>
+          <a:xfrm>
+            <a:off x="630225" y="4035854"/>
+            <a:ext cx="1261933" cy="297599"/>
+          </a:xfrm>
+          <a:prstGeom prst="rect">
+            <a:avLst/>
+          </a:prstGeom>
+        </p:spPr>
+        <p:txBody>
+          <a:bodyPr spcFirstLastPara="1" vert="horz" wrap="square" lIns="91425" tIns="91425" rIns="91425" bIns="91425" rtlCol="0" anchor="t" anchorCtr="0">
+            <a:noAutofit/>
+          </a:bodyPr>
+          <a:lstStyle>
+            <a:lvl1pPr algn="ctr" defTabSz="914400" rtl="0" eaLnBrk="1" latinLnBrk="0" hangingPunct="1">
+              <a:lnSpc>
+                <a:spcPct val="90000"/>
+              </a:lnSpc>
+              <a:spcBef>
+                <a:spcPct val="0"/>
+              </a:spcBef>
+              <a:buNone/>
+              <a:defRPr sz="6000" kern="1200">
+                <a:solidFill>
+                  <a:schemeClr val="tx1"/>
+                </a:solidFill>
+                <a:latin typeface="+mj-lt"/>
+                <a:ea typeface="+mj-ea"/>
+                <a:cs typeface="+mj-cs"/>
+              </a:defRPr>
+            </a:lvl1pPr>
+          </a:lstStyle>
+          <a:p>
+            <a:pPr>
+              <a:buClr>
+                <a:schemeClr val="dk1"/>
+              </a:buClr>
+              <a:buSzPts val="990"/>
+            </a:pPr>
+            <a:r>
+              <a:rPr lang="en-US" sz="1100" b="1" dirty="0">
+                <a:solidFill>
+                  <a:srgbClr val="D53033"/>
+                </a:solidFill>
+                <a:latin typeface="Montserrat Medium" panose="00000600000000000000" pitchFamily="2" charset="-52"/>
+                <a:ea typeface="Montserrat SemiBold"/>
+                <a:cs typeface="Gotham Pro" panose="02000503040000020004" pitchFamily="2" charset="0"/>
+                <a:sym typeface="Montserrat SemiBold"/>
+              </a:rPr>
+              <a:t>UI </a:t>
+            </a:r>
+            <a:r>
+              <a:rPr lang="ru-RU" sz="1100" b="1" dirty="0">
+                <a:solidFill>
+                  <a:srgbClr val="D53033"/>
+                </a:solidFill>
+                <a:latin typeface="Montserrat Medium" panose="00000600000000000000" pitchFamily="2" charset="-52"/>
+                <a:ea typeface="Montserrat SemiBold"/>
+                <a:cs typeface="Gotham Pro" panose="02000503040000020004" pitchFamily="2" charset="0"/>
+                <a:sym typeface="Montserrat SemiBold"/>
+              </a:rPr>
+              <a:t>системы мониторинга</a:t>
+            </a:r>
+          </a:p>
+        </p:txBody>
+      </p:sp>
+      <p:sp>
+        <p:nvSpPr>
+          <p:cNvPr id="42" name="Google Shape;62;p14">
+            <a:extLst>
+              <a:ext uri="{FF2B5EF4-FFF2-40B4-BE49-F238E27FC236}">
+                <a16:creationId xmlns:a16="http://schemas.microsoft.com/office/drawing/2014/main" id="{09C07EAE-0DC9-2F3A-ECA6-D43A25FD5402}"/>
+              </a:ext>
+            </a:extLst>
+          </p:cNvPr>
+          <p:cNvSpPr txBox="1">
+            <a:spLocks/>
+          </p:cNvSpPr>
+          <p:nvPr/>
+        </p:nvSpPr>
+        <p:spPr>
+          <a:xfrm>
+            <a:off x="209006" y="5597855"/>
+            <a:ext cx="2206155" cy="329402"/>
+          </a:xfrm>
+          <a:prstGeom prst="rect">
+            <a:avLst/>
+          </a:prstGeom>
+        </p:spPr>
+        <p:txBody>
+          <a:bodyPr spcFirstLastPara="1" vert="horz" wrap="square" lIns="91425" tIns="91425" rIns="91425" bIns="91425" rtlCol="0" anchor="t" anchorCtr="0">
+            <a:noAutofit/>
+          </a:bodyPr>
+          <a:lstStyle>
+            <a:lvl1pPr algn="ctr" defTabSz="914400" rtl="0" eaLnBrk="1" latinLnBrk="0" hangingPunct="1">
+              <a:lnSpc>
+                <a:spcPct val="90000"/>
+              </a:lnSpc>
+              <a:spcBef>
+                <a:spcPct val="0"/>
+              </a:spcBef>
+              <a:buNone/>
+              <a:defRPr sz="6000" kern="1200">
+                <a:solidFill>
+                  <a:schemeClr val="tx1"/>
+                </a:solidFill>
+                <a:latin typeface="+mj-lt"/>
+                <a:ea typeface="+mj-ea"/>
+                <a:cs typeface="+mj-cs"/>
+              </a:defRPr>
+            </a:lvl1pPr>
+          </a:lstStyle>
+          <a:p>
+            <a:pPr>
+              <a:buClr>
+                <a:schemeClr val="dk1"/>
+              </a:buClr>
+              <a:buSzPts val="990"/>
+            </a:pPr>
+            <a:r>
+              <a:rPr lang="en-US" sz="1100" b="1" dirty="0">
+                <a:solidFill>
+                  <a:schemeClr val="tx1">
+                    <a:lumMod val="50000"/>
+                    <a:lumOff val="50000"/>
+                  </a:schemeClr>
+                </a:solidFill>
+                <a:latin typeface="Montserrat Medium" panose="00000600000000000000" pitchFamily="2" charset="-52"/>
+                <a:ea typeface="Montserrat SemiBold"/>
+                <a:cs typeface="Gotham Pro" panose="02000503040000020004" pitchFamily="2" charset="0"/>
+                <a:sym typeface="Montserrat SemiBold"/>
+              </a:rPr>
+              <a:t>Web</a:t>
+            </a:r>
+            <a:r>
+              <a:rPr lang="ru-RU" sz="1100" b="1" dirty="0">
+                <a:solidFill>
+                  <a:schemeClr val="tx1">
+                    <a:lumMod val="50000"/>
+                    <a:lumOff val="50000"/>
+                  </a:schemeClr>
+                </a:solidFill>
+                <a:latin typeface="Montserrat Medium" panose="00000600000000000000" pitchFamily="2" charset="-52"/>
+                <a:ea typeface="Montserrat SemiBold"/>
+                <a:cs typeface="Gotham Pro" panose="02000503040000020004" pitchFamily="2" charset="0"/>
+                <a:sym typeface="Montserrat SemiBold"/>
+              </a:rPr>
+              <a:t>-приложение, </a:t>
+            </a:r>
+            <a:r>
+              <a:rPr lang="en-US" sz="1100" b="1" dirty="0">
+                <a:solidFill>
+                  <a:schemeClr val="tx1">
+                    <a:lumMod val="50000"/>
+                    <a:lumOff val="50000"/>
+                  </a:schemeClr>
+                </a:solidFill>
+                <a:latin typeface="Montserrat Medium" panose="00000600000000000000" pitchFamily="2" charset="-52"/>
+                <a:ea typeface="Montserrat SemiBold"/>
+                <a:cs typeface="Gotham Pro" panose="02000503040000020004" pitchFamily="2" charset="0"/>
+                <a:sym typeface="Montserrat SemiBold"/>
+              </a:rPr>
+              <a:t>JavaScript</a:t>
+            </a:r>
+            <a:endParaRPr lang="ru-RU" sz="1100" b="1" dirty="0">
+              <a:solidFill>
+                <a:schemeClr val="tx1">
+                  <a:lumMod val="50000"/>
+                  <a:lumOff val="50000"/>
+                </a:schemeClr>
+              </a:solidFill>
+              <a:latin typeface="Montserrat Medium" panose="00000600000000000000" pitchFamily="2" charset="-52"/>
+              <a:ea typeface="Montserrat SemiBold"/>
+              <a:cs typeface="Gotham Pro" panose="02000503040000020004" pitchFamily="2" charset="0"/>
+              <a:sym typeface="Montserrat SemiBold"/>
+            </a:endParaRPr>
+          </a:p>
+        </p:txBody>
+      </p:sp>
+      <p:sp>
+        <p:nvSpPr>
+          <p:cNvPr id="43" name="AutoShape 4">
+            <a:extLst>
+              <a:ext uri="{FF2B5EF4-FFF2-40B4-BE49-F238E27FC236}">
+                <a16:creationId xmlns:a16="http://schemas.microsoft.com/office/drawing/2014/main" id="{4F537E68-0161-03FB-C1F8-7C834286583E}"/>
+              </a:ext>
+            </a:extLst>
+          </p:cNvPr>
+          <p:cNvSpPr>
+            <a:spLocks noChangeAspect="1" noChangeArrowheads="1"/>
+          </p:cNvSpPr>
+          <p:nvPr/>
+        </p:nvSpPr>
+        <p:spPr bwMode="auto">
+          <a:xfrm>
+            <a:off x="5943600" y="3233058"/>
+            <a:ext cx="304800" cy="304800"/>
+          </a:xfrm>
+          <a:prstGeom prst="rect">
+            <a:avLst/>
+          </a:prstGeom>
+          <a:noFill/>
+          <a:extLst>
+            <a:ext uri="{909E8E84-426E-40DD-AFC4-6F175D3DCCD1}">
+              <a14:hiddenFill xmlns:a14="http://schemas.microsoft.com/office/drawing/2010/main">
+                <a:solidFill>
+                  <a:srgbClr val="FFFFFF"/>
+                </a:solidFill>
+              </a14:hiddenFill>
+            </a:ext>
+          </a:extLst>
+        </p:spPr>
+        <p:txBody>
+          <a:bodyPr vert="horz" wrap="square" lIns="91440" tIns="45720" rIns="91440" bIns="45720" numCol="1" anchor="t" anchorCtr="0" compatLnSpc="1">
+            <a:prstTxWarp prst="textNoShape">
+              <a:avLst/>
+            </a:prstTxWarp>
+          </a:bodyPr>
+          <a:lstStyle/>
+          <a:p>
+            <a:endParaRPr lang="ru-RU"/>
+          </a:p>
+        </p:txBody>
+      </p:sp>
+    </p:spTree>
+    <p:extLst>
+      <p:ext uri="{BB962C8B-B14F-4D97-AF65-F5344CB8AC3E}">
+        <p14:creationId xmlns:p14="http://schemas.microsoft.com/office/powerpoint/2010/main" val="4246136638"/>
+      </p:ext>
+    </p:extLst>
+  </p:cSld>
+  <p:clrMapOvr>
+    <a:masterClrMapping/>
+  </p:clrMapOvr>
+</p:sld>
+</file>
+
+<file path=ppt/slides/slide6.xml><?xml version="1.0" encoding="utf-8"?>
+<p:sld xmlns:a="http://schemas.openxmlformats.org/drawingml/2006/main" xmlns:r="http://schemas.openxmlformats.org/officeDocument/2006/relationships" xmlns:p="http://schemas.openxmlformats.org/presentationml/2006/main">
+  <p:cSld>
+    <p:spTree>
+      <p:nvGrpSpPr>
+        <p:cNvPr id="1" name=""/>
+        <p:cNvGrpSpPr/>
+        <p:nvPr/>
+      </p:nvGrpSpPr>
+      <p:grpSpPr>
+        <a:xfrm>
+          <a:off x="0" y="0"/>
+          <a:ext cx="0" cy="0"/>
+          <a:chOff x="0" y="0"/>
+          <a:chExt cx="0" cy="0"/>
+        </a:xfrm>
+      </p:grpSpPr>
+      <p:sp>
+        <p:nvSpPr>
+          <p:cNvPr id="13" name="Google Shape;62;p14"/>
+          <p:cNvSpPr txBox="1">
+            <a:spLocks/>
+          </p:cNvSpPr>
+          <p:nvPr/>
+        </p:nvSpPr>
+        <p:spPr>
+          <a:xfrm>
+            <a:off x="690036" y="542404"/>
+            <a:ext cx="11011287" cy="479065"/>
+          </a:xfrm>
+          <a:prstGeom prst="rect">
+            <a:avLst/>
+          </a:prstGeom>
+        </p:spPr>
+        <p:txBody>
+          <a:bodyPr spcFirstLastPara="1" vert="horz" wrap="square" lIns="91425" tIns="91425" rIns="91425" bIns="91425" rtlCol="0" anchor="t" anchorCtr="0">
+            <a:noAutofit/>
+          </a:bodyPr>
+          <a:lstStyle>
+            <a:lvl1pPr algn="ctr" defTabSz="914400" rtl="0" eaLnBrk="1" latinLnBrk="0" hangingPunct="1">
+              <a:lnSpc>
+                <a:spcPct val="90000"/>
+              </a:lnSpc>
+              <a:spcBef>
+                <a:spcPct val="0"/>
+              </a:spcBef>
+              <a:buNone/>
+              <a:defRPr sz="6000" kern="1200">
+                <a:solidFill>
+                  <a:schemeClr val="tx1"/>
+                </a:solidFill>
+                <a:latin typeface="+mj-lt"/>
+                <a:ea typeface="+mj-ea"/>
+                <a:cs typeface="+mj-cs"/>
+              </a:defRPr>
+            </a:lvl1pPr>
+          </a:lstStyle>
+          <a:p>
+            <a:pPr algn="l">
+              <a:buClr>
+                <a:schemeClr val="dk1"/>
+              </a:buClr>
+              <a:buSzPts val="990"/>
+            </a:pPr>
+            <a:r>
+              <a:rPr lang="ru-RU" sz="2400" b="1" dirty="0">
+                <a:solidFill>
+                  <a:srgbClr val="0A9B69"/>
+                </a:solidFill>
+                <a:latin typeface="Montserrat Medium" panose="00000600000000000000" pitchFamily="2" charset="-52"/>
+                <a:ea typeface="Montserrat SemiBold"/>
+                <a:cs typeface="Gotham Pro" panose="02000503040000020004" pitchFamily="2" charset="0"/>
+                <a:sym typeface="Montserrat SemiBold"/>
+              </a:rPr>
+              <a:t>Модель ДНС</a:t>
+            </a:r>
+          </a:p>
+        </p:txBody>
+      </p:sp>
+      <p:pic>
+        <p:nvPicPr>
+          <p:cNvPr id="88" name="Рисунок 87"/>
+          <p:cNvPicPr>
+            <a:picLocks noChangeAspect="1"/>
+          </p:cNvPicPr>
+          <p:nvPr/>
+        </p:nvPicPr>
+        <p:blipFill>
+          <a:blip r:embed="rId2" cstate="print">
+            <a:extLst>
+              <a:ext uri="{28A0092B-C50C-407E-A947-70E740481C1C}">
+                <a14:useLocalDpi xmlns:a14="http://schemas.microsoft.com/office/drawing/2010/main" val="0"/>
+              </a:ext>
+            </a:extLst>
+          </a:blip>
+          <a:stretch>
+            <a:fillRect/>
+          </a:stretch>
+        </p:blipFill>
+        <p:spPr>
+          <a:xfrm>
+            <a:off x="10962658" y="5701827"/>
+            <a:ext cx="738667" cy="738667"/>
+          </a:xfrm>
+          <a:prstGeom prst="rect">
+            <a:avLst/>
+          </a:prstGeom>
+        </p:spPr>
+      </p:pic>
+      <p:pic>
+        <p:nvPicPr>
+          <p:cNvPr id="93" name="Рисунок 92"/>
+          <p:cNvPicPr>
+            <a:picLocks noChangeAspect="1"/>
+          </p:cNvPicPr>
+          <p:nvPr/>
+        </p:nvPicPr>
+        <p:blipFill>
+          <a:blip r:embed="rId3" cstate="print">
+            <a:extLst>
+              <a:ext uri="{28A0092B-C50C-407E-A947-70E740481C1C}">
+                <a14:useLocalDpi xmlns:a14="http://schemas.microsoft.com/office/drawing/2010/main" val="0"/>
+              </a:ext>
+            </a:extLst>
+          </a:blip>
+          <a:stretch>
+            <a:fillRect/>
+          </a:stretch>
+        </p:blipFill>
+        <p:spPr>
+          <a:xfrm>
+            <a:off x="370726" y="216906"/>
+            <a:ext cx="1042437" cy="297599"/>
+          </a:xfrm>
+          <a:prstGeom prst="rect">
+            <a:avLst/>
+          </a:prstGeom>
+        </p:spPr>
+      </p:pic>
+      <p:sp>
+        <p:nvSpPr>
+          <p:cNvPr id="46" name="Google Shape;62;p14"/>
+          <p:cNvSpPr txBox="1">
+            <a:spLocks/>
+          </p:cNvSpPr>
+          <p:nvPr/>
+        </p:nvSpPr>
+        <p:spPr>
+          <a:xfrm>
+            <a:off x="9065623" y="1715579"/>
+            <a:ext cx="2635702" cy="1688799"/>
+          </a:xfrm>
+          <a:prstGeom prst="rect">
+            <a:avLst/>
+          </a:prstGeom>
+        </p:spPr>
+        <p:txBody>
+          <a:bodyPr spcFirstLastPara="1" vert="horz" wrap="square" lIns="91425" tIns="91425" rIns="91425" bIns="91425" rtlCol="0" anchor="t" anchorCtr="0">
+            <a:noAutofit/>
+          </a:bodyPr>
+          <a:lstStyle>
+            <a:lvl1pPr algn="ctr" defTabSz="914400" rtl="0" eaLnBrk="1" latinLnBrk="0" hangingPunct="1">
+              <a:lnSpc>
+                <a:spcPct val="90000"/>
+              </a:lnSpc>
+              <a:spcBef>
+                <a:spcPct val="0"/>
+              </a:spcBef>
+              <a:buNone/>
+              <a:defRPr sz="6000" kern="1200">
+                <a:solidFill>
+                  <a:schemeClr val="tx1"/>
+                </a:solidFill>
+                <a:latin typeface="+mj-lt"/>
+                <a:ea typeface="+mj-ea"/>
+                <a:cs typeface="+mj-cs"/>
+              </a:defRPr>
+            </a:lvl1pPr>
+          </a:lstStyle>
+          <a:p>
+            <a:pPr algn="l">
+              <a:buClr>
+                <a:schemeClr val="dk1"/>
+              </a:buClr>
+              <a:buSzPts val="990"/>
+            </a:pPr>
+            <a:r>
+              <a:rPr lang="ru-RU" sz="1400" b="1" dirty="0">
+                <a:solidFill>
+                  <a:schemeClr val="tx1">
+                    <a:lumMod val="50000"/>
+                    <a:lumOff val="50000"/>
+                  </a:schemeClr>
+                </a:solidFill>
+                <a:latin typeface="Montserrat Medium" panose="00000600000000000000" pitchFamily="2" charset="-52"/>
+                <a:ea typeface="Montserrat SemiBold"/>
+                <a:cs typeface="Gotham Pro" panose="02000503040000020004" pitchFamily="2" charset="0"/>
+                <a:sym typeface="Montserrat SemiBold"/>
+              </a:rPr>
+              <a:t>.</a:t>
+            </a:r>
+          </a:p>
+        </p:txBody>
+      </p:sp>
+      <p:sp>
+        <p:nvSpPr>
+          <p:cNvPr id="47" name="Google Shape;62;p14"/>
+          <p:cNvSpPr txBox="1">
+            <a:spLocks/>
+          </p:cNvSpPr>
+          <p:nvPr/>
+        </p:nvSpPr>
+        <p:spPr>
+          <a:xfrm>
+            <a:off x="8038011" y="1021469"/>
+            <a:ext cx="3663314" cy="694111"/>
+          </a:xfrm>
+          <a:prstGeom prst="rect">
+            <a:avLst/>
+          </a:prstGeom>
+        </p:spPr>
+        <p:txBody>
+          <a:bodyPr spcFirstLastPara="1" vert="horz" wrap="square" lIns="91425" tIns="91425" rIns="91425" bIns="91425" rtlCol="0" anchor="t" anchorCtr="0">
+            <a:noAutofit/>
+          </a:bodyPr>
+          <a:lstStyle>
+            <a:lvl1pPr algn="ctr" defTabSz="914400" rtl="0" eaLnBrk="1" latinLnBrk="0" hangingPunct="1">
+              <a:lnSpc>
+                <a:spcPct val="90000"/>
+              </a:lnSpc>
+              <a:spcBef>
+                <a:spcPct val="0"/>
+              </a:spcBef>
+              <a:buNone/>
+              <a:defRPr sz="6000" kern="1200">
+                <a:solidFill>
+                  <a:schemeClr val="tx1"/>
+                </a:solidFill>
+                <a:latin typeface="+mj-lt"/>
+                <a:ea typeface="+mj-ea"/>
+                <a:cs typeface="+mj-cs"/>
+              </a:defRPr>
+            </a:lvl1pPr>
+          </a:lstStyle>
+          <a:p>
+            <a:pPr algn="l">
+              <a:buClr>
+                <a:schemeClr val="dk1"/>
+              </a:buClr>
+              <a:buSzPts val="990"/>
+            </a:pPr>
+            <a:r>
+              <a:rPr lang="ru-RU" sz="2000" b="1">
+                <a:solidFill>
+                  <a:srgbClr val="C00000"/>
+                </a:solidFill>
+                <a:latin typeface="Montserrat Medium" panose="00000600000000000000" pitchFamily="2" charset="-52"/>
+                <a:ea typeface="Montserrat SemiBold"/>
+                <a:cs typeface="Gotham Pro" panose="02000503040000020004" pitchFamily="2" charset="0"/>
+                <a:sym typeface="Montserrat SemiBold"/>
+              </a:rPr>
+              <a:t>Модель ДНС.</a:t>
+            </a:r>
+            <a:endParaRPr lang="ru-RU" sz="2000" b="1" dirty="0">
+              <a:solidFill>
+                <a:srgbClr val="C00000"/>
+              </a:solidFill>
+              <a:latin typeface="Montserrat Medium" panose="00000600000000000000" pitchFamily="2" charset="-52"/>
+              <a:ea typeface="Montserrat SemiBold"/>
+              <a:cs typeface="Gotham Pro" panose="02000503040000020004" pitchFamily="2" charset="0"/>
+              <a:sym typeface="Montserrat SemiBold"/>
+            </a:endParaRPr>
+          </a:p>
+        </p:txBody>
+      </p:sp>
+      <p:pic>
+        <p:nvPicPr>
+          <p:cNvPr id="8" name="Рисунок 7">
+            <a:extLst>
+              <a:ext uri="{FF2B5EF4-FFF2-40B4-BE49-F238E27FC236}">
+                <a16:creationId xmlns:a16="http://schemas.microsoft.com/office/drawing/2014/main" id="{031CAF22-7067-7AD6-6466-0209A2009511}"/>
+              </a:ext>
+            </a:extLst>
+          </p:cNvPr>
+          <p:cNvPicPr>
+            <a:picLocks noChangeAspect="1"/>
+          </p:cNvPicPr>
+          <p:nvPr/>
+        </p:nvPicPr>
+        <p:blipFill>
+          <a:blip r:embed="rId4"/>
+          <a:stretch>
+            <a:fillRect/>
+          </a:stretch>
+        </p:blipFill>
+        <p:spPr>
+          <a:xfrm>
+            <a:off x="370726" y="1298072"/>
+            <a:ext cx="7395127" cy="5142422"/>
+          </a:xfrm>
+          <a:prstGeom prst="rect">
+            <a:avLst/>
+          </a:prstGeom>
+        </p:spPr>
+      </p:pic>
+    </p:spTree>
+    <p:extLst>
+      <p:ext uri="{BB962C8B-B14F-4D97-AF65-F5344CB8AC3E}">
+        <p14:creationId xmlns:p14="http://schemas.microsoft.com/office/powerpoint/2010/main" val="4017957982"/>
+      </p:ext>
+    </p:extLst>
+  </p:cSld>
+  <p:clrMapOvr>
+    <a:masterClrMapping/>
+  </p:clrMapOvr>
+</p:sld>
+</file>
+
+<file path=ppt/slides/slide7.xml><?xml version="1.0" encoding="utf-8"?>
+<p:sld xmlns:a="http://schemas.openxmlformats.org/drawingml/2006/main" xmlns:r="http://schemas.openxmlformats.org/officeDocument/2006/relationships" xmlns:p="http://schemas.openxmlformats.org/presentationml/2006/main">
+  <p:cSld>
+    <p:spTree>
+      <p:nvGrpSpPr>
+        <p:cNvPr id="1" name=""/>
+        <p:cNvGrpSpPr/>
+        <p:nvPr/>
+      </p:nvGrpSpPr>
+      <p:grpSpPr>
+        <a:xfrm>
+          <a:off x="0" y="0"/>
+          <a:ext cx="0" cy="0"/>
+          <a:chOff x="0" y="0"/>
+          <a:chExt cx="0" cy="0"/>
+        </a:xfrm>
+      </p:grpSpPr>
       <p:sp>
         <p:nvSpPr>
           <p:cNvPr id="2" name="Заголовок 1"/>
@@ -5767,8 +10242,8 @@
         </p:nvSpPr>
         <p:spPr>
           <a:xfrm>
-            <a:off x="667265" y="2371982"/>
-            <a:ext cx="9144000" cy="1384601"/>
+            <a:off x="424032" y="4505889"/>
+            <a:ext cx="6457036" cy="628862"/>
           </a:xfrm>
         </p:spPr>
         <p:txBody>
@@ -5777,7 +10252,6 @@
           </a:bodyPr>
           <a:lstStyle/>
           <a:p>
-            <a:pPr algn="l"/>
             <a:r>
               <a:rPr lang="ru-RU" sz="3200" b="1" dirty="0">
                 <a:solidFill>
@@ -5881,6 +10355,634 @@
           </a:prstGeom>
         </p:spPr>
       </p:pic>
+      <p:pic>
+        <p:nvPicPr>
+          <p:cNvPr id="4" name="Рисунок 3">
+            <a:extLst>
+              <a:ext uri="{FF2B5EF4-FFF2-40B4-BE49-F238E27FC236}">
+                <a16:creationId xmlns:a16="http://schemas.microsoft.com/office/drawing/2014/main" id="{C3B63F5B-702A-B8A3-2CF4-4D2CBFD045F2}"/>
+              </a:ext>
+            </a:extLst>
+          </p:cNvPr>
+          <p:cNvPicPr>
+            <a:picLocks noChangeAspect="1"/>
+          </p:cNvPicPr>
+          <p:nvPr/>
+        </p:nvPicPr>
+        <p:blipFill>
+          <a:blip r:embed="rId5" cstate="print">
+            <a:extLst>
+              <a:ext uri="{28A0092B-C50C-407E-A947-70E740481C1C}">
+                <a14:useLocalDpi xmlns:a14="http://schemas.microsoft.com/office/drawing/2010/main" val="0"/>
+              </a:ext>
+            </a:extLst>
+          </a:blip>
+          <a:srcRect t="3102" b="3102"/>
+          <a:stretch>
+            <a:fillRect/>
+          </a:stretch>
+        </p:blipFill>
+        <p:spPr>
+          <a:xfrm>
+            <a:off x="3041246" y="1309596"/>
+            <a:ext cx="1536171" cy="1440161"/>
+          </a:xfrm>
+          <a:prstGeom prst="ellipse">
+            <a:avLst/>
+          </a:prstGeom>
+          <a:effectLst>
+            <a:glow rad="228600">
+              <a:srgbClr val="008E5B">
+                <a:alpha val="40000"/>
+              </a:srgbClr>
+            </a:glow>
+          </a:effectLst>
+        </p:spPr>
+      </p:pic>
+      <p:pic>
+        <p:nvPicPr>
+          <p:cNvPr id="5" name="Рисунок 4">
+            <a:extLst>
+              <a:ext uri="{FF2B5EF4-FFF2-40B4-BE49-F238E27FC236}">
+                <a16:creationId xmlns:a16="http://schemas.microsoft.com/office/drawing/2014/main" id="{4F0291B5-B53E-F323-2E85-BB6841122CC3}"/>
+              </a:ext>
+            </a:extLst>
+          </p:cNvPr>
+          <p:cNvPicPr>
+            <a:picLocks noChangeAspect="1"/>
+          </p:cNvPicPr>
+          <p:nvPr/>
+        </p:nvPicPr>
+        <p:blipFill>
+          <a:blip r:embed="rId6" cstate="print">
+            <a:extLst>
+              <a:ext uri="{28A0092B-C50C-407E-A947-70E740481C1C}">
+                <a14:useLocalDpi xmlns:a14="http://schemas.microsoft.com/office/drawing/2010/main" val="0"/>
+              </a:ext>
+            </a:extLst>
+          </a:blip>
+          <a:srcRect t="14841" b="14841"/>
+          <a:stretch>
+            <a:fillRect/>
+          </a:stretch>
+        </p:blipFill>
+        <p:spPr>
+          <a:xfrm>
+            <a:off x="5344897" y="1309596"/>
+            <a:ext cx="1536171" cy="1440161"/>
+          </a:xfrm>
+          <a:prstGeom prst="ellipse">
+            <a:avLst/>
+          </a:prstGeom>
+          <a:effectLst>
+            <a:glow rad="228600">
+              <a:srgbClr val="008E5B">
+                <a:alpha val="40000"/>
+              </a:srgbClr>
+            </a:glow>
+          </a:effectLst>
+        </p:spPr>
+      </p:pic>
+      <p:pic>
+        <p:nvPicPr>
+          <p:cNvPr id="6" name="Рисунок 5">
+            <a:extLst>
+              <a:ext uri="{FF2B5EF4-FFF2-40B4-BE49-F238E27FC236}">
+                <a16:creationId xmlns:a16="http://schemas.microsoft.com/office/drawing/2014/main" id="{60F9B23F-7C15-72B0-56AA-BCC2E51AEDDB}"/>
+              </a:ext>
+            </a:extLst>
+          </p:cNvPr>
+          <p:cNvPicPr>
+            <a:picLocks noChangeAspect="1"/>
+          </p:cNvPicPr>
+          <p:nvPr/>
+        </p:nvPicPr>
+        <p:blipFill rotWithShape="1">
+          <a:blip r:embed="rId7" cstate="print">
+            <a:extLst>
+              <a:ext uri="{28A0092B-C50C-407E-A947-70E740481C1C}">
+                <a14:useLocalDpi xmlns:a14="http://schemas.microsoft.com/office/drawing/2010/main" val="0"/>
+              </a:ext>
+            </a:extLst>
+          </a:blip>
+          <a:srcRect t="7813" b="21874"/>
+          <a:stretch/>
+        </p:blipFill>
+        <p:spPr>
+          <a:xfrm>
+            <a:off x="737595" y="1309595"/>
+            <a:ext cx="1536171" cy="1440161"/>
+          </a:xfrm>
+          <a:prstGeom prst="ellipse">
+            <a:avLst/>
+          </a:prstGeom>
+          <a:effectLst>
+            <a:glow rad="228600">
+              <a:srgbClr val="008E5B">
+                <a:alpha val="40000"/>
+              </a:srgbClr>
+            </a:glow>
+          </a:effectLst>
+        </p:spPr>
+      </p:pic>
+      <p:sp>
+        <p:nvSpPr>
+          <p:cNvPr id="7" name="Google Shape;62;p14">
+            <a:extLst>
+              <a:ext uri="{FF2B5EF4-FFF2-40B4-BE49-F238E27FC236}">
+                <a16:creationId xmlns:a16="http://schemas.microsoft.com/office/drawing/2014/main" id="{B5DE8705-4570-416A-9FE2-3CB2459BA098}"/>
+              </a:ext>
+            </a:extLst>
+          </p:cNvPr>
+          <p:cNvSpPr txBox="1">
+            <a:spLocks/>
+          </p:cNvSpPr>
+          <p:nvPr/>
+        </p:nvSpPr>
+        <p:spPr>
+          <a:xfrm>
+            <a:off x="737595" y="3067452"/>
+            <a:ext cx="1536171" cy="678065"/>
+          </a:xfrm>
+          <a:prstGeom prst="rect">
+            <a:avLst/>
+          </a:prstGeom>
+        </p:spPr>
+        <p:txBody>
+          <a:bodyPr spcFirstLastPara="1" vert="horz" wrap="square" lIns="91425" tIns="91425" rIns="91425" bIns="91425" rtlCol="0" anchor="t" anchorCtr="0">
+            <a:noAutofit/>
+          </a:bodyPr>
+          <a:lstStyle>
+            <a:lvl1pPr algn="ctr" defTabSz="914400" rtl="0" eaLnBrk="1" latinLnBrk="0" hangingPunct="1">
+              <a:lnSpc>
+                <a:spcPct val="90000"/>
+              </a:lnSpc>
+              <a:spcBef>
+                <a:spcPct val="0"/>
+              </a:spcBef>
+              <a:buNone/>
+              <a:defRPr sz="6000" kern="1200">
+                <a:solidFill>
+                  <a:schemeClr val="tx1"/>
+                </a:solidFill>
+                <a:latin typeface="+mj-lt"/>
+                <a:ea typeface="+mj-ea"/>
+                <a:cs typeface="+mj-cs"/>
+              </a:defRPr>
+            </a:lvl1pPr>
+          </a:lstStyle>
+          <a:p>
+            <a:pPr>
+              <a:buClr>
+                <a:schemeClr val="dk1"/>
+              </a:buClr>
+              <a:buSzPts val="990"/>
+            </a:pPr>
+            <a:r>
+              <a:rPr lang="ru-RU" sz="2000" b="1" dirty="0">
+                <a:solidFill>
+                  <a:srgbClr val="C00000"/>
+                </a:solidFill>
+                <a:latin typeface="Montserrat Medium" panose="00000600000000000000" pitchFamily="2" charset="-52"/>
+                <a:ea typeface="Montserrat SemiBold"/>
+                <a:cs typeface="Gotham Pro" panose="02000503040000020004" pitchFamily="2" charset="0"/>
+                <a:sym typeface="Montserrat SemiBold"/>
+              </a:rPr>
+              <a:t>Левыкин Алексей</a:t>
+            </a:r>
+          </a:p>
+        </p:txBody>
+      </p:sp>
+      <p:sp>
+        <p:nvSpPr>
+          <p:cNvPr id="8" name="Google Shape;62;p14">
+            <a:extLst>
+              <a:ext uri="{FF2B5EF4-FFF2-40B4-BE49-F238E27FC236}">
+                <a16:creationId xmlns:a16="http://schemas.microsoft.com/office/drawing/2014/main" id="{7233024D-6B20-C9BE-A462-029C2EC52A6D}"/>
+              </a:ext>
+            </a:extLst>
+          </p:cNvPr>
+          <p:cNvSpPr txBox="1">
+            <a:spLocks/>
+          </p:cNvSpPr>
+          <p:nvPr/>
+        </p:nvSpPr>
+        <p:spPr>
+          <a:xfrm>
+            <a:off x="3041246" y="3067452"/>
+            <a:ext cx="1536171" cy="678065"/>
+          </a:xfrm>
+          <a:prstGeom prst="rect">
+            <a:avLst/>
+          </a:prstGeom>
+        </p:spPr>
+        <p:txBody>
+          <a:bodyPr spcFirstLastPara="1" vert="horz" wrap="square" lIns="91425" tIns="91425" rIns="91425" bIns="91425" rtlCol="0" anchor="t" anchorCtr="0">
+            <a:noAutofit/>
+          </a:bodyPr>
+          <a:lstStyle>
+            <a:lvl1pPr algn="ctr" defTabSz="914400" rtl="0" eaLnBrk="1" latinLnBrk="0" hangingPunct="1">
+              <a:lnSpc>
+                <a:spcPct val="90000"/>
+              </a:lnSpc>
+              <a:spcBef>
+                <a:spcPct val="0"/>
+              </a:spcBef>
+              <a:buNone/>
+              <a:defRPr sz="6000" kern="1200">
+                <a:solidFill>
+                  <a:schemeClr val="tx1"/>
+                </a:solidFill>
+                <a:latin typeface="+mj-lt"/>
+                <a:ea typeface="+mj-ea"/>
+                <a:cs typeface="+mj-cs"/>
+              </a:defRPr>
+            </a:lvl1pPr>
+          </a:lstStyle>
+          <a:p>
+            <a:pPr>
+              <a:buClr>
+                <a:schemeClr val="dk1"/>
+              </a:buClr>
+              <a:buSzPts val="990"/>
+            </a:pPr>
+            <a:r>
+              <a:rPr lang="ru-RU" sz="2000" b="1" dirty="0">
+                <a:solidFill>
+                  <a:srgbClr val="C00000"/>
+                </a:solidFill>
+                <a:latin typeface="Montserrat Medium" panose="00000600000000000000" pitchFamily="2" charset="-52"/>
+                <a:ea typeface="Montserrat SemiBold"/>
+                <a:cs typeface="Gotham Pro" panose="02000503040000020004" pitchFamily="2" charset="0"/>
+                <a:sym typeface="Montserrat SemiBold"/>
+              </a:rPr>
+              <a:t>Батурина Татьяна</a:t>
+            </a:r>
+          </a:p>
+        </p:txBody>
+      </p:sp>
+      <p:sp>
+        <p:nvSpPr>
+          <p:cNvPr id="9" name="Google Shape;62;p14">
+            <a:extLst>
+              <a:ext uri="{FF2B5EF4-FFF2-40B4-BE49-F238E27FC236}">
+                <a16:creationId xmlns:a16="http://schemas.microsoft.com/office/drawing/2014/main" id="{47A1F984-F2D0-A9B5-6F9D-19461A28929D}"/>
+              </a:ext>
+            </a:extLst>
+          </p:cNvPr>
+          <p:cNvSpPr txBox="1">
+            <a:spLocks/>
+          </p:cNvSpPr>
+          <p:nvPr/>
+        </p:nvSpPr>
+        <p:spPr>
+          <a:xfrm>
+            <a:off x="5344897" y="3067452"/>
+            <a:ext cx="1536171" cy="678065"/>
+          </a:xfrm>
+          <a:prstGeom prst="rect">
+            <a:avLst/>
+          </a:prstGeom>
+        </p:spPr>
+        <p:txBody>
+          <a:bodyPr spcFirstLastPara="1" vert="horz" wrap="square" lIns="91425" tIns="91425" rIns="91425" bIns="91425" rtlCol="0" anchor="t" anchorCtr="0">
+            <a:noAutofit/>
+          </a:bodyPr>
+          <a:lstStyle>
+            <a:lvl1pPr algn="ctr" defTabSz="914400" rtl="0" eaLnBrk="1" latinLnBrk="0" hangingPunct="1">
+              <a:lnSpc>
+                <a:spcPct val="90000"/>
+              </a:lnSpc>
+              <a:spcBef>
+                <a:spcPct val="0"/>
+              </a:spcBef>
+              <a:buNone/>
+              <a:defRPr sz="6000" kern="1200">
+                <a:solidFill>
+                  <a:schemeClr val="tx1"/>
+                </a:solidFill>
+                <a:latin typeface="+mj-lt"/>
+                <a:ea typeface="+mj-ea"/>
+                <a:cs typeface="+mj-cs"/>
+              </a:defRPr>
+            </a:lvl1pPr>
+          </a:lstStyle>
+          <a:p>
+            <a:pPr>
+              <a:buClr>
+                <a:schemeClr val="dk1"/>
+              </a:buClr>
+              <a:buSzPts val="990"/>
+            </a:pPr>
+            <a:r>
+              <a:rPr lang="ru-RU" sz="2000" b="1" dirty="0">
+                <a:solidFill>
+                  <a:srgbClr val="C00000"/>
+                </a:solidFill>
+                <a:latin typeface="Montserrat Medium" panose="00000600000000000000" pitchFamily="2" charset="-52"/>
+                <a:ea typeface="Montserrat SemiBold"/>
+                <a:cs typeface="Gotham Pro" panose="02000503040000020004" pitchFamily="2" charset="0"/>
+                <a:sym typeface="Montserrat SemiBold"/>
+              </a:rPr>
+              <a:t>Левыкин Михаил</a:t>
+            </a:r>
+          </a:p>
+        </p:txBody>
+      </p:sp>
+      <p:sp>
+        <p:nvSpPr>
+          <p:cNvPr id="13" name="Google Shape;62;p14">
+            <a:extLst>
+              <a:ext uri="{FF2B5EF4-FFF2-40B4-BE49-F238E27FC236}">
+                <a16:creationId xmlns:a16="http://schemas.microsoft.com/office/drawing/2014/main" id="{A8323C3B-5FAA-8405-C94C-957A2EFC9AF9}"/>
+              </a:ext>
+            </a:extLst>
+          </p:cNvPr>
+          <p:cNvSpPr txBox="1">
+            <a:spLocks/>
+          </p:cNvSpPr>
+          <p:nvPr/>
+        </p:nvSpPr>
+        <p:spPr>
+          <a:xfrm>
+            <a:off x="903173" y="3759166"/>
+            <a:ext cx="1205014" cy="608094"/>
+          </a:xfrm>
+          <a:prstGeom prst="rect">
+            <a:avLst/>
+          </a:prstGeom>
+        </p:spPr>
+        <p:txBody>
+          <a:bodyPr spcFirstLastPara="1" vert="horz" wrap="square" lIns="91425" tIns="91425" rIns="91425" bIns="91425" rtlCol="0" anchor="t" anchorCtr="0">
+            <a:noAutofit/>
+          </a:bodyPr>
+          <a:lstStyle>
+            <a:lvl1pPr algn="ctr" defTabSz="914400" rtl="0" eaLnBrk="1" latinLnBrk="0" hangingPunct="1">
+              <a:lnSpc>
+                <a:spcPct val="90000"/>
+              </a:lnSpc>
+              <a:spcBef>
+                <a:spcPct val="0"/>
+              </a:spcBef>
+              <a:buNone/>
+              <a:defRPr sz="6000" kern="1200">
+                <a:solidFill>
+                  <a:schemeClr val="tx1"/>
+                </a:solidFill>
+                <a:latin typeface="+mj-lt"/>
+                <a:ea typeface="+mj-ea"/>
+                <a:cs typeface="+mj-cs"/>
+              </a:defRPr>
+            </a:lvl1pPr>
+          </a:lstStyle>
+          <a:p>
+            <a:pPr>
+              <a:buClr>
+                <a:schemeClr val="dk1"/>
+              </a:buClr>
+              <a:buSzPts val="990"/>
+            </a:pPr>
+            <a:r>
+              <a:rPr lang="ru-RU" sz="1100" b="1" dirty="0">
+                <a:solidFill>
+                  <a:schemeClr val="tx1">
+                    <a:lumMod val="50000"/>
+                    <a:lumOff val="50000"/>
+                  </a:schemeClr>
+                </a:solidFill>
+                <a:latin typeface="Montserrat Medium" panose="00000600000000000000" pitchFamily="2" charset="-52"/>
+                <a:ea typeface="Montserrat SemiBold"/>
+                <a:cs typeface="Gotham Pro" panose="02000503040000020004" pitchFamily="2" charset="0"/>
+                <a:sym typeface="Montserrat SemiBold"/>
+              </a:rPr>
+              <a:t>Старший разработчик, Альфа-Банк</a:t>
+            </a:r>
+          </a:p>
+        </p:txBody>
+      </p:sp>
+      <p:sp>
+        <p:nvSpPr>
+          <p:cNvPr id="14" name="Google Shape;62;p14">
+            <a:extLst>
+              <a:ext uri="{FF2B5EF4-FFF2-40B4-BE49-F238E27FC236}">
+                <a16:creationId xmlns:a16="http://schemas.microsoft.com/office/drawing/2014/main" id="{DA3F4A08-260C-16B4-EC2C-43D97B495062}"/>
+              </a:ext>
+            </a:extLst>
+          </p:cNvPr>
+          <p:cNvSpPr txBox="1">
+            <a:spLocks/>
+          </p:cNvSpPr>
+          <p:nvPr/>
+        </p:nvSpPr>
+        <p:spPr>
+          <a:xfrm>
+            <a:off x="3126377" y="3759166"/>
+            <a:ext cx="1451039" cy="608094"/>
+          </a:xfrm>
+          <a:prstGeom prst="rect">
+            <a:avLst/>
+          </a:prstGeom>
+        </p:spPr>
+        <p:txBody>
+          <a:bodyPr spcFirstLastPara="1" vert="horz" wrap="square" lIns="91425" tIns="91425" rIns="91425" bIns="91425" rtlCol="0" anchor="t" anchorCtr="0">
+            <a:noAutofit/>
+          </a:bodyPr>
+          <a:lstStyle>
+            <a:lvl1pPr algn="ctr" defTabSz="914400" rtl="0" eaLnBrk="1" latinLnBrk="0" hangingPunct="1">
+              <a:lnSpc>
+                <a:spcPct val="90000"/>
+              </a:lnSpc>
+              <a:spcBef>
+                <a:spcPct val="0"/>
+              </a:spcBef>
+              <a:buNone/>
+              <a:defRPr sz="6000" kern="1200">
+                <a:solidFill>
+                  <a:schemeClr val="tx1"/>
+                </a:solidFill>
+                <a:latin typeface="+mj-lt"/>
+                <a:ea typeface="+mj-ea"/>
+                <a:cs typeface="+mj-cs"/>
+              </a:defRPr>
+            </a:lvl1pPr>
+          </a:lstStyle>
+          <a:p>
+            <a:pPr>
+              <a:buClr>
+                <a:schemeClr val="dk1"/>
+              </a:buClr>
+              <a:buSzPts val="990"/>
+            </a:pPr>
+            <a:r>
+              <a:rPr lang="ru-RU" sz="1100" b="1" dirty="0">
+                <a:solidFill>
+                  <a:schemeClr val="tx1">
+                    <a:lumMod val="50000"/>
+                    <a:lumOff val="50000"/>
+                  </a:schemeClr>
+                </a:solidFill>
+                <a:latin typeface="Montserrat Medium" panose="00000600000000000000" pitchFamily="2" charset="-52"/>
+                <a:ea typeface="Montserrat SemiBold"/>
+                <a:cs typeface="Gotham Pro" panose="02000503040000020004" pitchFamily="2" charset="0"/>
+                <a:sym typeface="Montserrat SemiBold"/>
+              </a:rPr>
+              <a:t>Ведущий специалист,</a:t>
+            </a:r>
+          </a:p>
+          <a:p>
+            <a:pPr>
+              <a:buClr>
+                <a:schemeClr val="dk1"/>
+              </a:buClr>
+              <a:buSzPts val="990"/>
+            </a:pPr>
+            <a:r>
+              <a:rPr lang="ru-RU" sz="1100" b="1" dirty="0">
+                <a:solidFill>
+                  <a:schemeClr val="tx1">
+                    <a:lumMod val="50000"/>
+                    <a:lumOff val="50000"/>
+                  </a:schemeClr>
+                </a:solidFill>
+                <a:latin typeface="Montserrat Medium" panose="00000600000000000000" pitchFamily="2" charset="-52"/>
+                <a:ea typeface="Montserrat SemiBold"/>
+                <a:cs typeface="Gotham Pro" panose="02000503040000020004" pitchFamily="2" charset="0"/>
+                <a:sym typeface="Montserrat SemiBold"/>
+              </a:rPr>
+              <a:t>АУ Информком</a:t>
+            </a:r>
+          </a:p>
+        </p:txBody>
+      </p:sp>
+      <p:sp>
+        <p:nvSpPr>
+          <p:cNvPr id="15" name="Google Shape;62;p14">
+            <a:extLst>
+              <a:ext uri="{FF2B5EF4-FFF2-40B4-BE49-F238E27FC236}">
+                <a16:creationId xmlns:a16="http://schemas.microsoft.com/office/drawing/2014/main" id="{5F326A3B-3746-036F-E345-4A42ECD08C0E}"/>
+              </a:ext>
+            </a:extLst>
+          </p:cNvPr>
+          <p:cNvSpPr txBox="1">
+            <a:spLocks/>
+          </p:cNvSpPr>
+          <p:nvPr/>
+        </p:nvSpPr>
+        <p:spPr>
+          <a:xfrm>
+            <a:off x="5370480" y="3759082"/>
+            <a:ext cx="1451039" cy="608094"/>
+          </a:xfrm>
+          <a:prstGeom prst="rect">
+            <a:avLst/>
+          </a:prstGeom>
+        </p:spPr>
+        <p:txBody>
+          <a:bodyPr spcFirstLastPara="1" vert="horz" wrap="square" lIns="91425" tIns="91425" rIns="91425" bIns="91425" rtlCol="0" anchor="t" anchorCtr="0">
+            <a:noAutofit/>
+          </a:bodyPr>
+          <a:lstStyle>
+            <a:lvl1pPr algn="ctr" defTabSz="914400" rtl="0" eaLnBrk="1" latinLnBrk="0" hangingPunct="1">
+              <a:lnSpc>
+                <a:spcPct val="90000"/>
+              </a:lnSpc>
+              <a:spcBef>
+                <a:spcPct val="0"/>
+              </a:spcBef>
+              <a:buNone/>
+              <a:defRPr sz="6000" kern="1200">
+                <a:solidFill>
+                  <a:schemeClr val="tx1"/>
+                </a:solidFill>
+                <a:latin typeface="+mj-lt"/>
+                <a:ea typeface="+mj-ea"/>
+                <a:cs typeface="+mj-cs"/>
+              </a:defRPr>
+            </a:lvl1pPr>
+          </a:lstStyle>
+          <a:p>
+            <a:pPr>
+              <a:buClr>
+                <a:schemeClr val="dk1"/>
+              </a:buClr>
+              <a:buSzPts val="990"/>
+            </a:pPr>
+            <a:r>
+              <a:rPr lang="ru-RU" sz="1100" b="1" dirty="0">
+                <a:solidFill>
+                  <a:schemeClr val="tx1">
+                    <a:lumMod val="50000"/>
+                    <a:lumOff val="50000"/>
+                  </a:schemeClr>
+                </a:solidFill>
+                <a:latin typeface="Montserrat Medium" panose="00000600000000000000" pitchFamily="2" charset="-52"/>
+                <a:ea typeface="Montserrat SemiBold"/>
+                <a:cs typeface="Gotham Pro" panose="02000503040000020004" pitchFamily="2" charset="0"/>
+                <a:sym typeface="Montserrat SemiBold"/>
+              </a:rPr>
+              <a:t>Студент,</a:t>
+            </a:r>
+            <a:br>
+              <a:rPr lang="ru-RU" sz="1100" b="1" dirty="0">
+                <a:solidFill>
+                  <a:schemeClr val="tx1">
+                    <a:lumMod val="50000"/>
+                    <a:lumOff val="50000"/>
+                  </a:schemeClr>
+                </a:solidFill>
+                <a:latin typeface="Montserrat Medium" panose="00000600000000000000" pitchFamily="2" charset="-52"/>
+                <a:ea typeface="Montserrat SemiBold"/>
+                <a:cs typeface="Gotham Pro" panose="02000503040000020004" pitchFamily="2" charset="0"/>
+                <a:sym typeface="Montserrat SemiBold"/>
+              </a:rPr>
+            </a:br>
+            <a:r>
+              <a:rPr lang="ru-RU" sz="1100" b="1" dirty="0">
+                <a:solidFill>
+                  <a:schemeClr val="tx1">
+                    <a:lumMod val="50000"/>
+                    <a:lumOff val="50000"/>
+                  </a:schemeClr>
+                </a:solidFill>
+                <a:latin typeface="Montserrat Medium" panose="00000600000000000000" pitchFamily="2" charset="-52"/>
+                <a:ea typeface="Montserrat SemiBold"/>
+                <a:cs typeface="Gotham Pro" panose="02000503040000020004" pitchFamily="2" charset="0"/>
+                <a:sym typeface="Montserrat SemiBold"/>
+              </a:rPr>
+              <a:t>ИРИТ-РТФ УрФУ </a:t>
+            </a:r>
+            <a:br>
+              <a:rPr lang="ru-RU" sz="1100" b="1" dirty="0">
+                <a:solidFill>
+                  <a:schemeClr val="tx1">
+                    <a:lumMod val="50000"/>
+                    <a:lumOff val="50000"/>
+                  </a:schemeClr>
+                </a:solidFill>
+                <a:latin typeface="Montserrat Medium" panose="00000600000000000000" pitchFamily="2" charset="-52"/>
+                <a:ea typeface="Montserrat SemiBold"/>
+                <a:cs typeface="Gotham Pro" panose="02000503040000020004" pitchFamily="2" charset="0"/>
+                <a:sym typeface="Montserrat SemiBold"/>
+              </a:rPr>
+            </a:br>
+            <a:r>
+              <a:rPr lang="ru-RU" sz="1100" b="1" dirty="0">
+                <a:solidFill>
+                  <a:schemeClr val="tx1">
+                    <a:lumMod val="50000"/>
+                    <a:lumOff val="50000"/>
+                  </a:schemeClr>
+                </a:solidFill>
+                <a:latin typeface="Montserrat Medium" panose="00000600000000000000" pitchFamily="2" charset="-52"/>
+                <a:ea typeface="Montserrat SemiBold"/>
+                <a:cs typeface="Gotham Pro" panose="02000503040000020004" pitchFamily="2" charset="0"/>
+                <a:sym typeface="Montserrat SemiBold"/>
+              </a:rPr>
+              <a:t>им. Б.Н. Ельцина</a:t>
+            </a:r>
+          </a:p>
+        </p:txBody>
+      </p:sp>
     </p:spTree>
     <p:extLst>
       <p:ext uri="{BB962C8B-B14F-4D97-AF65-F5344CB8AC3E}">

--- a/Презентация/Кейс2-SNZ-Левыкин.pptx
+++ b/Презентация/Кейс2-SNZ-Левыкин.pptx
@@ -8,10 +8,12 @@
     <p:sldId id="256" r:id="rId2"/>
     <p:sldId id="266" r:id="rId3"/>
     <p:sldId id="267" r:id="rId4"/>
-    <p:sldId id="268" r:id="rId5"/>
-    <p:sldId id="269" r:id="rId6"/>
-    <p:sldId id="270" r:id="rId7"/>
-    <p:sldId id="265" r:id="rId8"/>
+    <p:sldId id="272" r:id="rId5"/>
+    <p:sldId id="268" r:id="rId6"/>
+    <p:sldId id="269" r:id="rId7"/>
+    <p:sldId id="270" r:id="rId8"/>
+    <p:sldId id="273" r:id="rId9"/>
+    <p:sldId id="265" r:id="rId10"/>
   </p:sldIdLst>
   <p:sldSz cx="12192000" cy="6858000"/>
   <p:notesSz cx="6858000" cy="9144000"/>
@@ -247,7 +249,7 @@
           <a:p>
             <a:fld id="{18C5288D-E110-4E17-B435-968F7143B998}" type="datetimeFigureOut">
               <a:rPr lang="ru-RU" smtClean="0"/>
-              <a:t>19.08.2023</a:t>
+              <a:t>20.08.2023</a:t>
             </a:fld>
             <a:endParaRPr lang="ru-RU"/>
           </a:p>
@@ -415,7 +417,7 @@
           <a:p>
             <a:fld id="{18C5288D-E110-4E17-B435-968F7143B998}" type="datetimeFigureOut">
               <a:rPr lang="ru-RU" smtClean="0"/>
-              <a:t>19.08.2023</a:t>
+              <a:t>20.08.2023</a:t>
             </a:fld>
             <a:endParaRPr lang="ru-RU"/>
           </a:p>
@@ -593,7 +595,7 @@
           <a:p>
             <a:fld id="{18C5288D-E110-4E17-B435-968F7143B998}" type="datetimeFigureOut">
               <a:rPr lang="ru-RU" smtClean="0"/>
-              <a:t>19.08.2023</a:t>
+              <a:t>20.08.2023</a:t>
             </a:fld>
             <a:endParaRPr lang="ru-RU"/>
           </a:p>
@@ -761,7 +763,7 @@
           <a:p>
             <a:fld id="{18C5288D-E110-4E17-B435-968F7143B998}" type="datetimeFigureOut">
               <a:rPr lang="ru-RU" smtClean="0"/>
-              <a:t>19.08.2023</a:t>
+              <a:t>20.08.2023</a:t>
             </a:fld>
             <a:endParaRPr lang="ru-RU"/>
           </a:p>
@@ -1006,7 +1008,7 @@
           <a:p>
             <a:fld id="{18C5288D-E110-4E17-B435-968F7143B998}" type="datetimeFigureOut">
               <a:rPr lang="ru-RU" smtClean="0"/>
-              <a:t>19.08.2023</a:t>
+              <a:t>20.08.2023</a:t>
             </a:fld>
             <a:endParaRPr lang="ru-RU"/>
           </a:p>
@@ -1235,7 +1237,7 @@
           <a:p>
             <a:fld id="{18C5288D-E110-4E17-B435-968F7143B998}" type="datetimeFigureOut">
               <a:rPr lang="ru-RU" smtClean="0"/>
-              <a:t>19.08.2023</a:t>
+              <a:t>20.08.2023</a:t>
             </a:fld>
             <a:endParaRPr lang="ru-RU"/>
           </a:p>
@@ -1599,7 +1601,7 @@
           <a:p>
             <a:fld id="{18C5288D-E110-4E17-B435-968F7143B998}" type="datetimeFigureOut">
               <a:rPr lang="ru-RU" smtClean="0"/>
-              <a:t>19.08.2023</a:t>
+              <a:t>20.08.2023</a:t>
             </a:fld>
             <a:endParaRPr lang="ru-RU"/>
           </a:p>
@@ -1716,7 +1718,7 @@
           <a:p>
             <a:fld id="{18C5288D-E110-4E17-B435-968F7143B998}" type="datetimeFigureOut">
               <a:rPr lang="ru-RU" smtClean="0"/>
-              <a:t>19.08.2023</a:t>
+              <a:t>20.08.2023</a:t>
             </a:fld>
             <a:endParaRPr lang="ru-RU"/>
           </a:p>
@@ -1811,7 +1813,7 @@
           <a:p>
             <a:fld id="{18C5288D-E110-4E17-B435-968F7143B998}" type="datetimeFigureOut">
               <a:rPr lang="ru-RU" smtClean="0"/>
-              <a:t>19.08.2023</a:t>
+              <a:t>20.08.2023</a:t>
             </a:fld>
             <a:endParaRPr lang="ru-RU"/>
           </a:p>
@@ -2086,7 +2088,7 @@
           <a:p>
             <a:fld id="{18C5288D-E110-4E17-B435-968F7143B998}" type="datetimeFigureOut">
               <a:rPr lang="ru-RU" smtClean="0"/>
-              <a:t>19.08.2023</a:t>
+              <a:t>20.08.2023</a:t>
             </a:fld>
             <a:endParaRPr lang="ru-RU"/>
           </a:p>
@@ -2338,7 +2340,7 @@
           <a:p>
             <a:fld id="{18C5288D-E110-4E17-B435-968F7143B998}" type="datetimeFigureOut">
               <a:rPr lang="ru-RU" smtClean="0"/>
-              <a:t>19.08.2023</a:t>
+              <a:t>20.08.2023</a:t>
             </a:fld>
             <a:endParaRPr lang="ru-RU"/>
           </a:p>
@@ -2549,7 +2551,7 @@
           <a:p>
             <a:fld id="{18C5288D-E110-4E17-B435-968F7143B998}" type="datetimeFigureOut">
               <a:rPr lang="ru-RU" smtClean="0"/>
-              <a:t>19.08.2023</a:t>
+              <a:t>20.08.2023</a:t>
             </a:fld>
             <a:endParaRPr lang="ru-RU"/>
           </a:p>
@@ -4352,7 +4354,7 @@
               <a:t>В качестве системы математического моделирования предлагается использовать язык </a:t>
             </a:r>
             <a:r>
-              <a:rPr lang="en-US" sz="1400" b="1" dirty="0" err="1">
+              <a:rPr lang="en-US" sz="1400" b="1" dirty="0">
                 <a:solidFill>
                   <a:schemeClr val="tx1">
                     <a:lumMod val="50000"/>
@@ -4364,22 +4366,7 @@
                 <a:cs typeface="Gotham Pro" panose="02000503040000020004" pitchFamily="2" charset="0"/>
                 <a:sym typeface="Montserrat SemiBold"/>
               </a:rPr>
-              <a:t>Modelica</a:t>
-            </a:r>
-            <a:r>
-              <a:rPr lang="en-US" sz="1400" b="1" dirty="0">
-                <a:solidFill>
-                  <a:schemeClr val="tx1">
-                    <a:lumMod val="50000"/>
-                    <a:lumOff val="50000"/>
-                  </a:schemeClr>
-                </a:solidFill>
-                <a:latin typeface="Montserrat Medium" panose="00000600000000000000" pitchFamily="2" charset="-52"/>
-                <a:ea typeface="Montserrat SemiBold"/>
-                <a:cs typeface="Gotham Pro" panose="02000503040000020004" pitchFamily="2" charset="0"/>
-                <a:sym typeface="Montserrat SemiBold"/>
-              </a:rPr>
-              <a:t> </a:t>
+              <a:t>Modelica </a:t>
             </a:r>
             <a:r>
               <a:rPr lang="ru-RU" sz="1400" b="1" dirty="0">
@@ -5506,7 +5493,7 @@
           <p:cNvPr id="2" name="Google Shape;62;p14">
             <a:extLst>
               <a:ext uri="{FF2B5EF4-FFF2-40B4-BE49-F238E27FC236}">
-                <a16:creationId xmlns:a16="http://schemas.microsoft.com/office/drawing/2014/main" id="{B9898F5D-4DFA-B198-8974-8B54136833FE}"/>
+                <a16:creationId xmlns:a16="http://schemas.microsoft.com/office/drawing/2014/main" id="{0C6AC5C8-D68A-C0FF-BDCE-B8D5A9B0D940}"/>
               </a:ext>
             </a:extLst>
           </p:cNvPr>
@@ -5564,17 +5551,17 @@
                 <a:cs typeface="Gotham Pro" panose="02000503040000020004" pitchFamily="2" charset="0"/>
                 <a:sym typeface="Montserrat SemiBold"/>
               </a:rPr>
-              <a:t>Архитектура решения</a:t>
-            </a:r>
-          </a:p>
-        </p:txBody>
-      </p:sp>
-      <p:sp>
-        <p:nvSpPr>
-          <p:cNvPr id="3" name="Google Shape;62;p14">
+              <a:t>Алгоритм решения</a:t>
+            </a:r>
+          </a:p>
+        </p:txBody>
+      </p:sp>
+      <p:sp>
+        <p:nvSpPr>
+          <p:cNvPr id="4" name="Google Shape;62;p14">
             <a:extLst>
               <a:ext uri="{FF2B5EF4-FFF2-40B4-BE49-F238E27FC236}">
-                <a16:creationId xmlns:a16="http://schemas.microsoft.com/office/drawing/2014/main" id="{0F2AD3D4-B09C-C0A9-2F89-4AA5CA91FAA7}"/>
+                <a16:creationId xmlns:a16="http://schemas.microsoft.com/office/drawing/2014/main" id="{C32EDE2D-EB34-677A-0FF9-7BDFD67C6BC5}"/>
               </a:ext>
             </a:extLst>
           </p:cNvPr>
@@ -5585,8 +5572,8 @@
         </p:nvSpPr>
         <p:spPr>
           <a:xfrm>
-            <a:off x="690037" y="1012760"/>
-            <a:ext cx="11011288" cy="678065"/>
+            <a:off x="2373243" y="1012760"/>
+            <a:ext cx="9328082" cy="955377"/>
           </a:xfrm>
           <a:prstGeom prst="rect">
             <a:avLst/>
@@ -5632,2044 +5619,112 @@
                 <a:cs typeface="Gotham Pro" panose="02000503040000020004" pitchFamily="2" charset="0"/>
                 <a:sym typeface="Montserrat SemiBold"/>
               </a:rPr>
-              <a:t>Программное обеспечение АСУ может быть реализовано с использованием микросервисной архитектуры.</a:t>
-            </a:r>
-          </a:p>
-        </p:txBody>
-      </p:sp>
-      <p:sp>
-        <p:nvSpPr>
-          <p:cNvPr id="4" name="Шестиугольник 3">
+              <a:t>В составе библиотеки </a:t>
+            </a:r>
+            <a:r>
+              <a:rPr lang="en-US" sz="2000" b="1" dirty="0" err="1">
+                <a:solidFill>
+                  <a:srgbClr val="C00000"/>
+                </a:solidFill>
+                <a:latin typeface="Montserrat Medium" panose="00000600000000000000" pitchFamily="2" charset="-52"/>
+                <a:ea typeface="Montserrat SemiBold"/>
+                <a:cs typeface="Gotham Pro" panose="02000503040000020004" pitchFamily="2" charset="0"/>
+                <a:sym typeface="Montserrat SemiBold"/>
+              </a:rPr>
+              <a:t>OpenModelica</a:t>
+            </a:r>
+            <a:r>
+              <a:rPr lang="en-US" sz="2000" b="1" dirty="0">
+                <a:solidFill>
+                  <a:srgbClr val="C00000"/>
+                </a:solidFill>
+                <a:latin typeface="Montserrat Medium" panose="00000600000000000000" pitchFamily="2" charset="-52"/>
+                <a:ea typeface="Montserrat SemiBold"/>
+                <a:cs typeface="Gotham Pro" panose="02000503040000020004" pitchFamily="2" charset="0"/>
+                <a:sym typeface="Montserrat SemiBold"/>
+              </a:rPr>
+              <a:t> </a:t>
+            </a:r>
+            <a:r>
+              <a:rPr lang="ru-RU" sz="2000" b="1" dirty="0">
+                <a:solidFill>
+                  <a:srgbClr val="C00000"/>
+                </a:solidFill>
+                <a:latin typeface="Montserrat Medium" panose="00000600000000000000" pitchFamily="2" charset="-52"/>
+                <a:ea typeface="Montserrat SemiBold"/>
+                <a:cs typeface="Gotham Pro" panose="02000503040000020004" pitchFamily="2" charset="0"/>
+                <a:sym typeface="Montserrat SemiBold"/>
+              </a:rPr>
+              <a:t>есть раздел </a:t>
+            </a:r>
+            <a:r>
+              <a:rPr lang="en-US" sz="2000" b="1" dirty="0">
+                <a:solidFill>
+                  <a:srgbClr val="C00000"/>
+                </a:solidFill>
+                <a:latin typeface="Montserrat Medium" panose="00000600000000000000" pitchFamily="2" charset="-52"/>
+                <a:ea typeface="Montserrat SemiBold"/>
+                <a:cs typeface="Gotham Pro" panose="02000503040000020004" pitchFamily="2" charset="0"/>
+                <a:sym typeface="Montserrat SemiBold"/>
+              </a:rPr>
+              <a:t>Fluid</a:t>
+            </a:r>
+            <a:r>
+              <a:rPr lang="ru-RU" sz="2000" b="1" dirty="0">
+                <a:solidFill>
+                  <a:srgbClr val="C00000"/>
+                </a:solidFill>
+                <a:latin typeface="Montserrat Medium" panose="00000600000000000000" pitchFamily="2" charset="-52"/>
+                <a:ea typeface="Montserrat SemiBold"/>
+                <a:cs typeface="Gotham Pro" panose="02000503040000020004" pitchFamily="2" charset="0"/>
+                <a:sym typeface="Montserrat SemiBold"/>
+              </a:rPr>
+              <a:t>, который содержит базовые модели для моделирования прокачки жидкостей по трубопроводам.</a:t>
+            </a:r>
+          </a:p>
+        </p:txBody>
+      </p:sp>
+      <p:pic>
+        <p:nvPicPr>
+          <p:cNvPr id="13" name="Рисунок 12">
             <a:extLst>
               <a:ext uri="{FF2B5EF4-FFF2-40B4-BE49-F238E27FC236}">
-                <a16:creationId xmlns:a16="http://schemas.microsoft.com/office/drawing/2014/main" id="{2947AF8F-6042-3257-354A-1FE9D8235C7D}"/>
+                <a16:creationId xmlns:a16="http://schemas.microsoft.com/office/drawing/2014/main" id="{3038EA63-A5D7-8920-9934-D477C27F6ED0}"/>
               </a:ext>
             </a:extLst>
           </p:cNvPr>
-          <p:cNvSpPr/>
-          <p:nvPr/>
-        </p:nvSpPr>
-        <p:spPr>
-          <a:xfrm>
-            <a:off x="4841966" y="2072634"/>
-            <a:ext cx="3240000" cy="3240000"/>
-          </a:xfrm>
-          <a:prstGeom prst="hexagon">
-            <a:avLst/>
-          </a:prstGeom>
-          <a:solidFill>
-            <a:srgbClr val="7CC4A3"/>
-          </a:solidFill>
+          <p:cNvPicPr>
+            <a:picLocks noChangeAspect="1"/>
+          </p:cNvPicPr>
+          <p:nvPr/>
+        </p:nvPicPr>
+        <p:blipFill>
+          <a:blip r:embed="rId4"/>
+          <a:stretch>
+            <a:fillRect/>
+          </a:stretch>
+        </p:blipFill>
+        <p:spPr>
+          <a:xfrm>
+            <a:off x="370726" y="1031950"/>
+            <a:ext cx="1926098" cy="5647509"/>
+          </a:xfrm>
+          <a:prstGeom prst="rect">
+            <a:avLst/>
+          </a:prstGeom>
           <a:ln>
             <a:solidFill>
               <a:srgbClr val="008E5B"/>
             </a:solidFill>
           </a:ln>
         </p:spPr>
-        <p:style>
-          <a:lnRef idx="2">
-            <a:schemeClr val="accent1">
-              <a:shade val="15000"/>
-            </a:schemeClr>
-          </a:lnRef>
-          <a:fillRef idx="1">
-            <a:schemeClr val="accent1"/>
-          </a:fillRef>
-          <a:effectRef idx="0">
-            <a:schemeClr val="accent1"/>
-          </a:effectRef>
-          <a:fontRef idx="minor">
-            <a:schemeClr val="lt1"/>
-          </a:fontRef>
-        </p:style>
-        <p:txBody>
-          <a:bodyPr rtlCol="0" anchor="ctr"/>
-          <a:lstStyle/>
-          <a:p>
-            <a:pPr algn="ctr"/>
-            <a:endParaRPr lang="ru-RU"/>
-          </a:p>
-        </p:txBody>
-      </p:sp>
-      <p:sp>
-        <p:nvSpPr>
-          <p:cNvPr id="5" name="Google Shape;62;p14">
-            <a:extLst>
-              <a:ext uri="{FF2B5EF4-FFF2-40B4-BE49-F238E27FC236}">
-                <a16:creationId xmlns:a16="http://schemas.microsoft.com/office/drawing/2014/main" id="{126F1182-0359-74A8-B635-894AC24A526B}"/>
-              </a:ext>
-            </a:extLst>
-          </p:cNvPr>
-          <p:cNvSpPr txBox="1">
-            <a:spLocks/>
-          </p:cNvSpPr>
-          <p:nvPr/>
-        </p:nvSpPr>
-        <p:spPr>
-          <a:xfrm>
-            <a:off x="5259977" y="1753560"/>
-            <a:ext cx="2439633" cy="297599"/>
-          </a:xfrm>
-          <a:prstGeom prst="rect">
-            <a:avLst/>
-          </a:prstGeom>
-        </p:spPr>
-        <p:txBody>
-          <a:bodyPr spcFirstLastPara="1" vert="horz" wrap="square" lIns="91425" tIns="91425" rIns="91425" bIns="91425" rtlCol="0" anchor="t" anchorCtr="0">
-            <a:noAutofit/>
-          </a:bodyPr>
-          <a:lstStyle>
-            <a:lvl1pPr algn="ctr" defTabSz="914400" rtl="0" eaLnBrk="1" latinLnBrk="0" hangingPunct="1">
-              <a:lnSpc>
-                <a:spcPct val="90000"/>
-              </a:lnSpc>
-              <a:spcBef>
-                <a:spcPct val="0"/>
-              </a:spcBef>
-              <a:buNone/>
-              <a:defRPr sz="6000" kern="1200">
-                <a:solidFill>
-                  <a:schemeClr val="tx1"/>
-                </a:solidFill>
-                <a:latin typeface="+mj-lt"/>
-                <a:ea typeface="+mj-ea"/>
-                <a:cs typeface="+mj-cs"/>
-              </a:defRPr>
-            </a:lvl1pPr>
-          </a:lstStyle>
-          <a:p>
-            <a:pPr>
-              <a:buClr>
-                <a:schemeClr val="dk1"/>
-              </a:buClr>
-              <a:buSzPts val="990"/>
-            </a:pPr>
-            <a:r>
-              <a:rPr lang="ru-RU" sz="1100" b="1" dirty="0">
-                <a:solidFill>
-                  <a:srgbClr val="D53033"/>
-                </a:solidFill>
-                <a:latin typeface="Montserrat Medium" panose="00000600000000000000" pitchFamily="2" charset="-52"/>
-                <a:ea typeface="Montserrat SemiBold"/>
-                <a:cs typeface="Gotham Pro" panose="02000503040000020004" pitchFamily="2" charset="0"/>
-                <a:sym typeface="Montserrat SemiBold"/>
-              </a:rPr>
-              <a:t>Сервис моделирования</a:t>
-            </a:r>
-            <a:r>
-              <a:rPr lang="en-US" sz="1100" b="1" dirty="0">
-                <a:solidFill>
-                  <a:srgbClr val="D53033"/>
-                </a:solidFill>
-                <a:latin typeface="Montserrat Medium" panose="00000600000000000000" pitchFamily="2" charset="-52"/>
-                <a:ea typeface="Montserrat SemiBold"/>
-                <a:cs typeface="Gotham Pro" panose="02000503040000020004" pitchFamily="2" charset="0"/>
-                <a:sym typeface="Montserrat SemiBold"/>
-              </a:rPr>
-              <a:t>, C#</a:t>
-            </a:r>
-            <a:endParaRPr lang="ru-RU" sz="1100" b="1" dirty="0">
-              <a:solidFill>
-                <a:srgbClr val="D53033"/>
-              </a:solidFill>
-              <a:latin typeface="Montserrat Medium" panose="00000600000000000000" pitchFamily="2" charset="-52"/>
-              <a:ea typeface="Montserrat SemiBold"/>
-              <a:cs typeface="Gotham Pro" panose="02000503040000020004" pitchFamily="2" charset="0"/>
-              <a:sym typeface="Montserrat SemiBold"/>
-            </a:endParaRPr>
-          </a:p>
-        </p:txBody>
-      </p:sp>
+      </p:pic>
       <p:pic>
         <p:nvPicPr>
-          <p:cNvPr id="1026" name="Picture 2">
+          <p:cNvPr id="17" name="Рисунок 16">
             <a:extLst>
               <a:ext uri="{FF2B5EF4-FFF2-40B4-BE49-F238E27FC236}">
-                <a16:creationId xmlns:a16="http://schemas.microsoft.com/office/drawing/2014/main" id="{9E2C5FB2-2C3A-A107-49CD-D17CDE4F3FD5}"/>
-              </a:ext>
-            </a:extLst>
-          </p:cNvPr>
-          <p:cNvPicPr>
-            <a:picLocks noChangeAspect="1" noChangeArrowheads="1"/>
-          </p:cNvPicPr>
-          <p:nvPr/>
-        </p:nvPicPr>
-        <p:blipFill>
-          <a:blip r:embed="rId4" cstate="print">
-            <a:extLst>
-              <a:ext uri="{28A0092B-C50C-407E-A947-70E740481C1C}">
-                <a14:useLocalDpi xmlns:a14="http://schemas.microsoft.com/office/drawing/2010/main" val="0"/>
-              </a:ext>
-            </a:extLst>
-          </a:blip>
-          <a:srcRect/>
-          <a:stretch>
-            <a:fillRect/>
-          </a:stretch>
-        </p:blipFill>
-        <p:spPr bwMode="auto">
-          <a:xfrm>
-            <a:off x="9109165" y="2886819"/>
-            <a:ext cx="2865120" cy="1611630"/>
-          </a:xfrm>
-          <a:prstGeom prst="rect">
-            <a:avLst/>
-          </a:prstGeom>
-          <a:noFill/>
-          <a:extLst>
-            <a:ext uri="{909E8E84-426E-40DD-AFC4-6F175D3DCCD1}">
-              <a14:hiddenFill xmlns:a14="http://schemas.microsoft.com/office/drawing/2010/main">
-                <a:solidFill>
-                  <a:srgbClr val="FFFFFF"/>
-                </a:solidFill>
-              </a14:hiddenFill>
-            </a:ext>
-          </a:extLst>
-        </p:spPr>
-      </p:pic>
-      <p:sp>
-        <p:nvSpPr>
-          <p:cNvPr id="6" name="Google Shape;62;p14">
-            <a:extLst>
-              <a:ext uri="{FF2B5EF4-FFF2-40B4-BE49-F238E27FC236}">
-                <a16:creationId xmlns:a16="http://schemas.microsoft.com/office/drawing/2014/main" id="{11038806-1F76-D4B2-11A0-29995E395E5F}"/>
-              </a:ext>
-            </a:extLst>
-          </p:cNvPr>
-          <p:cNvSpPr txBox="1">
-            <a:spLocks/>
-          </p:cNvSpPr>
-          <p:nvPr/>
-        </p:nvSpPr>
-        <p:spPr>
-          <a:xfrm>
-            <a:off x="9667542" y="2551699"/>
-            <a:ext cx="1748366" cy="297599"/>
-          </a:xfrm>
-          <a:prstGeom prst="rect">
-            <a:avLst/>
-          </a:prstGeom>
-        </p:spPr>
-        <p:txBody>
-          <a:bodyPr spcFirstLastPara="1" vert="horz" wrap="square" lIns="91425" tIns="91425" rIns="91425" bIns="91425" rtlCol="0" anchor="t" anchorCtr="0">
-            <a:noAutofit/>
-          </a:bodyPr>
-          <a:lstStyle>
-            <a:lvl1pPr algn="ctr" defTabSz="914400" rtl="0" eaLnBrk="1" latinLnBrk="0" hangingPunct="1">
-              <a:lnSpc>
-                <a:spcPct val="90000"/>
-              </a:lnSpc>
-              <a:spcBef>
-                <a:spcPct val="0"/>
-              </a:spcBef>
-              <a:buNone/>
-              <a:defRPr sz="6000" kern="1200">
-                <a:solidFill>
-                  <a:schemeClr val="tx1"/>
-                </a:solidFill>
-                <a:latin typeface="+mj-lt"/>
-                <a:ea typeface="+mj-ea"/>
-                <a:cs typeface="+mj-cs"/>
-              </a:defRPr>
-            </a:lvl1pPr>
-          </a:lstStyle>
-          <a:p>
-            <a:pPr>
-              <a:buClr>
-                <a:schemeClr val="dk1"/>
-              </a:buClr>
-              <a:buSzPts val="990"/>
-            </a:pPr>
-            <a:r>
-              <a:rPr lang="en-US" sz="1100" b="1" dirty="0">
-                <a:solidFill>
-                  <a:srgbClr val="D53033"/>
-                </a:solidFill>
-                <a:latin typeface="Montserrat Medium" panose="00000600000000000000" pitchFamily="2" charset="-52"/>
-                <a:ea typeface="Montserrat SemiBold"/>
-                <a:cs typeface="Gotham Pro" panose="02000503040000020004" pitchFamily="2" charset="0"/>
-                <a:sym typeface="Montserrat SemiBold"/>
-              </a:rPr>
-              <a:t>OpenModelica</a:t>
-            </a:r>
-            <a:endParaRPr lang="ru-RU" sz="1100" b="1" dirty="0">
-              <a:solidFill>
-                <a:srgbClr val="D53033"/>
-              </a:solidFill>
-              <a:latin typeface="Montserrat Medium" panose="00000600000000000000" pitchFamily="2" charset="-52"/>
-              <a:ea typeface="Montserrat SemiBold"/>
-              <a:cs typeface="Gotham Pro" panose="02000503040000020004" pitchFamily="2" charset="0"/>
-              <a:sym typeface="Montserrat SemiBold"/>
-            </a:endParaRPr>
-          </a:p>
-        </p:txBody>
-      </p:sp>
-      <p:sp>
-        <p:nvSpPr>
-          <p:cNvPr id="7" name="Прямоугольник: скругленные углы 6">
-            <a:extLst>
-              <a:ext uri="{FF2B5EF4-FFF2-40B4-BE49-F238E27FC236}">
-                <a16:creationId xmlns:a16="http://schemas.microsoft.com/office/drawing/2014/main" id="{3BBC1B20-C091-4CD0-8206-54914BFD1E16}"/>
-              </a:ext>
-            </a:extLst>
-          </p:cNvPr>
-          <p:cNvSpPr/>
-          <p:nvPr/>
-        </p:nvSpPr>
-        <p:spPr>
-          <a:xfrm>
-            <a:off x="5561657" y="2792634"/>
-            <a:ext cx="1800000" cy="1800000"/>
-          </a:xfrm>
-          <a:prstGeom prst="roundRect">
-            <a:avLst/>
-          </a:prstGeom>
-          <a:solidFill>
-            <a:srgbClr val="C5E5D7"/>
-          </a:solidFill>
-          <a:ln>
-            <a:solidFill>
-              <a:srgbClr val="008E5B"/>
-            </a:solidFill>
-          </a:ln>
-        </p:spPr>
-        <p:style>
-          <a:lnRef idx="2">
-            <a:schemeClr val="accent1">
-              <a:shade val="15000"/>
-            </a:schemeClr>
-          </a:lnRef>
-          <a:fillRef idx="1">
-            <a:schemeClr val="accent1"/>
-          </a:fillRef>
-          <a:effectRef idx="0">
-            <a:schemeClr val="accent1"/>
-          </a:effectRef>
-          <a:fontRef idx="minor">
-            <a:schemeClr val="lt1"/>
-          </a:fontRef>
-        </p:style>
-        <p:txBody>
-          <a:bodyPr rtlCol="0" anchor="ctr"/>
-          <a:lstStyle/>
-          <a:p>
-            <a:pPr algn="ctr"/>
-            <a:endParaRPr lang="ru-RU"/>
-          </a:p>
-        </p:txBody>
-      </p:sp>
-      <p:sp>
-        <p:nvSpPr>
-          <p:cNvPr id="8" name="Google Shape;62;p14">
-            <a:extLst>
-              <a:ext uri="{FF2B5EF4-FFF2-40B4-BE49-F238E27FC236}">
-                <a16:creationId xmlns:a16="http://schemas.microsoft.com/office/drawing/2014/main" id="{1F88DEFF-F584-0B9E-B524-FB7927A39D43}"/>
-              </a:ext>
-            </a:extLst>
-          </p:cNvPr>
-          <p:cNvSpPr txBox="1">
-            <a:spLocks/>
-          </p:cNvSpPr>
-          <p:nvPr/>
-        </p:nvSpPr>
-        <p:spPr>
-          <a:xfrm>
-            <a:off x="5613291" y="3461578"/>
-            <a:ext cx="1748366" cy="462112"/>
-          </a:xfrm>
-          <a:prstGeom prst="rect">
-            <a:avLst/>
-          </a:prstGeom>
-        </p:spPr>
-        <p:txBody>
-          <a:bodyPr spcFirstLastPara="1" vert="horz" wrap="square" lIns="91425" tIns="91425" rIns="91425" bIns="91425" rtlCol="0" anchor="t" anchorCtr="0">
-            <a:noAutofit/>
-          </a:bodyPr>
-          <a:lstStyle>
-            <a:lvl1pPr algn="ctr" defTabSz="914400" rtl="0" eaLnBrk="1" latinLnBrk="0" hangingPunct="1">
-              <a:lnSpc>
-                <a:spcPct val="90000"/>
-              </a:lnSpc>
-              <a:spcBef>
-                <a:spcPct val="0"/>
-              </a:spcBef>
-              <a:buNone/>
-              <a:defRPr sz="6000" kern="1200">
-                <a:solidFill>
-                  <a:schemeClr val="tx1"/>
-                </a:solidFill>
-                <a:latin typeface="+mj-lt"/>
-                <a:ea typeface="+mj-ea"/>
-                <a:cs typeface="+mj-cs"/>
-              </a:defRPr>
-            </a:lvl1pPr>
-          </a:lstStyle>
-          <a:p>
-            <a:pPr>
-              <a:buClr>
-                <a:schemeClr val="dk1"/>
-              </a:buClr>
-              <a:buSzPts val="990"/>
-            </a:pPr>
-            <a:r>
-              <a:rPr lang="en-US" sz="1100" b="1" dirty="0">
-                <a:solidFill>
-                  <a:schemeClr val="tx1">
-                    <a:lumMod val="50000"/>
-                    <a:lumOff val="50000"/>
-                  </a:schemeClr>
-                </a:solidFill>
-                <a:latin typeface="Montserrat Medium" panose="00000600000000000000" pitchFamily="2" charset="-52"/>
-                <a:ea typeface="Montserrat SemiBold"/>
-                <a:cs typeface="Gotham Pro" panose="02000503040000020004" pitchFamily="2" charset="0"/>
-                <a:sym typeface="Montserrat SemiBold"/>
-              </a:rPr>
-              <a:t>FMU </a:t>
-            </a:r>
-            <a:r>
-              <a:rPr lang="ru-RU" sz="1100" b="1" dirty="0">
-                <a:solidFill>
-                  <a:schemeClr val="tx1">
-                    <a:lumMod val="50000"/>
-                    <a:lumOff val="50000"/>
-                  </a:schemeClr>
-                </a:solidFill>
-                <a:latin typeface="Montserrat Medium" panose="00000600000000000000" pitchFamily="2" charset="-52"/>
-                <a:ea typeface="Montserrat SemiBold"/>
-                <a:cs typeface="Gotham Pro" panose="02000503040000020004" pitchFamily="2" charset="0"/>
-                <a:sym typeface="Montserrat SemiBold"/>
-              </a:rPr>
-              <a:t>модель </a:t>
-            </a:r>
-            <a:br>
-              <a:rPr lang="ru-RU" sz="1100" b="1" dirty="0">
-                <a:solidFill>
-                  <a:schemeClr val="tx1">
-                    <a:lumMod val="50000"/>
-                    <a:lumOff val="50000"/>
-                  </a:schemeClr>
-                </a:solidFill>
-                <a:latin typeface="Montserrat Medium" panose="00000600000000000000" pitchFamily="2" charset="-52"/>
-                <a:ea typeface="Montserrat SemiBold"/>
-                <a:cs typeface="Gotham Pro" panose="02000503040000020004" pitchFamily="2" charset="0"/>
-                <a:sym typeface="Montserrat SemiBold"/>
-              </a:rPr>
-            </a:br>
-            <a:r>
-              <a:rPr lang="ru-RU" sz="1100" b="1" dirty="0">
-                <a:solidFill>
-                  <a:schemeClr val="tx1">
-                    <a:lumMod val="50000"/>
-                    <a:lumOff val="50000"/>
-                  </a:schemeClr>
-                </a:solidFill>
-                <a:latin typeface="Montserrat Medium" panose="00000600000000000000" pitchFamily="2" charset="-52"/>
-                <a:ea typeface="Montserrat SemiBold"/>
-                <a:cs typeface="Gotham Pro" panose="02000503040000020004" pitchFamily="2" charset="0"/>
-                <a:sym typeface="Montserrat SemiBold"/>
-              </a:rPr>
-              <a:t>системы перекачки</a:t>
-            </a:r>
-          </a:p>
-        </p:txBody>
-      </p:sp>
-      <p:sp>
-        <p:nvSpPr>
-          <p:cNvPr id="9" name="Google Shape;62;p14">
-            <a:extLst>
-              <a:ext uri="{FF2B5EF4-FFF2-40B4-BE49-F238E27FC236}">
-                <a16:creationId xmlns:a16="http://schemas.microsoft.com/office/drawing/2014/main" id="{108E941F-CBFF-0205-B5D5-C4F46951284F}"/>
-              </a:ext>
-            </a:extLst>
-          </p:cNvPr>
-          <p:cNvSpPr txBox="1">
-            <a:spLocks/>
-          </p:cNvSpPr>
-          <p:nvPr/>
-        </p:nvSpPr>
-        <p:spPr>
-          <a:xfrm>
-            <a:off x="9667542" y="4498449"/>
-            <a:ext cx="1748366" cy="456731"/>
-          </a:xfrm>
-          <a:prstGeom prst="rect">
-            <a:avLst/>
-          </a:prstGeom>
-        </p:spPr>
-        <p:txBody>
-          <a:bodyPr spcFirstLastPara="1" vert="horz" wrap="square" lIns="91425" tIns="91425" rIns="91425" bIns="91425" rtlCol="0" anchor="t" anchorCtr="0">
-            <a:noAutofit/>
-          </a:bodyPr>
-          <a:lstStyle>
-            <a:lvl1pPr algn="ctr" defTabSz="914400" rtl="0" eaLnBrk="1" latinLnBrk="0" hangingPunct="1">
-              <a:lnSpc>
-                <a:spcPct val="90000"/>
-              </a:lnSpc>
-              <a:spcBef>
-                <a:spcPct val="0"/>
-              </a:spcBef>
-              <a:buNone/>
-              <a:defRPr sz="6000" kern="1200">
-                <a:solidFill>
-                  <a:schemeClr val="tx1"/>
-                </a:solidFill>
-                <a:latin typeface="+mj-lt"/>
-                <a:ea typeface="+mj-ea"/>
-                <a:cs typeface="+mj-cs"/>
-              </a:defRPr>
-            </a:lvl1pPr>
-          </a:lstStyle>
-          <a:p>
-            <a:pPr>
-              <a:buClr>
-                <a:schemeClr val="dk1"/>
-              </a:buClr>
-              <a:buSzPts val="990"/>
-            </a:pPr>
-            <a:r>
-              <a:rPr lang="ru-RU" sz="1100" b="1" dirty="0">
-                <a:solidFill>
-                  <a:schemeClr val="tx1">
-                    <a:lumMod val="50000"/>
-                    <a:lumOff val="50000"/>
-                  </a:schemeClr>
-                </a:solidFill>
-                <a:latin typeface="Montserrat Medium" panose="00000600000000000000" pitchFamily="2" charset="-52"/>
-                <a:ea typeface="Montserrat SemiBold"/>
-                <a:cs typeface="Gotham Pro" panose="02000503040000020004" pitchFamily="2" charset="0"/>
-                <a:sym typeface="Montserrat SemiBold"/>
-              </a:rPr>
-              <a:t>Модель системы перекачки</a:t>
-            </a:r>
-          </a:p>
-        </p:txBody>
-      </p:sp>
-      <p:sp>
-        <p:nvSpPr>
-          <p:cNvPr id="10" name="Google Shape;62;p14">
-            <a:extLst>
-              <a:ext uri="{FF2B5EF4-FFF2-40B4-BE49-F238E27FC236}">
-                <a16:creationId xmlns:a16="http://schemas.microsoft.com/office/drawing/2014/main" id="{4CEE467D-913F-4B12-A214-CFE57DAF0D40}"/>
-              </a:ext>
-            </a:extLst>
-          </p:cNvPr>
-          <p:cNvSpPr txBox="1">
-            <a:spLocks/>
-          </p:cNvSpPr>
-          <p:nvPr/>
-        </p:nvSpPr>
-        <p:spPr>
-          <a:xfrm>
-            <a:off x="5613290" y="2094109"/>
-            <a:ext cx="1696731" cy="332087"/>
-          </a:xfrm>
-          <a:prstGeom prst="rect">
-            <a:avLst/>
-          </a:prstGeom>
-        </p:spPr>
-        <p:txBody>
-          <a:bodyPr spcFirstLastPara="1" vert="horz" wrap="square" lIns="91425" tIns="91425" rIns="91425" bIns="91425" rtlCol="0" anchor="t" anchorCtr="0">
-            <a:noAutofit/>
-          </a:bodyPr>
-          <a:lstStyle>
-            <a:lvl1pPr algn="ctr" defTabSz="914400" rtl="0" eaLnBrk="1" latinLnBrk="0" hangingPunct="1">
-              <a:lnSpc>
-                <a:spcPct val="90000"/>
-              </a:lnSpc>
-              <a:spcBef>
-                <a:spcPct val="0"/>
-              </a:spcBef>
-              <a:buNone/>
-              <a:defRPr sz="6000" kern="1200">
-                <a:solidFill>
-                  <a:schemeClr val="tx1"/>
-                </a:solidFill>
-                <a:latin typeface="+mj-lt"/>
-                <a:ea typeface="+mj-ea"/>
-                <a:cs typeface="+mj-cs"/>
-              </a:defRPr>
-            </a:lvl1pPr>
-          </a:lstStyle>
-          <a:p>
-            <a:pPr>
-              <a:buClr>
-                <a:schemeClr val="dk1"/>
-              </a:buClr>
-              <a:buSzPts val="990"/>
-            </a:pPr>
-            <a:r>
-              <a:rPr lang="en-US" sz="1100" b="1" dirty="0">
-                <a:solidFill>
-                  <a:srgbClr val="008E5B"/>
-                </a:solidFill>
-                <a:latin typeface="Montserrat Medium" panose="00000600000000000000" pitchFamily="2" charset="-52"/>
-                <a:ea typeface="Montserrat SemiBold"/>
-                <a:cs typeface="Gotham Pro" panose="02000503040000020004" pitchFamily="2" charset="0"/>
-                <a:sym typeface="Montserrat SemiBold"/>
-              </a:rPr>
-              <a:t>ASP.Net</a:t>
-            </a:r>
-            <a:endParaRPr lang="ru-RU" sz="1100" b="1" dirty="0">
-              <a:solidFill>
-                <a:srgbClr val="008E5B"/>
-              </a:solidFill>
-              <a:latin typeface="Montserrat Medium" panose="00000600000000000000" pitchFamily="2" charset="-52"/>
-              <a:ea typeface="Montserrat SemiBold"/>
-              <a:cs typeface="Gotham Pro" panose="02000503040000020004" pitchFamily="2" charset="0"/>
-              <a:sym typeface="Montserrat SemiBold"/>
-            </a:endParaRPr>
-          </a:p>
-        </p:txBody>
-      </p:sp>
-      <p:sp>
-        <p:nvSpPr>
-          <p:cNvPr id="11" name="Google Shape;62;p14">
-            <a:extLst>
-              <a:ext uri="{FF2B5EF4-FFF2-40B4-BE49-F238E27FC236}">
-                <a16:creationId xmlns:a16="http://schemas.microsoft.com/office/drawing/2014/main" id="{2B6768F5-6AFA-45E9-1E5B-F6A9BA53A7A3}"/>
-              </a:ext>
-            </a:extLst>
-          </p:cNvPr>
-          <p:cNvSpPr txBox="1">
-            <a:spLocks/>
-          </p:cNvSpPr>
-          <p:nvPr/>
-        </p:nvSpPr>
-        <p:spPr>
-          <a:xfrm>
-            <a:off x="5639108" y="2832479"/>
-            <a:ext cx="1696731" cy="332087"/>
-          </a:xfrm>
-          <a:prstGeom prst="rect">
-            <a:avLst/>
-          </a:prstGeom>
-        </p:spPr>
-        <p:txBody>
-          <a:bodyPr spcFirstLastPara="1" vert="horz" wrap="square" lIns="91425" tIns="91425" rIns="91425" bIns="91425" rtlCol="0" anchor="t" anchorCtr="0">
-            <a:noAutofit/>
-          </a:bodyPr>
-          <a:lstStyle>
-            <a:lvl1pPr algn="ctr" defTabSz="914400" rtl="0" eaLnBrk="1" latinLnBrk="0" hangingPunct="1">
-              <a:lnSpc>
-                <a:spcPct val="90000"/>
-              </a:lnSpc>
-              <a:spcBef>
-                <a:spcPct val="0"/>
-              </a:spcBef>
-              <a:buNone/>
-              <a:defRPr sz="6000" kern="1200">
-                <a:solidFill>
-                  <a:schemeClr val="tx1"/>
-                </a:solidFill>
-                <a:latin typeface="+mj-lt"/>
-                <a:ea typeface="+mj-ea"/>
-                <a:cs typeface="+mj-cs"/>
-              </a:defRPr>
-            </a:lvl1pPr>
-          </a:lstStyle>
-          <a:p>
-            <a:pPr>
-              <a:buClr>
-                <a:schemeClr val="dk1"/>
-              </a:buClr>
-              <a:buSzPts val="990"/>
-            </a:pPr>
-            <a:r>
-              <a:rPr lang="en-US" sz="1100" b="1" dirty="0">
-                <a:solidFill>
-                  <a:srgbClr val="008E5B"/>
-                </a:solidFill>
-                <a:latin typeface="Montserrat Medium" panose="00000600000000000000" pitchFamily="2" charset="-52"/>
-                <a:ea typeface="Montserrat SemiBold"/>
-                <a:cs typeface="Gotham Pro" panose="02000503040000020004" pitchFamily="2" charset="0"/>
-                <a:sym typeface="Montserrat SemiBold"/>
-              </a:rPr>
-              <a:t>FMU wrapper</a:t>
-            </a:r>
-            <a:endParaRPr lang="ru-RU" sz="1100" b="1" dirty="0">
-              <a:solidFill>
-                <a:srgbClr val="008E5B"/>
-              </a:solidFill>
-              <a:latin typeface="Montserrat Medium" panose="00000600000000000000" pitchFamily="2" charset="-52"/>
-              <a:ea typeface="Montserrat SemiBold"/>
-              <a:cs typeface="Gotham Pro" panose="02000503040000020004" pitchFamily="2" charset="0"/>
-              <a:sym typeface="Montserrat SemiBold"/>
-            </a:endParaRPr>
-          </a:p>
-        </p:txBody>
-      </p:sp>
-      <p:sp>
-        <p:nvSpPr>
-          <p:cNvPr id="12" name="Цилиндр 11">
-            <a:extLst>
-              <a:ext uri="{FF2B5EF4-FFF2-40B4-BE49-F238E27FC236}">
-                <a16:creationId xmlns:a16="http://schemas.microsoft.com/office/drawing/2014/main" id="{2BDCCE5D-5A8C-0587-F95A-08F44D1CFE70}"/>
-              </a:ext>
-            </a:extLst>
-          </p:cNvPr>
-          <p:cNvSpPr/>
-          <p:nvPr/>
-        </p:nvSpPr>
-        <p:spPr>
-          <a:xfrm>
-            <a:off x="8107679" y="4979018"/>
-            <a:ext cx="1001486" cy="1045028"/>
-          </a:xfrm>
-          <a:prstGeom prst="can">
-            <a:avLst/>
-          </a:prstGeom>
-          <a:solidFill>
-            <a:srgbClr val="7CC4A3"/>
-          </a:solidFill>
-          <a:ln>
-            <a:solidFill>
-              <a:srgbClr val="008E5B"/>
-            </a:solidFill>
-          </a:ln>
-        </p:spPr>
-        <p:style>
-          <a:lnRef idx="2">
-            <a:schemeClr val="accent1">
-              <a:shade val="15000"/>
-            </a:schemeClr>
-          </a:lnRef>
-          <a:fillRef idx="1">
-            <a:schemeClr val="accent1"/>
-          </a:fillRef>
-          <a:effectRef idx="0">
-            <a:schemeClr val="accent1"/>
-          </a:effectRef>
-          <a:fontRef idx="minor">
-            <a:schemeClr val="lt1"/>
-          </a:fontRef>
-        </p:style>
-        <p:txBody>
-          <a:bodyPr rtlCol="0" anchor="ctr"/>
-          <a:lstStyle/>
-          <a:p>
-            <a:pPr algn="ctr"/>
-            <a:endParaRPr lang="ru-RU"/>
-          </a:p>
-        </p:txBody>
-      </p:sp>
-      <p:sp>
-        <p:nvSpPr>
-          <p:cNvPr id="13" name="Стрелка: вправо 12">
-            <a:extLst>
-              <a:ext uri="{FF2B5EF4-FFF2-40B4-BE49-F238E27FC236}">
-                <a16:creationId xmlns:a16="http://schemas.microsoft.com/office/drawing/2014/main" id="{25B21A03-AF17-D0FD-38E4-82F45CE448D3}"/>
-              </a:ext>
-            </a:extLst>
-          </p:cNvPr>
-          <p:cNvSpPr/>
-          <p:nvPr/>
-        </p:nvSpPr>
-        <p:spPr>
-          <a:xfrm rot="10800000">
-            <a:off x="7264164" y="3548400"/>
-            <a:ext cx="1748367" cy="297012"/>
-          </a:xfrm>
-          <a:prstGeom prst="rightArrow">
-            <a:avLst/>
-          </a:prstGeom>
-          <a:solidFill>
-            <a:srgbClr val="C5E5D7"/>
-          </a:solidFill>
-          <a:ln>
-            <a:solidFill>
-              <a:srgbClr val="008E5B"/>
-            </a:solidFill>
-          </a:ln>
-        </p:spPr>
-        <p:style>
-          <a:lnRef idx="2">
-            <a:schemeClr val="accent1">
-              <a:shade val="15000"/>
-            </a:schemeClr>
-          </a:lnRef>
-          <a:fillRef idx="1">
-            <a:schemeClr val="accent1"/>
-          </a:fillRef>
-          <a:effectRef idx="0">
-            <a:schemeClr val="accent1"/>
-          </a:effectRef>
-          <a:fontRef idx="minor">
-            <a:schemeClr val="lt1"/>
-          </a:fontRef>
-        </p:style>
-        <p:txBody>
-          <a:bodyPr rtlCol="0" anchor="ctr"/>
-          <a:lstStyle/>
-          <a:p>
-            <a:pPr algn="ctr"/>
-            <a:endParaRPr lang="ru-RU"/>
-          </a:p>
-        </p:txBody>
-      </p:sp>
-      <p:sp>
-        <p:nvSpPr>
-          <p:cNvPr id="14" name="Google Shape;62;p14">
-            <a:extLst>
-              <a:ext uri="{FF2B5EF4-FFF2-40B4-BE49-F238E27FC236}">
-                <a16:creationId xmlns:a16="http://schemas.microsoft.com/office/drawing/2014/main" id="{DE942EEE-DCB8-615C-CF0C-C53968E37831}"/>
-              </a:ext>
-            </a:extLst>
-          </p:cNvPr>
-          <p:cNvSpPr txBox="1">
-            <a:spLocks/>
-          </p:cNvSpPr>
-          <p:nvPr/>
-        </p:nvSpPr>
-        <p:spPr>
-          <a:xfrm>
-            <a:off x="7132320" y="6067590"/>
-            <a:ext cx="3143794" cy="571672"/>
-          </a:xfrm>
-          <a:prstGeom prst="rect">
-            <a:avLst/>
-          </a:prstGeom>
-        </p:spPr>
-        <p:txBody>
-          <a:bodyPr spcFirstLastPara="1" vert="horz" wrap="square" lIns="91425" tIns="91425" rIns="91425" bIns="91425" rtlCol="0" anchor="t" anchorCtr="0">
-            <a:noAutofit/>
-          </a:bodyPr>
-          <a:lstStyle>
-            <a:lvl1pPr algn="ctr" defTabSz="914400" rtl="0" eaLnBrk="1" latinLnBrk="0" hangingPunct="1">
-              <a:lnSpc>
-                <a:spcPct val="90000"/>
-              </a:lnSpc>
-              <a:spcBef>
-                <a:spcPct val="0"/>
-              </a:spcBef>
-              <a:buNone/>
-              <a:defRPr sz="6000" kern="1200">
-                <a:solidFill>
-                  <a:schemeClr val="tx1"/>
-                </a:solidFill>
-                <a:latin typeface="+mj-lt"/>
-                <a:ea typeface="+mj-ea"/>
-                <a:cs typeface="+mj-cs"/>
-              </a:defRPr>
-            </a:lvl1pPr>
-          </a:lstStyle>
-          <a:p>
-            <a:pPr>
-              <a:buClr>
-                <a:schemeClr val="dk1"/>
-              </a:buClr>
-              <a:buSzPts val="990"/>
-            </a:pPr>
-            <a:r>
-              <a:rPr lang="ru-RU" sz="1100" b="1" dirty="0">
-                <a:solidFill>
-                  <a:schemeClr val="tx1">
-                    <a:lumMod val="50000"/>
-                    <a:lumOff val="50000"/>
-                  </a:schemeClr>
-                </a:solidFill>
-                <a:latin typeface="Montserrat Medium" panose="00000600000000000000" pitchFamily="2" charset="-52"/>
-                <a:ea typeface="Montserrat SemiBold"/>
-                <a:cs typeface="Gotham Pro" panose="02000503040000020004" pitchFamily="2" charset="0"/>
-                <a:sym typeface="Montserrat SemiBold"/>
-              </a:rPr>
-              <a:t>Параметры долговременного хранения (например, объёмы ёмкостей, пороговые значения и т.п.)</a:t>
-            </a:r>
-          </a:p>
-        </p:txBody>
-      </p:sp>
-      <p:sp>
-        <p:nvSpPr>
-          <p:cNvPr id="15" name="Стрелка: вправо 14">
-            <a:extLst>
-              <a:ext uri="{FF2B5EF4-FFF2-40B4-BE49-F238E27FC236}">
-                <a16:creationId xmlns:a16="http://schemas.microsoft.com/office/drawing/2014/main" id="{7763D0A9-DE2A-83B6-4B0C-8620A9BE3C05}"/>
-              </a:ext>
-            </a:extLst>
-          </p:cNvPr>
-          <p:cNvSpPr/>
-          <p:nvPr/>
-        </p:nvSpPr>
-        <p:spPr>
-          <a:xfrm rot="13446392">
-            <a:off x="6880949" y="4437281"/>
-            <a:ext cx="1390290" cy="297012"/>
-          </a:xfrm>
-          <a:prstGeom prst="rightArrow">
-            <a:avLst/>
-          </a:prstGeom>
-          <a:solidFill>
-            <a:srgbClr val="C5E5D7"/>
-          </a:solidFill>
-          <a:ln>
-            <a:solidFill>
-              <a:srgbClr val="008E5B"/>
-            </a:solidFill>
-          </a:ln>
-        </p:spPr>
-        <p:style>
-          <a:lnRef idx="2">
-            <a:schemeClr val="accent1">
-              <a:shade val="15000"/>
-            </a:schemeClr>
-          </a:lnRef>
-          <a:fillRef idx="1">
-            <a:schemeClr val="accent1"/>
-          </a:fillRef>
-          <a:effectRef idx="0">
-            <a:schemeClr val="accent1"/>
-          </a:effectRef>
-          <a:fontRef idx="minor">
-            <a:schemeClr val="lt1"/>
-          </a:fontRef>
-        </p:style>
-        <p:txBody>
-          <a:bodyPr rtlCol="0" anchor="ctr"/>
-          <a:lstStyle/>
-          <a:p>
-            <a:pPr algn="ctr"/>
-            <a:endParaRPr lang="ru-RU"/>
-          </a:p>
-        </p:txBody>
-      </p:sp>
-      <p:sp>
-        <p:nvSpPr>
-          <p:cNvPr id="16" name="Google Shape;62;p14">
-            <a:extLst>
-              <a:ext uri="{FF2B5EF4-FFF2-40B4-BE49-F238E27FC236}">
-                <a16:creationId xmlns:a16="http://schemas.microsoft.com/office/drawing/2014/main" id="{151B723E-620C-8CE3-5E03-1BE2228CD513}"/>
-              </a:ext>
-            </a:extLst>
-          </p:cNvPr>
-          <p:cNvSpPr txBox="1">
-            <a:spLocks/>
-          </p:cNvSpPr>
-          <p:nvPr/>
-        </p:nvSpPr>
-        <p:spPr>
-          <a:xfrm>
-            <a:off x="7699611" y="2784890"/>
-            <a:ext cx="1454331" cy="608094"/>
-          </a:xfrm>
-          <a:prstGeom prst="rect">
-            <a:avLst/>
-          </a:prstGeom>
-        </p:spPr>
-        <p:txBody>
-          <a:bodyPr spcFirstLastPara="1" vert="horz" wrap="square" lIns="91425" tIns="91425" rIns="91425" bIns="91425" rtlCol="0" anchor="t" anchorCtr="0">
-            <a:noAutofit/>
-          </a:bodyPr>
-          <a:lstStyle>
-            <a:lvl1pPr algn="ctr" defTabSz="914400" rtl="0" eaLnBrk="1" latinLnBrk="0" hangingPunct="1">
-              <a:lnSpc>
-                <a:spcPct val="90000"/>
-              </a:lnSpc>
-              <a:spcBef>
-                <a:spcPct val="0"/>
-              </a:spcBef>
-              <a:buNone/>
-              <a:defRPr sz="6000" kern="1200">
-                <a:solidFill>
-                  <a:schemeClr val="tx1"/>
-                </a:solidFill>
-                <a:latin typeface="+mj-lt"/>
-                <a:ea typeface="+mj-ea"/>
-                <a:cs typeface="+mj-cs"/>
-              </a:defRPr>
-            </a:lvl1pPr>
-          </a:lstStyle>
-          <a:p>
-            <a:pPr>
-              <a:buClr>
-                <a:schemeClr val="dk1"/>
-              </a:buClr>
-              <a:buSzPts val="990"/>
-            </a:pPr>
-            <a:r>
-              <a:rPr lang="ru-RU" sz="1100" b="1" dirty="0">
-                <a:solidFill>
-                  <a:schemeClr val="tx1">
-                    <a:lumMod val="50000"/>
-                    <a:lumOff val="50000"/>
-                  </a:schemeClr>
-                </a:solidFill>
-                <a:latin typeface="Montserrat Medium" panose="00000600000000000000" pitchFamily="2" charset="-52"/>
-                <a:ea typeface="Montserrat SemiBold"/>
-                <a:cs typeface="Gotham Pro" panose="02000503040000020004" pitchFamily="2" charset="0"/>
-                <a:sym typeface="Montserrat SemiBold"/>
-              </a:rPr>
-              <a:t>Преобразование модели по стандарту </a:t>
-            </a:r>
-            <a:r>
-              <a:rPr lang="en-US" sz="1100" b="1" dirty="0">
-                <a:solidFill>
-                  <a:schemeClr val="tx1">
-                    <a:lumMod val="50000"/>
-                    <a:lumOff val="50000"/>
-                  </a:schemeClr>
-                </a:solidFill>
-                <a:latin typeface="Montserrat Medium" panose="00000600000000000000" pitchFamily="2" charset="-52"/>
-                <a:ea typeface="Montserrat SemiBold"/>
-                <a:cs typeface="Gotham Pro" panose="02000503040000020004" pitchFamily="2" charset="0"/>
-                <a:sym typeface="Montserrat SemiBold"/>
-              </a:rPr>
-              <a:t>FMI</a:t>
-            </a:r>
-            <a:endParaRPr lang="ru-RU" sz="1100" b="1" dirty="0">
-              <a:solidFill>
-                <a:schemeClr val="tx1">
-                  <a:lumMod val="50000"/>
-                  <a:lumOff val="50000"/>
-                </a:schemeClr>
-              </a:solidFill>
-              <a:latin typeface="Montserrat Medium" panose="00000600000000000000" pitchFamily="2" charset="-52"/>
-              <a:ea typeface="Montserrat SemiBold"/>
-              <a:cs typeface="Gotham Pro" panose="02000503040000020004" pitchFamily="2" charset="0"/>
-              <a:sym typeface="Montserrat SemiBold"/>
-            </a:endParaRPr>
-          </a:p>
-        </p:txBody>
-      </p:sp>
-      <p:sp>
-        <p:nvSpPr>
-          <p:cNvPr id="17" name="Облако 16">
-            <a:extLst>
-              <a:ext uri="{FF2B5EF4-FFF2-40B4-BE49-F238E27FC236}">
-                <a16:creationId xmlns:a16="http://schemas.microsoft.com/office/drawing/2014/main" id="{0D8B28D2-0281-A3DF-6398-BBD524E1F0B6}"/>
-              </a:ext>
-            </a:extLst>
-          </p:cNvPr>
-          <p:cNvSpPr/>
-          <p:nvPr/>
-        </p:nvSpPr>
-        <p:spPr>
-          <a:xfrm>
-            <a:off x="2298445" y="2700498"/>
-            <a:ext cx="2384282" cy="1946750"/>
-          </a:xfrm>
-          <a:prstGeom prst="cloud">
-            <a:avLst/>
-          </a:prstGeom>
-          <a:solidFill>
-            <a:srgbClr val="7CC4A3"/>
-          </a:solidFill>
-          <a:ln>
-            <a:solidFill>
-              <a:srgbClr val="008E5B"/>
-            </a:solidFill>
-          </a:ln>
-        </p:spPr>
-        <p:style>
-          <a:lnRef idx="2">
-            <a:schemeClr val="accent1">
-              <a:shade val="15000"/>
-            </a:schemeClr>
-          </a:lnRef>
-          <a:fillRef idx="1">
-            <a:schemeClr val="accent1"/>
-          </a:fillRef>
-          <a:effectRef idx="0">
-            <a:schemeClr val="accent1"/>
-          </a:effectRef>
-          <a:fontRef idx="minor">
-            <a:schemeClr val="lt1"/>
-          </a:fontRef>
-        </p:style>
-        <p:txBody>
-          <a:bodyPr rtlCol="0" anchor="ctr"/>
-          <a:lstStyle/>
-          <a:p>
-            <a:pPr algn="ctr"/>
-            <a:r>
-              <a:rPr lang="en-US" sz="1400" b="1" dirty="0">
-                <a:solidFill>
-                  <a:srgbClr val="008E5B"/>
-                </a:solidFill>
-                <a:latin typeface="Montserrat Medium" panose="00000600000000000000" pitchFamily="2" charset="-52"/>
-              </a:rPr>
-              <a:t>SignalR</a:t>
-            </a:r>
-            <a:endParaRPr lang="ru-RU" sz="1400" b="1" dirty="0">
-              <a:solidFill>
-                <a:srgbClr val="008E5B"/>
-              </a:solidFill>
-              <a:latin typeface="Montserrat Medium" panose="00000600000000000000" pitchFamily="2" charset="-52"/>
-            </a:endParaRPr>
-          </a:p>
-        </p:txBody>
-      </p:sp>
-      <p:sp>
-        <p:nvSpPr>
-          <p:cNvPr id="19" name="Шестиугольник 18">
-            <a:extLst>
-              <a:ext uri="{FF2B5EF4-FFF2-40B4-BE49-F238E27FC236}">
-                <a16:creationId xmlns:a16="http://schemas.microsoft.com/office/drawing/2014/main" id="{8B56847C-76CD-29F3-A1C6-A211CEAF49CA}"/>
-              </a:ext>
-            </a:extLst>
-          </p:cNvPr>
-          <p:cNvSpPr/>
-          <p:nvPr/>
-        </p:nvSpPr>
-        <p:spPr>
-          <a:xfrm>
-            <a:off x="630128" y="2063595"/>
-            <a:ext cx="720000" cy="720000"/>
-          </a:xfrm>
-          <a:prstGeom prst="hexagon">
-            <a:avLst/>
-          </a:prstGeom>
-          <a:solidFill>
-            <a:srgbClr val="7CC4A3"/>
-          </a:solidFill>
-          <a:ln>
-            <a:solidFill>
-              <a:srgbClr val="008E5B"/>
-            </a:solidFill>
-          </a:ln>
-        </p:spPr>
-        <p:style>
-          <a:lnRef idx="2">
-            <a:schemeClr val="accent1">
-              <a:shade val="15000"/>
-            </a:schemeClr>
-          </a:lnRef>
-          <a:fillRef idx="1">
-            <a:schemeClr val="accent1"/>
-          </a:fillRef>
-          <a:effectRef idx="0">
-            <a:schemeClr val="accent1"/>
-          </a:effectRef>
-          <a:fontRef idx="minor">
-            <a:schemeClr val="lt1"/>
-          </a:fontRef>
-        </p:style>
-        <p:txBody>
-          <a:bodyPr rtlCol="0" anchor="ctr"/>
-          <a:lstStyle/>
-          <a:p>
-            <a:pPr algn="ctr"/>
-            <a:endParaRPr lang="ru-RU"/>
-          </a:p>
-        </p:txBody>
-      </p:sp>
-      <p:sp>
-        <p:nvSpPr>
-          <p:cNvPr id="20" name="Шестиугольник 19">
-            <a:extLst>
-              <a:ext uri="{FF2B5EF4-FFF2-40B4-BE49-F238E27FC236}">
-                <a16:creationId xmlns:a16="http://schemas.microsoft.com/office/drawing/2014/main" id="{C04D926F-0080-B036-8F70-B5CBB287394B}"/>
-              </a:ext>
-            </a:extLst>
-          </p:cNvPr>
-          <p:cNvSpPr/>
-          <p:nvPr/>
-        </p:nvSpPr>
-        <p:spPr>
-          <a:xfrm>
-            <a:off x="1422916" y="2063595"/>
-            <a:ext cx="720000" cy="720000"/>
-          </a:xfrm>
-          <a:prstGeom prst="hexagon">
-            <a:avLst/>
-          </a:prstGeom>
-          <a:solidFill>
-            <a:srgbClr val="7CC4A3"/>
-          </a:solidFill>
-          <a:ln>
-            <a:solidFill>
-              <a:srgbClr val="008E5B"/>
-            </a:solidFill>
-          </a:ln>
-        </p:spPr>
-        <p:style>
-          <a:lnRef idx="2">
-            <a:schemeClr val="accent1">
-              <a:shade val="15000"/>
-            </a:schemeClr>
-          </a:lnRef>
-          <a:fillRef idx="1">
-            <a:schemeClr val="accent1"/>
-          </a:fillRef>
-          <a:effectRef idx="0">
-            <a:schemeClr val="accent1"/>
-          </a:effectRef>
-          <a:fontRef idx="minor">
-            <a:schemeClr val="lt1"/>
-          </a:fontRef>
-        </p:style>
-        <p:txBody>
-          <a:bodyPr rtlCol="0" anchor="ctr"/>
-          <a:lstStyle/>
-          <a:p>
-            <a:pPr algn="ctr"/>
-            <a:endParaRPr lang="ru-RU"/>
-          </a:p>
-        </p:txBody>
-      </p:sp>
-      <p:sp>
-        <p:nvSpPr>
-          <p:cNvPr id="21" name="Шестиугольник 20">
-            <a:extLst>
-              <a:ext uri="{FF2B5EF4-FFF2-40B4-BE49-F238E27FC236}">
-                <a16:creationId xmlns:a16="http://schemas.microsoft.com/office/drawing/2014/main" id="{AB4C51AB-049F-F840-DBE0-D7048D698967}"/>
-              </a:ext>
-            </a:extLst>
-          </p:cNvPr>
-          <p:cNvSpPr/>
-          <p:nvPr/>
-        </p:nvSpPr>
-        <p:spPr>
-          <a:xfrm>
-            <a:off x="2502607" y="2075525"/>
-            <a:ext cx="720000" cy="720000"/>
-          </a:xfrm>
-          <a:prstGeom prst="hexagon">
-            <a:avLst/>
-          </a:prstGeom>
-          <a:solidFill>
-            <a:srgbClr val="7CC4A3"/>
-          </a:solidFill>
-          <a:ln>
-            <a:solidFill>
-              <a:srgbClr val="008E5B"/>
-            </a:solidFill>
-          </a:ln>
-        </p:spPr>
-        <p:style>
-          <a:lnRef idx="2">
-            <a:schemeClr val="accent1">
-              <a:shade val="15000"/>
-            </a:schemeClr>
-          </a:lnRef>
-          <a:fillRef idx="1">
-            <a:schemeClr val="accent1"/>
-          </a:fillRef>
-          <a:effectRef idx="0">
-            <a:schemeClr val="accent1"/>
-          </a:effectRef>
-          <a:fontRef idx="minor">
-            <a:schemeClr val="lt1"/>
-          </a:fontRef>
-        </p:style>
-        <p:txBody>
-          <a:bodyPr rtlCol="0" anchor="ctr"/>
-          <a:lstStyle/>
-          <a:p>
-            <a:pPr algn="ctr"/>
-            <a:endParaRPr lang="ru-RU"/>
-          </a:p>
-        </p:txBody>
-      </p:sp>
-      <p:sp>
-        <p:nvSpPr>
-          <p:cNvPr id="22" name="Google Shape;62;p14">
-            <a:extLst>
-              <a:ext uri="{FF2B5EF4-FFF2-40B4-BE49-F238E27FC236}">
-                <a16:creationId xmlns:a16="http://schemas.microsoft.com/office/drawing/2014/main" id="{90657DA5-5E06-C88A-C5B6-A7F4FCB59C64}"/>
-              </a:ext>
-            </a:extLst>
-          </p:cNvPr>
-          <p:cNvSpPr txBox="1">
-            <a:spLocks/>
-          </p:cNvSpPr>
-          <p:nvPr/>
-        </p:nvSpPr>
-        <p:spPr>
-          <a:xfrm>
-            <a:off x="2131586" y="2297621"/>
-            <a:ext cx="382352" cy="275808"/>
-          </a:xfrm>
-          <a:prstGeom prst="rect">
-            <a:avLst/>
-          </a:prstGeom>
-        </p:spPr>
-        <p:txBody>
-          <a:bodyPr spcFirstLastPara="1" vert="horz" wrap="square" lIns="91425" tIns="91425" rIns="91425" bIns="91425" rtlCol="0" anchor="t" anchorCtr="0">
-            <a:noAutofit/>
-          </a:bodyPr>
-          <a:lstStyle>
-            <a:lvl1pPr algn="ctr" defTabSz="914400" rtl="0" eaLnBrk="1" latinLnBrk="0" hangingPunct="1">
-              <a:lnSpc>
-                <a:spcPct val="90000"/>
-              </a:lnSpc>
-              <a:spcBef>
-                <a:spcPct val="0"/>
-              </a:spcBef>
-              <a:buNone/>
-              <a:defRPr sz="6000" kern="1200">
-                <a:solidFill>
-                  <a:schemeClr val="tx1"/>
-                </a:solidFill>
-                <a:latin typeface="+mj-lt"/>
-                <a:ea typeface="+mj-ea"/>
-                <a:cs typeface="+mj-cs"/>
-              </a:defRPr>
-            </a:lvl1pPr>
-          </a:lstStyle>
-          <a:p>
-            <a:pPr>
-              <a:buClr>
-                <a:schemeClr val="dk1"/>
-              </a:buClr>
-              <a:buSzPts val="990"/>
-            </a:pPr>
-            <a:r>
-              <a:rPr lang="en-US" sz="1100" b="1" dirty="0">
-                <a:solidFill>
-                  <a:srgbClr val="008E5B"/>
-                </a:solidFill>
-                <a:latin typeface="Montserrat Medium" panose="00000600000000000000" pitchFamily="2" charset="-52"/>
-                <a:ea typeface="Montserrat SemiBold"/>
-                <a:cs typeface="Gotham Pro" panose="02000503040000020004" pitchFamily="2" charset="0"/>
-                <a:sym typeface="Montserrat SemiBold"/>
-              </a:rPr>
-              <a:t>. . .</a:t>
-            </a:r>
-            <a:endParaRPr lang="ru-RU" sz="1100" b="1" dirty="0">
-              <a:solidFill>
-                <a:srgbClr val="008E5B"/>
-              </a:solidFill>
-              <a:latin typeface="Montserrat Medium" panose="00000600000000000000" pitchFamily="2" charset="-52"/>
-              <a:ea typeface="Montserrat SemiBold"/>
-              <a:cs typeface="Gotham Pro" panose="02000503040000020004" pitchFamily="2" charset="0"/>
-              <a:sym typeface="Montserrat SemiBold"/>
-            </a:endParaRPr>
-          </a:p>
-        </p:txBody>
-      </p:sp>
-      <p:sp>
-        <p:nvSpPr>
-          <p:cNvPr id="23" name="Google Shape;62;p14">
-            <a:extLst>
-              <a:ext uri="{FF2B5EF4-FFF2-40B4-BE49-F238E27FC236}">
-                <a16:creationId xmlns:a16="http://schemas.microsoft.com/office/drawing/2014/main" id="{D16D1C0E-5C0A-459B-355A-6F1A4EB0470A}"/>
-              </a:ext>
-            </a:extLst>
-          </p:cNvPr>
-          <p:cNvSpPr txBox="1">
-            <a:spLocks/>
-          </p:cNvSpPr>
-          <p:nvPr/>
-        </p:nvSpPr>
-        <p:spPr>
-          <a:xfrm>
-            <a:off x="630128" y="1756697"/>
-            <a:ext cx="2592479" cy="297599"/>
-          </a:xfrm>
-          <a:prstGeom prst="rect">
-            <a:avLst/>
-          </a:prstGeom>
-        </p:spPr>
-        <p:txBody>
-          <a:bodyPr spcFirstLastPara="1" vert="horz" wrap="square" lIns="91425" tIns="91425" rIns="91425" bIns="91425" rtlCol="0" anchor="t" anchorCtr="0">
-            <a:noAutofit/>
-          </a:bodyPr>
-          <a:lstStyle>
-            <a:lvl1pPr algn="ctr" defTabSz="914400" rtl="0" eaLnBrk="1" latinLnBrk="0" hangingPunct="1">
-              <a:lnSpc>
-                <a:spcPct val="90000"/>
-              </a:lnSpc>
-              <a:spcBef>
-                <a:spcPct val="0"/>
-              </a:spcBef>
-              <a:buNone/>
-              <a:defRPr sz="6000" kern="1200">
-                <a:solidFill>
-                  <a:schemeClr val="tx1"/>
-                </a:solidFill>
-                <a:latin typeface="+mj-lt"/>
-                <a:ea typeface="+mj-ea"/>
-                <a:cs typeface="+mj-cs"/>
-              </a:defRPr>
-            </a:lvl1pPr>
-          </a:lstStyle>
-          <a:p>
-            <a:pPr>
-              <a:buClr>
-                <a:schemeClr val="dk1"/>
-              </a:buClr>
-              <a:buSzPts val="990"/>
-            </a:pPr>
-            <a:r>
-              <a:rPr lang="ru-RU" sz="1100" b="1" dirty="0">
-                <a:solidFill>
-                  <a:srgbClr val="D53033"/>
-                </a:solidFill>
-                <a:latin typeface="Montserrat Medium" panose="00000600000000000000" pitchFamily="2" charset="-52"/>
-                <a:ea typeface="Montserrat SemiBold"/>
-                <a:cs typeface="Gotham Pro" panose="02000503040000020004" pitchFamily="2" charset="0"/>
-                <a:sym typeface="Montserrat SemiBold"/>
-              </a:rPr>
-              <a:t>Сервисы управления ДНС</a:t>
-            </a:r>
-          </a:p>
-        </p:txBody>
-      </p:sp>
-      <p:sp>
-        <p:nvSpPr>
-          <p:cNvPr id="24" name="Стрелка: влево-вправо 23">
-            <a:extLst>
-              <a:ext uri="{FF2B5EF4-FFF2-40B4-BE49-F238E27FC236}">
-                <a16:creationId xmlns:a16="http://schemas.microsoft.com/office/drawing/2014/main" id="{33480786-18E2-CDEB-F19E-74DCB9802747}"/>
-              </a:ext>
-            </a:extLst>
-          </p:cNvPr>
-          <p:cNvSpPr/>
-          <p:nvPr/>
-        </p:nvSpPr>
-        <p:spPr>
-          <a:xfrm rot="13442032">
-            <a:off x="2768287" y="2607060"/>
-            <a:ext cx="840665" cy="297599"/>
-          </a:xfrm>
-          <a:prstGeom prst="leftRightArrow">
-            <a:avLst/>
-          </a:prstGeom>
-          <a:solidFill>
-            <a:srgbClr val="C5E5D7"/>
-          </a:solidFill>
-          <a:ln>
-            <a:solidFill>
-              <a:srgbClr val="008E5B"/>
-            </a:solidFill>
-          </a:ln>
-        </p:spPr>
-        <p:style>
-          <a:lnRef idx="2">
-            <a:schemeClr val="accent1">
-              <a:shade val="15000"/>
-            </a:schemeClr>
-          </a:lnRef>
-          <a:fillRef idx="1">
-            <a:schemeClr val="accent1"/>
-          </a:fillRef>
-          <a:effectRef idx="0">
-            <a:schemeClr val="accent1"/>
-          </a:effectRef>
-          <a:fontRef idx="minor">
-            <a:schemeClr val="lt1"/>
-          </a:fontRef>
-        </p:style>
-        <p:txBody>
-          <a:bodyPr rtlCol="0" anchor="ctr"/>
-          <a:lstStyle/>
-          <a:p>
-            <a:pPr algn="ctr"/>
-            <a:endParaRPr lang="ru-RU"/>
-          </a:p>
-        </p:txBody>
-      </p:sp>
-      <p:sp>
-        <p:nvSpPr>
-          <p:cNvPr id="26" name="Стрелка: влево-вправо 25">
-            <a:extLst>
-              <a:ext uri="{FF2B5EF4-FFF2-40B4-BE49-F238E27FC236}">
-                <a16:creationId xmlns:a16="http://schemas.microsoft.com/office/drawing/2014/main" id="{FC381CF7-31D1-4CD3-1D75-93E625AA2428}"/>
-              </a:ext>
-            </a:extLst>
-          </p:cNvPr>
-          <p:cNvSpPr/>
-          <p:nvPr/>
-        </p:nvSpPr>
-        <p:spPr>
-          <a:xfrm rot="13442032">
-            <a:off x="1630796" y="2804769"/>
-            <a:ext cx="1411443" cy="297599"/>
-          </a:xfrm>
-          <a:prstGeom prst="leftRightArrow">
-            <a:avLst/>
-          </a:prstGeom>
-          <a:solidFill>
-            <a:srgbClr val="C5E5D7"/>
-          </a:solidFill>
-          <a:ln>
-            <a:solidFill>
-              <a:srgbClr val="008E5B"/>
-            </a:solidFill>
-          </a:ln>
-        </p:spPr>
-        <p:style>
-          <a:lnRef idx="2">
-            <a:schemeClr val="accent1">
-              <a:shade val="15000"/>
-            </a:schemeClr>
-          </a:lnRef>
-          <a:fillRef idx="1">
-            <a:schemeClr val="accent1"/>
-          </a:fillRef>
-          <a:effectRef idx="0">
-            <a:schemeClr val="accent1"/>
-          </a:effectRef>
-          <a:fontRef idx="minor">
-            <a:schemeClr val="lt1"/>
-          </a:fontRef>
-        </p:style>
-        <p:txBody>
-          <a:bodyPr rtlCol="0" anchor="ctr"/>
-          <a:lstStyle/>
-          <a:p>
-            <a:pPr algn="ctr"/>
-            <a:endParaRPr lang="ru-RU"/>
-          </a:p>
-        </p:txBody>
-      </p:sp>
-      <p:sp>
-        <p:nvSpPr>
-          <p:cNvPr id="27" name="Стрелка: влево-вправо 26">
-            <a:extLst>
-              <a:ext uri="{FF2B5EF4-FFF2-40B4-BE49-F238E27FC236}">
-                <a16:creationId xmlns:a16="http://schemas.microsoft.com/office/drawing/2014/main" id="{CBDDDAB0-0F07-6840-DB96-7215295A3B20}"/>
-              </a:ext>
-            </a:extLst>
-          </p:cNvPr>
-          <p:cNvSpPr/>
-          <p:nvPr/>
-        </p:nvSpPr>
-        <p:spPr>
-          <a:xfrm rot="13442032">
-            <a:off x="645951" y="3162906"/>
-            <a:ext cx="2312591" cy="297599"/>
-          </a:xfrm>
-          <a:prstGeom prst="leftRightArrow">
-            <a:avLst/>
-          </a:prstGeom>
-          <a:solidFill>
-            <a:srgbClr val="C5E5D7"/>
-          </a:solidFill>
-          <a:ln>
-            <a:solidFill>
-              <a:srgbClr val="008E5B"/>
-            </a:solidFill>
-          </a:ln>
-        </p:spPr>
-        <p:style>
-          <a:lnRef idx="2">
-            <a:schemeClr val="accent1">
-              <a:shade val="15000"/>
-            </a:schemeClr>
-          </a:lnRef>
-          <a:fillRef idx="1">
-            <a:schemeClr val="accent1"/>
-          </a:fillRef>
-          <a:effectRef idx="0">
-            <a:schemeClr val="accent1"/>
-          </a:effectRef>
-          <a:fontRef idx="minor">
-            <a:schemeClr val="lt1"/>
-          </a:fontRef>
-        </p:style>
-        <p:txBody>
-          <a:bodyPr rtlCol="0" anchor="ctr"/>
-          <a:lstStyle/>
-          <a:p>
-            <a:pPr algn="ctr"/>
-            <a:endParaRPr lang="ru-RU"/>
-          </a:p>
-        </p:txBody>
-      </p:sp>
-      <p:sp>
-        <p:nvSpPr>
-          <p:cNvPr id="28" name="Шестиугольник 27">
-            <a:extLst>
-              <a:ext uri="{FF2B5EF4-FFF2-40B4-BE49-F238E27FC236}">
-                <a16:creationId xmlns:a16="http://schemas.microsoft.com/office/drawing/2014/main" id="{86F12670-0AEA-C9D7-1E3B-A5398278793B}"/>
-              </a:ext>
-            </a:extLst>
-          </p:cNvPr>
-          <p:cNvSpPr/>
-          <p:nvPr/>
-        </p:nvSpPr>
-        <p:spPr>
-          <a:xfrm>
-            <a:off x="625783" y="5356194"/>
-            <a:ext cx="720000" cy="720000"/>
-          </a:xfrm>
-          <a:prstGeom prst="hexagon">
-            <a:avLst/>
-          </a:prstGeom>
-          <a:solidFill>
-            <a:srgbClr val="7CC4A3"/>
-          </a:solidFill>
-          <a:ln>
-            <a:solidFill>
-              <a:srgbClr val="008E5B"/>
-            </a:solidFill>
-          </a:ln>
-        </p:spPr>
-        <p:style>
-          <a:lnRef idx="2">
-            <a:schemeClr val="accent1">
-              <a:shade val="15000"/>
-            </a:schemeClr>
-          </a:lnRef>
-          <a:fillRef idx="1">
-            <a:schemeClr val="accent1"/>
-          </a:fillRef>
-          <a:effectRef idx="0">
-            <a:schemeClr val="accent1"/>
-          </a:effectRef>
-          <a:fontRef idx="minor">
-            <a:schemeClr val="lt1"/>
-          </a:fontRef>
-        </p:style>
-        <p:txBody>
-          <a:bodyPr rtlCol="0" anchor="ctr"/>
-          <a:lstStyle/>
-          <a:p>
-            <a:pPr algn="ctr"/>
-            <a:endParaRPr lang="ru-RU"/>
-          </a:p>
-        </p:txBody>
-      </p:sp>
-      <p:sp>
-        <p:nvSpPr>
-          <p:cNvPr id="29" name="Google Shape;62;p14">
-            <a:extLst>
-              <a:ext uri="{FF2B5EF4-FFF2-40B4-BE49-F238E27FC236}">
-                <a16:creationId xmlns:a16="http://schemas.microsoft.com/office/drawing/2014/main" id="{2B727031-4C39-29B3-19CD-9B123D8FCE8A}"/>
-              </a:ext>
-            </a:extLst>
-          </p:cNvPr>
-          <p:cNvSpPr txBox="1">
-            <a:spLocks/>
-          </p:cNvSpPr>
-          <p:nvPr/>
-        </p:nvSpPr>
-        <p:spPr>
-          <a:xfrm>
-            <a:off x="140583" y="4932120"/>
-            <a:ext cx="1205200" cy="297599"/>
-          </a:xfrm>
-          <a:prstGeom prst="rect">
-            <a:avLst/>
-          </a:prstGeom>
-        </p:spPr>
-        <p:txBody>
-          <a:bodyPr spcFirstLastPara="1" vert="horz" wrap="square" lIns="91425" tIns="91425" rIns="91425" bIns="91425" rtlCol="0" anchor="t" anchorCtr="0">
-            <a:noAutofit/>
-          </a:bodyPr>
-          <a:lstStyle>
-            <a:lvl1pPr algn="ctr" defTabSz="914400" rtl="0" eaLnBrk="1" latinLnBrk="0" hangingPunct="1">
-              <a:lnSpc>
-                <a:spcPct val="90000"/>
-              </a:lnSpc>
-              <a:spcBef>
-                <a:spcPct val="0"/>
-              </a:spcBef>
-              <a:buNone/>
-              <a:defRPr sz="6000" kern="1200">
-                <a:solidFill>
-                  <a:schemeClr val="tx1"/>
-                </a:solidFill>
-                <a:latin typeface="+mj-lt"/>
-                <a:ea typeface="+mj-ea"/>
-                <a:cs typeface="+mj-cs"/>
-              </a:defRPr>
-            </a:lvl1pPr>
-          </a:lstStyle>
-          <a:p>
-            <a:pPr>
-              <a:buClr>
-                <a:schemeClr val="dk1"/>
-              </a:buClr>
-              <a:buSzPts val="990"/>
-            </a:pPr>
-            <a:r>
-              <a:rPr lang="ru-RU" sz="1100" b="1" dirty="0">
-                <a:solidFill>
-                  <a:srgbClr val="D53033"/>
-                </a:solidFill>
-                <a:latin typeface="Montserrat Medium" panose="00000600000000000000" pitchFamily="2" charset="-52"/>
-                <a:ea typeface="Montserrat SemiBold"/>
-                <a:cs typeface="Gotham Pro" panose="02000503040000020004" pitchFamily="2" charset="0"/>
-                <a:sym typeface="Montserrat SemiBold"/>
-              </a:rPr>
-              <a:t>Сервис контроля ТП</a:t>
-            </a:r>
-          </a:p>
-        </p:txBody>
-      </p:sp>
-      <p:sp>
-        <p:nvSpPr>
-          <p:cNvPr id="30" name="Стрелка: вправо 29">
-            <a:extLst>
-              <a:ext uri="{FF2B5EF4-FFF2-40B4-BE49-F238E27FC236}">
-                <a16:creationId xmlns:a16="http://schemas.microsoft.com/office/drawing/2014/main" id="{0CD0142A-D58E-EE96-A3EB-E643025F6695}"/>
-              </a:ext>
-            </a:extLst>
-          </p:cNvPr>
-          <p:cNvSpPr/>
-          <p:nvPr/>
-        </p:nvSpPr>
-        <p:spPr>
-          <a:xfrm rot="19234105">
-            <a:off x="1113298" y="4672798"/>
-            <a:ext cx="2000090" cy="297012"/>
-          </a:xfrm>
-          <a:prstGeom prst="rightArrow">
-            <a:avLst/>
-          </a:prstGeom>
-          <a:solidFill>
-            <a:srgbClr val="C5E5D7"/>
-          </a:solidFill>
-          <a:ln>
-            <a:solidFill>
-              <a:srgbClr val="008E5B"/>
-            </a:solidFill>
-          </a:ln>
-        </p:spPr>
-        <p:style>
-          <a:lnRef idx="2">
-            <a:schemeClr val="accent1">
-              <a:shade val="15000"/>
-            </a:schemeClr>
-          </a:lnRef>
-          <a:fillRef idx="1">
-            <a:schemeClr val="accent1"/>
-          </a:fillRef>
-          <a:effectRef idx="0">
-            <a:schemeClr val="accent1"/>
-          </a:effectRef>
-          <a:fontRef idx="minor">
-            <a:schemeClr val="lt1"/>
-          </a:fontRef>
-        </p:style>
-        <p:txBody>
-          <a:bodyPr rtlCol="0" anchor="ctr"/>
-          <a:lstStyle/>
-          <a:p>
-            <a:pPr algn="ctr"/>
-            <a:endParaRPr lang="ru-RU"/>
-          </a:p>
-        </p:txBody>
-      </p:sp>
-      <p:sp>
-        <p:nvSpPr>
-          <p:cNvPr id="31" name="Google Shape;62;p14">
-            <a:extLst>
-              <a:ext uri="{FF2B5EF4-FFF2-40B4-BE49-F238E27FC236}">
-                <a16:creationId xmlns:a16="http://schemas.microsoft.com/office/drawing/2014/main" id="{865F312D-07B5-F403-9951-60D246C486E7}"/>
-              </a:ext>
-            </a:extLst>
-          </p:cNvPr>
-          <p:cNvSpPr txBox="1">
-            <a:spLocks/>
-          </p:cNvSpPr>
-          <p:nvPr/>
-        </p:nvSpPr>
-        <p:spPr>
-          <a:xfrm>
-            <a:off x="7514039" y="4281740"/>
-            <a:ext cx="1454331" cy="608094"/>
-          </a:xfrm>
-          <a:prstGeom prst="rect">
-            <a:avLst/>
-          </a:prstGeom>
-        </p:spPr>
-        <p:txBody>
-          <a:bodyPr spcFirstLastPara="1" vert="horz" wrap="square" lIns="91425" tIns="91425" rIns="91425" bIns="91425" rtlCol="0" anchor="t" anchorCtr="0">
-            <a:noAutofit/>
-          </a:bodyPr>
-          <a:lstStyle>
-            <a:lvl1pPr algn="ctr" defTabSz="914400" rtl="0" eaLnBrk="1" latinLnBrk="0" hangingPunct="1">
-              <a:lnSpc>
-                <a:spcPct val="90000"/>
-              </a:lnSpc>
-              <a:spcBef>
-                <a:spcPct val="0"/>
-              </a:spcBef>
-              <a:buNone/>
-              <a:defRPr sz="6000" kern="1200">
-                <a:solidFill>
-                  <a:schemeClr val="tx1"/>
-                </a:solidFill>
-                <a:latin typeface="+mj-lt"/>
-                <a:ea typeface="+mj-ea"/>
-                <a:cs typeface="+mj-cs"/>
-              </a:defRPr>
-            </a:lvl1pPr>
-          </a:lstStyle>
-          <a:p>
-            <a:pPr>
-              <a:buClr>
-                <a:schemeClr val="dk1"/>
-              </a:buClr>
-              <a:buSzPts val="990"/>
-            </a:pPr>
-            <a:r>
-              <a:rPr lang="ru-RU" sz="1100" b="1" dirty="0">
-                <a:solidFill>
-                  <a:schemeClr val="tx1">
-                    <a:lumMod val="50000"/>
-                    <a:lumOff val="50000"/>
-                  </a:schemeClr>
-                </a:solidFill>
-                <a:latin typeface="Montserrat Medium" panose="00000600000000000000" pitchFamily="2" charset="-52"/>
-                <a:ea typeface="Montserrat SemiBold"/>
-                <a:cs typeface="Gotham Pro" panose="02000503040000020004" pitchFamily="2" charset="0"/>
-                <a:sym typeface="Montserrat SemiBold"/>
-              </a:rPr>
-              <a:t>Интерфейс параметров модели</a:t>
-            </a:r>
-          </a:p>
-        </p:txBody>
-      </p:sp>
-      <p:sp>
-        <p:nvSpPr>
-          <p:cNvPr id="32" name="Google Shape;62;p14">
-            <a:extLst>
-              <a:ext uri="{FF2B5EF4-FFF2-40B4-BE49-F238E27FC236}">
-                <a16:creationId xmlns:a16="http://schemas.microsoft.com/office/drawing/2014/main" id="{8765EFDD-AC99-032E-A081-DD7AA18A3741}"/>
-              </a:ext>
-            </a:extLst>
-          </p:cNvPr>
-          <p:cNvSpPr txBox="1">
-            <a:spLocks/>
-          </p:cNvSpPr>
-          <p:nvPr/>
-        </p:nvSpPr>
-        <p:spPr>
-          <a:xfrm>
-            <a:off x="4030451" y="4222404"/>
-            <a:ext cx="1401187" cy="608094"/>
-          </a:xfrm>
-          <a:prstGeom prst="rect">
-            <a:avLst/>
-          </a:prstGeom>
-          <a:noFill/>
-        </p:spPr>
-        <p:txBody>
-          <a:bodyPr spcFirstLastPara="1" vert="horz" wrap="square" lIns="91425" tIns="91425" rIns="91425" bIns="91425" rtlCol="0" anchor="t" anchorCtr="0">
-            <a:noAutofit/>
-          </a:bodyPr>
-          <a:lstStyle>
-            <a:lvl1pPr algn="ctr" defTabSz="914400" rtl="0" eaLnBrk="1" latinLnBrk="0" hangingPunct="1">
-              <a:lnSpc>
-                <a:spcPct val="90000"/>
-              </a:lnSpc>
-              <a:spcBef>
-                <a:spcPct val="0"/>
-              </a:spcBef>
-              <a:buNone/>
-              <a:defRPr sz="6000" kern="1200">
-                <a:solidFill>
-                  <a:schemeClr val="tx1"/>
-                </a:solidFill>
-                <a:latin typeface="+mj-lt"/>
-                <a:ea typeface="+mj-ea"/>
-                <a:cs typeface="+mj-cs"/>
-              </a:defRPr>
-            </a:lvl1pPr>
-          </a:lstStyle>
-          <a:p>
-            <a:pPr>
-              <a:buClr>
-                <a:schemeClr val="dk1"/>
-              </a:buClr>
-              <a:buSzPts val="990"/>
-            </a:pPr>
-            <a:r>
-              <a:rPr lang="ru-RU" sz="1100" b="1" dirty="0">
-                <a:solidFill>
-                  <a:schemeClr val="tx1">
-                    <a:lumMod val="50000"/>
-                    <a:lumOff val="50000"/>
-                  </a:schemeClr>
-                </a:solidFill>
-                <a:latin typeface="Montserrat Medium" panose="00000600000000000000" pitchFamily="2" charset="-52"/>
-                <a:ea typeface="Montserrat SemiBold"/>
-                <a:cs typeface="Gotham Pro" panose="02000503040000020004" pitchFamily="2" charset="0"/>
-                <a:sym typeface="Montserrat SemiBold"/>
-              </a:rPr>
-              <a:t>Интерфейс результатов моделирования</a:t>
-            </a:r>
-          </a:p>
-        </p:txBody>
-      </p:sp>
-      <p:sp>
-        <p:nvSpPr>
-          <p:cNvPr id="33" name="Стрелка: вправо 32">
-            <a:extLst>
-              <a:ext uri="{FF2B5EF4-FFF2-40B4-BE49-F238E27FC236}">
-                <a16:creationId xmlns:a16="http://schemas.microsoft.com/office/drawing/2014/main" id="{C9EA0587-31C6-FF48-EE12-2F4748327D76}"/>
-              </a:ext>
-            </a:extLst>
-          </p:cNvPr>
-          <p:cNvSpPr/>
-          <p:nvPr/>
-        </p:nvSpPr>
-        <p:spPr>
-          <a:xfrm>
-            <a:off x="4115243" y="3241427"/>
-            <a:ext cx="1748367" cy="297012"/>
-          </a:xfrm>
-          <a:prstGeom prst="rightArrow">
-            <a:avLst/>
-          </a:prstGeom>
-          <a:solidFill>
-            <a:srgbClr val="C5E5D7"/>
-          </a:solidFill>
-          <a:ln>
-            <a:solidFill>
-              <a:srgbClr val="008E5B"/>
-            </a:solidFill>
-          </a:ln>
-        </p:spPr>
-        <p:style>
-          <a:lnRef idx="2">
-            <a:schemeClr val="accent1">
-              <a:shade val="15000"/>
-            </a:schemeClr>
-          </a:lnRef>
-          <a:fillRef idx="1">
-            <a:schemeClr val="accent1"/>
-          </a:fillRef>
-          <a:effectRef idx="0">
-            <a:schemeClr val="accent1"/>
-          </a:effectRef>
-          <a:fontRef idx="minor">
-            <a:schemeClr val="lt1"/>
-          </a:fontRef>
-        </p:style>
-        <p:txBody>
-          <a:bodyPr rtlCol="0" anchor="ctr"/>
-          <a:lstStyle/>
-          <a:p>
-            <a:pPr algn="ctr"/>
-            <a:endParaRPr lang="ru-RU"/>
-          </a:p>
-        </p:txBody>
-      </p:sp>
-      <p:sp>
-        <p:nvSpPr>
-          <p:cNvPr id="34" name="Google Shape;62;p14">
-            <a:extLst>
-              <a:ext uri="{FF2B5EF4-FFF2-40B4-BE49-F238E27FC236}">
-                <a16:creationId xmlns:a16="http://schemas.microsoft.com/office/drawing/2014/main" id="{8937DD66-8FC4-66AF-839E-E933F4F1D072}"/>
-              </a:ext>
-            </a:extLst>
-          </p:cNvPr>
-          <p:cNvSpPr txBox="1">
-            <a:spLocks/>
-          </p:cNvSpPr>
-          <p:nvPr/>
-        </p:nvSpPr>
-        <p:spPr>
-          <a:xfrm>
-            <a:off x="4231006" y="2427839"/>
-            <a:ext cx="1205014" cy="608094"/>
-          </a:xfrm>
-          <a:prstGeom prst="rect">
-            <a:avLst/>
-          </a:prstGeom>
-        </p:spPr>
-        <p:txBody>
-          <a:bodyPr spcFirstLastPara="1" vert="horz" wrap="square" lIns="91425" tIns="91425" rIns="91425" bIns="91425" rtlCol="0" anchor="t" anchorCtr="0">
-            <a:noAutofit/>
-          </a:bodyPr>
-          <a:lstStyle>
-            <a:lvl1pPr algn="ctr" defTabSz="914400" rtl="0" eaLnBrk="1" latinLnBrk="0" hangingPunct="1">
-              <a:lnSpc>
-                <a:spcPct val="90000"/>
-              </a:lnSpc>
-              <a:spcBef>
-                <a:spcPct val="0"/>
-              </a:spcBef>
-              <a:buNone/>
-              <a:defRPr sz="6000" kern="1200">
-                <a:solidFill>
-                  <a:schemeClr val="tx1"/>
-                </a:solidFill>
-                <a:latin typeface="+mj-lt"/>
-                <a:ea typeface="+mj-ea"/>
-                <a:cs typeface="+mj-cs"/>
-              </a:defRPr>
-            </a:lvl1pPr>
-          </a:lstStyle>
-          <a:p>
-            <a:pPr>
-              <a:buClr>
-                <a:schemeClr val="dk1"/>
-              </a:buClr>
-              <a:buSzPts val="990"/>
-            </a:pPr>
-            <a:r>
-              <a:rPr lang="ru-RU" sz="1100" b="1" dirty="0">
-                <a:solidFill>
-                  <a:schemeClr val="tx1">
-                    <a:lumMod val="50000"/>
-                    <a:lumOff val="50000"/>
-                  </a:schemeClr>
-                </a:solidFill>
-                <a:latin typeface="Montserrat Medium" panose="00000600000000000000" pitchFamily="2" charset="-52"/>
-                <a:ea typeface="Montserrat SemiBold"/>
-                <a:cs typeface="Gotham Pro" panose="02000503040000020004" pitchFamily="2" charset="0"/>
-                <a:sym typeface="Montserrat SemiBold"/>
-              </a:rPr>
-              <a:t>Интерфейс параметров модели</a:t>
-            </a:r>
-          </a:p>
-        </p:txBody>
-      </p:sp>
-      <p:sp>
-        <p:nvSpPr>
-          <p:cNvPr id="35" name="Стрелка: вправо 34">
-            <a:extLst>
-              <a:ext uri="{FF2B5EF4-FFF2-40B4-BE49-F238E27FC236}">
-                <a16:creationId xmlns:a16="http://schemas.microsoft.com/office/drawing/2014/main" id="{E0D11C9B-BFF6-1A8C-AFA6-4C3E15D559B4}"/>
-              </a:ext>
-            </a:extLst>
-          </p:cNvPr>
-          <p:cNvSpPr/>
-          <p:nvPr/>
-        </p:nvSpPr>
-        <p:spPr>
-          <a:xfrm rot="10800000">
-            <a:off x="3919466" y="3579226"/>
-            <a:ext cx="1748367" cy="297012"/>
-          </a:xfrm>
-          <a:prstGeom prst="rightArrow">
-            <a:avLst/>
-          </a:prstGeom>
-          <a:solidFill>
-            <a:srgbClr val="C5E5D7"/>
-          </a:solidFill>
-          <a:ln>
-            <a:solidFill>
-              <a:srgbClr val="008E5B"/>
-            </a:solidFill>
-          </a:ln>
-        </p:spPr>
-        <p:style>
-          <a:lnRef idx="2">
-            <a:schemeClr val="accent1">
-              <a:shade val="15000"/>
-            </a:schemeClr>
-          </a:lnRef>
-          <a:fillRef idx="1">
-            <a:schemeClr val="accent1"/>
-          </a:fillRef>
-          <a:effectRef idx="0">
-            <a:schemeClr val="accent1"/>
-          </a:effectRef>
-          <a:fontRef idx="minor">
-            <a:schemeClr val="lt1"/>
-          </a:fontRef>
-        </p:style>
-        <p:txBody>
-          <a:bodyPr rtlCol="0" anchor="ctr"/>
-          <a:lstStyle/>
-          <a:p>
-            <a:pPr algn="ctr"/>
-            <a:endParaRPr lang="ru-RU"/>
-          </a:p>
-        </p:txBody>
-      </p:sp>
-      <p:pic>
-        <p:nvPicPr>
-          <p:cNvPr id="39" name="Рисунок 38">
-            <a:extLst>
-              <a:ext uri="{FF2B5EF4-FFF2-40B4-BE49-F238E27FC236}">
-                <a16:creationId xmlns:a16="http://schemas.microsoft.com/office/drawing/2014/main" id="{9C57D51C-9812-B326-CAB8-B1E76F8A8DCC}"/>
+                <a16:creationId xmlns:a16="http://schemas.microsoft.com/office/drawing/2014/main" id="{BC7BF8B2-6713-A652-CB92-2C28A4120D3F}"/>
               </a:ext>
             </a:extLst>
           </p:cNvPr>
@@ -7686,8 +5741,8 @@
         </p:blipFill>
         <p:spPr>
           <a:xfrm>
-            <a:off x="1874187" y="5262776"/>
-            <a:ext cx="2073907" cy="1121835"/>
+            <a:off x="4666849" y="5186177"/>
+            <a:ext cx="3925783" cy="1419118"/>
           </a:xfrm>
           <a:prstGeom prst="rect">
             <a:avLst/>
@@ -7699,304 +5754,12 @@
           </a:ln>
         </p:spPr>
       </p:pic>
-      <p:sp>
-        <p:nvSpPr>
-          <p:cNvPr id="41" name="Стрелка: вправо 40">
-            <a:extLst>
-              <a:ext uri="{FF2B5EF4-FFF2-40B4-BE49-F238E27FC236}">
-                <a16:creationId xmlns:a16="http://schemas.microsoft.com/office/drawing/2014/main" id="{EFDCA160-DC27-D21B-610A-058ADC26ACB3}"/>
-              </a:ext>
-            </a:extLst>
-          </p:cNvPr>
-          <p:cNvSpPr/>
-          <p:nvPr/>
-        </p:nvSpPr>
-        <p:spPr>
-          <a:xfrm rot="5400000">
-            <a:off x="2857661" y="4741328"/>
-            <a:ext cx="1390290" cy="297012"/>
-          </a:xfrm>
-          <a:prstGeom prst="rightArrow">
-            <a:avLst/>
-          </a:prstGeom>
-          <a:solidFill>
-            <a:srgbClr val="C5E5D7"/>
-          </a:solidFill>
-          <a:ln>
-            <a:solidFill>
-              <a:srgbClr val="008E5B"/>
-            </a:solidFill>
-          </a:ln>
-        </p:spPr>
-        <p:style>
-          <a:lnRef idx="2">
-            <a:schemeClr val="accent1">
-              <a:shade val="15000"/>
-            </a:schemeClr>
-          </a:lnRef>
-          <a:fillRef idx="1">
-            <a:schemeClr val="accent1"/>
-          </a:fillRef>
-          <a:effectRef idx="0">
-            <a:schemeClr val="accent1"/>
-          </a:effectRef>
-          <a:fontRef idx="minor">
-            <a:schemeClr val="lt1"/>
-          </a:fontRef>
-        </p:style>
-        <p:txBody>
-          <a:bodyPr rtlCol="0" anchor="ctr"/>
-          <a:lstStyle/>
-          <a:p>
-            <a:pPr algn="ctr"/>
-            <a:endParaRPr lang="ru-RU"/>
-          </a:p>
-        </p:txBody>
-      </p:sp>
-      <p:sp>
-        <p:nvSpPr>
-          <p:cNvPr id="40" name="Google Shape;62;p14">
-            <a:extLst>
-              <a:ext uri="{FF2B5EF4-FFF2-40B4-BE49-F238E27FC236}">
-                <a16:creationId xmlns:a16="http://schemas.microsoft.com/office/drawing/2014/main" id="{2155D9D9-2EFF-D850-B4E3-26F474730902}"/>
-              </a:ext>
-            </a:extLst>
-          </p:cNvPr>
-          <p:cNvSpPr txBox="1">
-            <a:spLocks/>
-          </p:cNvSpPr>
-          <p:nvPr/>
-        </p:nvSpPr>
-        <p:spPr>
-          <a:xfrm>
-            <a:off x="2133686" y="4817276"/>
-            <a:ext cx="1261933" cy="297599"/>
-          </a:xfrm>
-          <a:prstGeom prst="rect">
-            <a:avLst/>
-          </a:prstGeom>
-        </p:spPr>
-        <p:txBody>
-          <a:bodyPr spcFirstLastPara="1" vert="horz" wrap="square" lIns="91425" tIns="91425" rIns="91425" bIns="91425" rtlCol="0" anchor="t" anchorCtr="0">
-            <a:noAutofit/>
-          </a:bodyPr>
-          <a:lstStyle>
-            <a:lvl1pPr algn="ctr" defTabSz="914400" rtl="0" eaLnBrk="1" latinLnBrk="0" hangingPunct="1">
-              <a:lnSpc>
-                <a:spcPct val="90000"/>
-              </a:lnSpc>
-              <a:spcBef>
-                <a:spcPct val="0"/>
-              </a:spcBef>
-              <a:buNone/>
-              <a:defRPr sz="6000" kern="1200">
-                <a:solidFill>
-                  <a:schemeClr val="tx1"/>
-                </a:solidFill>
-                <a:latin typeface="+mj-lt"/>
-                <a:ea typeface="+mj-ea"/>
-                <a:cs typeface="+mj-cs"/>
-              </a:defRPr>
-            </a:lvl1pPr>
-          </a:lstStyle>
-          <a:p>
-            <a:pPr>
-              <a:buClr>
-                <a:schemeClr val="dk1"/>
-              </a:buClr>
-              <a:buSzPts val="990"/>
-            </a:pPr>
-            <a:r>
-              <a:rPr lang="en-US" sz="1100" b="1" dirty="0">
-                <a:solidFill>
-                  <a:srgbClr val="D53033"/>
-                </a:solidFill>
-                <a:latin typeface="Montserrat Medium" panose="00000600000000000000" pitchFamily="2" charset="-52"/>
-                <a:ea typeface="Montserrat SemiBold"/>
-                <a:cs typeface="Gotham Pro" panose="02000503040000020004" pitchFamily="2" charset="0"/>
-                <a:sym typeface="Montserrat SemiBold"/>
-              </a:rPr>
-              <a:t>UI </a:t>
-            </a:r>
-            <a:r>
-              <a:rPr lang="ru-RU" sz="1100" b="1" dirty="0">
-                <a:solidFill>
-                  <a:srgbClr val="D53033"/>
-                </a:solidFill>
-                <a:latin typeface="Montserrat Medium" panose="00000600000000000000" pitchFamily="2" charset="-52"/>
-                <a:ea typeface="Montserrat SemiBold"/>
-                <a:cs typeface="Gotham Pro" panose="02000503040000020004" pitchFamily="2" charset="0"/>
-                <a:sym typeface="Montserrat SemiBold"/>
-              </a:rPr>
-              <a:t>системы мониторинга</a:t>
-            </a:r>
-          </a:p>
-        </p:txBody>
-      </p:sp>
-      <p:sp>
-        <p:nvSpPr>
-          <p:cNvPr id="42" name="Google Shape;62;p14">
-            <a:extLst>
-              <a:ext uri="{FF2B5EF4-FFF2-40B4-BE49-F238E27FC236}">
-                <a16:creationId xmlns:a16="http://schemas.microsoft.com/office/drawing/2014/main" id="{09C07EAE-0DC9-2F3A-ECA6-D43A25FD5402}"/>
-              </a:ext>
-            </a:extLst>
-          </p:cNvPr>
-          <p:cNvSpPr txBox="1">
-            <a:spLocks/>
-          </p:cNvSpPr>
-          <p:nvPr/>
-        </p:nvSpPr>
-        <p:spPr>
-          <a:xfrm>
-            <a:off x="1450809" y="6379277"/>
-            <a:ext cx="2467813" cy="329402"/>
-          </a:xfrm>
-          <a:prstGeom prst="rect">
-            <a:avLst/>
-          </a:prstGeom>
-        </p:spPr>
-        <p:txBody>
-          <a:bodyPr spcFirstLastPara="1" vert="horz" wrap="square" lIns="91425" tIns="91425" rIns="91425" bIns="91425" rtlCol="0" anchor="t" anchorCtr="0">
-            <a:noAutofit/>
-          </a:bodyPr>
-          <a:lstStyle>
-            <a:lvl1pPr algn="ctr" defTabSz="914400" rtl="0" eaLnBrk="1" latinLnBrk="0" hangingPunct="1">
-              <a:lnSpc>
-                <a:spcPct val="90000"/>
-              </a:lnSpc>
-              <a:spcBef>
-                <a:spcPct val="0"/>
-              </a:spcBef>
-              <a:buNone/>
-              <a:defRPr sz="6000" kern="1200">
-                <a:solidFill>
-                  <a:schemeClr val="tx1"/>
-                </a:solidFill>
-                <a:latin typeface="+mj-lt"/>
-                <a:ea typeface="+mj-ea"/>
-                <a:cs typeface="+mj-cs"/>
-              </a:defRPr>
-            </a:lvl1pPr>
-          </a:lstStyle>
-          <a:p>
-            <a:pPr>
-              <a:buClr>
-                <a:schemeClr val="dk1"/>
-              </a:buClr>
-              <a:buSzPts val="990"/>
-            </a:pPr>
-            <a:r>
-              <a:rPr lang="en-US" sz="1100" b="1" dirty="0">
-                <a:solidFill>
-                  <a:schemeClr val="tx1">
-                    <a:lumMod val="50000"/>
-                    <a:lumOff val="50000"/>
-                  </a:schemeClr>
-                </a:solidFill>
-                <a:latin typeface="Montserrat Medium" panose="00000600000000000000" pitchFamily="2" charset="-52"/>
-                <a:ea typeface="Montserrat SemiBold"/>
-                <a:cs typeface="Gotham Pro" panose="02000503040000020004" pitchFamily="2" charset="0"/>
-                <a:sym typeface="Montserrat SemiBold"/>
-              </a:rPr>
-              <a:t>Web</a:t>
-            </a:r>
-            <a:r>
-              <a:rPr lang="ru-RU" sz="1100" b="1" dirty="0">
-                <a:solidFill>
-                  <a:schemeClr val="tx1">
-                    <a:lumMod val="50000"/>
-                    <a:lumOff val="50000"/>
-                  </a:schemeClr>
-                </a:solidFill>
-                <a:latin typeface="Montserrat Medium" panose="00000600000000000000" pitchFamily="2" charset="-52"/>
-                <a:ea typeface="Montserrat SemiBold"/>
-                <a:cs typeface="Gotham Pro" panose="02000503040000020004" pitchFamily="2" charset="0"/>
-                <a:sym typeface="Montserrat SemiBold"/>
-              </a:rPr>
-              <a:t>-приложение, </a:t>
-            </a:r>
-            <a:r>
-              <a:rPr lang="en-US" sz="1100" b="1" dirty="0">
-                <a:solidFill>
-                  <a:schemeClr val="tx1">
-                    <a:lumMod val="50000"/>
-                    <a:lumOff val="50000"/>
-                  </a:schemeClr>
-                </a:solidFill>
-                <a:latin typeface="Montserrat Medium" panose="00000600000000000000" pitchFamily="2" charset="-52"/>
-                <a:ea typeface="Montserrat SemiBold"/>
-                <a:cs typeface="Gotham Pro" panose="02000503040000020004" pitchFamily="2" charset="0"/>
-                <a:sym typeface="Montserrat SemiBold"/>
-              </a:rPr>
-              <a:t>JavaScript</a:t>
-            </a:r>
-            <a:endParaRPr lang="ru-RU" sz="1100" b="1" dirty="0">
-              <a:solidFill>
-                <a:schemeClr val="tx1">
-                  <a:lumMod val="50000"/>
-                  <a:lumOff val="50000"/>
-                </a:schemeClr>
-              </a:solidFill>
-              <a:latin typeface="Montserrat Medium" panose="00000600000000000000" pitchFamily="2" charset="-52"/>
-              <a:ea typeface="Montserrat SemiBold"/>
-              <a:cs typeface="Gotham Pro" panose="02000503040000020004" pitchFamily="2" charset="0"/>
-              <a:sym typeface="Montserrat SemiBold"/>
-            </a:endParaRPr>
-          </a:p>
-        </p:txBody>
-      </p:sp>
-      <p:sp>
-        <p:nvSpPr>
-          <p:cNvPr id="43" name="AutoShape 4">
-            <a:extLst>
-              <a:ext uri="{FF2B5EF4-FFF2-40B4-BE49-F238E27FC236}">
-                <a16:creationId xmlns:a16="http://schemas.microsoft.com/office/drawing/2014/main" id="{4F537E68-0161-03FB-C1F8-7C834286583E}"/>
-              </a:ext>
-            </a:extLst>
-          </p:cNvPr>
-          <p:cNvSpPr>
-            <a:spLocks noChangeAspect="1" noChangeArrowheads="1"/>
-          </p:cNvSpPr>
-          <p:nvPr/>
-        </p:nvSpPr>
-        <p:spPr bwMode="auto">
-          <a:xfrm>
-            <a:off x="5943600" y="3145966"/>
-            <a:ext cx="304800" cy="304800"/>
-          </a:xfrm>
-          <a:prstGeom prst="rect">
-            <a:avLst/>
-          </a:prstGeom>
-          <a:noFill/>
-          <a:extLst>
-            <a:ext uri="{909E8E84-426E-40DD-AFC4-6F175D3DCCD1}">
-              <a14:hiddenFill xmlns:a14="http://schemas.microsoft.com/office/drawing/2010/main">
-                <a:solidFill>
-                  <a:srgbClr val="FFFFFF"/>
-                </a:solidFill>
-              </a14:hiddenFill>
-            </a:ext>
-          </a:extLst>
-        </p:spPr>
-        <p:txBody>
-          <a:bodyPr vert="horz" wrap="square" lIns="91440" tIns="45720" rIns="91440" bIns="45720" numCol="1" anchor="t" anchorCtr="0" compatLnSpc="1">
-            <a:prstTxWarp prst="textNoShape">
-              <a:avLst/>
-            </a:prstTxWarp>
-          </a:bodyPr>
-          <a:lstStyle/>
-          <a:p>
-            <a:endParaRPr lang="ru-RU"/>
-          </a:p>
-        </p:txBody>
-      </p:sp>
       <p:pic>
         <p:nvPicPr>
-          <p:cNvPr id="46" name="Рисунок 45">
+          <p:cNvPr id="5" name="Рисунок 4">
             <a:extLst>
               <a:ext uri="{FF2B5EF4-FFF2-40B4-BE49-F238E27FC236}">
-                <a16:creationId xmlns:a16="http://schemas.microsoft.com/office/drawing/2014/main" id="{516AFB80-09BE-ED5C-D88C-3C5D533C5693}"/>
+                <a16:creationId xmlns:a16="http://schemas.microsoft.com/office/drawing/2014/main" id="{EAC51E87-3F21-88FE-B80E-5946DE4CF348}"/>
               </a:ext>
             </a:extLst>
           </p:cNvPr>
@@ -8013,319 +5776,194 @@
         </p:blipFill>
         <p:spPr>
           <a:xfrm>
-            <a:off x="4133742" y="5386932"/>
-            <a:ext cx="1534091" cy="989673"/>
+            <a:off x="7264986" y="1774676"/>
+            <a:ext cx="3971310" cy="2971774"/>
           </a:xfrm>
           <a:prstGeom prst="rect">
             <a:avLst/>
           </a:prstGeom>
-        </p:spPr>
-      </p:pic>
-      <p:sp>
-        <p:nvSpPr>
-          <p:cNvPr id="47" name="Google Shape;62;p14">
-            <a:extLst>
-              <a:ext uri="{FF2B5EF4-FFF2-40B4-BE49-F238E27FC236}">
-                <a16:creationId xmlns:a16="http://schemas.microsoft.com/office/drawing/2014/main" id="{F268EFE8-EEF0-CFCD-C4ED-D9FD28E03DA4}"/>
-              </a:ext>
-            </a:extLst>
-          </p:cNvPr>
-          <p:cNvSpPr txBox="1">
-            <a:spLocks/>
-          </p:cNvSpPr>
-          <p:nvPr/>
-        </p:nvSpPr>
-        <p:spPr>
-          <a:xfrm>
-            <a:off x="3886529" y="6376605"/>
-            <a:ext cx="2073907" cy="329402"/>
-          </a:xfrm>
-          <a:prstGeom prst="rect">
-            <a:avLst/>
-          </a:prstGeom>
-        </p:spPr>
-        <p:txBody>
-          <a:bodyPr spcFirstLastPara="1" vert="horz" wrap="square" lIns="91425" tIns="91425" rIns="91425" bIns="91425" rtlCol="0" anchor="t" anchorCtr="0">
-            <a:noAutofit/>
-          </a:bodyPr>
-          <a:lstStyle>
-            <a:lvl1pPr algn="ctr" defTabSz="914400" rtl="0" eaLnBrk="1" latinLnBrk="0" hangingPunct="1">
-              <a:lnSpc>
-                <a:spcPct val="90000"/>
-              </a:lnSpc>
-              <a:spcBef>
-                <a:spcPct val="0"/>
-              </a:spcBef>
-              <a:buNone/>
-              <a:defRPr sz="6000" kern="1200">
-                <a:solidFill>
-                  <a:schemeClr val="tx1"/>
-                </a:solidFill>
-                <a:latin typeface="+mj-lt"/>
-                <a:ea typeface="+mj-ea"/>
-                <a:cs typeface="+mj-cs"/>
-              </a:defRPr>
-            </a:lvl1pPr>
-          </a:lstStyle>
-          <a:p>
-            <a:pPr>
-              <a:buClr>
-                <a:schemeClr val="dk1"/>
-              </a:buClr>
-              <a:buSzPts val="990"/>
-            </a:pPr>
-            <a:r>
-              <a:rPr lang="en-US" sz="1100" b="1" dirty="0">
-                <a:solidFill>
-                  <a:schemeClr val="tx1">
-                    <a:lumMod val="50000"/>
-                    <a:lumOff val="50000"/>
-                  </a:schemeClr>
-                </a:solidFill>
-                <a:latin typeface="Montserrat Medium" panose="00000600000000000000" pitchFamily="2" charset="-52"/>
-                <a:ea typeface="Montserrat SemiBold"/>
-                <a:cs typeface="Gotham Pro" panose="02000503040000020004" pitchFamily="2" charset="0"/>
-                <a:sym typeface="Montserrat SemiBold"/>
-              </a:rPr>
-              <a:t>Desktop</a:t>
-            </a:r>
-            <a:r>
-              <a:rPr lang="ru-RU" sz="1100" b="1" dirty="0">
-                <a:solidFill>
-                  <a:schemeClr val="tx1">
-                    <a:lumMod val="50000"/>
-                    <a:lumOff val="50000"/>
-                  </a:schemeClr>
-                </a:solidFill>
-                <a:latin typeface="Montserrat Medium" panose="00000600000000000000" pitchFamily="2" charset="-52"/>
-                <a:ea typeface="Montserrat SemiBold"/>
-                <a:cs typeface="Gotham Pro" panose="02000503040000020004" pitchFamily="2" charset="0"/>
-                <a:sym typeface="Montserrat SemiBold"/>
-              </a:rPr>
-              <a:t>-приложение, </a:t>
-            </a:r>
-            <a:r>
-              <a:rPr lang="en-US" sz="1100" b="1" dirty="0">
-                <a:solidFill>
-                  <a:schemeClr val="tx1">
-                    <a:lumMod val="50000"/>
-                    <a:lumOff val="50000"/>
-                  </a:schemeClr>
-                </a:solidFill>
-                <a:latin typeface="Montserrat Medium" panose="00000600000000000000" pitchFamily="2" charset="-52"/>
-                <a:ea typeface="Montserrat SemiBold"/>
-                <a:cs typeface="Gotham Pro" panose="02000503040000020004" pitchFamily="2" charset="0"/>
-                <a:sym typeface="Montserrat SemiBold"/>
-              </a:rPr>
-              <a:t>C#</a:t>
-            </a:r>
-            <a:endParaRPr lang="ru-RU" sz="1100" b="1" dirty="0">
-              <a:solidFill>
-                <a:schemeClr val="tx1">
-                  <a:lumMod val="50000"/>
-                  <a:lumOff val="50000"/>
-                </a:schemeClr>
-              </a:solidFill>
-              <a:latin typeface="Montserrat Medium" panose="00000600000000000000" pitchFamily="2" charset="-52"/>
-              <a:ea typeface="Montserrat SemiBold"/>
-              <a:cs typeface="Gotham Pro" panose="02000503040000020004" pitchFamily="2" charset="0"/>
-              <a:sym typeface="Montserrat SemiBold"/>
-            </a:endParaRPr>
-          </a:p>
-        </p:txBody>
-      </p:sp>
-      <p:sp>
-        <p:nvSpPr>
-          <p:cNvPr id="48" name="Google Shape;62;p14">
-            <a:extLst>
-              <a:ext uri="{FF2B5EF4-FFF2-40B4-BE49-F238E27FC236}">
-                <a16:creationId xmlns:a16="http://schemas.microsoft.com/office/drawing/2014/main" id="{C3CBD519-63FA-7792-F4E4-341A641244A6}"/>
-              </a:ext>
-            </a:extLst>
-          </p:cNvPr>
-          <p:cNvSpPr txBox="1">
-            <a:spLocks/>
-          </p:cNvSpPr>
-          <p:nvPr/>
-        </p:nvSpPr>
-        <p:spPr>
-          <a:xfrm>
-            <a:off x="4242889" y="4949194"/>
-            <a:ext cx="1261933" cy="297599"/>
-          </a:xfrm>
-          <a:prstGeom prst="rect">
-            <a:avLst/>
-          </a:prstGeom>
-        </p:spPr>
-        <p:txBody>
-          <a:bodyPr spcFirstLastPara="1" vert="horz" wrap="square" lIns="91425" tIns="91425" rIns="91425" bIns="91425" rtlCol="0" anchor="t" anchorCtr="0">
-            <a:noAutofit/>
-          </a:bodyPr>
-          <a:lstStyle>
-            <a:lvl1pPr algn="ctr" defTabSz="914400" rtl="0" eaLnBrk="1" latinLnBrk="0" hangingPunct="1">
-              <a:lnSpc>
-                <a:spcPct val="90000"/>
-              </a:lnSpc>
-              <a:spcBef>
-                <a:spcPct val="0"/>
-              </a:spcBef>
-              <a:buNone/>
-              <a:defRPr sz="6000" kern="1200">
-                <a:solidFill>
-                  <a:schemeClr val="tx1"/>
-                </a:solidFill>
-                <a:latin typeface="+mj-lt"/>
-                <a:ea typeface="+mj-ea"/>
-                <a:cs typeface="+mj-cs"/>
-              </a:defRPr>
-            </a:lvl1pPr>
-          </a:lstStyle>
-          <a:p>
-            <a:pPr>
-              <a:buClr>
-                <a:schemeClr val="dk1"/>
-              </a:buClr>
-              <a:buSzPts val="990"/>
-            </a:pPr>
-            <a:r>
-              <a:rPr lang="en-US" sz="1100" b="1" dirty="0">
-                <a:solidFill>
-                  <a:srgbClr val="D53033"/>
-                </a:solidFill>
-                <a:latin typeface="Montserrat Medium" panose="00000600000000000000" pitchFamily="2" charset="-52"/>
-                <a:ea typeface="Montserrat SemiBold"/>
-                <a:cs typeface="Gotham Pro" panose="02000503040000020004" pitchFamily="2" charset="0"/>
-                <a:sym typeface="Montserrat SemiBold"/>
-              </a:rPr>
-              <a:t>UI </a:t>
-            </a:r>
-            <a:r>
-              <a:rPr lang="ru-RU" sz="1100" b="1" dirty="0">
-                <a:solidFill>
-                  <a:srgbClr val="D53033"/>
-                </a:solidFill>
-                <a:latin typeface="Montserrat Medium" panose="00000600000000000000" pitchFamily="2" charset="-52"/>
-                <a:ea typeface="Montserrat SemiBold"/>
-                <a:cs typeface="Gotham Pro" panose="02000503040000020004" pitchFamily="2" charset="0"/>
-                <a:sym typeface="Montserrat SemiBold"/>
-              </a:rPr>
-              <a:t>оператора системы</a:t>
-            </a:r>
-          </a:p>
-        </p:txBody>
-      </p:sp>
-      <p:sp>
-        <p:nvSpPr>
-          <p:cNvPr id="49" name="Стрелка: вправо 48">
-            <a:extLst>
-              <a:ext uri="{FF2B5EF4-FFF2-40B4-BE49-F238E27FC236}">
-                <a16:creationId xmlns:a16="http://schemas.microsoft.com/office/drawing/2014/main" id="{75D61873-AC90-F9B2-1286-86E554B156D7}"/>
-              </a:ext>
-            </a:extLst>
-          </p:cNvPr>
-          <p:cNvSpPr/>
-          <p:nvPr/>
-        </p:nvSpPr>
-        <p:spPr>
-          <a:xfrm rot="18603325">
-            <a:off x="5304633" y="4720676"/>
-            <a:ext cx="1502191" cy="297012"/>
-          </a:xfrm>
-          <a:prstGeom prst="rightArrow">
-            <a:avLst/>
-          </a:prstGeom>
-          <a:solidFill>
-            <a:srgbClr val="C5E5D7"/>
-          </a:solidFill>
           <a:ln>
             <a:solidFill>
               <a:srgbClr val="008E5B"/>
             </a:solidFill>
           </a:ln>
         </p:spPr>
+      </p:pic>
+      <p:pic>
+        <p:nvPicPr>
+          <p:cNvPr id="15" name="Рисунок 14">
+            <a:extLst>
+              <a:ext uri="{FF2B5EF4-FFF2-40B4-BE49-F238E27FC236}">
+                <a16:creationId xmlns:a16="http://schemas.microsoft.com/office/drawing/2014/main" id="{B83CB4E5-4D72-355E-48BA-2BA3C0A7D97A}"/>
+              </a:ext>
+            </a:extLst>
+          </p:cNvPr>
+          <p:cNvPicPr>
+            <a:picLocks noChangeAspect="1"/>
+          </p:cNvPicPr>
+          <p:nvPr/>
+        </p:nvPicPr>
+        <p:blipFill>
+          <a:blip r:embed="rId7"/>
+          <a:stretch>
+            <a:fillRect/>
+          </a:stretch>
+        </p:blipFill>
+        <p:spPr>
+          <a:xfrm>
+            <a:off x="2722023" y="2371744"/>
+            <a:ext cx="3938050" cy="2516347"/>
+          </a:xfrm>
+          <a:prstGeom prst="rect">
+            <a:avLst/>
+          </a:prstGeom>
+          <a:ln>
+            <a:solidFill>
+              <a:srgbClr val="008E5B"/>
+            </a:solidFill>
+          </a:ln>
+        </p:spPr>
+      </p:pic>
+      <p:cxnSp>
+        <p:nvCxnSpPr>
+          <p:cNvPr id="18" name="Соединитель: изогнутый 17">
+            <a:extLst>
+              <a:ext uri="{FF2B5EF4-FFF2-40B4-BE49-F238E27FC236}">
+                <a16:creationId xmlns:a16="http://schemas.microsoft.com/office/drawing/2014/main" id="{58589AB3-AFC6-82B5-F533-B0B1A67DC8E6}"/>
+              </a:ext>
+            </a:extLst>
+          </p:cNvPr>
+          <p:cNvCxnSpPr/>
+          <p:nvPr/>
+        </p:nvCxnSpPr>
+        <p:spPr>
+          <a:xfrm flipV="1">
+            <a:off x="1236617" y="1968137"/>
+            <a:ext cx="6028369" cy="439727"/>
+          </a:xfrm>
+          <a:prstGeom prst="curvedConnector3">
+            <a:avLst>
+              <a:gd name="adj1" fmla="val 24576"/>
+            </a:avLst>
+          </a:prstGeom>
+          <a:ln w="38100">
+            <a:solidFill>
+              <a:srgbClr val="008E5B"/>
+            </a:solidFill>
+            <a:tailEnd type="triangle"/>
+          </a:ln>
+        </p:spPr>
         <p:style>
-          <a:lnRef idx="2">
-            <a:schemeClr val="accent1">
-              <a:shade val="15000"/>
-            </a:schemeClr>
+          <a:lnRef idx="1">
+            <a:schemeClr val="accent1"/>
           </a:lnRef>
-          <a:fillRef idx="1">
+          <a:fillRef idx="0">
             <a:schemeClr val="accent1"/>
           </a:fillRef>
           <a:effectRef idx="0">
             <a:schemeClr val="accent1"/>
           </a:effectRef>
           <a:fontRef idx="minor">
-            <a:schemeClr val="lt1"/>
+            <a:schemeClr val="tx1"/>
           </a:fontRef>
         </p:style>
-        <p:txBody>
-          <a:bodyPr rtlCol="0" anchor="ctr"/>
-          <a:lstStyle/>
-          <a:p>
-            <a:pPr algn="ctr"/>
-            <a:endParaRPr lang="ru-RU"/>
-          </a:p>
-        </p:txBody>
-      </p:sp>
-      <p:sp>
-        <p:nvSpPr>
-          <p:cNvPr id="50" name="Стрелка: вправо 49">
+      </p:cxnSp>
+      <p:cxnSp>
+        <p:nvCxnSpPr>
+          <p:cNvPr id="22" name="Соединитель: изогнутый 21">
             <a:extLst>
               <a:ext uri="{FF2B5EF4-FFF2-40B4-BE49-F238E27FC236}">
-                <a16:creationId xmlns:a16="http://schemas.microsoft.com/office/drawing/2014/main" id="{4A07DACC-DC17-91B8-763B-AE7B90EC24A3}"/>
+                <a16:creationId xmlns:a16="http://schemas.microsoft.com/office/drawing/2014/main" id="{D551E1C8-2A29-B3ED-D21E-DF6E65E89D9F}"/>
               </a:ext>
             </a:extLst>
           </p:cNvPr>
-          <p:cNvSpPr/>
-          <p:nvPr/>
-        </p:nvSpPr>
-        <p:spPr>
-          <a:xfrm>
-            <a:off x="5745621" y="5701038"/>
-            <a:ext cx="2336345" cy="297012"/>
-          </a:xfrm>
-          <a:prstGeom prst="rightArrow">
-            <a:avLst/>
-          </a:prstGeom>
-          <a:solidFill>
-            <a:srgbClr val="C5E5D7"/>
-          </a:solidFill>
-          <a:ln>
+          <p:cNvCxnSpPr>
+            <a:cxnSpLocks/>
+          </p:cNvCxnSpPr>
+          <p:nvPr/>
+        </p:nvCxnSpPr>
+        <p:spPr>
+          <a:xfrm>
+            <a:off x="1236617" y="2853003"/>
+            <a:ext cx="1485406" cy="504290"/>
+          </a:xfrm>
+          <a:prstGeom prst="curvedConnector3">
+            <a:avLst>
+              <a:gd name="adj1" fmla="val 50000"/>
+            </a:avLst>
+          </a:prstGeom>
+          <a:ln w="38100">
             <a:solidFill>
               <a:srgbClr val="008E5B"/>
             </a:solidFill>
+            <a:tailEnd type="triangle"/>
           </a:ln>
         </p:spPr>
         <p:style>
-          <a:lnRef idx="2">
-            <a:schemeClr val="accent1">
-              <a:shade val="15000"/>
-            </a:schemeClr>
+          <a:lnRef idx="1">
+            <a:schemeClr val="accent1"/>
           </a:lnRef>
-          <a:fillRef idx="1">
+          <a:fillRef idx="0">
             <a:schemeClr val="accent1"/>
           </a:fillRef>
           <a:effectRef idx="0">
             <a:schemeClr val="accent1"/>
           </a:effectRef>
           <a:fontRef idx="minor">
-            <a:schemeClr val="lt1"/>
+            <a:schemeClr val="tx1"/>
           </a:fontRef>
         </p:style>
-        <p:txBody>
-          <a:bodyPr rtlCol="0" anchor="ctr"/>
-          <a:lstStyle/>
-          <a:p>
-            <a:pPr algn="ctr"/>
-            <a:endParaRPr lang="ru-RU"/>
-          </a:p>
-        </p:txBody>
-      </p:sp>
+      </p:cxnSp>
+      <p:cxnSp>
+        <p:nvCxnSpPr>
+          <p:cNvPr id="25" name="Соединитель: изогнутый 24">
+            <a:extLst>
+              <a:ext uri="{FF2B5EF4-FFF2-40B4-BE49-F238E27FC236}">
+                <a16:creationId xmlns:a16="http://schemas.microsoft.com/office/drawing/2014/main" id="{4E0C35FB-E792-93C1-2D2B-F4F6D829386F}"/>
+              </a:ext>
+            </a:extLst>
+          </p:cNvPr>
+          <p:cNvCxnSpPr>
+            <a:cxnSpLocks/>
+          </p:cNvCxnSpPr>
+          <p:nvPr/>
+        </p:nvCxnSpPr>
+        <p:spPr>
+          <a:xfrm>
+            <a:off x="1160198" y="3563914"/>
+            <a:ext cx="3530850" cy="2507246"/>
+          </a:xfrm>
+          <a:prstGeom prst="curvedConnector3">
+            <a:avLst>
+              <a:gd name="adj1" fmla="val 39148"/>
+            </a:avLst>
+          </a:prstGeom>
+          <a:ln w="38100">
+            <a:solidFill>
+              <a:srgbClr val="008E5B"/>
+            </a:solidFill>
+            <a:tailEnd type="triangle"/>
+          </a:ln>
+        </p:spPr>
+        <p:style>
+          <a:lnRef idx="1">
+            <a:schemeClr val="accent1"/>
+          </a:lnRef>
+          <a:fillRef idx="0">
+            <a:schemeClr val="accent1"/>
+          </a:fillRef>
+          <a:effectRef idx="0">
+            <a:schemeClr val="accent1"/>
+          </a:effectRef>
+          <a:fontRef idx="minor">
+            <a:schemeClr val="tx1"/>
+          </a:fontRef>
+        </p:style>
+      </p:cxnSp>
     </p:spTree>
     <p:extLst>
       <p:ext uri="{BB962C8B-B14F-4D97-AF65-F5344CB8AC3E}">
-        <p14:creationId xmlns:p14="http://schemas.microsoft.com/office/powerpoint/2010/main" val="2546961972"/>
+        <p14:creationId xmlns:p14="http://schemas.microsoft.com/office/powerpoint/2010/main" val="3830038048"/>
       </p:ext>
     </p:extLst>
   </p:cSld>
@@ -8475,7 +6113,7 @@
                 <a:cs typeface="Gotham Pro" panose="02000503040000020004" pitchFamily="2" charset="0"/>
                 <a:sym typeface="Montserrat SemiBold"/>
               </a:rPr>
-              <a:t>Архитектура прототипа</a:t>
+              <a:t>Архитектура решения</a:t>
             </a:r>
           </a:p>
         </p:txBody>
@@ -8543,7 +6181,7 @@
                 <a:cs typeface="Gotham Pro" panose="02000503040000020004" pitchFamily="2" charset="0"/>
                 <a:sym typeface="Montserrat SemiBold"/>
               </a:rPr>
-              <a:t>Прототип предназначен для демонстрации моделирования работы ДНС в реальном времени.</a:t>
+              <a:t>Программное обеспечение АСУ может быть реализовано с использованием микросервисной архитектуры.</a:t>
             </a:r>
           </a:p>
         </p:txBody>
@@ -8562,7 +6200,7 @@
         </p:nvSpPr>
         <p:spPr>
           <a:xfrm>
-            <a:off x="4841966" y="2159726"/>
+            <a:off x="4841966" y="2072634"/>
             <a:ext cx="3240000" cy="3240000"/>
           </a:xfrm>
           <a:prstGeom prst="hexagon">
@@ -8618,7 +6256,7 @@
         </p:nvSpPr>
         <p:spPr>
           <a:xfrm>
-            <a:off x="5259977" y="1840652"/>
+            <a:off x="5259977" y="1753560"/>
             <a:ext cx="2439633" cy="297599"/>
           </a:xfrm>
           <a:prstGeom prst="rect">
@@ -8720,7 +6358,7 @@
         </p:blipFill>
         <p:spPr bwMode="auto">
           <a:xfrm>
-            <a:off x="9109165" y="2973911"/>
+            <a:off x="9109165" y="2886819"/>
             <a:ext cx="2865120" cy="1611630"/>
           </a:xfrm>
           <a:prstGeom prst="rect">
@@ -8754,7 +6392,7 @@
         </p:nvSpPr>
         <p:spPr>
           <a:xfrm>
-            <a:off x="9667542" y="2638791"/>
+            <a:off x="9667542" y="2551699"/>
             <a:ext cx="1748366" cy="297599"/>
           </a:xfrm>
           <a:prstGeom prst="rect">
@@ -8829,7 +6467,7 @@
         </p:nvSpPr>
         <p:spPr>
           <a:xfrm>
-            <a:off x="5561657" y="2879726"/>
+            <a:off x="5561657" y="2792634"/>
             <a:ext cx="1800000" cy="1800000"/>
           </a:xfrm>
           <a:prstGeom prst="roundRect">
@@ -8885,7 +6523,7 @@
         </p:nvSpPr>
         <p:spPr>
           <a:xfrm>
-            <a:off x="5613291" y="3548670"/>
+            <a:off x="5613291" y="3461578"/>
             <a:ext cx="1748366" cy="462112"/>
           </a:xfrm>
           <a:prstGeom prst="rect">
@@ -8979,7 +6617,7 @@
                 <a:cs typeface="Gotham Pro" panose="02000503040000020004" pitchFamily="2" charset="0"/>
                 <a:sym typeface="Montserrat SemiBold"/>
               </a:rPr>
-              <a:t>ДНС</a:t>
+              <a:t>системы перекачки</a:t>
             </a:r>
           </a:p>
         </p:txBody>
@@ -9000,7 +6638,7 @@
         </p:nvSpPr>
         <p:spPr>
           <a:xfrm>
-            <a:off x="9667542" y="4585541"/>
+            <a:off x="9667542" y="4498449"/>
             <a:ext cx="1748366" cy="456731"/>
           </a:xfrm>
           <a:prstGeom prst="rect">
@@ -9050,7 +6688,7 @@
                 <a:cs typeface="Gotham Pro" panose="02000503040000020004" pitchFamily="2" charset="0"/>
                 <a:sym typeface="Montserrat SemiBold"/>
               </a:rPr>
-              <a:t>Модель ДНС</a:t>
+              <a:t>Модель системы перекачки</a:t>
             </a:r>
           </a:p>
         </p:txBody>
@@ -9071,7 +6709,7 @@
         </p:nvSpPr>
         <p:spPr>
           <a:xfrm>
-            <a:off x="5613290" y="2181201"/>
+            <a:off x="5613290" y="2094109"/>
             <a:ext cx="1696731" cy="332087"/>
           </a:xfrm>
           <a:prstGeom prst="rect">
@@ -9148,7 +6786,7 @@
         </p:nvSpPr>
         <p:spPr>
           <a:xfrm>
-            <a:off x="5639108" y="2919571"/>
+            <a:off x="5639108" y="2832479"/>
             <a:ext cx="1696731" cy="332087"/>
           </a:xfrm>
           <a:prstGeom prst="rect">
@@ -9211,10 +6849,10 @@
       </p:sp>
       <p:sp>
         <p:nvSpPr>
-          <p:cNvPr id="13" name="Стрелка: вправо 12">
+          <p:cNvPr id="12" name="Цилиндр 11">
             <a:extLst>
               <a:ext uri="{FF2B5EF4-FFF2-40B4-BE49-F238E27FC236}">
-                <a16:creationId xmlns:a16="http://schemas.microsoft.com/office/drawing/2014/main" id="{25B21A03-AF17-D0FD-38E4-82F45CE448D3}"/>
+                <a16:creationId xmlns:a16="http://schemas.microsoft.com/office/drawing/2014/main" id="{2BDCCE5D-5A8C-0587-F95A-08F44D1CFE70}"/>
               </a:ext>
             </a:extLst>
           </p:cNvPr>
@@ -9222,15 +6860,15 @@
           <p:nvPr/>
         </p:nvSpPr>
         <p:spPr>
-          <a:xfrm rot="10800000">
-            <a:off x="7264164" y="3635492"/>
-            <a:ext cx="1748367" cy="297012"/>
-          </a:xfrm>
-          <a:prstGeom prst="rightArrow">
+          <a:xfrm>
+            <a:off x="8107679" y="4979018"/>
+            <a:ext cx="1001486" cy="1045028"/>
+          </a:xfrm>
+          <a:prstGeom prst="can">
             <a:avLst/>
           </a:prstGeom>
           <a:solidFill>
-            <a:srgbClr val="C5E5D7"/>
+            <a:srgbClr val="7CC4A3"/>
           </a:solidFill>
           <a:ln>
             <a:solidFill>
@@ -9265,108 +6903,10 @@
       </p:sp>
       <p:sp>
         <p:nvSpPr>
-          <p:cNvPr id="16" name="Google Shape;62;p14">
+          <p:cNvPr id="13" name="Стрелка: вправо 12">
             <a:extLst>
               <a:ext uri="{FF2B5EF4-FFF2-40B4-BE49-F238E27FC236}">
-                <a16:creationId xmlns:a16="http://schemas.microsoft.com/office/drawing/2014/main" id="{151B723E-620C-8CE3-5E03-1BE2228CD513}"/>
-              </a:ext>
-            </a:extLst>
-          </p:cNvPr>
-          <p:cNvSpPr txBox="1">
-            <a:spLocks/>
-          </p:cNvSpPr>
-          <p:nvPr/>
-        </p:nvSpPr>
-        <p:spPr>
-          <a:xfrm>
-            <a:off x="7699611" y="2871982"/>
-            <a:ext cx="1454331" cy="608094"/>
-          </a:xfrm>
-          <a:prstGeom prst="rect">
-            <a:avLst/>
-          </a:prstGeom>
-        </p:spPr>
-        <p:txBody>
-          <a:bodyPr spcFirstLastPara="1" vert="horz" wrap="square" lIns="91425" tIns="91425" rIns="91425" bIns="91425" rtlCol="0" anchor="t" anchorCtr="0">
-            <a:noAutofit/>
-          </a:bodyPr>
-          <a:lstStyle>
-            <a:lvl1pPr algn="ctr" defTabSz="914400" rtl="0" eaLnBrk="1" latinLnBrk="0" hangingPunct="1">
-              <a:lnSpc>
-                <a:spcPct val="90000"/>
-              </a:lnSpc>
-              <a:spcBef>
-                <a:spcPct val="0"/>
-              </a:spcBef>
-              <a:buNone/>
-              <a:defRPr sz="6000" kern="1200">
-                <a:solidFill>
-                  <a:schemeClr val="tx1"/>
-                </a:solidFill>
-                <a:latin typeface="+mj-lt"/>
-                <a:ea typeface="+mj-ea"/>
-                <a:cs typeface="+mj-cs"/>
-              </a:defRPr>
-            </a:lvl1pPr>
-          </a:lstStyle>
-          <a:p>
-            <a:pPr>
-              <a:buClr>
-                <a:schemeClr val="dk1"/>
-              </a:buClr>
-              <a:buSzPts val="990"/>
-            </a:pPr>
-            <a:r>
-              <a:rPr lang="ru-RU" sz="1100" b="1" dirty="0">
-                <a:solidFill>
-                  <a:schemeClr val="tx1">
-                    <a:lumMod val="50000"/>
-                    <a:lumOff val="50000"/>
-                  </a:schemeClr>
-                </a:solidFill>
-                <a:latin typeface="Montserrat Medium" panose="00000600000000000000" pitchFamily="2" charset="-52"/>
-                <a:ea typeface="Montserrat SemiBold"/>
-                <a:cs typeface="Gotham Pro" panose="02000503040000020004" pitchFamily="2" charset="0"/>
-                <a:sym typeface="Montserrat SemiBold"/>
-              </a:rPr>
-              <a:t>Преобразование модели по стандарту </a:t>
-            </a:r>
-            <a:r>
-              <a:rPr lang="en-US" sz="1100" b="1" dirty="0">
-                <a:solidFill>
-                  <a:schemeClr val="tx1">
-                    <a:lumMod val="50000"/>
-                    <a:lumOff val="50000"/>
-                  </a:schemeClr>
-                </a:solidFill>
-                <a:latin typeface="Montserrat Medium" panose="00000600000000000000" pitchFamily="2" charset="-52"/>
-                <a:ea typeface="Montserrat SemiBold"/>
-                <a:cs typeface="Gotham Pro" panose="02000503040000020004" pitchFamily="2" charset="0"/>
-                <a:sym typeface="Montserrat SemiBold"/>
-              </a:rPr>
-              <a:t>FMI</a:t>
-            </a:r>
-            <a:endParaRPr lang="ru-RU" sz="1100" b="1" dirty="0">
-              <a:solidFill>
-                <a:schemeClr val="tx1">
-                  <a:lumMod val="50000"/>
-                  <a:lumOff val="50000"/>
-                </a:schemeClr>
-              </a:solidFill>
-              <a:latin typeface="Montserrat Medium" panose="00000600000000000000" pitchFamily="2" charset="-52"/>
-              <a:ea typeface="Montserrat SemiBold"/>
-              <a:cs typeface="Gotham Pro" panose="02000503040000020004" pitchFamily="2" charset="0"/>
-              <a:sym typeface="Montserrat SemiBold"/>
-            </a:endParaRPr>
-          </a:p>
-        </p:txBody>
-      </p:sp>
-      <p:sp>
-        <p:nvSpPr>
-          <p:cNvPr id="17" name="Облако 16">
-            <a:extLst>
-              <a:ext uri="{FF2B5EF4-FFF2-40B4-BE49-F238E27FC236}">
-                <a16:creationId xmlns:a16="http://schemas.microsoft.com/office/drawing/2014/main" id="{0D8B28D2-0281-A3DF-6398-BBD524E1F0B6}"/>
+                <a16:creationId xmlns:a16="http://schemas.microsoft.com/office/drawing/2014/main" id="{25B21A03-AF17-D0FD-38E4-82F45CE448D3}"/>
               </a:ext>
             </a:extLst>
           </p:cNvPr>
@@ -9374,15 +6914,15 @@
           <p:nvPr/>
         </p:nvSpPr>
         <p:spPr>
-          <a:xfrm>
-            <a:off x="2298445" y="2787590"/>
-            <a:ext cx="2384282" cy="1946750"/>
-          </a:xfrm>
-          <a:prstGeom prst="cloud">
+          <a:xfrm rot="10800000">
+            <a:off x="7264164" y="3548400"/>
+            <a:ext cx="1748367" cy="297012"/>
+          </a:xfrm>
+          <a:prstGeom prst="rightArrow">
             <a:avLst/>
           </a:prstGeom>
           <a:solidFill>
-            <a:srgbClr val="7CC4A3"/>
+            <a:srgbClr val="C5E5D7"/>
           </a:solidFill>
           <a:ln>
             <a:solidFill>
@@ -9411,30 +6951,16 @@
           <a:lstStyle/>
           <a:p>
             <a:pPr algn="ctr"/>
-            <a:r>
-              <a:rPr lang="en-US" sz="1400" b="1" dirty="0">
-                <a:solidFill>
-                  <a:srgbClr val="008E5B"/>
-                </a:solidFill>
-                <a:latin typeface="Montserrat Medium" panose="00000600000000000000" pitchFamily="2" charset="-52"/>
-              </a:rPr>
-              <a:t>SignalR</a:t>
-            </a:r>
-            <a:endParaRPr lang="ru-RU" sz="1400" b="1" dirty="0">
-              <a:solidFill>
-                <a:srgbClr val="008E5B"/>
-              </a:solidFill>
-              <a:latin typeface="Montserrat Medium" panose="00000600000000000000" pitchFamily="2" charset="-52"/>
-            </a:endParaRPr>
-          </a:p>
-        </p:txBody>
-      </p:sp>
-      <p:sp>
-        <p:nvSpPr>
-          <p:cNvPr id="32" name="Google Shape;62;p14">
+            <a:endParaRPr lang="ru-RU"/>
+          </a:p>
+        </p:txBody>
+      </p:sp>
+      <p:sp>
+        <p:nvSpPr>
+          <p:cNvPr id="14" name="Google Shape;62;p14">
             <a:extLst>
               <a:ext uri="{FF2B5EF4-FFF2-40B4-BE49-F238E27FC236}">
-                <a16:creationId xmlns:a16="http://schemas.microsoft.com/office/drawing/2014/main" id="{8765EFDD-AC99-032E-A081-DD7AA18A3741}"/>
+                <a16:creationId xmlns:a16="http://schemas.microsoft.com/office/drawing/2014/main" id="{DE942EEE-DCB8-615C-CF0C-C53968E37831}"/>
               </a:ext>
             </a:extLst>
           </p:cNvPr>
@@ -9445,13 +6971,12 @@
         </p:nvSpPr>
         <p:spPr>
           <a:xfrm>
-            <a:off x="4030451" y="4309496"/>
-            <a:ext cx="1401187" cy="608094"/>
+            <a:off x="7132320" y="6067590"/>
+            <a:ext cx="3143794" cy="571672"/>
           </a:xfrm>
           <a:prstGeom prst="rect">
             <a:avLst/>
           </a:prstGeom>
-          <a:noFill/>
         </p:spPr>
         <p:txBody>
           <a:bodyPr spcFirstLastPara="1" vert="horz" wrap="square" lIns="91425" tIns="91425" rIns="91425" bIns="91425" rtlCol="0" anchor="t" anchorCtr="0">
@@ -9496,17 +7021,17 @@
                 <a:cs typeface="Gotham Pro" panose="02000503040000020004" pitchFamily="2" charset="0"/>
                 <a:sym typeface="Montserrat SemiBold"/>
               </a:rPr>
-              <a:t>Интерфейс результатов моделирования</a:t>
-            </a:r>
-          </a:p>
-        </p:txBody>
-      </p:sp>
-      <p:sp>
-        <p:nvSpPr>
-          <p:cNvPr id="35" name="Стрелка: вправо 34">
+              <a:t>Параметры долговременного хранения (например, объёмы ёмкостей, пороговые значения и т.п.)</a:t>
+            </a:r>
+          </a:p>
+        </p:txBody>
+      </p:sp>
+      <p:sp>
+        <p:nvSpPr>
+          <p:cNvPr id="15" name="Стрелка: вправо 14">
             <a:extLst>
               <a:ext uri="{FF2B5EF4-FFF2-40B4-BE49-F238E27FC236}">
-                <a16:creationId xmlns:a16="http://schemas.microsoft.com/office/drawing/2014/main" id="{E0D11C9B-BFF6-1A8C-AFA6-4C3E15D559B4}"/>
+                <a16:creationId xmlns:a16="http://schemas.microsoft.com/office/drawing/2014/main" id="{7763D0A9-DE2A-83B6-4B0C-8620A9BE3C05}"/>
               </a:ext>
             </a:extLst>
           </p:cNvPr>
@@ -9514,9 +7039,9 @@
           <p:nvPr/>
         </p:nvSpPr>
         <p:spPr>
-          <a:xfrm rot="10800000">
-            <a:off x="3919466" y="3666318"/>
-            <a:ext cx="1748367" cy="297012"/>
+          <a:xfrm rot="13446392">
+            <a:off x="6880949" y="4437281"/>
+            <a:ext cx="1390290" cy="297012"/>
           </a:xfrm>
           <a:prstGeom prst="rightArrow">
             <a:avLst/>
@@ -9555,47 +7080,110 @@
           </a:p>
         </p:txBody>
       </p:sp>
-      <p:pic>
-        <p:nvPicPr>
-          <p:cNvPr id="39" name="Рисунок 38">
+      <p:sp>
+        <p:nvSpPr>
+          <p:cNvPr id="16" name="Google Shape;62;p14">
             <a:extLst>
               <a:ext uri="{FF2B5EF4-FFF2-40B4-BE49-F238E27FC236}">
-                <a16:creationId xmlns:a16="http://schemas.microsoft.com/office/drawing/2014/main" id="{9C57D51C-9812-B326-CAB8-B1E76F8A8DCC}"/>
+                <a16:creationId xmlns:a16="http://schemas.microsoft.com/office/drawing/2014/main" id="{151B723E-620C-8CE3-5E03-1BE2228CD513}"/>
               </a:ext>
             </a:extLst>
           </p:cNvPr>
-          <p:cNvPicPr>
-            <a:picLocks noChangeAspect="1"/>
-          </p:cNvPicPr>
-          <p:nvPr/>
-        </p:nvPicPr>
-        <p:blipFill>
-          <a:blip r:embed="rId5"/>
-          <a:stretch>
-            <a:fillRect/>
-          </a:stretch>
-        </p:blipFill>
-        <p:spPr>
-          <a:xfrm>
-            <a:off x="370726" y="4481354"/>
-            <a:ext cx="2073907" cy="1121835"/>
+          <p:cNvSpPr txBox="1">
+            <a:spLocks/>
+          </p:cNvSpPr>
+          <p:nvPr/>
+        </p:nvSpPr>
+        <p:spPr>
+          <a:xfrm>
+            <a:off x="7699611" y="2784890"/>
+            <a:ext cx="1454331" cy="608094"/>
           </a:xfrm>
           <a:prstGeom prst="rect">
             <a:avLst/>
           </a:prstGeom>
-          <a:ln>
-            <a:solidFill>
-              <a:srgbClr val="008E5B"/>
-            </a:solidFill>
-          </a:ln>
-        </p:spPr>
-      </p:pic>
-      <p:sp>
-        <p:nvSpPr>
-          <p:cNvPr id="41" name="Стрелка: вправо 40">
+        </p:spPr>
+        <p:txBody>
+          <a:bodyPr spcFirstLastPara="1" vert="horz" wrap="square" lIns="91425" tIns="91425" rIns="91425" bIns="91425" rtlCol="0" anchor="t" anchorCtr="0">
+            <a:noAutofit/>
+          </a:bodyPr>
+          <a:lstStyle>
+            <a:lvl1pPr algn="ctr" defTabSz="914400" rtl="0" eaLnBrk="1" latinLnBrk="0" hangingPunct="1">
+              <a:lnSpc>
+                <a:spcPct val="90000"/>
+              </a:lnSpc>
+              <a:spcBef>
+                <a:spcPct val="0"/>
+              </a:spcBef>
+              <a:buNone/>
+              <a:defRPr sz="6000" kern="1200">
+                <a:solidFill>
+                  <a:schemeClr val="tx1"/>
+                </a:solidFill>
+                <a:latin typeface="+mj-lt"/>
+                <a:ea typeface="+mj-ea"/>
+                <a:cs typeface="+mj-cs"/>
+              </a:defRPr>
+            </a:lvl1pPr>
+          </a:lstStyle>
+          <a:p>
+            <a:pPr>
+              <a:buClr>
+                <a:schemeClr val="dk1"/>
+              </a:buClr>
+              <a:buSzPts val="990"/>
+            </a:pPr>
+            <a:r>
+              <a:rPr lang="ru-RU" sz="1100" b="1" dirty="0">
+                <a:solidFill>
+                  <a:schemeClr val="tx1">
+                    <a:lumMod val="50000"/>
+                    <a:lumOff val="50000"/>
+                  </a:schemeClr>
+                </a:solidFill>
+                <a:latin typeface="Montserrat Medium" panose="00000600000000000000" pitchFamily="2" charset="-52"/>
+                <a:ea typeface="Montserrat SemiBold"/>
+                <a:cs typeface="Gotham Pro" panose="02000503040000020004" pitchFamily="2" charset="0"/>
+                <a:sym typeface="Montserrat SemiBold"/>
+              </a:rPr>
+              <a:t>Преобразование модели по стандарту </a:t>
+            </a:r>
+            <a:r>
+              <a:rPr lang="en-US" sz="1100" b="1" dirty="0">
+                <a:solidFill>
+                  <a:schemeClr val="tx1">
+                    <a:lumMod val="50000"/>
+                    <a:lumOff val="50000"/>
+                  </a:schemeClr>
+                </a:solidFill>
+                <a:latin typeface="Montserrat Medium" panose="00000600000000000000" pitchFamily="2" charset="-52"/>
+                <a:ea typeface="Montserrat SemiBold"/>
+                <a:cs typeface="Gotham Pro" panose="02000503040000020004" pitchFamily="2" charset="0"/>
+                <a:sym typeface="Montserrat SemiBold"/>
+              </a:rPr>
+              <a:t>FMI</a:t>
+            </a:r>
+            <a:endParaRPr lang="ru-RU" sz="1100" b="1" dirty="0">
+              <a:solidFill>
+                <a:schemeClr val="tx1">
+                  <a:lumMod val="50000"/>
+                  <a:lumOff val="50000"/>
+                </a:schemeClr>
+              </a:solidFill>
+              <a:latin typeface="Montserrat Medium" panose="00000600000000000000" pitchFamily="2" charset="-52"/>
+              <a:ea typeface="Montserrat SemiBold"/>
+              <a:cs typeface="Gotham Pro" panose="02000503040000020004" pitchFamily="2" charset="0"/>
+              <a:sym typeface="Montserrat SemiBold"/>
+            </a:endParaRPr>
+          </a:p>
+        </p:txBody>
+      </p:sp>
+      <p:sp>
+        <p:nvSpPr>
+          <p:cNvPr id="17" name="Облако 16">
             <a:extLst>
               <a:ext uri="{FF2B5EF4-FFF2-40B4-BE49-F238E27FC236}">
-                <a16:creationId xmlns:a16="http://schemas.microsoft.com/office/drawing/2014/main" id="{EFDCA160-DC27-D21B-610A-058ADC26ACB3}"/>
+                <a16:creationId xmlns:a16="http://schemas.microsoft.com/office/drawing/2014/main" id="{0D8B28D2-0281-A3DF-6398-BBD524E1F0B6}"/>
               </a:ext>
             </a:extLst>
           </p:cNvPr>
@@ -9603,15 +7191,15 @@
           <p:nvPr/>
         </p:nvSpPr>
         <p:spPr>
-          <a:xfrm rot="8483121">
-            <a:off x="1768902" y="4437034"/>
-            <a:ext cx="1390290" cy="297012"/>
-          </a:xfrm>
-          <a:prstGeom prst="rightArrow">
+          <a:xfrm>
+            <a:off x="2298445" y="2700498"/>
+            <a:ext cx="2384282" cy="1946750"/>
+          </a:xfrm>
+          <a:prstGeom prst="cloud">
             <a:avLst/>
           </a:prstGeom>
           <a:solidFill>
-            <a:srgbClr val="C5E5D7"/>
+            <a:srgbClr val="7CC4A3"/>
           </a:solidFill>
           <a:ln>
             <a:solidFill>
@@ -9640,16 +7228,192 @@
           <a:lstStyle/>
           <a:p>
             <a:pPr algn="ctr"/>
+            <a:r>
+              <a:rPr lang="en-US" sz="1400" b="1" dirty="0">
+                <a:solidFill>
+                  <a:srgbClr val="008E5B"/>
+                </a:solidFill>
+                <a:latin typeface="Montserrat Medium" panose="00000600000000000000" pitchFamily="2" charset="-52"/>
+              </a:rPr>
+              <a:t>SignalR</a:t>
+            </a:r>
+            <a:endParaRPr lang="ru-RU" sz="1400" b="1" dirty="0">
+              <a:solidFill>
+                <a:srgbClr val="008E5B"/>
+              </a:solidFill>
+              <a:latin typeface="Montserrat Medium" panose="00000600000000000000" pitchFamily="2" charset="-52"/>
+            </a:endParaRPr>
+          </a:p>
+        </p:txBody>
+      </p:sp>
+      <p:sp>
+        <p:nvSpPr>
+          <p:cNvPr id="19" name="Шестиугольник 18">
+            <a:extLst>
+              <a:ext uri="{FF2B5EF4-FFF2-40B4-BE49-F238E27FC236}">
+                <a16:creationId xmlns:a16="http://schemas.microsoft.com/office/drawing/2014/main" id="{8B56847C-76CD-29F3-A1C6-A211CEAF49CA}"/>
+              </a:ext>
+            </a:extLst>
+          </p:cNvPr>
+          <p:cNvSpPr/>
+          <p:nvPr/>
+        </p:nvSpPr>
+        <p:spPr>
+          <a:xfrm>
+            <a:off x="630128" y="2063595"/>
+            <a:ext cx="720000" cy="720000"/>
+          </a:xfrm>
+          <a:prstGeom prst="hexagon">
+            <a:avLst/>
+          </a:prstGeom>
+          <a:solidFill>
+            <a:srgbClr val="7CC4A3"/>
+          </a:solidFill>
+          <a:ln>
+            <a:solidFill>
+              <a:srgbClr val="008E5B"/>
+            </a:solidFill>
+          </a:ln>
+        </p:spPr>
+        <p:style>
+          <a:lnRef idx="2">
+            <a:schemeClr val="accent1">
+              <a:shade val="15000"/>
+            </a:schemeClr>
+          </a:lnRef>
+          <a:fillRef idx="1">
+            <a:schemeClr val="accent1"/>
+          </a:fillRef>
+          <a:effectRef idx="0">
+            <a:schemeClr val="accent1"/>
+          </a:effectRef>
+          <a:fontRef idx="minor">
+            <a:schemeClr val="lt1"/>
+          </a:fontRef>
+        </p:style>
+        <p:txBody>
+          <a:bodyPr rtlCol="0" anchor="ctr"/>
+          <a:lstStyle/>
+          <a:p>
+            <a:pPr algn="ctr"/>
             <a:endParaRPr lang="ru-RU"/>
           </a:p>
         </p:txBody>
       </p:sp>
       <p:sp>
         <p:nvSpPr>
-          <p:cNvPr id="40" name="Google Shape;62;p14">
+          <p:cNvPr id="20" name="Шестиугольник 19">
             <a:extLst>
               <a:ext uri="{FF2B5EF4-FFF2-40B4-BE49-F238E27FC236}">
-                <a16:creationId xmlns:a16="http://schemas.microsoft.com/office/drawing/2014/main" id="{2155D9D9-2EFF-D850-B4E3-26F474730902}"/>
+                <a16:creationId xmlns:a16="http://schemas.microsoft.com/office/drawing/2014/main" id="{C04D926F-0080-B036-8F70-B5CBB287394B}"/>
+              </a:ext>
+            </a:extLst>
+          </p:cNvPr>
+          <p:cNvSpPr/>
+          <p:nvPr/>
+        </p:nvSpPr>
+        <p:spPr>
+          <a:xfrm>
+            <a:off x="1422916" y="2063595"/>
+            <a:ext cx="720000" cy="720000"/>
+          </a:xfrm>
+          <a:prstGeom prst="hexagon">
+            <a:avLst/>
+          </a:prstGeom>
+          <a:solidFill>
+            <a:srgbClr val="7CC4A3"/>
+          </a:solidFill>
+          <a:ln>
+            <a:solidFill>
+              <a:srgbClr val="008E5B"/>
+            </a:solidFill>
+          </a:ln>
+        </p:spPr>
+        <p:style>
+          <a:lnRef idx="2">
+            <a:schemeClr val="accent1">
+              <a:shade val="15000"/>
+            </a:schemeClr>
+          </a:lnRef>
+          <a:fillRef idx="1">
+            <a:schemeClr val="accent1"/>
+          </a:fillRef>
+          <a:effectRef idx="0">
+            <a:schemeClr val="accent1"/>
+          </a:effectRef>
+          <a:fontRef idx="minor">
+            <a:schemeClr val="lt1"/>
+          </a:fontRef>
+        </p:style>
+        <p:txBody>
+          <a:bodyPr rtlCol="0" anchor="ctr"/>
+          <a:lstStyle/>
+          <a:p>
+            <a:pPr algn="ctr"/>
+            <a:endParaRPr lang="ru-RU"/>
+          </a:p>
+        </p:txBody>
+      </p:sp>
+      <p:sp>
+        <p:nvSpPr>
+          <p:cNvPr id="21" name="Шестиугольник 20">
+            <a:extLst>
+              <a:ext uri="{FF2B5EF4-FFF2-40B4-BE49-F238E27FC236}">
+                <a16:creationId xmlns:a16="http://schemas.microsoft.com/office/drawing/2014/main" id="{AB4C51AB-049F-F840-DBE0-D7048D698967}"/>
+              </a:ext>
+            </a:extLst>
+          </p:cNvPr>
+          <p:cNvSpPr/>
+          <p:nvPr/>
+        </p:nvSpPr>
+        <p:spPr>
+          <a:xfrm>
+            <a:off x="2502607" y="2075525"/>
+            <a:ext cx="720000" cy="720000"/>
+          </a:xfrm>
+          <a:prstGeom prst="hexagon">
+            <a:avLst/>
+          </a:prstGeom>
+          <a:solidFill>
+            <a:srgbClr val="7CC4A3"/>
+          </a:solidFill>
+          <a:ln>
+            <a:solidFill>
+              <a:srgbClr val="008E5B"/>
+            </a:solidFill>
+          </a:ln>
+        </p:spPr>
+        <p:style>
+          <a:lnRef idx="2">
+            <a:schemeClr val="accent1">
+              <a:shade val="15000"/>
+            </a:schemeClr>
+          </a:lnRef>
+          <a:fillRef idx="1">
+            <a:schemeClr val="accent1"/>
+          </a:fillRef>
+          <a:effectRef idx="0">
+            <a:schemeClr val="accent1"/>
+          </a:effectRef>
+          <a:fontRef idx="minor">
+            <a:schemeClr val="lt1"/>
+          </a:fontRef>
+        </p:style>
+        <p:txBody>
+          <a:bodyPr rtlCol="0" anchor="ctr"/>
+          <a:lstStyle/>
+          <a:p>
+            <a:pPr algn="ctr"/>
+            <a:endParaRPr lang="ru-RU"/>
+          </a:p>
+        </p:txBody>
+      </p:sp>
+      <p:sp>
+        <p:nvSpPr>
+          <p:cNvPr id="22" name="Google Shape;62;p14">
+            <a:extLst>
+              <a:ext uri="{FF2B5EF4-FFF2-40B4-BE49-F238E27FC236}">
+                <a16:creationId xmlns:a16="http://schemas.microsoft.com/office/drawing/2014/main" id="{90657DA5-5E06-C88A-C5B6-A7F4FCB59C64}"/>
               </a:ext>
             </a:extLst>
           </p:cNvPr>
@@ -9660,8 +7424,8 @@
         </p:nvSpPr>
         <p:spPr>
           <a:xfrm>
-            <a:off x="630225" y="4035854"/>
-            <a:ext cx="1261933" cy="297599"/>
+            <a:off x="2131586" y="2297621"/>
+            <a:ext cx="382352" cy="275808"/>
           </a:xfrm>
           <a:prstGeom prst="rect">
             <a:avLst/>
@@ -9700,36 +7464,33 @@
             <a:r>
               <a:rPr lang="en-US" sz="1100" b="1" dirty="0">
                 <a:solidFill>
-                  <a:srgbClr val="D53033"/>
-                </a:solidFill>
-                <a:latin typeface="Montserrat Medium" panose="00000600000000000000" pitchFamily="2" charset="-52"/>
-                <a:ea typeface="Montserrat SemiBold"/>
-                <a:cs typeface="Gotham Pro" panose="02000503040000020004" pitchFamily="2" charset="0"/>
-                <a:sym typeface="Montserrat SemiBold"/>
-              </a:rPr>
-              <a:t>UI </a:t>
-            </a:r>
-            <a:r>
-              <a:rPr lang="ru-RU" sz="1100" b="1" dirty="0">
-                <a:solidFill>
-                  <a:srgbClr val="D53033"/>
-                </a:solidFill>
-                <a:latin typeface="Montserrat Medium" panose="00000600000000000000" pitchFamily="2" charset="-52"/>
-                <a:ea typeface="Montserrat SemiBold"/>
-                <a:cs typeface="Gotham Pro" panose="02000503040000020004" pitchFamily="2" charset="0"/>
-                <a:sym typeface="Montserrat SemiBold"/>
-              </a:rPr>
-              <a:t>системы мониторинга</a:t>
-            </a:r>
-          </a:p>
-        </p:txBody>
-      </p:sp>
-      <p:sp>
-        <p:nvSpPr>
-          <p:cNvPr id="42" name="Google Shape;62;p14">
+                  <a:srgbClr val="008E5B"/>
+                </a:solidFill>
+                <a:latin typeface="Montserrat Medium" panose="00000600000000000000" pitchFamily="2" charset="-52"/>
+                <a:ea typeface="Montserrat SemiBold"/>
+                <a:cs typeface="Gotham Pro" panose="02000503040000020004" pitchFamily="2" charset="0"/>
+                <a:sym typeface="Montserrat SemiBold"/>
+              </a:rPr>
+              <a:t>. . .</a:t>
+            </a:r>
+            <a:endParaRPr lang="ru-RU" sz="1100" b="1" dirty="0">
+              <a:solidFill>
+                <a:srgbClr val="008E5B"/>
+              </a:solidFill>
+              <a:latin typeface="Montserrat Medium" panose="00000600000000000000" pitchFamily="2" charset="-52"/>
+              <a:ea typeface="Montserrat SemiBold"/>
+              <a:cs typeface="Gotham Pro" panose="02000503040000020004" pitchFamily="2" charset="0"/>
+              <a:sym typeface="Montserrat SemiBold"/>
+            </a:endParaRPr>
+          </a:p>
+        </p:txBody>
+      </p:sp>
+      <p:sp>
+        <p:nvSpPr>
+          <p:cNvPr id="23" name="Google Shape;62;p14">
             <a:extLst>
               <a:ext uri="{FF2B5EF4-FFF2-40B4-BE49-F238E27FC236}">
-                <a16:creationId xmlns:a16="http://schemas.microsoft.com/office/drawing/2014/main" id="{09C07EAE-0DC9-2F3A-ECA6-D43A25FD5402}"/>
+                <a16:creationId xmlns:a16="http://schemas.microsoft.com/office/drawing/2014/main" id="{D16D1C0E-5C0A-459B-355A-6F1A4EB0470A}"/>
               </a:ext>
             </a:extLst>
           </p:cNvPr>
@@ -9740,8 +7501,905 @@
         </p:nvSpPr>
         <p:spPr>
           <a:xfrm>
-            <a:off x="209006" y="5597855"/>
-            <a:ext cx="2206155" cy="329402"/>
+            <a:off x="630128" y="1756697"/>
+            <a:ext cx="2592479" cy="297599"/>
+          </a:xfrm>
+          <a:prstGeom prst="rect">
+            <a:avLst/>
+          </a:prstGeom>
+        </p:spPr>
+        <p:txBody>
+          <a:bodyPr spcFirstLastPara="1" vert="horz" wrap="square" lIns="91425" tIns="91425" rIns="91425" bIns="91425" rtlCol="0" anchor="t" anchorCtr="0">
+            <a:noAutofit/>
+          </a:bodyPr>
+          <a:lstStyle>
+            <a:lvl1pPr algn="ctr" defTabSz="914400" rtl="0" eaLnBrk="1" latinLnBrk="0" hangingPunct="1">
+              <a:lnSpc>
+                <a:spcPct val="90000"/>
+              </a:lnSpc>
+              <a:spcBef>
+                <a:spcPct val="0"/>
+              </a:spcBef>
+              <a:buNone/>
+              <a:defRPr sz="6000" kern="1200">
+                <a:solidFill>
+                  <a:schemeClr val="tx1"/>
+                </a:solidFill>
+                <a:latin typeface="+mj-lt"/>
+                <a:ea typeface="+mj-ea"/>
+                <a:cs typeface="+mj-cs"/>
+              </a:defRPr>
+            </a:lvl1pPr>
+          </a:lstStyle>
+          <a:p>
+            <a:pPr>
+              <a:buClr>
+                <a:schemeClr val="dk1"/>
+              </a:buClr>
+              <a:buSzPts val="990"/>
+            </a:pPr>
+            <a:r>
+              <a:rPr lang="ru-RU" sz="1100" b="1" dirty="0">
+                <a:solidFill>
+                  <a:srgbClr val="D53033"/>
+                </a:solidFill>
+                <a:latin typeface="Montserrat Medium" panose="00000600000000000000" pitchFamily="2" charset="-52"/>
+                <a:ea typeface="Montserrat SemiBold"/>
+                <a:cs typeface="Gotham Pro" panose="02000503040000020004" pitchFamily="2" charset="0"/>
+                <a:sym typeface="Montserrat SemiBold"/>
+              </a:rPr>
+              <a:t>Сервисы управления ДНС</a:t>
+            </a:r>
+          </a:p>
+        </p:txBody>
+      </p:sp>
+      <p:sp>
+        <p:nvSpPr>
+          <p:cNvPr id="24" name="Стрелка: влево-вправо 23">
+            <a:extLst>
+              <a:ext uri="{FF2B5EF4-FFF2-40B4-BE49-F238E27FC236}">
+                <a16:creationId xmlns:a16="http://schemas.microsoft.com/office/drawing/2014/main" id="{33480786-18E2-CDEB-F19E-74DCB9802747}"/>
+              </a:ext>
+            </a:extLst>
+          </p:cNvPr>
+          <p:cNvSpPr/>
+          <p:nvPr/>
+        </p:nvSpPr>
+        <p:spPr>
+          <a:xfrm rot="13442032">
+            <a:off x="2768287" y="2607060"/>
+            <a:ext cx="840665" cy="297599"/>
+          </a:xfrm>
+          <a:prstGeom prst="leftRightArrow">
+            <a:avLst/>
+          </a:prstGeom>
+          <a:solidFill>
+            <a:srgbClr val="C5E5D7"/>
+          </a:solidFill>
+          <a:ln>
+            <a:solidFill>
+              <a:srgbClr val="008E5B"/>
+            </a:solidFill>
+          </a:ln>
+        </p:spPr>
+        <p:style>
+          <a:lnRef idx="2">
+            <a:schemeClr val="accent1">
+              <a:shade val="15000"/>
+            </a:schemeClr>
+          </a:lnRef>
+          <a:fillRef idx="1">
+            <a:schemeClr val="accent1"/>
+          </a:fillRef>
+          <a:effectRef idx="0">
+            <a:schemeClr val="accent1"/>
+          </a:effectRef>
+          <a:fontRef idx="minor">
+            <a:schemeClr val="lt1"/>
+          </a:fontRef>
+        </p:style>
+        <p:txBody>
+          <a:bodyPr rtlCol="0" anchor="ctr"/>
+          <a:lstStyle/>
+          <a:p>
+            <a:pPr algn="ctr"/>
+            <a:endParaRPr lang="ru-RU"/>
+          </a:p>
+        </p:txBody>
+      </p:sp>
+      <p:sp>
+        <p:nvSpPr>
+          <p:cNvPr id="26" name="Стрелка: влево-вправо 25">
+            <a:extLst>
+              <a:ext uri="{FF2B5EF4-FFF2-40B4-BE49-F238E27FC236}">
+                <a16:creationId xmlns:a16="http://schemas.microsoft.com/office/drawing/2014/main" id="{FC381CF7-31D1-4CD3-1D75-93E625AA2428}"/>
+              </a:ext>
+            </a:extLst>
+          </p:cNvPr>
+          <p:cNvSpPr/>
+          <p:nvPr/>
+        </p:nvSpPr>
+        <p:spPr>
+          <a:xfrm rot="13442032">
+            <a:off x="1630796" y="2804769"/>
+            <a:ext cx="1411443" cy="297599"/>
+          </a:xfrm>
+          <a:prstGeom prst="leftRightArrow">
+            <a:avLst/>
+          </a:prstGeom>
+          <a:solidFill>
+            <a:srgbClr val="C5E5D7"/>
+          </a:solidFill>
+          <a:ln>
+            <a:solidFill>
+              <a:srgbClr val="008E5B"/>
+            </a:solidFill>
+          </a:ln>
+        </p:spPr>
+        <p:style>
+          <a:lnRef idx="2">
+            <a:schemeClr val="accent1">
+              <a:shade val="15000"/>
+            </a:schemeClr>
+          </a:lnRef>
+          <a:fillRef idx="1">
+            <a:schemeClr val="accent1"/>
+          </a:fillRef>
+          <a:effectRef idx="0">
+            <a:schemeClr val="accent1"/>
+          </a:effectRef>
+          <a:fontRef idx="minor">
+            <a:schemeClr val="lt1"/>
+          </a:fontRef>
+        </p:style>
+        <p:txBody>
+          <a:bodyPr rtlCol="0" anchor="ctr"/>
+          <a:lstStyle/>
+          <a:p>
+            <a:pPr algn="ctr"/>
+            <a:endParaRPr lang="ru-RU"/>
+          </a:p>
+        </p:txBody>
+      </p:sp>
+      <p:sp>
+        <p:nvSpPr>
+          <p:cNvPr id="27" name="Стрелка: влево-вправо 26">
+            <a:extLst>
+              <a:ext uri="{FF2B5EF4-FFF2-40B4-BE49-F238E27FC236}">
+                <a16:creationId xmlns:a16="http://schemas.microsoft.com/office/drawing/2014/main" id="{CBDDDAB0-0F07-6840-DB96-7215295A3B20}"/>
+              </a:ext>
+            </a:extLst>
+          </p:cNvPr>
+          <p:cNvSpPr/>
+          <p:nvPr/>
+        </p:nvSpPr>
+        <p:spPr>
+          <a:xfrm rot="13442032">
+            <a:off x="645951" y="3162906"/>
+            <a:ext cx="2312591" cy="297599"/>
+          </a:xfrm>
+          <a:prstGeom prst="leftRightArrow">
+            <a:avLst/>
+          </a:prstGeom>
+          <a:solidFill>
+            <a:srgbClr val="C5E5D7"/>
+          </a:solidFill>
+          <a:ln>
+            <a:solidFill>
+              <a:srgbClr val="008E5B"/>
+            </a:solidFill>
+          </a:ln>
+        </p:spPr>
+        <p:style>
+          <a:lnRef idx="2">
+            <a:schemeClr val="accent1">
+              <a:shade val="15000"/>
+            </a:schemeClr>
+          </a:lnRef>
+          <a:fillRef idx="1">
+            <a:schemeClr val="accent1"/>
+          </a:fillRef>
+          <a:effectRef idx="0">
+            <a:schemeClr val="accent1"/>
+          </a:effectRef>
+          <a:fontRef idx="minor">
+            <a:schemeClr val="lt1"/>
+          </a:fontRef>
+        </p:style>
+        <p:txBody>
+          <a:bodyPr rtlCol="0" anchor="ctr"/>
+          <a:lstStyle/>
+          <a:p>
+            <a:pPr algn="ctr"/>
+            <a:endParaRPr lang="ru-RU"/>
+          </a:p>
+        </p:txBody>
+      </p:sp>
+      <p:sp>
+        <p:nvSpPr>
+          <p:cNvPr id="28" name="Шестиугольник 27">
+            <a:extLst>
+              <a:ext uri="{FF2B5EF4-FFF2-40B4-BE49-F238E27FC236}">
+                <a16:creationId xmlns:a16="http://schemas.microsoft.com/office/drawing/2014/main" id="{86F12670-0AEA-C9D7-1E3B-A5398278793B}"/>
+              </a:ext>
+            </a:extLst>
+          </p:cNvPr>
+          <p:cNvSpPr/>
+          <p:nvPr/>
+        </p:nvSpPr>
+        <p:spPr>
+          <a:xfrm>
+            <a:off x="625783" y="5356194"/>
+            <a:ext cx="720000" cy="720000"/>
+          </a:xfrm>
+          <a:prstGeom prst="hexagon">
+            <a:avLst/>
+          </a:prstGeom>
+          <a:solidFill>
+            <a:srgbClr val="7CC4A3"/>
+          </a:solidFill>
+          <a:ln>
+            <a:solidFill>
+              <a:srgbClr val="008E5B"/>
+            </a:solidFill>
+          </a:ln>
+        </p:spPr>
+        <p:style>
+          <a:lnRef idx="2">
+            <a:schemeClr val="accent1">
+              <a:shade val="15000"/>
+            </a:schemeClr>
+          </a:lnRef>
+          <a:fillRef idx="1">
+            <a:schemeClr val="accent1"/>
+          </a:fillRef>
+          <a:effectRef idx="0">
+            <a:schemeClr val="accent1"/>
+          </a:effectRef>
+          <a:fontRef idx="minor">
+            <a:schemeClr val="lt1"/>
+          </a:fontRef>
+        </p:style>
+        <p:txBody>
+          <a:bodyPr rtlCol="0" anchor="ctr"/>
+          <a:lstStyle/>
+          <a:p>
+            <a:pPr algn="ctr"/>
+            <a:endParaRPr lang="ru-RU"/>
+          </a:p>
+        </p:txBody>
+      </p:sp>
+      <p:sp>
+        <p:nvSpPr>
+          <p:cNvPr id="29" name="Google Shape;62;p14">
+            <a:extLst>
+              <a:ext uri="{FF2B5EF4-FFF2-40B4-BE49-F238E27FC236}">
+                <a16:creationId xmlns:a16="http://schemas.microsoft.com/office/drawing/2014/main" id="{2B727031-4C39-29B3-19CD-9B123D8FCE8A}"/>
+              </a:ext>
+            </a:extLst>
+          </p:cNvPr>
+          <p:cNvSpPr txBox="1">
+            <a:spLocks/>
+          </p:cNvSpPr>
+          <p:nvPr/>
+        </p:nvSpPr>
+        <p:spPr>
+          <a:xfrm>
+            <a:off x="140583" y="4932120"/>
+            <a:ext cx="1205200" cy="297599"/>
+          </a:xfrm>
+          <a:prstGeom prst="rect">
+            <a:avLst/>
+          </a:prstGeom>
+        </p:spPr>
+        <p:txBody>
+          <a:bodyPr spcFirstLastPara="1" vert="horz" wrap="square" lIns="91425" tIns="91425" rIns="91425" bIns="91425" rtlCol="0" anchor="t" anchorCtr="0">
+            <a:noAutofit/>
+          </a:bodyPr>
+          <a:lstStyle>
+            <a:lvl1pPr algn="ctr" defTabSz="914400" rtl="0" eaLnBrk="1" latinLnBrk="0" hangingPunct="1">
+              <a:lnSpc>
+                <a:spcPct val="90000"/>
+              </a:lnSpc>
+              <a:spcBef>
+                <a:spcPct val="0"/>
+              </a:spcBef>
+              <a:buNone/>
+              <a:defRPr sz="6000" kern="1200">
+                <a:solidFill>
+                  <a:schemeClr val="tx1"/>
+                </a:solidFill>
+                <a:latin typeface="+mj-lt"/>
+                <a:ea typeface="+mj-ea"/>
+                <a:cs typeface="+mj-cs"/>
+              </a:defRPr>
+            </a:lvl1pPr>
+          </a:lstStyle>
+          <a:p>
+            <a:pPr>
+              <a:buClr>
+                <a:schemeClr val="dk1"/>
+              </a:buClr>
+              <a:buSzPts val="990"/>
+            </a:pPr>
+            <a:r>
+              <a:rPr lang="ru-RU" sz="1100" b="1" dirty="0">
+                <a:solidFill>
+                  <a:srgbClr val="D53033"/>
+                </a:solidFill>
+                <a:latin typeface="Montserrat Medium" panose="00000600000000000000" pitchFamily="2" charset="-52"/>
+                <a:ea typeface="Montserrat SemiBold"/>
+                <a:cs typeface="Gotham Pro" panose="02000503040000020004" pitchFamily="2" charset="0"/>
+                <a:sym typeface="Montserrat SemiBold"/>
+              </a:rPr>
+              <a:t>Сервис контроля ТП</a:t>
+            </a:r>
+          </a:p>
+        </p:txBody>
+      </p:sp>
+      <p:sp>
+        <p:nvSpPr>
+          <p:cNvPr id="30" name="Стрелка: вправо 29">
+            <a:extLst>
+              <a:ext uri="{FF2B5EF4-FFF2-40B4-BE49-F238E27FC236}">
+                <a16:creationId xmlns:a16="http://schemas.microsoft.com/office/drawing/2014/main" id="{0CD0142A-D58E-EE96-A3EB-E643025F6695}"/>
+              </a:ext>
+            </a:extLst>
+          </p:cNvPr>
+          <p:cNvSpPr/>
+          <p:nvPr/>
+        </p:nvSpPr>
+        <p:spPr>
+          <a:xfrm rot="19234105">
+            <a:off x="1113298" y="4672798"/>
+            <a:ext cx="2000090" cy="297012"/>
+          </a:xfrm>
+          <a:prstGeom prst="rightArrow">
+            <a:avLst/>
+          </a:prstGeom>
+          <a:solidFill>
+            <a:srgbClr val="C5E5D7"/>
+          </a:solidFill>
+          <a:ln>
+            <a:solidFill>
+              <a:srgbClr val="008E5B"/>
+            </a:solidFill>
+          </a:ln>
+        </p:spPr>
+        <p:style>
+          <a:lnRef idx="2">
+            <a:schemeClr val="accent1">
+              <a:shade val="15000"/>
+            </a:schemeClr>
+          </a:lnRef>
+          <a:fillRef idx="1">
+            <a:schemeClr val="accent1"/>
+          </a:fillRef>
+          <a:effectRef idx="0">
+            <a:schemeClr val="accent1"/>
+          </a:effectRef>
+          <a:fontRef idx="minor">
+            <a:schemeClr val="lt1"/>
+          </a:fontRef>
+        </p:style>
+        <p:txBody>
+          <a:bodyPr rtlCol="0" anchor="ctr"/>
+          <a:lstStyle/>
+          <a:p>
+            <a:pPr algn="ctr"/>
+            <a:endParaRPr lang="ru-RU"/>
+          </a:p>
+        </p:txBody>
+      </p:sp>
+      <p:sp>
+        <p:nvSpPr>
+          <p:cNvPr id="31" name="Google Shape;62;p14">
+            <a:extLst>
+              <a:ext uri="{FF2B5EF4-FFF2-40B4-BE49-F238E27FC236}">
+                <a16:creationId xmlns:a16="http://schemas.microsoft.com/office/drawing/2014/main" id="{865F312D-07B5-F403-9951-60D246C486E7}"/>
+              </a:ext>
+            </a:extLst>
+          </p:cNvPr>
+          <p:cNvSpPr txBox="1">
+            <a:spLocks/>
+          </p:cNvSpPr>
+          <p:nvPr/>
+        </p:nvSpPr>
+        <p:spPr>
+          <a:xfrm>
+            <a:off x="7514039" y="4281740"/>
+            <a:ext cx="1454331" cy="608094"/>
+          </a:xfrm>
+          <a:prstGeom prst="rect">
+            <a:avLst/>
+          </a:prstGeom>
+        </p:spPr>
+        <p:txBody>
+          <a:bodyPr spcFirstLastPara="1" vert="horz" wrap="square" lIns="91425" tIns="91425" rIns="91425" bIns="91425" rtlCol="0" anchor="t" anchorCtr="0">
+            <a:noAutofit/>
+          </a:bodyPr>
+          <a:lstStyle>
+            <a:lvl1pPr algn="ctr" defTabSz="914400" rtl="0" eaLnBrk="1" latinLnBrk="0" hangingPunct="1">
+              <a:lnSpc>
+                <a:spcPct val="90000"/>
+              </a:lnSpc>
+              <a:spcBef>
+                <a:spcPct val="0"/>
+              </a:spcBef>
+              <a:buNone/>
+              <a:defRPr sz="6000" kern="1200">
+                <a:solidFill>
+                  <a:schemeClr val="tx1"/>
+                </a:solidFill>
+                <a:latin typeface="+mj-lt"/>
+                <a:ea typeface="+mj-ea"/>
+                <a:cs typeface="+mj-cs"/>
+              </a:defRPr>
+            </a:lvl1pPr>
+          </a:lstStyle>
+          <a:p>
+            <a:pPr>
+              <a:buClr>
+                <a:schemeClr val="dk1"/>
+              </a:buClr>
+              <a:buSzPts val="990"/>
+            </a:pPr>
+            <a:r>
+              <a:rPr lang="ru-RU" sz="1100" b="1" dirty="0">
+                <a:solidFill>
+                  <a:schemeClr val="tx1">
+                    <a:lumMod val="50000"/>
+                    <a:lumOff val="50000"/>
+                  </a:schemeClr>
+                </a:solidFill>
+                <a:latin typeface="Montserrat Medium" panose="00000600000000000000" pitchFamily="2" charset="-52"/>
+                <a:ea typeface="Montserrat SemiBold"/>
+                <a:cs typeface="Gotham Pro" panose="02000503040000020004" pitchFamily="2" charset="0"/>
+                <a:sym typeface="Montserrat SemiBold"/>
+              </a:rPr>
+              <a:t>Интерфейс параметров модели</a:t>
+            </a:r>
+          </a:p>
+        </p:txBody>
+      </p:sp>
+      <p:sp>
+        <p:nvSpPr>
+          <p:cNvPr id="32" name="Google Shape;62;p14">
+            <a:extLst>
+              <a:ext uri="{FF2B5EF4-FFF2-40B4-BE49-F238E27FC236}">
+                <a16:creationId xmlns:a16="http://schemas.microsoft.com/office/drawing/2014/main" id="{8765EFDD-AC99-032E-A081-DD7AA18A3741}"/>
+              </a:ext>
+            </a:extLst>
+          </p:cNvPr>
+          <p:cNvSpPr txBox="1">
+            <a:spLocks/>
+          </p:cNvSpPr>
+          <p:nvPr/>
+        </p:nvSpPr>
+        <p:spPr>
+          <a:xfrm>
+            <a:off x="4030451" y="4222404"/>
+            <a:ext cx="1401187" cy="608094"/>
+          </a:xfrm>
+          <a:prstGeom prst="rect">
+            <a:avLst/>
+          </a:prstGeom>
+          <a:noFill/>
+        </p:spPr>
+        <p:txBody>
+          <a:bodyPr spcFirstLastPara="1" vert="horz" wrap="square" lIns="91425" tIns="91425" rIns="91425" bIns="91425" rtlCol="0" anchor="t" anchorCtr="0">
+            <a:noAutofit/>
+          </a:bodyPr>
+          <a:lstStyle>
+            <a:lvl1pPr algn="ctr" defTabSz="914400" rtl="0" eaLnBrk="1" latinLnBrk="0" hangingPunct="1">
+              <a:lnSpc>
+                <a:spcPct val="90000"/>
+              </a:lnSpc>
+              <a:spcBef>
+                <a:spcPct val="0"/>
+              </a:spcBef>
+              <a:buNone/>
+              <a:defRPr sz="6000" kern="1200">
+                <a:solidFill>
+                  <a:schemeClr val="tx1"/>
+                </a:solidFill>
+                <a:latin typeface="+mj-lt"/>
+                <a:ea typeface="+mj-ea"/>
+                <a:cs typeface="+mj-cs"/>
+              </a:defRPr>
+            </a:lvl1pPr>
+          </a:lstStyle>
+          <a:p>
+            <a:pPr>
+              <a:buClr>
+                <a:schemeClr val="dk1"/>
+              </a:buClr>
+              <a:buSzPts val="990"/>
+            </a:pPr>
+            <a:r>
+              <a:rPr lang="ru-RU" sz="1100" b="1" dirty="0">
+                <a:solidFill>
+                  <a:schemeClr val="tx1">
+                    <a:lumMod val="50000"/>
+                    <a:lumOff val="50000"/>
+                  </a:schemeClr>
+                </a:solidFill>
+                <a:latin typeface="Montserrat Medium" panose="00000600000000000000" pitchFamily="2" charset="-52"/>
+                <a:ea typeface="Montserrat SemiBold"/>
+                <a:cs typeface="Gotham Pro" panose="02000503040000020004" pitchFamily="2" charset="0"/>
+                <a:sym typeface="Montserrat SemiBold"/>
+              </a:rPr>
+              <a:t>Интерфейс результатов моделирования</a:t>
+            </a:r>
+          </a:p>
+        </p:txBody>
+      </p:sp>
+      <p:sp>
+        <p:nvSpPr>
+          <p:cNvPr id="33" name="Стрелка: вправо 32">
+            <a:extLst>
+              <a:ext uri="{FF2B5EF4-FFF2-40B4-BE49-F238E27FC236}">
+                <a16:creationId xmlns:a16="http://schemas.microsoft.com/office/drawing/2014/main" id="{C9EA0587-31C6-FF48-EE12-2F4748327D76}"/>
+              </a:ext>
+            </a:extLst>
+          </p:cNvPr>
+          <p:cNvSpPr/>
+          <p:nvPr/>
+        </p:nvSpPr>
+        <p:spPr>
+          <a:xfrm>
+            <a:off x="4115243" y="3241427"/>
+            <a:ext cx="1748367" cy="297012"/>
+          </a:xfrm>
+          <a:prstGeom prst="rightArrow">
+            <a:avLst/>
+          </a:prstGeom>
+          <a:solidFill>
+            <a:srgbClr val="C5E5D7"/>
+          </a:solidFill>
+          <a:ln>
+            <a:solidFill>
+              <a:srgbClr val="008E5B"/>
+            </a:solidFill>
+          </a:ln>
+        </p:spPr>
+        <p:style>
+          <a:lnRef idx="2">
+            <a:schemeClr val="accent1">
+              <a:shade val="15000"/>
+            </a:schemeClr>
+          </a:lnRef>
+          <a:fillRef idx="1">
+            <a:schemeClr val="accent1"/>
+          </a:fillRef>
+          <a:effectRef idx="0">
+            <a:schemeClr val="accent1"/>
+          </a:effectRef>
+          <a:fontRef idx="minor">
+            <a:schemeClr val="lt1"/>
+          </a:fontRef>
+        </p:style>
+        <p:txBody>
+          <a:bodyPr rtlCol="0" anchor="ctr"/>
+          <a:lstStyle/>
+          <a:p>
+            <a:pPr algn="ctr"/>
+            <a:endParaRPr lang="ru-RU"/>
+          </a:p>
+        </p:txBody>
+      </p:sp>
+      <p:sp>
+        <p:nvSpPr>
+          <p:cNvPr id="34" name="Google Shape;62;p14">
+            <a:extLst>
+              <a:ext uri="{FF2B5EF4-FFF2-40B4-BE49-F238E27FC236}">
+                <a16:creationId xmlns:a16="http://schemas.microsoft.com/office/drawing/2014/main" id="{8937DD66-8FC4-66AF-839E-E933F4F1D072}"/>
+              </a:ext>
+            </a:extLst>
+          </p:cNvPr>
+          <p:cNvSpPr txBox="1">
+            <a:spLocks/>
+          </p:cNvSpPr>
+          <p:nvPr/>
+        </p:nvSpPr>
+        <p:spPr>
+          <a:xfrm>
+            <a:off x="4231006" y="2427839"/>
+            <a:ext cx="1205014" cy="608094"/>
+          </a:xfrm>
+          <a:prstGeom prst="rect">
+            <a:avLst/>
+          </a:prstGeom>
+        </p:spPr>
+        <p:txBody>
+          <a:bodyPr spcFirstLastPara="1" vert="horz" wrap="square" lIns="91425" tIns="91425" rIns="91425" bIns="91425" rtlCol="0" anchor="t" anchorCtr="0">
+            <a:noAutofit/>
+          </a:bodyPr>
+          <a:lstStyle>
+            <a:lvl1pPr algn="ctr" defTabSz="914400" rtl="0" eaLnBrk="1" latinLnBrk="0" hangingPunct="1">
+              <a:lnSpc>
+                <a:spcPct val="90000"/>
+              </a:lnSpc>
+              <a:spcBef>
+                <a:spcPct val="0"/>
+              </a:spcBef>
+              <a:buNone/>
+              <a:defRPr sz="6000" kern="1200">
+                <a:solidFill>
+                  <a:schemeClr val="tx1"/>
+                </a:solidFill>
+                <a:latin typeface="+mj-lt"/>
+                <a:ea typeface="+mj-ea"/>
+                <a:cs typeface="+mj-cs"/>
+              </a:defRPr>
+            </a:lvl1pPr>
+          </a:lstStyle>
+          <a:p>
+            <a:pPr>
+              <a:buClr>
+                <a:schemeClr val="dk1"/>
+              </a:buClr>
+              <a:buSzPts val="990"/>
+            </a:pPr>
+            <a:r>
+              <a:rPr lang="ru-RU" sz="1100" b="1" dirty="0">
+                <a:solidFill>
+                  <a:schemeClr val="tx1">
+                    <a:lumMod val="50000"/>
+                    <a:lumOff val="50000"/>
+                  </a:schemeClr>
+                </a:solidFill>
+                <a:latin typeface="Montserrat Medium" panose="00000600000000000000" pitchFamily="2" charset="-52"/>
+                <a:ea typeface="Montserrat SemiBold"/>
+                <a:cs typeface="Gotham Pro" panose="02000503040000020004" pitchFamily="2" charset="0"/>
+                <a:sym typeface="Montserrat SemiBold"/>
+              </a:rPr>
+              <a:t>Интерфейс параметров модели</a:t>
+            </a:r>
+          </a:p>
+        </p:txBody>
+      </p:sp>
+      <p:sp>
+        <p:nvSpPr>
+          <p:cNvPr id="35" name="Стрелка: вправо 34">
+            <a:extLst>
+              <a:ext uri="{FF2B5EF4-FFF2-40B4-BE49-F238E27FC236}">
+                <a16:creationId xmlns:a16="http://schemas.microsoft.com/office/drawing/2014/main" id="{E0D11C9B-BFF6-1A8C-AFA6-4C3E15D559B4}"/>
+              </a:ext>
+            </a:extLst>
+          </p:cNvPr>
+          <p:cNvSpPr/>
+          <p:nvPr/>
+        </p:nvSpPr>
+        <p:spPr>
+          <a:xfrm rot="10800000">
+            <a:off x="3919466" y="3579226"/>
+            <a:ext cx="1748367" cy="297012"/>
+          </a:xfrm>
+          <a:prstGeom prst="rightArrow">
+            <a:avLst/>
+          </a:prstGeom>
+          <a:solidFill>
+            <a:srgbClr val="C5E5D7"/>
+          </a:solidFill>
+          <a:ln>
+            <a:solidFill>
+              <a:srgbClr val="008E5B"/>
+            </a:solidFill>
+          </a:ln>
+        </p:spPr>
+        <p:style>
+          <a:lnRef idx="2">
+            <a:schemeClr val="accent1">
+              <a:shade val="15000"/>
+            </a:schemeClr>
+          </a:lnRef>
+          <a:fillRef idx="1">
+            <a:schemeClr val="accent1"/>
+          </a:fillRef>
+          <a:effectRef idx="0">
+            <a:schemeClr val="accent1"/>
+          </a:effectRef>
+          <a:fontRef idx="minor">
+            <a:schemeClr val="lt1"/>
+          </a:fontRef>
+        </p:style>
+        <p:txBody>
+          <a:bodyPr rtlCol="0" anchor="ctr"/>
+          <a:lstStyle/>
+          <a:p>
+            <a:pPr algn="ctr"/>
+            <a:endParaRPr lang="ru-RU"/>
+          </a:p>
+        </p:txBody>
+      </p:sp>
+      <p:pic>
+        <p:nvPicPr>
+          <p:cNvPr id="39" name="Рисунок 38">
+            <a:extLst>
+              <a:ext uri="{FF2B5EF4-FFF2-40B4-BE49-F238E27FC236}">
+                <a16:creationId xmlns:a16="http://schemas.microsoft.com/office/drawing/2014/main" id="{9C57D51C-9812-B326-CAB8-B1E76F8A8DCC}"/>
+              </a:ext>
+            </a:extLst>
+          </p:cNvPr>
+          <p:cNvPicPr>
+            <a:picLocks noChangeAspect="1"/>
+          </p:cNvPicPr>
+          <p:nvPr/>
+        </p:nvPicPr>
+        <p:blipFill>
+          <a:blip r:embed="rId5"/>
+          <a:stretch>
+            <a:fillRect/>
+          </a:stretch>
+        </p:blipFill>
+        <p:spPr>
+          <a:xfrm>
+            <a:off x="1874187" y="5262776"/>
+            <a:ext cx="2073907" cy="1121835"/>
+          </a:xfrm>
+          <a:prstGeom prst="rect">
+            <a:avLst/>
+          </a:prstGeom>
+          <a:ln>
+            <a:solidFill>
+              <a:srgbClr val="008E5B"/>
+            </a:solidFill>
+          </a:ln>
+        </p:spPr>
+      </p:pic>
+      <p:sp>
+        <p:nvSpPr>
+          <p:cNvPr id="41" name="Стрелка: вправо 40">
+            <a:extLst>
+              <a:ext uri="{FF2B5EF4-FFF2-40B4-BE49-F238E27FC236}">
+                <a16:creationId xmlns:a16="http://schemas.microsoft.com/office/drawing/2014/main" id="{EFDCA160-DC27-D21B-610A-058ADC26ACB3}"/>
+              </a:ext>
+            </a:extLst>
+          </p:cNvPr>
+          <p:cNvSpPr/>
+          <p:nvPr/>
+        </p:nvSpPr>
+        <p:spPr>
+          <a:xfrm rot="5400000">
+            <a:off x="2857661" y="4741328"/>
+            <a:ext cx="1390290" cy="297012"/>
+          </a:xfrm>
+          <a:prstGeom prst="rightArrow">
+            <a:avLst/>
+          </a:prstGeom>
+          <a:solidFill>
+            <a:srgbClr val="C5E5D7"/>
+          </a:solidFill>
+          <a:ln>
+            <a:solidFill>
+              <a:srgbClr val="008E5B"/>
+            </a:solidFill>
+          </a:ln>
+        </p:spPr>
+        <p:style>
+          <a:lnRef idx="2">
+            <a:schemeClr val="accent1">
+              <a:shade val="15000"/>
+            </a:schemeClr>
+          </a:lnRef>
+          <a:fillRef idx="1">
+            <a:schemeClr val="accent1"/>
+          </a:fillRef>
+          <a:effectRef idx="0">
+            <a:schemeClr val="accent1"/>
+          </a:effectRef>
+          <a:fontRef idx="minor">
+            <a:schemeClr val="lt1"/>
+          </a:fontRef>
+        </p:style>
+        <p:txBody>
+          <a:bodyPr rtlCol="0" anchor="ctr"/>
+          <a:lstStyle/>
+          <a:p>
+            <a:pPr algn="ctr"/>
+            <a:endParaRPr lang="ru-RU"/>
+          </a:p>
+        </p:txBody>
+      </p:sp>
+      <p:sp>
+        <p:nvSpPr>
+          <p:cNvPr id="40" name="Google Shape;62;p14">
+            <a:extLst>
+              <a:ext uri="{FF2B5EF4-FFF2-40B4-BE49-F238E27FC236}">
+                <a16:creationId xmlns:a16="http://schemas.microsoft.com/office/drawing/2014/main" id="{2155D9D9-2EFF-D850-B4E3-26F474730902}"/>
+              </a:ext>
+            </a:extLst>
+          </p:cNvPr>
+          <p:cNvSpPr txBox="1">
+            <a:spLocks/>
+          </p:cNvSpPr>
+          <p:nvPr/>
+        </p:nvSpPr>
+        <p:spPr>
+          <a:xfrm>
+            <a:off x="2133686" y="4817276"/>
+            <a:ext cx="1261933" cy="297599"/>
+          </a:xfrm>
+          <a:prstGeom prst="rect">
+            <a:avLst/>
+          </a:prstGeom>
+        </p:spPr>
+        <p:txBody>
+          <a:bodyPr spcFirstLastPara="1" vert="horz" wrap="square" lIns="91425" tIns="91425" rIns="91425" bIns="91425" rtlCol="0" anchor="t" anchorCtr="0">
+            <a:noAutofit/>
+          </a:bodyPr>
+          <a:lstStyle>
+            <a:lvl1pPr algn="ctr" defTabSz="914400" rtl="0" eaLnBrk="1" latinLnBrk="0" hangingPunct="1">
+              <a:lnSpc>
+                <a:spcPct val="90000"/>
+              </a:lnSpc>
+              <a:spcBef>
+                <a:spcPct val="0"/>
+              </a:spcBef>
+              <a:buNone/>
+              <a:defRPr sz="6000" kern="1200">
+                <a:solidFill>
+                  <a:schemeClr val="tx1"/>
+                </a:solidFill>
+                <a:latin typeface="+mj-lt"/>
+                <a:ea typeface="+mj-ea"/>
+                <a:cs typeface="+mj-cs"/>
+              </a:defRPr>
+            </a:lvl1pPr>
+          </a:lstStyle>
+          <a:p>
+            <a:pPr>
+              <a:buClr>
+                <a:schemeClr val="dk1"/>
+              </a:buClr>
+              <a:buSzPts val="990"/>
+            </a:pPr>
+            <a:r>
+              <a:rPr lang="en-US" sz="1100" b="1" dirty="0">
+                <a:solidFill>
+                  <a:srgbClr val="D53033"/>
+                </a:solidFill>
+                <a:latin typeface="Montserrat Medium" panose="00000600000000000000" pitchFamily="2" charset="-52"/>
+                <a:ea typeface="Montserrat SemiBold"/>
+                <a:cs typeface="Gotham Pro" panose="02000503040000020004" pitchFamily="2" charset="0"/>
+                <a:sym typeface="Montserrat SemiBold"/>
+              </a:rPr>
+              <a:t>UI </a:t>
+            </a:r>
+            <a:r>
+              <a:rPr lang="ru-RU" sz="1100" b="1" dirty="0">
+                <a:solidFill>
+                  <a:srgbClr val="D53033"/>
+                </a:solidFill>
+                <a:latin typeface="Montserrat Medium" panose="00000600000000000000" pitchFamily="2" charset="-52"/>
+                <a:ea typeface="Montserrat SemiBold"/>
+                <a:cs typeface="Gotham Pro" panose="02000503040000020004" pitchFamily="2" charset="0"/>
+                <a:sym typeface="Montserrat SemiBold"/>
+              </a:rPr>
+              <a:t>системы мониторинга</a:t>
+            </a:r>
+          </a:p>
+        </p:txBody>
+      </p:sp>
+      <p:sp>
+        <p:nvSpPr>
+          <p:cNvPr id="42" name="Google Shape;62;p14">
+            <a:extLst>
+              <a:ext uri="{FF2B5EF4-FFF2-40B4-BE49-F238E27FC236}">
+                <a16:creationId xmlns:a16="http://schemas.microsoft.com/office/drawing/2014/main" id="{09C07EAE-0DC9-2F3A-ECA6-D43A25FD5402}"/>
+              </a:ext>
+            </a:extLst>
+          </p:cNvPr>
+          <p:cNvSpPr txBox="1">
+            <a:spLocks/>
+          </p:cNvSpPr>
+          <p:nvPr/>
+        </p:nvSpPr>
+        <p:spPr>
+          <a:xfrm>
+            <a:off x="1450809" y="6379277"/>
+            <a:ext cx="2467813" cy="329402"/>
           </a:xfrm>
           <a:prstGeom prst="rect">
             <a:avLst/>
@@ -9853,7 +8511,7 @@
         </p:nvSpPr>
         <p:spPr bwMode="auto">
           <a:xfrm>
-            <a:off x="5943600" y="3233058"/>
+            <a:off x="5943600" y="3145966"/>
             <a:ext cx="304800" cy="304800"/>
           </a:xfrm>
           <a:prstGeom prst="rect">
@@ -9882,10 +8540,341 @@
           </a:p>
         </p:txBody>
       </p:sp>
+      <p:pic>
+        <p:nvPicPr>
+          <p:cNvPr id="46" name="Рисунок 45">
+            <a:extLst>
+              <a:ext uri="{FF2B5EF4-FFF2-40B4-BE49-F238E27FC236}">
+                <a16:creationId xmlns:a16="http://schemas.microsoft.com/office/drawing/2014/main" id="{516AFB80-09BE-ED5C-D88C-3C5D533C5693}"/>
+              </a:ext>
+            </a:extLst>
+          </p:cNvPr>
+          <p:cNvPicPr>
+            <a:picLocks noChangeAspect="1"/>
+          </p:cNvPicPr>
+          <p:nvPr/>
+        </p:nvPicPr>
+        <p:blipFill>
+          <a:blip r:embed="rId6"/>
+          <a:stretch>
+            <a:fillRect/>
+          </a:stretch>
+        </p:blipFill>
+        <p:spPr>
+          <a:xfrm>
+            <a:off x="4133742" y="5386932"/>
+            <a:ext cx="1534091" cy="989673"/>
+          </a:xfrm>
+          <a:prstGeom prst="rect">
+            <a:avLst/>
+          </a:prstGeom>
+        </p:spPr>
+      </p:pic>
+      <p:sp>
+        <p:nvSpPr>
+          <p:cNvPr id="47" name="Google Shape;62;p14">
+            <a:extLst>
+              <a:ext uri="{FF2B5EF4-FFF2-40B4-BE49-F238E27FC236}">
+                <a16:creationId xmlns:a16="http://schemas.microsoft.com/office/drawing/2014/main" id="{F268EFE8-EEF0-CFCD-C4ED-D9FD28E03DA4}"/>
+              </a:ext>
+            </a:extLst>
+          </p:cNvPr>
+          <p:cNvSpPr txBox="1">
+            <a:spLocks/>
+          </p:cNvSpPr>
+          <p:nvPr/>
+        </p:nvSpPr>
+        <p:spPr>
+          <a:xfrm>
+            <a:off x="3886529" y="6376605"/>
+            <a:ext cx="2073907" cy="329402"/>
+          </a:xfrm>
+          <a:prstGeom prst="rect">
+            <a:avLst/>
+          </a:prstGeom>
+        </p:spPr>
+        <p:txBody>
+          <a:bodyPr spcFirstLastPara="1" vert="horz" wrap="square" lIns="91425" tIns="91425" rIns="91425" bIns="91425" rtlCol="0" anchor="t" anchorCtr="0">
+            <a:noAutofit/>
+          </a:bodyPr>
+          <a:lstStyle>
+            <a:lvl1pPr algn="ctr" defTabSz="914400" rtl="0" eaLnBrk="1" latinLnBrk="0" hangingPunct="1">
+              <a:lnSpc>
+                <a:spcPct val="90000"/>
+              </a:lnSpc>
+              <a:spcBef>
+                <a:spcPct val="0"/>
+              </a:spcBef>
+              <a:buNone/>
+              <a:defRPr sz="6000" kern="1200">
+                <a:solidFill>
+                  <a:schemeClr val="tx1"/>
+                </a:solidFill>
+                <a:latin typeface="+mj-lt"/>
+                <a:ea typeface="+mj-ea"/>
+                <a:cs typeface="+mj-cs"/>
+              </a:defRPr>
+            </a:lvl1pPr>
+          </a:lstStyle>
+          <a:p>
+            <a:pPr>
+              <a:buClr>
+                <a:schemeClr val="dk1"/>
+              </a:buClr>
+              <a:buSzPts val="990"/>
+            </a:pPr>
+            <a:r>
+              <a:rPr lang="en-US" sz="1100" b="1" dirty="0">
+                <a:solidFill>
+                  <a:schemeClr val="tx1">
+                    <a:lumMod val="50000"/>
+                    <a:lumOff val="50000"/>
+                  </a:schemeClr>
+                </a:solidFill>
+                <a:latin typeface="Montserrat Medium" panose="00000600000000000000" pitchFamily="2" charset="-52"/>
+                <a:ea typeface="Montserrat SemiBold"/>
+                <a:cs typeface="Gotham Pro" panose="02000503040000020004" pitchFamily="2" charset="0"/>
+                <a:sym typeface="Montserrat SemiBold"/>
+              </a:rPr>
+              <a:t>Desktop</a:t>
+            </a:r>
+            <a:r>
+              <a:rPr lang="ru-RU" sz="1100" b="1" dirty="0">
+                <a:solidFill>
+                  <a:schemeClr val="tx1">
+                    <a:lumMod val="50000"/>
+                    <a:lumOff val="50000"/>
+                  </a:schemeClr>
+                </a:solidFill>
+                <a:latin typeface="Montserrat Medium" panose="00000600000000000000" pitchFamily="2" charset="-52"/>
+                <a:ea typeface="Montserrat SemiBold"/>
+                <a:cs typeface="Gotham Pro" panose="02000503040000020004" pitchFamily="2" charset="0"/>
+                <a:sym typeface="Montserrat SemiBold"/>
+              </a:rPr>
+              <a:t>-приложение, </a:t>
+            </a:r>
+            <a:r>
+              <a:rPr lang="en-US" sz="1100" b="1" dirty="0">
+                <a:solidFill>
+                  <a:schemeClr val="tx1">
+                    <a:lumMod val="50000"/>
+                    <a:lumOff val="50000"/>
+                  </a:schemeClr>
+                </a:solidFill>
+                <a:latin typeface="Montserrat Medium" panose="00000600000000000000" pitchFamily="2" charset="-52"/>
+                <a:ea typeface="Montserrat SemiBold"/>
+                <a:cs typeface="Gotham Pro" panose="02000503040000020004" pitchFamily="2" charset="0"/>
+                <a:sym typeface="Montserrat SemiBold"/>
+              </a:rPr>
+              <a:t>C#</a:t>
+            </a:r>
+            <a:endParaRPr lang="ru-RU" sz="1100" b="1" dirty="0">
+              <a:solidFill>
+                <a:schemeClr val="tx1">
+                  <a:lumMod val="50000"/>
+                  <a:lumOff val="50000"/>
+                </a:schemeClr>
+              </a:solidFill>
+              <a:latin typeface="Montserrat Medium" panose="00000600000000000000" pitchFamily="2" charset="-52"/>
+              <a:ea typeface="Montserrat SemiBold"/>
+              <a:cs typeface="Gotham Pro" panose="02000503040000020004" pitchFamily="2" charset="0"/>
+              <a:sym typeface="Montserrat SemiBold"/>
+            </a:endParaRPr>
+          </a:p>
+        </p:txBody>
+      </p:sp>
+      <p:sp>
+        <p:nvSpPr>
+          <p:cNvPr id="48" name="Google Shape;62;p14">
+            <a:extLst>
+              <a:ext uri="{FF2B5EF4-FFF2-40B4-BE49-F238E27FC236}">
+                <a16:creationId xmlns:a16="http://schemas.microsoft.com/office/drawing/2014/main" id="{C3CBD519-63FA-7792-F4E4-341A641244A6}"/>
+              </a:ext>
+            </a:extLst>
+          </p:cNvPr>
+          <p:cNvSpPr txBox="1">
+            <a:spLocks/>
+          </p:cNvSpPr>
+          <p:nvPr/>
+        </p:nvSpPr>
+        <p:spPr>
+          <a:xfrm>
+            <a:off x="4242889" y="4949194"/>
+            <a:ext cx="1261933" cy="297599"/>
+          </a:xfrm>
+          <a:prstGeom prst="rect">
+            <a:avLst/>
+          </a:prstGeom>
+        </p:spPr>
+        <p:txBody>
+          <a:bodyPr spcFirstLastPara="1" vert="horz" wrap="square" lIns="91425" tIns="91425" rIns="91425" bIns="91425" rtlCol="0" anchor="t" anchorCtr="0">
+            <a:noAutofit/>
+          </a:bodyPr>
+          <a:lstStyle>
+            <a:lvl1pPr algn="ctr" defTabSz="914400" rtl="0" eaLnBrk="1" latinLnBrk="0" hangingPunct="1">
+              <a:lnSpc>
+                <a:spcPct val="90000"/>
+              </a:lnSpc>
+              <a:spcBef>
+                <a:spcPct val="0"/>
+              </a:spcBef>
+              <a:buNone/>
+              <a:defRPr sz="6000" kern="1200">
+                <a:solidFill>
+                  <a:schemeClr val="tx1"/>
+                </a:solidFill>
+                <a:latin typeface="+mj-lt"/>
+                <a:ea typeface="+mj-ea"/>
+                <a:cs typeface="+mj-cs"/>
+              </a:defRPr>
+            </a:lvl1pPr>
+          </a:lstStyle>
+          <a:p>
+            <a:pPr>
+              <a:buClr>
+                <a:schemeClr val="dk1"/>
+              </a:buClr>
+              <a:buSzPts val="990"/>
+            </a:pPr>
+            <a:r>
+              <a:rPr lang="en-US" sz="1100" b="1" dirty="0">
+                <a:solidFill>
+                  <a:srgbClr val="D53033"/>
+                </a:solidFill>
+                <a:latin typeface="Montserrat Medium" panose="00000600000000000000" pitchFamily="2" charset="-52"/>
+                <a:ea typeface="Montserrat SemiBold"/>
+                <a:cs typeface="Gotham Pro" panose="02000503040000020004" pitchFamily="2" charset="0"/>
+                <a:sym typeface="Montserrat SemiBold"/>
+              </a:rPr>
+              <a:t>UI </a:t>
+            </a:r>
+            <a:r>
+              <a:rPr lang="ru-RU" sz="1100" b="1" dirty="0">
+                <a:solidFill>
+                  <a:srgbClr val="D53033"/>
+                </a:solidFill>
+                <a:latin typeface="Montserrat Medium" panose="00000600000000000000" pitchFamily="2" charset="-52"/>
+                <a:ea typeface="Montserrat SemiBold"/>
+                <a:cs typeface="Gotham Pro" panose="02000503040000020004" pitchFamily="2" charset="0"/>
+                <a:sym typeface="Montserrat SemiBold"/>
+              </a:rPr>
+              <a:t>оператора системы</a:t>
+            </a:r>
+          </a:p>
+        </p:txBody>
+      </p:sp>
+      <p:sp>
+        <p:nvSpPr>
+          <p:cNvPr id="49" name="Стрелка: вправо 48">
+            <a:extLst>
+              <a:ext uri="{FF2B5EF4-FFF2-40B4-BE49-F238E27FC236}">
+                <a16:creationId xmlns:a16="http://schemas.microsoft.com/office/drawing/2014/main" id="{75D61873-AC90-F9B2-1286-86E554B156D7}"/>
+              </a:ext>
+            </a:extLst>
+          </p:cNvPr>
+          <p:cNvSpPr/>
+          <p:nvPr/>
+        </p:nvSpPr>
+        <p:spPr>
+          <a:xfrm rot="18603325">
+            <a:off x="5304633" y="4720676"/>
+            <a:ext cx="1502191" cy="297012"/>
+          </a:xfrm>
+          <a:prstGeom prst="rightArrow">
+            <a:avLst/>
+          </a:prstGeom>
+          <a:solidFill>
+            <a:srgbClr val="C5E5D7"/>
+          </a:solidFill>
+          <a:ln>
+            <a:solidFill>
+              <a:srgbClr val="008E5B"/>
+            </a:solidFill>
+          </a:ln>
+        </p:spPr>
+        <p:style>
+          <a:lnRef idx="2">
+            <a:schemeClr val="accent1">
+              <a:shade val="15000"/>
+            </a:schemeClr>
+          </a:lnRef>
+          <a:fillRef idx="1">
+            <a:schemeClr val="accent1"/>
+          </a:fillRef>
+          <a:effectRef idx="0">
+            <a:schemeClr val="accent1"/>
+          </a:effectRef>
+          <a:fontRef idx="minor">
+            <a:schemeClr val="lt1"/>
+          </a:fontRef>
+        </p:style>
+        <p:txBody>
+          <a:bodyPr rtlCol="0" anchor="ctr"/>
+          <a:lstStyle/>
+          <a:p>
+            <a:pPr algn="ctr"/>
+            <a:endParaRPr lang="ru-RU"/>
+          </a:p>
+        </p:txBody>
+      </p:sp>
+      <p:sp>
+        <p:nvSpPr>
+          <p:cNvPr id="50" name="Стрелка: вправо 49">
+            <a:extLst>
+              <a:ext uri="{FF2B5EF4-FFF2-40B4-BE49-F238E27FC236}">
+                <a16:creationId xmlns:a16="http://schemas.microsoft.com/office/drawing/2014/main" id="{4A07DACC-DC17-91B8-763B-AE7B90EC24A3}"/>
+              </a:ext>
+            </a:extLst>
+          </p:cNvPr>
+          <p:cNvSpPr/>
+          <p:nvPr/>
+        </p:nvSpPr>
+        <p:spPr>
+          <a:xfrm>
+            <a:off x="5745621" y="5701038"/>
+            <a:ext cx="2336345" cy="297012"/>
+          </a:xfrm>
+          <a:prstGeom prst="rightArrow">
+            <a:avLst/>
+          </a:prstGeom>
+          <a:solidFill>
+            <a:srgbClr val="C5E5D7"/>
+          </a:solidFill>
+          <a:ln>
+            <a:solidFill>
+              <a:srgbClr val="008E5B"/>
+            </a:solidFill>
+          </a:ln>
+        </p:spPr>
+        <p:style>
+          <a:lnRef idx="2">
+            <a:schemeClr val="accent1">
+              <a:shade val="15000"/>
+            </a:schemeClr>
+          </a:lnRef>
+          <a:fillRef idx="1">
+            <a:schemeClr val="accent1"/>
+          </a:fillRef>
+          <a:effectRef idx="0">
+            <a:schemeClr val="accent1"/>
+          </a:effectRef>
+          <a:fontRef idx="minor">
+            <a:schemeClr val="lt1"/>
+          </a:fontRef>
+        </p:style>
+        <p:txBody>
+          <a:bodyPr rtlCol="0" anchor="ctr"/>
+          <a:lstStyle/>
+          <a:p>
+            <a:pPr algn="ctr"/>
+            <a:endParaRPr lang="ru-RU"/>
+          </a:p>
+        </p:txBody>
+      </p:sp>
     </p:spTree>
     <p:extLst>
       <p:ext uri="{BB962C8B-B14F-4D97-AF65-F5344CB8AC3E}">
-        <p14:creationId xmlns:p14="http://schemas.microsoft.com/office/powerpoint/2010/main" val="4246136638"/>
+        <p14:creationId xmlns:p14="http://schemas.microsoft.com/office/powerpoint/2010/main" val="2546961972"/>
       </p:ext>
     </p:extLst>
   </p:cSld>
@@ -9912,9 +8901,75 @@
           <a:chExt cx="0" cy="0"/>
         </a:xfrm>
       </p:grpSpPr>
-      <p:sp>
-        <p:nvSpPr>
-          <p:cNvPr id="13" name="Google Shape;62;p14"/>
+      <p:pic>
+        <p:nvPicPr>
+          <p:cNvPr id="88" name="Рисунок 87"/>
+          <p:cNvPicPr>
+            <a:picLocks noChangeAspect="1"/>
+          </p:cNvPicPr>
+          <p:nvPr/>
+        </p:nvPicPr>
+        <p:blipFill>
+          <a:blip r:embed="rId2" cstate="print">
+            <a:extLst>
+              <a:ext uri="{28A0092B-C50C-407E-A947-70E740481C1C}">
+                <a14:useLocalDpi xmlns:a14="http://schemas.microsoft.com/office/drawing/2010/main" val="0"/>
+              </a:ext>
+            </a:extLst>
+          </a:blip>
+          <a:stretch>
+            <a:fillRect/>
+          </a:stretch>
+        </p:blipFill>
+        <p:spPr>
+          <a:xfrm>
+            <a:off x="10962658" y="5701827"/>
+            <a:ext cx="738667" cy="738667"/>
+          </a:xfrm>
+          <a:prstGeom prst="rect">
+            <a:avLst/>
+          </a:prstGeom>
+        </p:spPr>
+      </p:pic>
+      <p:pic>
+        <p:nvPicPr>
+          <p:cNvPr id="93" name="Рисунок 92"/>
+          <p:cNvPicPr>
+            <a:picLocks noChangeAspect="1"/>
+          </p:cNvPicPr>
+          <p:nvPr/>
+        </p:nvPicPr>
+        <p:blipFill>
+          <a:blip r:embed="rId3" cstate="print">
+            <a:extLst>
+              <a:ext uri="{28A0092B-C50C-407E-A947-70E740481C1C}">
+                <a14:useLocalDpi xmlns:a14="http://schemas.microsoft.com/office/drawing/2010/main" val="0"/>
+              </a:ext>
+            </a:extLst>
+          </a:blip>
+          <a:stretch>
+            <a:fillRect/>
+          </a:stretch>
+        </p:blipFill>
+        <p:spPr>
+          <a:xfrm>
+            <a:off x="370726" y="216906"/>
+            <a:ext cx="1042437" cy="297599"/>
+          </a:xfrm>
+          <a:prstGeom prst="rect">
+            <a:avLst/>
+          </a:prstGeom>
+        </p:spPr>
+      </p:pic>
+      <p:sp>
+        <p:nvSpPr>
+          <p:cNvPr id="2" name="Google Shape;62;p14">
+            <a:extLst>
+              <a:ext uri="{FF2B5EF4-FFF2-40B4-BE49-F238E27FC236}">
+                <a16:creationId xmlns:a16="http://schemas.microsoft.com/office/drawing/2014/main" id="{B9898F5D-4DFA-B198-8974-8B54136833FE}"/>
+              </a:ext>
+            </a:extLst>
+          </p:cNvPr>
           <p:cNvSpPr txBox="1">
             <a:spLocks/>
           </p:cNvSpPr>
@@ -9922,7 +8977,7 @@
         </p:nvSpPr>
         <p:spPr>
           <a:xfrm>
-            <a:off x="690036" y="542404"/>
+            <a:off x="690036" y="533695"/>
             <a:ext cx="11011287" cy="479065"/>
           </a:xfrm>
           <a:prstGeom prst="rect">
@@ -9969,74 +9024,20 @@
                 <a:cs typeface="Gotham Pro" panose="02000503040000020004" pitchFamily="2" charset="0"/>
                 <a:sym typeface="Montserrat SemiBold"/>
               </a:rPr>
-              <a:t>Модель ДНС</a:t>
-            </a:r>
-          </a:p>
-        </p:txBody>
-      </p:sp>
-      <p:pic>
-        <p:nvPicPr>
-          <p:cNvPr id="88" name="Рисунок 87"/>
-          <p:cNvPicPr>
-            <a:picLocks noChangeAspect="1"/>
-          </p:cNvPicPr>
-          <p:nvPr/>
-        </p:nvPicPr>
-        <p:blipFill>
-          <a:blip r:embed="rId2" cstate="print">
-            <a:extLst>
-              <a:ext uri="{28A0092B-C50C-407E-A947-70E740481C1C}">
-                <a14:useLocalDpi xmlns:a14="http://schemas.microsoft.com/office/drawing/2010/main" val="0"/>
-              </a:ext>
-            </a:extLst>
-          </a:blip>
-          <a:stretch>
-            <a:fillRect/>
-          </a:stretch>
-        </p:blipFill>
-        <p:spPr>
-          <a:xfrm>
-            <a:off x="10962658" y="5701827"/>
-            <a:ext cx="738667" cy="738667"/>
-          </a:xfrm>
-          <a:prstGeom prst="rect">
-            <a:avLst/>
-          </a:prstGeom>
-        </p:spPr>
-      </p:pic>
-      <p:pic>
-        <p:nvPicPr>
-          <p:cNvPr id="93" name="Рисунок 92"/>
-          <p:cNvPicPr>
-            <a:picLocks noChangeAspect="1"/>
-          </p:cNvPicPr>
-          <p:nvPr/>
-        </p:nvPicPr>
-        <p:blipFill>
-          <a:blip r:embed="rId3" cstate="print">
-            <a:extLst>
-              <a:ext uri="{28A0092B-C50C-407E-A947-70E740481C1C}">
-                <a14:useLocalDpi xmlns:a14="http://schemas.microsoft.com/office/drawing/2010/main" val="0"/>
-              </a:ext>
-            </a:extLst>
-          </a:blip>
-          <a:stretch>
-            <a:fillRect/>
-          </a:stretch>
-        </p:blipFill>
-        <p:spPr>
-          <a:xfrm>
-            <a:off x="370726" y="216906"/>
-            <a:ext cx="1042437" cy="297599"/>
-          </a:xfrm>
-          <a:prstGeom prst="rect">
-            <a:avLst/>
-          </a:prstGeom>
-        </p:spPr>
-      </p:pic>
-      <p:sp>
-        <p:nvSpPr>
-          <p:cNvPr id="46" name="Google Shape;62;p14"/>
+              <a:t>Архитектура прототипа</a:t>
+            </a:r>
+          </a:p>
+        </p:txBody>
+      </p:sp>
+      <p:sp>
+        <p:nvSpPr>
+          <p:cNvPr id="3" name="Google Shape;62;p14">
+            <a:extLst>
+              <a:ext uri="{FF2B5EF4-FFF2-40B4-BE49-F238E27FC236}">
+                <a16:creationId xmlns:a16="http://schemas.microsoft.com/office/drawing/2014/main" id="{0F2AD3D4-B09C-C0A9-2F89-4AA5CA91FAA7}"/>
+              </a:ext>
+            </a:extLst>
+          </p:cNvPr>
           <p:cNvSpPr txBox="1">
             <a:spLocks/>
           </p:cNvSpPr>
@@ -10044,8 +9045,8 @@
         </p:nvSpPr>
         <p:spPr>
           <a:xfrm>
-            <a:off x="9065623" y="1715579"/>
-            <a:ext cx="2635702" cy="1688799"/>
+            <a:off x="690037" y="1012760"/>
+            <a:ext cx="11011288" cy="678065"/>
           </a:xfrm>
           <a:prstGeom prst="rect">
             <a:avLst/>
@@ -10082,26 +9083,83 @@
               <a:buSzPts val="990"/>
             </a:pPr>
             <a:r>
-              <a:rPr lang="ru-RU" sz="1400" b="1" dirty="0">
-                <a:solidFill>
-                  <a:schemeClr val="tx1">
-                    <a:lumMod val="50000"/>
-                    <a:lumOff val="50000"/>
-                  </a:schemeClr>
-                </a:solidFill>
-                <a:latin typeface="Montserrat Medium" panose="00000600000000000000" pitchFamily="2" charset="-52"/>
-                <a:ea typeface="Montserrat SemiBold"/>
-                <a:cs typeface="Gotham Pro" panose="02000503040000020004" pitchFamily="2" charset="0"/>
-                <a:sym typeface="Montserrat SemiBold"/>
-              </a:rPr>
-              <a:t>.</a:t>
-            </a:r>
-          </a:p>
-        </p:txBody>
-      </p:sp>
-      <p:sp>
-        <p:nvSpPr>
-          <p:cNvPr id="47" name="Google Shape;62;p14"/>
+              <a:rPr lang="ru-RU" sz="2000" b="1" dirty="0">
+                <a:solidFill>
+                  <a:srgbClr val="C00000"/>
+                </a:solidFill>
+                <a:latin typeface="Montserrat Medium" panose="00000600000000000000" pitchFamily="2" charset="-52"/>
+                <a:ea typeface="Montserrat SemiBold"/>
+                <a:cs typeface="Gotham Pro" panose="02000503040000020004" pitchFamily="2" charset="0"/>
+                <a:sym typeface="Montserrat SemiBold"/>
+              </a:rPr>
+              <a:t>Прототип предназначен для демонстрации моделирования работы ДНС в реальном времени.</a:t>
+            </a:r>
+          </a:p>
+        </p:txBody>
+      </p:sp>
+      <p:sp>
+        <p:nvSpPr>
+          <p:cNvPr id="4" name="Шестиугольник 3">
+            <a:extLst>
+              <a:ext uri="{FF2B5EF4-FFF2-40B4-BE49-F238E27FC236}">
+                <a16:creationId xmlns:a16="http://schemas.microsoft.com/office/drawing/2014/main" id="{2947AF8F-6042-3257-354A-1FE9D8235C7D}"/>
+              </a:ext>
+            </a:extLst>
+          </p:cNvPr>
+          <p:cNvSpPr/>
+          <p:nvPr/>
+        </p:nvSpPr>
+        <p:spPr>
+          <a:xfrm>
+            <a:off x="4841966" y="2159726"/>
+            <a:ext cx="3240000" cy="3240000"/>
+          </a:xfrm>
+          <a:prstGeom prst="hexagon">
+            <a:avLst/>
+          </a:prstGeom>
+          <a:solidFill>
+            <a:srgbClr val="7CC4A3"/>
+          </a:solidFill>
+          <a:ln>
+            <a:solidFill>
+              <a:srgbClr val="008E5B"/>
+            </a:solidFill>
+          </a:ln>
+        </p:spPr>
+        <p:style>
+          <a:lnRef idx="2">
+            <a:schemeClr val="accent1">
+              <a:shade val="15000"/>
+            </a:schemeClr>
+          </a:lnRef>
+          <a:fillRef idx="1">
+            <a:schemeClr val="accent1"/>
+          </a:fillRef>
+          <a:effectRef idx="0">
+            <a:schemeClr val="accent1"/>
+          </a:effectRef>
+          <a:fontRef idx="minor">
+            <a:schemeClr val="lt1"/>
+          </a:fontRef>
+        </p:style>
+        <p:txBody>
+          <a:bodyPr rtlCol="0" anchor="ctr"/>
+          <a:lstStyle/>
+          <a:p>
+            <a:pPr algn="ctr"/>
+            <a:endParaRPr lang="ru-RU"/>
+          </a:p>
+        </p:txBody>
+      </p:sp>
+      <p:sp>
+        <p:nvSpPr>
+          <p:cNvPr id="5" name="Google Shape;62;p14">
+            <a:extLst>
+              <a:ext uri="{FF2B5EF4-FFF2-40B4-BE49-F238E27FC236}">
+                <a16:creationId xmlns:a16="http://schemas.microsoft.com/office/drawing/2014/main" id="{126F1182-0359-74A8-B635-894AC24A526B}"/>
+              </a:ext>
+            </a:extLst>
+          </p:cNvPr>
           <p:cNvSpPr txBox="1">
             <a:spLocks/>
           </p:cNvSpPr>
@@ -10109,8 +9167,8 @@
         </p:nvSpPr>
         <p:spPr>
           <a:xfrm>
-            <a:off x="8038011" y="1021469"/>
-            <a:ext cx="3663314" cy="694111"/>
+            <a:off x="5259977" y="1840652"/>
+            <a:ext cx="2439633" cy="297599"/>
           </a:xfrm>
           <a:prstGeom prst="rect">
             <a:avLst/>
@@ -10140,6 +9198,1310 @@
             </a:lvl1pPr>
           </a:lstStyle>
           <a:p>
+            <a:pPr>
+              <a:buClr>
+                <a:schemeClr val="dk1"/>
+              </a:buClr>
+              <a:buSzPts val="990"/>
+            </a:pPr>
+            <a:r>
+              <a:rPr lang="ru-RU" sz="1100" b="1" dirty="0">
+                <a:solidFill>
+                  <a:srgbClr val="D53033"/>
+                </a:solidFill>
+                <a:latin typeface="Montserrat Medium" panose="00000600000000000000" pitchFamily="2" charset="-52"/>
+                <a:ea typeface="Montserrat SemiBold"/>
+                <a:cs typeface="Gotham Pro" panose="02000503040000020004" pitchFamily="2" charset="0"/>
+                <a:sym typeface="Montserrat SemiBold"/>
+              </a:rPr>
+              <a:t>Сервис моделирования</a:t>
+            </a:r>
+            <a:r>
+              <a:rPr lang="en-US" sz="1100" b="1" dirty="0">
+                <a:solidFill>
+                  <a:srgbClr val="D53033"/>
+                </a:solidFill>
+                <a:latin typeface="Montserrat Medium" panose="00000600000000000000" pitchFamily="2" charset="-52"/>
+                <a:ea typeface="Montserrat SemiBold"/>
+                <a:cs typeface="Gotham Pro" panose="02000503040000020004" pitchFamily="2" charset="0"/>
+                <a:sym typeface="Montserrat SemiBold"/>
+              </a:rPr>
+              <a:t>, C#</a:t>
+            </a:r>
+            <a:endParaRPr lang="ru-RU" sz="1100" b="1" dirty="0">
+              <a:solidFill>
+                <a:srgbClr val="D53033"/>
+              </a:solidFill>
+              <a:latin typeface="Montserrat Medium" panose="00000600000000000000" pitchFamily="2" charset="-52"/>
+              <a:ea typeface="Montserrat SemiBold"/>
+              <a:cs typeface="Gotham Pro" panose="02000503040000020004" pitchFamily="2" charset="0"/>
+              <a:sym typeface="Montserrat SemiBold"/>
+            </a:endParaRPr>
+          </a:p>
+        </p:txBody>
+      </p:sp>
+      <p:pic>
+        <p:nvPicPr>
+          <p:cNvPr id="1026" name="Picture 2">
+            <a:extLst>
+              <a:ext uri="{FF2B5EF4-FFF2-40B4-BE49-F238E27FC236}">
+                <a16:creationId xmlns:a16="http://schemas.microsoft.com/office/drawing/2014/main" id="{9E2C5FB2-2C3A-A107-49CD-D17CDE4F3FD5}"/>
+              </a:ext>
+            </a:extLst>
+          </p:cNvPr>
+          <p:cNvPicPr>
+            <a:picLocks noChangeAspect="1" noChangeArrowheads="1"/>
+          </p:cNvPicPr>
+          <p:nvPr/>
+        </p:nvPicPr>
+        <p:blipFill>
+          <a:blip r:embed="rId4" cstate="print">
+            <a:extLst>
+              <a:ext uri="{28A0092B-C50C-407E-A947-70E740481C1C}">
+                <a14:useLocalDpi xmlns:a14="http://schemas.microsoft.com/office/drawing/2010/main" val="0"/>
+              </a:ext>
+            </a:extLst>
+          </a:blip>
+          <a:srcRect/>
+          <a:stretch>
+            <a:fillRect/>
+          </a:stretch>
+        </p:blipFill>
+        <p:spPr bwMode="auto">
+          <a:xfrm>
+            <a:off x="9109165" y="2973911"/>
+            <a:ext cx="2865120" cy="1611630"/>
+          </a:xfrm>
+          <a:prstGeom prst="rect">
+            <a:avLst/>
+          </a:prstGeom>
+          <a:noFill/>
+          <a:extLst>
+            <a:ext uri="{909E8E84-426E-40DD-AFC4-6F175D3DCCD1}">
+              <a14:hiddenFill xmlns:a14="http://schemas.microsoft.com/office/drawing/2010/main">
+                <a:solidFill>
+                  <a:srgbClr val="FFFFFF"/>
+                </a:solidFill>
+              </a14:hiddenFill>
+            </a:ext>
+          </a:extLst>
+        </p:spPr>
+      </p:pic>
+      <p:sp>
+        <p:nvSpPr>
+          <p:cNvPr id="6" name="Google Shape;62;p14">
+            <a:extLst>
+              <a:ext uri="{FF2B5EF4-FFF2-40B4-BE49-F238E27FC236}">
+                <a16:creationId xmlns:a16="http://schemas.microsoft.com/office/drawing/2014/main" id="{11038806-1F76-D4B2-11A0-29995E395E5F}"/>
+              </a:ext>
+            </a:extLst>
+          </p:cNvPr>
+          <p:cNvSpPr txBox="1">
+            <a:spLocks/>
+          </p:cNvSpPr>
+          <p:nvPr/>
+        </p:nvSpPr>
+        <p:spPr>
+          <a:xfrm>
+            <a:off x="9667542" y="2638791"/>
+            <a:ext cx="1748366" cy="297599"/>
+          </a:xfrm>
+          <a:prstGeom prst="rect">
+            <a:avLst/>
+          </a:prstGeom>
+        </p:spPr>
+        <p:txBody>
+          <a:bodyPr spcFirstLastPara="1" vert="horz" wrap="square" lIns="91425" tIns="91425" rIns="91425" bIns="91425" rtlCol="0" anchor="t" anchorCtr="0">
+            <a:noAutofit/>
+          </a:bodyPr>
+          <a:lstStyle>
+            <a:lvl1pPr algn="ctr" defTabSz="914400" rtl="0" eaLnBrk="1" latinLnBrk="0" hangingPunct="1">
+              <a:lnSpc>
+                <a:spcPct val="90000"/>
+              </a:lnSpc>
+              <a:spcBef>
+                <a:spcPct val="0"/>
+              </a:spcBef>
+              <a:buNone/>
+              <a:defRPr sz="6000" kern="1200">
+                <a:solidFill>
+                  <a:schemeClr val="tx1"/>
+                </a:solidFill>
+                <a:latin typeface="+mj-lt"/>
+                <a:ea typeface="+mj-ea"/>
+                <a:cs typeface="+mj-cs"/>
+              </a:defRPr>
+            </a:lvl1pPr>
+          </a:lstStyle>
+          <a:p>
+            <a:pPr>
+              <a:buClr>
+                <a:schemeClr val="dk1"/>
+              </a:buClr>
+              <a:buSzPts val="990"/>
+            </a:pPr>
+            <a:r>
+              <a:rPr lang="en-US" sz="1100" b="1" dirty="0">
+                <a:solidFill>
+                  <a:srgbClr val="D53033"/>
+                </a:solidFill>
+                <a:latin typeface="Montserrat Medium" panose="00000600000000000000" pitchFamily="2" charset="-52"/>
+                <a:ea typeface="Montserrat SemiBold"/>
+                <a:cs typeface="Gotham Pro" panose="02000503040000020004" pitchFamily="2" charset="0"/>
+                <a:sym typeface="Montserrat SemiBold"/>
+              </a:rPr>
+              <a:t>OpenModelica</a:t>
+            </a:r>
+            <a:endParaRPr lang="ru-RU" sz="1100" b="1" dirty="0">
+              <a:solidFill>
+                <a:srgbClr val="D53033"/>
+              </a:solidFill>
+              <a:latin typeface="Montserrat Medium" panose="00000600000000000000" pitchFamily="2" charset="-52"/>
+              <a:ea typeface="Montserrat SemiBold"/>
+              <a:cs typeface="Gotham Pro" panose="02000503040000020004" pitchFamily="2" charset="0"/>
+              <a:sym typeface="Montserrat SemiBold"/>
+            </a:endParaRPr>
+          </a:p>
+        </p:txBody>
+      </p:sp>
+      <p:sp>
+        <p:nvSpPr>
+          <p:cNvPr id="7" name="Прямоугольник: скругленные углы 6">
+            <a:extLst>
+              <a:ext uri="{FF2B5EF4-FFF2-40B4-BE49-F238E27FC236}">
+                <a16:creationId xmlns:a16="http://schemas.microsoft.com/office/drawing/2014/main" id="{3BBC1B20-C091-4CD0-8206-54914BFD1E16}"/>
+              </a:ext>
+            </a:extLst>
+          </p:cNvPr>
+          <p:cNvSpPr/>
+          <p:nvPr/>
+        </p:nvSpPr>
+        <p:spPr>
+          <a:xfrm>
+            <a:off x="5561657" y="2879726"/>
+            <a:ext cx="1800000" cy="1800000"/>
+          </a:xfrm>
+          <a:prstGeom prst="roundRect">
+            <a:avLst/>
+          </a:prstGeom>
+          <a:solidFill>
+            <a:srgbClr val="C5E5D7"/>
+          </a:solidFill>
+          <a:ln>
+            <a:solidFill>
+              <a:srgbClr val="008E5B"/>
+            </a:solidFill>
+          </a:ln>
+        </p:spPr>
+        <p:style>
+          <a:lnRef idx="2">
+            <a:schemeClr val="accent1">
+              <a:shade val="15000"/>
+            </a:schemeClr>
+          </a:lnRef>
+          <a:fillRef idx="1">
+            <a:schemeClr val="accent1"/>
+          </a:fillRef>
+          <a:effectRef idx="0">
+            <a:schemeClr val="accent1"/>
+          </a:effectRef>
+          <a:fontRef idx="minor">
+            <a:schemeClr val="lt1"/>
+          </a:fontRef>
+        </p:style>
+        <p:txBody>
+          <a:bodyPr rtlCol="0" anchor="ctr"/>
+          <a:lstStyle/>
+          <a:p>
+            <a:pPr algn="ctr"/>
+            <a:endParaRPr lang="ru-RU"/>
+          </a:p>
+        </p:txBody>
+      </p:sp>
+      <p:sp>
+        <p:nvSpPr>
+          <p:cNvPr id="8" name="Google Shape;62;p14">
+            <a:extLst>
+              <a:ext uri="{FF2B5EF4-FFF2-40B4-BE49-F238E27FC236}">
+                <a16:creationId xmlns:a16="http://schemas.microsoft.com/office/drawing/2014/main" id="{1F88DEFF-F584-0B9E-B524-FB7927A39D43}"/>
+              </a:ext>
+            </a:extLst>
+          </p:cNvPr>
+          <p:cNvSpPr txBox="1">
+            <a:spLocks/>
+          </p:cNvSpPr>
+          <p:nvPr/>
+        </p:nvSpPr>
+        <p:spPr>
+          <a:xfrm>
+            <a:off x="5613291" y="3548670"/>
+            <a:ext cx="1748366" cy="462112"/>
+          </a:xfrm>
+          <a:prstGeom prst="rect">
+            <a:avLst/>
+          </a:prstGeom>
+        </p:spPr>
+        <p:txBody>
+          <a:bodyPr spcFirstLastPara="1" vert="horz" wrap="square" lIns="91425" tIns="91425" rIns="91425" bIns="91425" rtlCol="0" anchor="t" anchorCtr="0">
+            <a:noAutofit/>
+          </a:bodyPr>
+          <a:lstStyle>
+            <a:lvl1pPr algn="ctr" defTabSz="914400" rtl="0" eaLnBrk="1" latinLnBrk="0" hangingPunct="1">
+              <a:lnSpc>
+                <a:spcPct val="90000"/>
+              </a:lnSpc>
+              <a:spcBef>
+                <a:spcPct val="0"/>
+              </a:spcBef>
+              <a:buNone/>
+              <a:defRPr sz="6000" kern="1200">
+                <a:solidFill>
+                  <a:schemeClr val="tx1"/>
+                </a:solidFill>
+                <a:latin typeface="+mj-lt"/>
+                <a:ea typeface="+mj-ea"/>
+                <a:cs typeface="+mj-cs"/>
+              </a:defRPr>
+            </a:lvl1pPr>
+          </a:lstStyle>
+          <a:p>
+            <a:pPr>
+              <a:buClr>
+                <a:schemeClr val="dk1"/>
+              </a:buClr>
+              <a:buSzPts val="990"/>
+            </a:pPr>
+            <a:r>
+              <a:rPr lang="en-US" sz="1100" b="1" dirty="0">
+                <a:solidFill>
+                  <a:schemeClr val="tx1">
+                    <a:lumMod val="50000"/>
+                    <a:lumOff val="50000"/>
+                  </a:schemeClr>
+                </a:solidFill>
+                <a:latin typeface="Montserrat Medium" panose="00000600000000000000" pitchFamily="2" charset="-52"/>
+                <a:ea typeface="Montserrat SemiBold"/>
+                <a:cs typeface="Gotham Pro" panose="02000503040000020004" pitchFamily="2" charset="0"/>
+                <a:sym typeface="Montserrat SemiBold"/>
+              </a:rPr>
+              <a:t>FMU </a:t>
+            </a:r>
+            <a:r>
+              <a:rPr lang="ru-RU" sz="1100" b="1" dirty="0">
+                <a:solidFill>
+                  <a:schemeClr val="tx1">
+                    <a:lumMod val="50000"/>
+                    <a:lumOff val="50000"/>
+                  </a:schemeClr>
+                </a:solidFill>
+                <a:latin typeface="Montserrat Medium" panose="00000600000000000000" pitchFamily="2" charset="-52"/>
+                <a:ea typeface="Montserrat SemiBold"/>
+                <a:cs typeface="Gotham Pro" panose="02000503040000020004" pitchFamily="2" charset="0"/>
+                <a:sym typeface="Montserrat SemiBold"/>
+              </a:rPr>
+              <a:t>модель </a:t>
+            </a:r>
+            <a:br>
+              <a:rPr lang="ru-RU" sz="1100" b="1" dirty="0">
+                <a:solidFill>
+                  <a:schemeClr val="tx1">
+                    <a:lumMod val="50000"/>
+                    <a:lumOff val="50000"/>
+                  </a:schemeClr>
+                </a:solidFill>
+                <a:latin typeface="Montserrat Medium" panose="00000600000000000000" pitchFamily="2" charset="-52"/>
+                <a:ea typeface="Montserrat SemiBold"/>
+                <a:cs typeface="Gotham Pro" panose="02000503040000020004" pitchFamily="2" charset="0"/>
+                <a:sym typeface="Montserrat SemiBold"/>
+              </a:rPr>
+            </a:br>
+            <a:r>
+              <a:rPr lang="ru-RU" sz="1100" b="1" dirty="0">
+                <a:solidFill>
+                  <a:schemeClr val="tx1">
+                    <a:lumMod val="50000"/>
+                    <a:lumOff val="50000"/>
+                  </a:schemeClr>
+                </a:solidFill>
+                <a:latin typeface="Montserrat Medium" panose="00000600000000000000" pitchFamily="2" charset="-52"/>
+                <a:ea typeface="Montserrat SemiBold"/>
+                <a:cs typeface="Gotham Pro" panose="02000503040000020004" pitchFamily="2" charset="0"/>
+                <a:sym typeface="Montserrat SemiBold"/>
+              </a:rPr>
+              <a:t>ДНС</a:t>
+            </a:r>
+          </a:p>
+        </p:txBody>
+      </p:sp>
+      <p:sp>
+        <p:nvSpPr>
+          <p:cNvPr id="9" name="Google Shape;62;p14">
+            <a:extLst>
+              <a:ext uri="{FF2B5EF4-FFF2-40B4-BE49-F238E27FC236}">
+                <a16:creationId xmlns:a16="http://schemas.microsoft.com/office/drawing/2014/main" id="{108E941F-CBFF-0205-B5D5-C4F46951284F}"/>
+              </a:ext>
+            </a:extLst>
+          </p:cNvPr>
+          <p:cNvSpPr txBox="1">
+            <a:spLocks/>
+          </p:cNvSpPr>
+          <p:nvPr/>
+        </p:nvSpPr>
+        <p:spPr>
+          <a:xfrm>
+            <a:off x="9667542" y="4585541"/>
+            <a:ext cx="1748366" cy="456731"/>
+          </a:xfrm>
+          <a:prstGeom prst="rect">
+            <a:avLst/>
+          </a:prstGeom>
+        </p:spPr>
+        <p:txBody>
+          <a:bodyPr spcFirstLastPara="1" vert="horz" wrap="square" lIns="91425" tIns="91425" rIns="91425" bIns="91425" rtlCol="0" anchor="t" anchorCtr="0">
+            <a:noAutofit/>
+          </a:bodyPr>
+          <a:lstStyle>
+            <a:lvl1pPr algn="ctr" defTabSz="914400" rtl="0" eaLnBrk="1" latinLnBrk="0" hangingPunct="1">
+              <a:lnSpc>
+                <a:spcPct val="90000"/>
+              </a:lnSpc>
+              <a:spcBef>
+                <a:spcPct val="0"/>
+              </a:spcBef>
+              <a:buNone/>
+              <a:defRPr sz="6000" kern="1200">
+                <a:solidFill>
+                  <a:schemeClr val="tx1"/>
+                </a:solidFill>
+                <a:latin typeface="+mj-lt"/>
+                <a:ea typeface="+mj-ea"/>
+                <a:cs typeface="+mj-cs"/>
+              </a:defRPr>
+            </a:lvl1pPr>
+          </a:lstStyle>
+          <a:p>
+            <a:pPr>
+              <a:buClr>
+                <a:schemeClr val="dk1"/>
+              </a:buClr>
+              <a:buSzPts val="990"/>
+            </a:pPr>
+            <a:r>
+              <a:rPr lang="ru-RU" sz="1100" b="1" dirty="0">
+                <a:solidFill>
+                  <a:schemeClr val="tx1">
+                    <a:lumMod val="50000"/>
+                    <a:lumOff val="50000"/>
+                  </a:schemeClr>
+                </a:solidFill>
+                <a:latin typeface="Montserrat Medium" panose="00000600000000000000" pitchFamily="2" charset="-52"/>
+                <a:ea typeface="Montserrat SemiBold"/>
+                <a:cs typeface="Gotham Pro" panose="02000503040000020004" pitchFamily="2" charset="0"/>
+                <a:sym typeface="Montserrat SemiBold"/>
+              </a:rPr>
+              <a:t>Модель ДНС</a:t>
+            </a:r>
+          </a:p>
+        </p:txBody>
+      </p:sp>
+      <p:sp>
+        <p:nvSpPr>
+          <p:cNvPr id="10" name="Google Shape;62;p14">
+            <a:extLst>
+              <a:ext uri="{FF2B5EF4-FFF2-40B4-BE49-F238E27FC236}">
+                <a16:creationId xmlns:a16="http://schemas.microsoft.com/office/drawing/2014/main" id="{4CEE467D-913F-4B12-A214-CFE57DAF0D40}"/>
+              </a:ext>
+            </a:extLst>
+          </p:cNvPr>
+          <p:cNvSpPr txBox="1">
+            <a:spLocks/>
+          </p:cNvSpPr>
+          <p:nvPr/>
+        </p:nvSpPr>
+        <p:spPr>
+          <a:xfrm>
+            <a:off x="5613290" y="2181201"/>
+            <a:ext cx="1696731" cy="332087"/>
+          </a:xfrm>
+          <a:prstGeom prst="rect">
+            <a:avLst/>
+          </a:prstGeom>
+        </p:spPr>
+        <p:txBody>
+          <a:bodyPr spcFirstLastPara="1" vert="horz" wrap="square" lIns="91425" tIns="91425" rIns="91425" bIns="91425" rtlCol="0" anchor="t" anchorCtr="0">
+            <a:noAutofit/>
+          </a:bodyPr>
+          <a:lstStyle>
+            <a:lvl1pPr algn="ctr" defTabSz="914400" rtl="0" eaLnBrk="1" latinLnBrk="0" hangingPunct="1">
+              <a:lnSpc>
+                <a:spcPct val="90000"/>
+              </a:lnSpc>
+              <a:spcBef>
+                <a:spcPct val="0"/>
+              </a:spcBef>
+              <a:buNone/>
+              <a:defRPr sz="6000" kern="1200">
+                <a:solidFill>
+                  <a:schemeClr val="tx1"/>
+                </a:solidFill>
+                <a:latin typeface="+mj-lt"/>
+                <a:ea typeface="+mj-ea"/>
+                <a:cs typeface="+mj-cs"/>
+              </a:defRPr>
+            </a:lvl1pPr>
+          </a:lstStyle>
+          <a:p>
+            <a:pPr>
+              <a:buClr>
+                <a:schemeClr val="dk1"/>
+              </a:buClr>
+              <a:buSzPts val="990"/>
+            </a:pPr>
+            <a:r>
+              <a:rPr lang="en-US" sz="1100" b="1" dirty="0">
+                <a:solidFill>
+                  <a:srgbClr val="008E5B"/>
+                </a:solidFill>
+                <a:latin typeface="Montserrat Medium" panose="00000600000000000000" pitchFamily="2" charset="-52"/>
+                <a:ea typeface="Montserrat SemiBold"/>
+                <a:cs typeface="Gotham Pro" panose="02000503040000020004" pitchFamily="2" charset="0"/>
+                <a:sym typeface="Montserrat SemiBold"/>
+              </a:rPr>
+              <a:t>ASP.Net</a:t>
+            </a:r>
+            <a:endParaRPr lang="ru-RU" sz="1100" b="1" dirty="0">
+              <a:solidFill>
+                <a:srgbClr val="008E5B"/>
+              </a:solidFill>
+              <a:latin typeface="Montserrat Medium" panose="00000600000000000000" pitchFamily="2" charset="-52"/>
+              <a:ea typeface="Montserrat SemiBold"/>
+              <a:cs typeface="Gotham Pro" panose="02000503040000020004" pitchFamily="2" charset="0"/>
+              <a:sym typeface="Montserrat SemiBold"/>
+            </a:endParaRPr>
+          </a:p>
+        </p:txBody>
+      </p:sp>
+      <p:sp>
+        <p:nvSpPr>
+          <p:cNvPr id="11" name="Google Shape;62;p14">
+            <a:extLst>
+              <a:ext uri="{FF2B5EF4-FFF2-40B4-BE49-F238E27FC236}">
+                <a16:creationId xmlns:a16="http://schemas.microsoft.com/office/drawing/2014/main" id="{2B6768F5-6AFA-45E9-1E5B-F6A9BA53A7A3}"/>
+              </a:ext>
+            </a:extLst>
+          </p:cNvPr>
+          <p:cNvSpPr txBox="1">
+            <a:spLocks/>
+          </p:cNvSpPr>
+          <p:nvPr/>
+        </p:nvSpPr>
+        <p:spPr>
+          <a:xfrm>
+            <a:off x="5639108" y="2919571"/>
+            <a:ext cx="1696731" cy="332087"/>
+          </a:xfrm>
+          <a:prstGeom prst="rect">
+            <a:avLst/>
+          </a:prstGeom>
+        </p:spPr>
+        <p:txBody>
+          <a:bodyPr spcFirstLastPara="1" vert="horz" wrap="square" lIns="91425" tIns="91425" rIns="91425" bIns="91425" rtlCol="0" anchor="t" anchorCtr="0">
+            <a:noAutofit/>
+          </a:bodyPr>
+          <a:lstStyle>
+            <a:lvl1pPr algn="ctr" defTabSz="914400" rtl="0" eaLnBrk="1" latinLnBrk="0" hangingPunct="1">
+              <a:lnSpc>
+                <a:spcPct val="90000"/>
+              </a:lnSpc>
+              <a:spcBef>
+                <a:spcPct val="0"/>
+              </a:spcBef>
+              <a:buNone/>
+              <a:defRPr sz="6000" kern="1200">
+                <a:solidFill>
+                  <a:schemeClr val="tx1"/>
+                </a:solidFill>
+                <a:latin typeface="+mj-lt"/>
+                <a:ea typeface="+mj-ea"/>
+                <a:cs typeface="+mj-cs"/>
+              </a:defRPr>
+            </a:lvl1pPr>
+          </a:lstStyle>
+          <a:p>
+            <a:pPr>
+              <a:buClr>
+                <a:schemeClr val="dk1"/>
+              </a:buClr>
+              <a:buSzPts val="990"/>
+            </a:pPr>
+            <a:r>
+              <a:rPr lang="en-US" sz="1100" b="1" dirty="0">
+                <a:solidFill>
+                  <a:srgbClr val="008E5B"/>
+                </a:solidFill>
+                <a:latin typeface="Montserrat Medium" panose="00000600000000000000" pitchFamily="2" charset="-52"/>
+                <a:ea typeface="Montserrat SemiBold"/>
+                <a:cs typeface="Gotham Pro" panose="02000503040000020004" pitchFamily="2" charset="0"/>
+                <a:sym typeface="Montserrat SemiBold"/>
+              </a:rPr>
+              <a:t>FMU wrapper</a:t>
+            </a:r>
+            <a:endParaRPr lang="ru-RU" sz="1100" b="1" dirty="0">
+              <a:solidFill>
+                <a:srgbClr val="008E5B"/>
+              </a:solidFill>
+              <a:latin typeface="Montserrat Medium" panose="00000600000000000000" pitchFamily="2" charset="-52"/>
+              <a:ea typeface="Montserrat SemiBold"/>
+              <a:cs typeface="Gotham Pro" panose="02000503040000020004" pitchFamily="2" charset="0"/>
+              <a:sym typeface="Montserrat SemiBold"/>
+            </a:endParaRPr>
+          </a:p>
+        </p:txBody>
+      </p:sp>
+      <p:sp>
+        <p:nvSpPr>
+          <p:cNvPr id="13" name="Стрелка: вправо 12">
+            <a:extLst>
+              <a:ext uri="{FF2B5EF4-FFF2-40B4-BE49-F238E27FC236}">
+                <a16:creationId xmlns:a16="http://schemas.microsoft.com/office/drawing/2014/main" id="{25B21A03-AF17-D0FD-38E4-82F45CE448D3}"/>
+              </a:ext>
+            </a:extLst>
+          </p:cNvPr>
+          <p:cNvSpPr/>
+          <p:nvPr/>
+        </p:nvSpPr>
+        <p:spPr>
+          <a:xfrm rot="10800000">
+            <a:off x="7264164" y="3635492"/>
+            <a:ext cx="1748367" cy="297012"/>
+          </a:xfrm>
+          <a:prstGeom prst="rightArrow">
+            <a:avLst/>
+          </a:prstGeom>
+          <a:solidFill>
+            <a:srgbClr val="C5E5D7"/>
+          </a:solidFill>
+          <a:ln>
+            <a:solidFill>
+              <a:srgbClr val="008E5B"/>
+            </a:solidFill>
+          </a:ln>
+        </p:spPr>
+        <p:style>
+          <a:lnRef idx="2">
+            <a:schemeClr val="accent1">
+              <a:shade val="15000"/>
+            </a:schemeClr>
+          </a:lnRef>
+          <a:fillRef idx="1">
+            <a:schemeClr val="accent1"/>
+          </a:fillRef>
+          <a:effectRef idx="0">
+            <a:schemeClr val="accent1"/>
+          </a:effectRef>
+          <a:fontRef idx="minor">
+            <a:schemeClr val="lt1"/>
+          </a:fontRef>
+        </p:style>
+        <p:txBody>
+          <a:bodyPr rtlCol="0" anchor="ctr"/>
+          <a:lstStyle/>
+          <a:p>
+            <a:pPr algn="ctr"/>
+            <a:endParaRPr lang="ru-RU"/>
+          </a:p>
+        </p:txBody>
+      </p:sp>
+      <p:sp>
+        <p:nvSpPr>
+          <p:cNvPr id="16" name="Google Shape;62;p14">
+            <a:extLst>
+              <a:ext uri="{FF2B5EF4-FFF2-40B4-BE49-F238E27FC236}">
+                <a16:creationId xmlns:a16="http://schemas.microsoft.com/office/drawing/2014/main" id="{151B723E-620C-8CE3-5E03-1BE2228CD513}"/>
+              </a:ext>
+            </a:extLst>
+          </p:cNvPr>
+          <p:cNvSpPr txBox="1">
+            <a:spLocks/>
+          </p:cNvSpPr>
+          <p:nvPr/>
+        </p:nvSpPr>
+        <p:spPr>
+          <a:xfrm>
+            <a:off x="7699611" y="2871982"/>
+            <a:ext cx="1454331" cy="608094"/>
+          </a:xfrm>
+          <a:prstGeom prst="rect">
+            <a:avLst/>
+          </a:prstGeom>
+        </p:spPr>
+        <p:txBody>
+          <a:bodyPr spcFirstLastPara="1" vert="horz" wrap="square" lIns="91425" tIns="91425" rIns="91425" bIns="91425" rtlCol="0" anchor="t" anchorCtr="0">
+            <a:noAutofit/>
+          </a:bodyPr>
+          <a:lstStyle>
+            <a:lvl1pPr algn="ctr" defTabSz="914400" rtl="0" eaLnBrk="1" latinLnBrk="0" hangingPunct="1">
+              <a:lnSpc>
+                <a:spcPct val="90000"/>
+              </a:lnSpc>
+              <a:spcBef>
+                <a:spcPct val="0"/>
+              </a:spcBef>
+              <a:buNone/>
+              <a:defRPr sz="6000" kern="1200">
+                <a:solidFill>
+                  <a:schemeClr val="tx1"/>
+                </a:solidFill>
+                <a:latin typeface="+mj-lt"/>
+                <a:ea typeface="+mj-ea"/>
+                <a:cs typeface="+mj-cs"/>
+              </a:defRPr>
+            </a:lvl1pPr>
+          </a:lstStyle>
+          <a:p>
+            <a:pPr>
+              <a:buClr>
+                <a:schemeClr val="dk1"/>
+              </a:buClr>
+              <a:buSzPts val="990"/>
+            </a:pPr>
+            <a:r>
+              <a:rPr lang="ru-RU" sz="1100" b="1" dirty="0">
+                <a:solidFill>
+                  <a:schemeClr val="tx1">
+                    <a:lumMod val="50000"/>
+                    <a:lumOff val="50000"/>
+                  </a:schemeClr>
+                </a:solidFill>
+                <a:latin typeface="Montserrat Medium" panose="00000600000000000000" pitchFamily="2" charset="-52"/>
+                <a:ea typeface="Montserrat SemiBold"/>
+                <a:cs typeface="Gotham Pro" panose="02000503040000020004" pitchFamily="2" charset="0"/>
+                <a:sym typeface="Montserrat SemiBold"/>
+              </a:rPr>
+              <a:t>Преобразование модели по стандарту </a:t>
+            </a:r>
+            <a:r>
+              <a:rPr lang="en-US" sz="1100" b="1" dirty="0">
+                <a:solidFill>
+                  <a:schemeClr val="tx1">
+                    <a:lumMod val="50000"/>
+                    <a:lumOff val="50000"/>
+                  </a:schemeClr>
+                </a:solidFill>
+                <a:latin typeface="Montserrat Medium" panose="00000600000000000000" pitchFamily="2" charset="-52"/>
+                <a:ea typeface="Montserrat SemiBold"/>
+                <a:cs typeface="Gotham Pro" panose="02000503040000020004" pitchFamily="2" charset="0"/>
+                <a:sym typeface="Montserrat SemiBold"/>
+              </a:rPr>
+              <a:t>FMI</a:t>
+            </a:r>
+            <a:endParaRPr lang="ru-RU" sz="1100" b="1" dirty="0">
+              <a:solidFill>
+                <a:schemeClr val="tx1">
+                  <a:lumMod val="50000"/>
+                  <a:lumOff val="50000"/>
+                </a:schemeClr>
+              </a:solidFill>
+              <a:latin typeface="Montserrat Medium" panose="00000600000000000000" pitchFamily="2" charset="-52"/>
+              <a:ea typeface="Montserrat SemiBold"/>
+              <a:cs typeface="Gotham Pro" panose="02000503040000020004" pitchFamily="2" charset="0"/>
+              <a:sym typeface="Montserrat SemiBold"/>
+            </a:endParaRPr>
+          </a:p>
+        </p:txBody>
+      </p:sp>
+      <p:sp>
+        <p:nvSpPr>
+          <p:cNvPr id="17" name="Облако 16">
+            <a:extLst>
+              <a:ext uri="{FF2B5EF4-FFF2-40B4-BE49-F238E27FC236}">
+                <a16:creationId xmlns:a16="http://schemas.microsoft.com/office/drawing/2014/main" id="{0D8B28D2-0281-A3DF-6398-BBD524E1F0B6}"/>
+              </a:ext>
+            </a:extLst>
+          </p:cNvPr>
+          <p:cNvSpPr/>
+          <p:nvPr/>
+        </p:nvSpPr>
+        <p:spPr>
+          <a:xfrm>
+            <a:off x="2298445" y="2787590"/>
+            <a:ext cx="2384282" cy="1946750"/>
+          </a:xfrm>
+          <a:prstGeom prst="cloud">
+            <a:avLst/>
+          </a:prstGeom>
+          <a:solidFill>
+            <a:srgbClr val="7CC4A3"/>
+          </a:solidFill>
+          <a:ln>
+            <a:solidFill>
+              <a:srgbClr val="008E5B"/>
+            </a:solidFill>
+          </a:ln>
+        </p:spPr>
+        <p:style>
+          <a:lnRef idx="2">
+            <a:schemeClr val="accent1">
+              <a:shade val="15000"/>
+            </a:schemeClr>
+          </a:lnRef>
+          <a:fillRef idx="1">
+            <a:schemeClr val="accent1"/>
+          </a:fillRef>
+          <a:effectRef idx="0">
+            <a:schemeClr val="accent1"/>
+          </a:effectRef>
+          <a:fontRef idx="minor">
+            <a:schemeClr val="lt1"/>
+          </a:fontRef>
+        </p:style>
+        <p:txBody>
+          <a:bodyPr rtlCol="0" anchor="ctr"/>
+          <a:lstStyle/>
+          <a:p>
+            <a:pPr algn="ctr"/>
+            <a:r>
+              <a:rPr lang="en-US" sz="1400" b="1" dirty="0">
+                <a:solidFill>
+                  <a:srgbClr val="008E5B"/>
+                </a:solidFill>
+                <a:latin typeface="Montserrat Medium" panose="00000600000000000000" pitchFamily="2" charset="-52"/>
+              </a:rPr>
+              <a:t>SignalR</a:t>
+            </a:r>
+            <a:endParaRPr lang="ru-RU" sz="1400" b="1" dirty="0">
+              <a:solidFill>
+                <a:srgbClr val="008E5B"/>
+              </a:solidFill>
+              <a:latin typeface="Montserrat Medium" panose="00000600000000000000" pitchFamily="2" charset="-52"/>
+            </a:endParaRPr>
+          </a:p>
+        </p:txBody>
+      </p:sp>
+      <p:sp>
+        <p:nvSpPr>
+          <p:cNvPr id="32" name="Google Shape;62;p14">
+            <a:extLst>
+              <a:ext uri="{FF2B5EF4-FFF2-40B4-BE49-F238E27FC236}">
+                <a16:creationId xmlns:a16="http://schemas.microsoft.com/office/drawing/2014/main" id="{8765EFDD-AC99-032E-A081-DD7AA18A3741}"/>
+              </a:ext>
+            </a:extLst>
+          </p:cNvPr>
+          <p:cNvSpPr txBox="1">
+            <a:spLocks/>
+          </p:cNvSpPr>
+          <p:nvPr/>
+        </p:nvSpPr>
+        <p:spPr>
+          <a:xfrm>
+            <a:off x="4030451" y="4309496"/>
+            <a:ext cx="1401187" cy="608094"/>
+          </a:xfrm>
+          <a:prstGeom prst="rect">
+            <a:avLst/>
+          </a:prstGeom>
+          <a:noFill/>
+        </p:spPr>
+        <p:txBody>
+          <a:bodyPr spcFirstLastPara="1" vert="horz" wrap="square" lIns="91425" tIns="91425" rIns="91425" bIns="91425" rtlCol="0" anchor="t" anchorCtr="0">
+            <a:noAutofit/>
+          </a:bodyPr>
+          <a:lstStyle>
+            <a:lvl1pPr algn="ctr" defTabSz="914400" rtl="0" eaLnBrk="1" latinLnBrk="0" hangingPunct="1">
+              <a:lnSpc>
+                <a:spcPct val="90000"/>
+              </a:lnSpc>
+              <a:spcBef>
+                <a:spcPct val="0"/>
+              </a:spcBef>
+              <a:buNone/>
+              <a:defRPr sz="6000" kern="1200">
+                <a:solidFill>
+                  <a:schemeClr val="tx1"/>
+                </a:solidFill>
+                <a:latin typeface="+mj-lt"/>
+                <a:ea typeface="+mj-ea"/>
+                <a:cs typeface="+mj-cs"/>
+              </a:defRPr>
+            </a:lvl1pPr>
+          </a:lstStyle>
+          <a:p>
+            <a:pPr>
+              <a:buClr>
+                <a:schemeClr val="dk1"/>
+              </a:buClr>
+              <a:buSzPts val="990"/>
+            </a:pPr>
+            <a:r>
+              <a:rPr lang="ru-RU" sz="1100" b="1" dirty="0">
+                <a:solidFill>
+                  <a:schemeClr val="tx1">
+                    <a:lumMod val="50000"/>
+                    <a:lumOff val="50000"/>
+                  </a:schemeClr>
+                </a:solidFill>
+                <a:latin typeface="Montserrat Medium" panose="00000600000000000000" pitchFamily="2" charset="-52"/>
+                <a:ea typeface="Montserrat SemiBold"/>
+                <a:cs typeface="Gotham Pro" panose="02000503040000020004" pitchFamily="2" charset="0"/>
+                <a:sym typeface="Montserrat SemiBold"/>
+              </a:rPr>
+              <a:t>Интерфейс результатов моделирования</a:t>
+            </a:r>
+          </a:p>
+        </p:txBody>
+      </p:sp>
+      <p:sp>
+        <p:nvSpPr>
+          <p:cNvPr id="35" name="Стрелка: вправо 34">
+            <a:extLst>
+              <a:ext uri="{FF2B5EF4-FFF2-40B4-BE49-F238E27FC236}">
+                <a16:creationId xmlns:a16="http://schemas.microsoft.com/office/drawing/2014/main" id="{E0D11C9B-BFF6-1A8C-AFA6-4C3E15D559B4}"/>
+              </a:ext>
+            </a:extLst>
+          </p:cNvPr>
+          <p:cNvSpPr/>
+          <p:nvPr/>
+        </p:nvSpPr>
+        <p:spPr>
+          <a:xfrm rot="10800000">
+            <a:off x="3919466" y="3666318"/>
+            <a:ext cx="1748367" cy="297012"/>
+          </a:xfrm>
+          <a:prstGeom prst="rightArrow">
+            <a:avLst/>
+          </a:prstGeom>
+          <a:solidFill>
+            <a:srgbClr val="C5E5D7"/>
+          </a:solidFill>
+          <a:ln>
+            <a:solidFill>
+              <a:srgbClr val="008E5B"/>
+            </a:solidFill>
+          </a:ln>
+        </p:spPr>
+        <p:style>
+          <a:lnRef idx="2">
+            <a:schemeClr val="accent1">
+              <a:shade val="15000"/>
+            </a:schemeClr>
+          </a:lnRef>
+          <a:fillRef idx="1">
+            <a:schemeClr val="accent1"/>
+          </a:fillRef>
+          <a:effectRef idx="0">
+            <a:schemeClr val="accent1"/>
+          </a:effectRef>
+          <a:fontRef idx="minor">
+            <a:schemeClr val="lt1"/>
+          </a:fontRef>
+        </p:style>
+        <p:txBody>
+          <a:bodyPr rtlCol="0" anchor="ctr"/>
+          <a:lstStyle/>
+          <a:p>
+            <a:pPr algn="ctr"/>
+            <a:endParaRPr lang="ru-RU"/>
+          </a:p>
+        </p:txBody>
+      </p:sp>
+      <p:pic>
+        <p:nvPicPr>
+          <p:cNvPr id="39" name="Рисунок 38">
+            <a:extLst>
+              <a:ext uri="{FF2B5EF4-FFF2-40B4-BE49-F238E27FC236}">
+                <a16:creationId xmlns:a16="http://schemas.microsoft.com/office/drawing/2014/main" id="{9C57D51C-9812-B326-CAB8-B1E76F8A8DCC}"/>
+              </a:ext>
+            </a:extLst>
+          </p:cNvPr>
+          <p:cNvPicPr>
+            <a:picLocks noChangeAspect="1"/>
+          </p:cNvPicPr>
+          <p:nvPr/>
+        </p:nvPicPr>
+        <p:blipFill>
+          <a:blip r:embed="rId5"/>
+          <a:stretch>
+            <a:fillRect/>
+          </a:stretch>
+        </p:blipFill>
+        <p:spPr>
+          <a:xfrm>
+            <a:off x="370726" y="4481354"/>
+            <a:ext cx="2073907" cy="1121835"/>
+          </a:xfrm>
+          <a:prstGeom prst="rect">
+            <a:avLst/>
+          </a:prstGeom>
+          <a:ln>
+            <a:solidFill>
+              <a:srgbClr val="008E5B"/>
+            </a:solidFill>
+          </a:ln>
+        </p:spPr>
+      </p:pic>
+      <p:sp>
+        <p:nvSpPr>
+          <p:cNvPr id="41" name="Стрелка: вправо 40">
+            <a:extLst>
+              <a:ext uri="{FF2B5EF4-FFF2-40B4-BE49-F238E27FC236}">
+                <a16:creationId xmlns:a16="http://schemas.microsoft.com/office/drawing/2014/main" id="{EFDCA160-DC27-D21B-610A-058ADC26ACB3}"/>
+              </a:ext>
+            </a:extLst>
+          </p:cNvPr>
+          <p:cNvSpPr/>
+          <p:nvPr/>
+        </p:nvSpPr>
+        <p:spPr>
+          <a:xfrm rot="8483121">
+            <a:off x="1768902" y="4437034"/>
+            <a:ext cx="1390290" cy="297012"/>
+          </a:xfrm>
+          <a:prstGeom prst="rightArrow">
+            <a:avLst/>
+          </a:prstGeom>
+          <a:solidFill>
+            <a:srgbClr val="C5E5D7"/>
+          </a:solidFill>
+          <a:ln>
+            <a:solidFill>
+              <a:srgbClr val="008E5B"/>
+            </a:solidFill>
+          </a:ln>
+        </p:spPr>
+        <p:style>
+          <a:lnRef idx="2">
+            <a:schemeClr val="accent1">
+              <a:shade val="15000"/>
+            </a:schemeClr>
+          </a:lnRef>
+          <a:fillRef idx="1">
+            <a:schemeClr val="accent1"/>
+          </a:fillRef>
+          <a:effectRef idx="0">
+            <a:schemeClr val="accent1"/>
+          </a:effectRef>
+          <a:fontRef idx="minor">
+            <a:schemeClr val="lt1"/>
+          </a:fontRef>
+        </p:style>
+        <p:txBody>
+          <a:bodyPr rtlCol="0" anchor="ctr"/>
+          <a:lstStyle/>
+          <a:p>
+            <a:pPr algn="ctr"/>
+            <a:endParaRPr lang="ru-RU"/>
+          </a:p>
+        </p:txBody>
+      </p:sp>
+      <p:sp>
+        <p:nvSpPr>
+          <p:cNvPr id="40" name="Google Shape;62;p14">
+            <a:extLst>
+              <a:ext uri="{FF2B5EF4-FFF2-40B4-BE49-F238E27FC236}">
+                <a16:creationId xmlns:a16="http://schemas.microsoft.com/office/drawing/2014/main" id="{2155D9D9-2EFF-D850-B4E3-26F474730902}"/>
+              </a:ext>
+            </a:extLst>
+          </p:cNvPr>
+          <p:cNvSpPr txBox="1">
+            <a:spLocks/>
+          </p:cNvSpPr>
+          <p:nvPr/>
+        </p:nvSpPr>
+        <p:spPr>
+          <a:xfrm>
+            <a:off x="630225" y="4035854"/>
+            <a:ext cx="1261933" cy="297599"/>
+          </a:xfrm>
+          <a:prstGeom prst="rect">
+            <a:avLst/>
+          </a:prstGeom>
+        </p:spPr>
+        <p:txBody>
+          <a:bodyPr spcFirstLastPara="1" vert="horz" wrap="square" lIns="91425" tIns="91425" rIns="91425" bIns="91425" rtlCol="0" anchor="t" anchorCtr="0">
+            <a:noAutofit/>
+          </a:bodyPr>
+          <a:lstStyle>
+            <a:lvl1pPr algn="ctr" defTabSz="914400" rtl="0" eaLnBrk="1" latinLnBrk="0" hangingPunct="1">
+              <a:lnSpc>
+                <a:spcPct val="90000"/>
+              </a:lnSpc>
+              <a:spcBef>
+                <a:spcPct val="0"/>
+              </a:spcBef>
+              <a:buNone/>
+              <a:defRPr sz="6000" kern="1200">
+                <a:solidFill>
+                  <a:schemeClr val="tx1"/>
+                </a:solidFill>
+                <a:latin typeface="+mj-lt"/>
+                <a:ea typeface="+mj-ea"/>
+                <a:cs typeface="+mj-cs"/>
+              </a:defRPr>
+            </a:lvl1pPr>
+          </a:lstStyle>
+          <a:p>
+            <a:pPr>
+              <a:buClr>
+                <a:schemeClr val="dk1"/>
+              </a:buClr>
+              <a:buSzPts val="990"/>
+            </a:pPr>
+            <a:r>
+              <a:rPr lang="en-US" sz="1100" b="1" dirty="0">
+                <a:solidFill>
+                  <a:srgbClr val="D53033"/>
+                </a:solidFill>
+                <a:latin typeface="Montserrat Medium" panose="00000600000000000000" pitchFamily="2" charset="-52"/>
+                <a:ea typeface="Montserrat SemiBold"/>
+                <a:cs typeface="Gotham Pro" panose="02000503040000020004" pitchFamily="2" charset="0"/>
+                <a:sym typeface="Montserrat SemiBold"/>
+              </a:rPr>
+              <a:t>UI </a:t>
+            </a:r>
+            <a:r>
+              <a:rPr lang="ru-RU" sz="1100" b="1" dirty="0">
+                <a:solidFill>
+                  <a:srgbClr val="D53033"/>
+                </a:solidFill>
+                <a:latin typeface="Montserrat Medium" panose="00000600000000000000" pitchFamily="2" charset="-52"/>
+                <a:ea typeface="Montserrat SemiBold"/>
+                <a:cs typeface="Gotham Pro" panose="02000503040000020004" pitchFamily="2" charset="0"/>
+                <a:sym typeface="Montserrat SemiBold"/>
+              </a:rPr>
+              <a:t>системы мониторинга</a:t>
+            </a:r>
+          </a:p>
+        </p:txBody>
+      </p:sp>
+      <p:sp>
+        <p:nvSpPr>
+          <p:cNvPr id="42" name="Google Shape;62;p14">
+            <a:extLst>
+              <a:ext uri="{FF2B5EF4-FFF2-40B4-BE49-F238E27FC236}">
+                <a16:creationId xmlns:a16="http://schemas.microsoft.com/office/drawing/2014/main" id="{09C07EAE-0DC9-2F3A-ECA6-D43A25FD5402}"/>
+              </a:ext>
+            </a:extLst>
+          </p:cNvPr>
+          <p:cNvSpPr txBox="1">
+            <a:spLocks/>
+          </p:cNvSpPr>
+          <p:nvPr/>
+        </p:nvSpPr>
+        <p:spPr>
+          <a:xfrm>
+            <a:off x="209006" y="5597855"/>
+            <a:ext cx="2206155" cy="329402"/>
+          </a:xfrm>
+          <a:prstGeom prst="rect">
+            <a:avLst/>
+          </a:prstGeom>
+        </p:spPr>
+        <p:txBody>
+          <a:bodyPr spcFirstLastPara="1" vert="horz" wrap="square" lIns="91425" tIns="91425" rIns="91425" bIns="91425" rtlCol="0" anchor="t" anchorCtr="0">
+            <a:noAutofit/>
+          </a:bodyPr>
+          <a:lstStyle>
+            <a:lvl1pPr algn="ctr" defTabSz="914400" rtl="0" eaLnBrk="1" latinLnBrk="0" hangingPunct="1">
+              <a:lnSpc>
+                <a:spcPct val="90000"/>
+              </a:lnSpc>
+              <a:spcBef>
+                <a:spcPct val="0"/>
+              </a:spcBef>
+              <a:buNone/>
+              <a:defRPr sz="6000" kern="1200">
+                <a:solidFill>
+                  <a:schemeClr val="tx1"/>
+                </a:solidFill>
+                <a:latin typeface="+mj-lt"/>
+                <a:ea typeface="+mj-ea"/>
+                <a:cs typeface="+mj-cs"/>
+              </a:defRPr>
+            </a:lvl1pPr>
+          </a:lstStyle>
+          <a:p>
+            <a:pPr>
+              <a:buClr>
+                <a:schemeClr val="dk1"/>
+              </a:buClr>
+              <a:buSzPts val="990"/>
+            </a:pPr>
+            <a:r>
+              <a:rPr lang="en-US" sz="1100" b="1" dirty="0">
+                <a:solidFill>
+                  <a:schemeClr val="tx1">
+                    <a:lumMod val="50000"/>
+                    <a:lumOff val="50000"/>
+                  </a:schemeClr>
+                </a:solidFill>
+                <a:latin typeface="Montserrat Medium" panose="00000600000000000000" pitchFamily="2" charset="-52"/>
+                <a:ea typeface="Montserrat SemiBold"/>
+                <a:cs typeface="Gotham Pro" panose="02000503040000020004" pitchFamily="2" charset="0"/>
+                <a:sym typeface="Montserrat SemiBold"/>
+              </a:rPr>
+              <a:t>Web</a:t>
+            </a:r>
+            <a:r>
+              <a:rPr lang="ru-RU" sz="1100" b="1" dirty="0">
+                <a:solidFill>
+                  <a:schemeClr val="tx1">
+                    <a:lumMod val="50000"/>
+                    <a:lumOff val="50000"/>
+                  </a:schemeClr>
+                </a:solidFill>
+                <a:latin typeface="Montserrat Medium" panose="00000600000000000000" pitchFamily="2" charset="-52"/>
+                <a:ea typeface="Montserrat SemiBold"/>
+                <a:cs typeface="Gotham Pro" panose="02000503040000020004" pitchFamily="2" charset="0"/>
+                <a:sym typeface="Montserrat SemiBold"/>
+              </a:rPr>
+              <a:t>-приложение, </a:t>
+            </a:r>
+            <a:r>
+              <a:rPr lang="en-US" sz="1100" b="1" dirty="0">
+                <a:solidFill>
+                  <a:schemeClr val="tx1">
+                    <a:lumMod val="50000"/>
+                    <a:lumOff val="50000"/>
+                  </a:schemeClr>
+                </a:solidFill>
+                <a:latin typeface="Montserrat Medium" panose="00000600000000000000" pitchFamily="2" charset="-52"/>
+                <a:ea typeface="Montserrat SemiBold"/>
+                <a:cs typeface="Gotham Pro" panose="02000503040000020004" pitchFamily="2" charset="0"/>
+                <a:sym typeface="Montserrat SemiBold"/>
+              </a:rPr>
+              <a:t>JavaScript</a:t>
+            </a:r>
+            <a:endParaRPr lang="ru-RU" sz="1100" b="1" dirty="0">
+              <a:solidFill>
+                <a:schemeClr val="tx1">
+                  <a:lumMod val="50000"/>
+                  <a:lumOff val="50000"/>
+                </a:schemeClr>
+              </a:solidFill>
+              <a:latin typeface="Montserrat Medium" panose="00000600000000000000" pitchFamily="2" charset="-52"/>
+              <a:ea typeface="Montserrat SemiBold"/>
+              <a:cs typeface="Gotham Pro" panose="02000503040000020004" pitchFamily="2" charset="0"/>
+              <a:sym typeface="Montserrat SemiBold"/>
+            </a:endParaRPr>
+          </a:p>
+        </p:txBody>
+      </p:sp>
+      <p:sp>
+        <p:nvSpPr>
+          <p:cNvPr id="43" name="AutoShape 4">
+            <a:extLst>
+              <a:ext uri="{FF2B5EF4-FFF2-40B4-BE49-F238E27FC236}">
+                <a16:creationId xmlns:a16="http://schemas.microsoft.com/office/drawing/2014/main" id="{4F537E68-0161-03FB-C1F8-7C834286583E}"/>
+              </a:ext>
+            </a:extLst>
+          </p:cNvPr>
+          <p:cNvSpPr>
+            <a:spLocks noChangeAspect="1" noChangeArrowheads="1"/>
+          </p:cNvSpPr>
+          <p:nvPr/>
+        </p:nvSpPr>
+        <p:spPr bwMode="auto">
+          <a:xfrm>
+            <a:off x="5943600" y="3233058"/>
+            <a:ext cx="304800" cy="304800"/>
+          </a:xfrm>
+          <a:prstGeom prst="rect">
+            <a:avLst/>
+          </a:prstGeom>
+          <a:noFill/>
+          <a:extLst>
+            <a:ext uri="{909E8E84-426E-40DD-AFC4-6F175D3DCCD1}">
+              <a14:hiddenFill xmlns:a14="http://schemas.microsoft.com/office/drawing/2010/main">
+                <a:solidFill>
+                  <a:srgbClr val="FFFFFF"/>
+                </a:solidFill>
+              </a14:hiddenFill>
+            </a:ext>
+          </a:extLst>
+        </p:spPr>
+        <p:txBody>
+          <a:bodyPr vert="horz" wrap="square" lIns="91440" tIns="45720" rIns="91440" bIns="45720" numCol="1" anchor="t" anchorCtr="0" compatLnSpc="1">
+            <a:prstTxWarp prst="textNoShape">
+              <a:avLst/>
+            </a:prstTxWarp>
+          </a:bodyPr>
+          <a:lstStyle/>
+          <a:p>
+            <a:endParaRPr lang="ru-RU"/>
+          </a:p>
+        </p:txBody>
+      </p:sp>
+    </p:spTree>
+    <p:extLst>
+      <p:ext uri="{BB962C8B-B14F-4D97-AF65-F5344CB8AC3E}">
+        <p14:creationId xmlns:p14="http://schemas.microsoft.com/office/powerpoint/2010/main" val="4246136638"/>
+      </p:ext>
+    </p:extLst>
+  </p:cSld>
+  <p:clrMapOvr>
+    <a:masterClrMapping/>
+  </p:clrMapOvr>
+</p:sld>
+</file>
+
+<file path=ppt/slides/slide7.xml><?xml version="1.0" encoding="utf-8"?>
+<p:sld xmlns:a="http://schemas.openxmlformats.org/drawingml/2006/main" xmlns:r="http://schemas.openxmlformats.org/officeDocument/2006/relationships" xmlns:p="http://schemas.openxmlformats.org/presentationml/2006/main">
+  <p:cSld>
+    <p:spTree>
+      <p:nvGrpSpPr>
+        <p:cNvPr id="1" name=""/>
+        <p:cNvGrpSpPr/>
+        <p:nvPr/>
+      </p:nvGrpSpPr>
+      <p:grpSpPr>
+        <a:xfrm>
+          <a:off x="0" y="0"/>
+          <a:ext cx="0" cy="0"/>
+          <a:chOff x="0" y="0"/>
+          <a:chExt cx="0" cy="0"/>
+        </a:xfrm>
+      </p:grpSpPr>
+      <p:sp>
+        <p:nvSpPr>
+          <p:cNvPr id="13" name="Google Shape;62;p14"/>
+          <p:cNvSpPr txBox="1">
+            <a:spLocks/>
+          </p:cNvSpPr>
+          <p:nvPr/>
+        </p:nvSpPr>
+        <p:spPr>
+          <a:xfrm>
+            <a:off x="690036" y="542404"/>
+            <a:ext cx="11011287" cy="479065"/>
+          </a:xfrm>
+          <a:prstGeom prst="rect">
+            <a:avLst/>
+          </a:prstGeom>
+        </p:spPr>
+        <p:txBody>
+          <a:bodyPr spcFirstLastPara="1" vert="horz" wrap="square" lIns="91425" tIns="91425" rIns="91425" bIns="91425" rtlCol="0" anchor="t" anchorCtr="0">
+            <a:noAutofit/>
+          </a:bodyPr>
+          <a:lstStyle>
+            <a:lvl1pPr algn="ctr" defTabSz="914400" rtl="0" eaLnBrk="1" latinLnBrk="0" hangingPunct="1">
+              <a:lnSpc>
+                <a:spcPct val="90000"/>
+              </a:lnSpc>
+              <a:spcBef>
+                <a:spcPct val="0"/>
+              </a:spcBef>
+              <a:buNone/>
+              <a:defRPr sz="6000" kern="1200">
+                <a:solidFill>
+                  <a:schemeClr val="tx1"/>
+                </a:solidFill>
+                <a:latin typeface="+mj-lt"/>
+                <a:ea typeface="+mj-ea"/>
+                <a:cs typeface="+mj-cs"/>
+              </a:defRPr>
+            </a:lvl1pPr>
+          </a:lstStyle>
+          <a:p>
             <a:pPr algn="l">
               <a:buClr>
                 <a:schemeClr val="dk1"/>
@@ -10147,35 +10509,86 @@
               <a:buSzPts val="990"/>
             </a:pPr>
             <a:r>
-              <a:rPr lang="ru-RU" sz="2000" b="1">
-                <a:solidFill>
-                  <a:srgbClr val="C00000"/>
-                </a:solidFill>
-                <a:latin typeface="Montserrat Medium" panose="00000600000000000000" pitchFamily="2" charset="-52"/>
-                <a:ea typeface="Montserrat SemiBold"/>
-                <a:cs typeface="Gotham Pro" panose="02000503040000020004" pitchFamily="2" charset="0"/>
-                <a:sym typeface="Montserrat SemiBold"/>
-              </a:rPr>
-              <a:t>Модель ДНС.</a:t>
-            </a:r>
-            <a:endParaRPr lang="ru-RU" sz="2000" b="1" dirty="0">
-              <a:solidFill>
-                <a:srgbClr val="C00000"/>
-              </a:solidFill>
-              <a:latin typeface="Montserrat Medium" panose="00000600000000000000" pitchFamily="2" charset="-52"/>
-              <a:ea typeface="Montserrat SemiBold"/>
-              <a:cs typeface="Gotham Pro" panose="02000503040000020004" pitchFamily="2" charset="0"/>
-              <a:sym typeface="Montserrat SemiBold"/>
-            </a:endParaRPr>
-          </a:p>
-        </p:txBody>
-      </p:sp>
+              <a:rPr lang="ru-RU" sz="2400" b="1" dirty="0">
+                <a:solidFill>
+                  <a:srgbClr val="0A9B69"/>
+                </a:solidFill>
+                <a:latin typeface="Montserrat Medium" panose="00000600000000000000" pitchFamily="2" charset="-52"/>
+                <a:ea typeface="Montserrat SemiBold"/>
+                <a:cs typeface="Gotham Pro" panose="02000503040000020004" pitchFamily="2" charset="0"/>
+                <a:sym typeface="Montserrat SemiBold"/>
+              </a:rPr>
+              <a:t>Модель ДНС</a:t>
+            </a:r>
+          </a:p>
+        </p:txBody>
+      </p:sp>
+      <p:pic>
+        <p:nvPicPr>
+          <p:cNvPr id="93" name="Рисунок 92"/>
+          <p:cNvPicPr>
+            <a:picLocks noChangeAspect="1"/>
+          </p:cNvPicPr>
+          <p:nvPr/>
+        </p:nvPicPr>
+        <p:blipFill>
+          <a:blip r:embed="rId2" cstate="print">
+            <a:extLst>
+              <a:ext uri="{28A0092B-C50C-407E-A947-70E740481C1C}">
+                <a14:useLocalDpi xmlns:a14="http://schemas.microsoft.com/office/drawing/2010/main" val="0"/>
+              </a:ext>
+            </a:extLst>
+          </a:blip>
+          <a:stretch>
+            <a:fillRect/>
+          </a:stretch>
+        </p:blipFill>
+        <p:spPr>
+          <a:xfrm>
+            <a:off x="370726" y="216906"/>
+            <a:ext cx="1042437" cy="297599"/>
+          </a:xfrm>
+          <a:prstGeom prst="rect">
+            <a:avLst/>
+          </a:prstGeom>
+        </p:spPr>
+      </p:pic>
       <p:pic>
         <p:nvPicPr>
           <p:cNvPr id="8" name="Рисунок 7">
             <a:extLst>
               <a:ext uri="{FF2B5EF4-FFF2-40B4-BE49-F238E27FC236}">
                 <a16:creationId xmlns:a16="http://schemas.microsoft.com/office/drawing/2014/main" id="{031CAF22-7067-7AD6-6466-0209A2009511}"/>
+              </a:ext>
+            </a:extLst>
+          </p:cNvPr>
+          <p:cNvPicPr>
+            <a:picLocks noChangeAspect="1"/>
+          </p:cNvPicPr>
+          <p:nvPr/>
+        </p:nvPicPr>
+        <p:blipFill>
+          <a:blip r:embed="rId3"/>
+          <a:stretch>
+            <a:fillRect/>
+          </a:stretch>
+        </p:blipFill>
+        <p:spPr>
+          <a:xfrm>
+            <a:off x="146521" y="1401827"/>
+            <a:ext cx="5830404" cy="4054345"/>
+          </a:xfrm>
+          <a:prstGeom prst="rect">
+            <a:avLst/>
+          </a:prstGeom>
+        </p:spPr>
+      </p:pic>
+      <p:pic>
+        <p:nvPicPr>
+          <p:cNvPr id="3" name="Рисунок 2">
+            <a:extLst>
+              <a:ext uri="{FF2B5EF4-FFF2-40B4-BE49-F238E27FC236}">
+                <a16:creationId xmlns:a16="http://schemas.microsoft.com/office/drawing/2014/main" id="{F9B42509-3E5E-5DCB-E2D1-4DF815707D75}"/>
               </a:ext>
             </a:extLst>
           </p:cNvPr>
@@ -10192,8 +10605,38 @@
         </p:blipFill>
         <p:spPr>
           <a:xfrm>
-            <a:off x="370726" y="1298072"/>
-            <a:ext cx="7395127" cy="5142422"/>
+            <a:off x="6068555" y="3726481"/>
+            <a:ext cx="5949479" cy="2855664"/>
+          </a:xfrm>
+          <a:prstGeom prst="rect">
+            <a:avLst/>
+          </a:prstGeom>
+        </p:spPr>
+      </p:pic>
+      <p:pic>
+        <p:nvPicPr>
+          <p:cNvPr id="7" name="Рисунок 6">
+            <a:extLst>
+              <a:ext uri="{FF2B5EF4-FFF2-40B4-BE49-F238E27FC236}">
+                <a16:creationId xmlns:a16="http://schemas.microsoft.com/office/drawing/2014/main" id="{D0E48694-263D-4B70-9984-29B9273C4B95}"/>
+              </a:ext>
+            </a:extLst>
+          </p:cNvPr>
+          <p:cNvPicPr>
+            <a:picLocks noChangeAspect="1"/>
+          </p:cNvPicPr>
+          <p:nvPr/>
+        </p:nvPicPr>
+        <p:blipFill>
+          <a:blip r:embed="rId5"/>
+          <a:stretch>
+            <a:fillRect/>
+          </a:stretch>
+        </p:blipFill>
+        <p:spPr>
+          <a:xfrm>
+            <a:off x="6068555" y="781936"/>
+            <a:ext cx="5976924" cy="2705013"/>
           </a:xfrm>
           <a:prstGeom prst="rect">
             <a:avLst/>
@@ -10213,7 +10656,930 @@
 </p:sld>
 </file>
 
-<file path=ppt/slides/slide7.xml><?xml version="1.0" encoding="utf-8"?>
+<file path=ppt/slides/slide8.xml><?xml version="1.0" encoding="utf-8"?>
+<p:sld xmlns:a="http://schemas.openxmlformats.org/drawingml/2006/main" xmlns:r="http://schemas.openxmlformats.org/officeDocument/2006/relationships" xmlns:p="http://schemas.openxmlformats.org/presentationml/2006/main">
+  <p:cSld>
+    <p:spTree>
+      <p:nvGrpSpPr>
+        <p:cNvPr id="1" name=""/>
+        <p:cNvGrpSpPr/>
+        <p:nvPr/>
+      </p:nvGrpSpPr>
+      <p:grpSpPr>
+        <a:xfrm>
+          <a:off x="0" y="0"/>
+          <a:ext cx="0" cy="0"/>
+          <a:chOff x="0" y="0"/>
+          <a:chExt cx="0" cy="0"/>
+        </a:xfrm>
+      </p:grpSpPr>
+      <p:sp>
+        <p:nvSpPr>
+          <p:cNvPr id="13" name="Google Shape;62;p14"/>
+          <p:cNvSpPr txBox="1">
+            <a:spLocks/>
+          </p:cNvSpPr>
+          <p:nvPr/>
+        </p:nvSpPr>
+        <p:spPr>
+          <a:xfrm>
+            <a:off x="690036" y="542404"/>
+            <a:ext cx="11011287" cy="479065"/>
+          </a:xfrm>
+          <a:prstGeom prst="rect">
+            <a:avLst/>
+          </a:prstGeom>
+        </p:spPr>
+        <p:txBody>
+          <a:bodyPr spcFirstLastPara="1" vert="horz" wrap="square" lIns="91425" tIns="91425" rIns="91425" bIns="91425" rtlCol="0" anchor="t" anchorCtr="0">
+            <a:noAutofit/>
+          </a:bodyPr>
+          <a:lstStyle>
+            <a:lvl1pPr algn="ctr" defTabSz="914400" rtl="0" eaLnBrk="1" latinLnBrk="0" hangingPunct="1">
+              <a:lnSpc>
+                <a:spcPct val="90000"/>
+              </a:lnSpc>
+              <a:spcBef>
+                <a:spcPct val="0"/>
+              </a:spcBef>
+              <a:buNone/>
+              <a:defRPr sz="6000" kern="1200">
+                <a:solidFill>
+                  <a:schemeClr val="tx1"/>
+                </a:solidFill>
+                <a:latin typeface="+mj-lt"/>
+                <a:ea typeface="+mj-ea"/>
+                <a:cs typeface="+mj-cs"/>
+              </a:defRPr>
+            </a:lvl1pPr>
+          </a:lstStyle>
+          <a:p>
+            <a:pPr algn="l">
+              <a:buClr>
+                <a:schemeClr val="dk1"/>
+              </a:buClr>
+              <a:buSzPts val="990"/>
+            </a:pPr>
+            <a:r>
+              <a:rPr lang="ru-RU" sz="2400" b="1" dirty="0">
+                <a:solidFill>
+                  <a:srgbClr val="0A9B69"/>
+                </a:solidFill>
+                <a:latin typeface="Montserrat Medium" panose="00000600000000000000" pitchFamily="2" charset="-52"/>
+                <a:ea typeface="Montserrat SemiBold"/>
+                <a:cs typeface="Gotham Pro" panose="02000503040000020004" pitchFamily="2" charset="0"/>
+                <a:sym typeface="Montserrat SemiBold"/>
+              </a:rPr>
+              <a:t>Результаты</a:t>
+            </a:r>
+          </a:p>
+        </p:txBody>
+      </p:sp>
+      <p:pic>
+        <p:nvPicPr>
+          <p:cNvPr id="93" name="Рисунок 92"/>
+          <p:cNvPicPr>
+            <a:picLocks noChangeAspect="1"/>
+          </p:cNvPicPr>
+          <p:nvPr/>
+        </p:nvPicPr>
+        <p:blipFill>
+          <a:blip r:embed="rId2" cstate="print">
+            <a:extLst>
+              <a:ext uri="{28A0092B-C50C-407E-A947-70E740481C1C}">
+                <a14:useLocalDpi xmlns:a14="http://schemas.microsoft.com/office/drawing/2010/main" val="0"/>
+              </a:ext>
+            </a:extLst>
+          </a:blip>
+          <a:stretch>
+            <a:fillRect/>
+          </a:stretch>
+        </p:blipFill>
+        <p:spPr>
+          <a:xfrm>
+            <a:off x="370726" y="216906"/>
+            <a:ext cx="1042437" cy="297599"/>
+          </a:xfrm>
+          <a:prstGeom prst="rect">
+            <a:avLst/>
+          </a:prstGeom>
+        </p:spPr>
+      </p:pic>
+      <p:sp>
+        <p:nvSpPr>
+          <p:cNvPr id="2" name="Google Shape;62;p14">
+            <a:extLst>
+              <a:ext uri="{FF2B5EF4-FFF2-40B4-BE49-F238E27FC236}">
+                <a16:creationId xmlns:a16="http://schemas.microsoft.com/office/drawing/2014/main" id="{F9ED9643-CA2A-4940-6FC3-F77D91A5A144}"/>
+              </a:ext>
+            </a:extLst>
+          </p:cNvPr>
+          <p:cNvSpPr txBox="1">
+            <a:spLocks/>
+          </p:cNvSpPr>
+          <p:nvPr/>
+        </p:nvSpPr>
+        <p:spPr>
+          <a:xfrm>
+            <a:off x="690037" y="1012760"/>
+            <a:ext cx="11011288" cy="1260177"/>
+          </a:xfrm>
+          <a:prstGeom prst="rect">
+            <a:avLst/>
+          </a:prstGeom>
+        </p:spPr>
+        <p:txBody>
+          <a:bodyPr spcFirstLastPara="1" vert="horz" wrap="square" lIns="91425" tIns="91425" rIns="91425" bIns="91425" rtlCol="0" anchor="t" anchorCtr="0">
+            <a:noAutofit/>
+          </a:bodyPr>
+          <a:lstStyle>
+            <a:lvl1pPr algn="ctr" defTabSz="914400" rtl="0" eaLnBrk="1" latinLnBrk="0" hangingPunct="1">
+              <a:lnSpc>
+                <a:spcPct val="90000"/>
+              </a:lnSpc>
+              <a:spcBef>
+                <a:spcPct val="0"/>
+              </a:spcBef>
+              <a:buNone/>
+              <a:defRPr sz="6000" kern="1200">
+                <a:solidFill>
+                  <a:schemeClr val="tx1"/>
+                </a:solidFill>
+                <a:latin typeface="+mj-lt"/>
+                <a:ea typeface="+mj-ea"/>
+                <a:cs typeface="+mj-cs"/>
+              </a:defRPr>
+            </a:lvl1pPr>
+          </a:lstStyle>
+          <a:p>
+            <a:pPr algn="l">
+              <a:buClr>
+                <a:schemeClr val="dk1"/>
+              </a:buClr>
+              <a:buSzPts val="990"/>
+            </a:pPr>
+            <a:r>
+              <a:rPr lang="ru-RU" sz="2000" b="1" dirty="0">
+                <a:solidFill>
+                  <a:srgbClr val="C00000"/>
+                </a:solidFill>
+                <a:latin typeface="Montserrat Medium" panose="00000600000000000000" pitchFamily="2" charset="-52"/>
+                <a:ea typeface="Montserrat SemiBold"/>
+                <a:cs typeface="Gotham Pro" panose="02000503040000020004" pitchFamily="2" charset="0"/>
+                <a:sym typeface="Montserrat SemiBold"/>
+              </a:rPr>
+              <a:t>Предложена концепция программного обеспечения АСУ для обеспечения равномерного поступления жидкости в ТП. В основе концепции лежит математическая модель системы перекачки жидкости, встроенная в микросервис. Микросервис работает в режиме реального времени.</a:t>
+            </a:r>
+          </a:p>
+        </p:txBody>
+      </p:sp>
+      <p:sp>
+        <p:nvSpPr>
+          <p:cNvPr id="4" name="Google Shape;62;p14">
+            <a:extLst>
+              <a:ext uri="{FF2B5EF4-FFF2-40B4-BE49-F238E27FC236}">
+                <a16:creationId xmlns:a16="http://schemas.microsoft.com/office/drawing/2014/main" id="{C7BC219D-C0D2-6708-97C8-14FEE0497FA6}"/>
+              </a:ext>
+            </a:extLst>
+          </p:cNvPr>
+          <p:cNvSpPr txBox="1">
+            <a:spLocks/>
+          </p:cNvSpPr>
+          <p:nvPr/>
+        </p:nvSpPr>
+        <p:spPr>
+          <a:xfrm>
+            <a:off x="690036" y="2271055"/>
+            <a:ext cx="11011287" cy="479065"/>
+          </a:xfrm>
+          <a:prstGeom prst="rect">
+            <a:avLst/>
+          </a:prstGeom>
+        </p:spPr>
+        <p:txBody>
+          <a:bodyPr spcFirstLastPara="1" vert="horz" wrap="square" lIns="91425" tIns="91425" rIns="91425" bIns="91425" rtlCol="0" anchor="t" anchorCtr="0">
+            <a:noAutofit/>
+          </a:bodyPr>
+          <a:lstStyle>
+            <a:lvl1pPr algn="ctr" defTabSz="914400" rtl="0" eaLnBrk="1" latinLnBrk="0" hangingPunct="1">
+              <a:lnSpc>
+                <a:spcPct val="90000"/>
+              </a:lnSpc>
+              <a:spcBef>
+                <a:spcPct val="0"/>
+              </a:spcBef>
+              <a:buNone/>
+              <a:defRPr sz="6000" kern="1200">
+                <a:solidFill>
+                  <a:schemeClr val="tx1"/>
+                </a:solidFill>
+                <a:latin typeface="+mj-lt"/>
+                <a:ea typeface="+mj-ea"/>
+                <a:cs typeface="+mj-cs"/>
+              </a:defRPr>
+            </a:lvl1pPr>
+          </a:lstStyle>
+          <a:p>
+            <a:pPr algn="l">
+              <a:buClr>
+                <a:schemeClr val="dk1"/>
+              </a:buClr>
+              <a:buSzPts val="990"/>
+            </a:pPr>
+            <a:r>
+              <a:rPr lang="ru-RU" sz="2400" b="1" dirty="0">
+                <a:solidFill>
+                  <a:srgbClr val="0A9B69"/>
+                </a:solidFill>
+                <a:latin typeface="Montserrat Medium" panose="00000600000000000000" pitchFamily="2" charset="-52"/>
+                <a:ea typeface="Montserrat SemiBold"/>
+                <a:cs typeface="Gotham Pro" panose="02000503040000020004" pitchFamily="2" charset="0"/>
+                <a:sym typeface="Montserrat SemiBold"/>
+              </a:rPr>
+              <a:t>Исходный код</a:t>
+            </a:r>
+          </a:p>
+        </p:txBody>
+      </p:sp>
+      <p:sp>
+        <p:nvSpPr>
+          <p:cNvPr id="5" name="Google Shape;62;p14">
+            <a:extLst>
+              <a:ext uri="{FF2B5EF4-FFF2-40B4-BE49-F238E27FC236}">
+                <a16:creationId xmlns:a16="http://schemas.microsoft.com/office/drawing/2014/main" id="{5E9ACBBD-3195-81CD-D9F2-4C5F98EA4FE7}"/>
+              </a:ext>
+            </a:extLst>
+          </p:cNvPr>
+          <p:cNvSpPr txBox="1">
+            <a:spLocks/>
+          </p:cNvSpPr>
+          <p:nvPr/>
+        </p:nvSpPr>
+        <p:spPr>
+          <a:xfrm>
+            <a:off x="690034" y="2743294"/>
+            <a:ext cx="7556983" cy="910094"/>
+          </a:xfrm>
+          <a:prstGeom prst="rect">
+            <a:avLst/>
+          </a:prstGeom>
+        </p:spPr>
+        <p:txBody>
+          <a:bodyPr spcFirstLastPara="1" vert="horz" wrap="square" lIns="91425" tIns="91425" rIns="91425" bIns="91425" rtlCol="0" anchor="t" anchorCtr="0">
+            <a:noAutofit/>
+          </a:bodyPr>
+          <a:lstStyle>
+            <a:defPPr>
+              <a:defRPr lang="ru-RU"/>
+            </a:defPPr>
+            <a:lvl1pPr>
+              <a:lnSpc>
+                <a:spcPct val="90000"/>
+              </a:lnSpc>
+              <a:spcBef>
+                <a:spcPct val="0"/>
+              </a:spcBef>
+              <a:buClr>
+                <a:schemeClr val="dk1"/>
+              </a:buClr>
+              <a:buSzPts val="990"/>
+              <a:buNone/>
+              <a:defRPr sz="1400" b="1">
+                <a:solidFill>
+                  <a:schemeClr val="tx1">
+                    <a:lumMod val="50000"/>
+                    <a:lumOff val="50000"/>
+                  </a:schemeClr>
+                </a:solidFill>
+                <a:latin typeface="Montserrat Medium" panose="00000600000000000000" pitchFamily="2" charset="-52"/>
+                <a:ea typeface="Montserrat SemiBold"/>
+                <a:cs typeface="Gotham Pro" panose="02000503040000020004" pitchFamily="2" charset="0"/>
+              </a:defRPr>
+            </a:lvl1pPr>
+          </a:lstStyle>
+          <a:p>
+            <a:pPr marL="285750" indent="-285750">
+              <a:buFont typeface="Arial" panose="020B0604020202020204" pitchFamily="34" charset="0"/>
+              <a:buChar char="•"/>
+            </a:pPr>
+            <a:r>
+              <a:rPr lang="ru-RU" dirty="0">
+                <a:sym typeface="Montserrat SemiBold"/>
+              </a:rPr>
+              <a:t>модель ДНС</a:t>
+            </a:r>
+          </a:p>
+          <a:p>
+            <a:pPr marL="285750" indent="-285750">
+              <a:buFont typeface="Arial" panose="020B0604020202020204" pitchFamily="34" charset="0"/>
+              <a:buChar char="•"/>
+            </a:pPr>
+            <a:r>
+              <a:rPr lang="en-US" dirty="0">
+                <a:sym typeface="Montserrat SemiBold"/>
+              </a:rPr>
+              <a:t>FMU </a:t>
+            </a:r>
+            <a:r>
+              <a:rPr lang="ru-RU" dirty="0">
+                <a:sym typeface="Montserrat SemiBold"/>
+              </a:rPr>
+              <a:t>и обёртка на языке </a:t>
+            </a:r>
+            <a:r>
+              <a:rPr lang="en-US" dirty="0">
+                <a:sym typeface="Montserrat SemiBold"/>
+              </a:rPr>
+              <a:t>C#</a:t>
+            </a:r>
+          </a:p>
+          <a:p>
+            <a:pPr marL="285750" indent="-285750">
+              <a:buFont typeface="Arial" panose="020B0604020202020204" pitchFamily="34" charset="0"/>
+              <a:buChar char="•"/>
+            </a:pPr>
+            <a:r>
+              <a:rPr lang="en-US" dirty="0">
+                <a:sym typeface="Montserrat SemiBold"/>
+              </a:rPr>
+              <a:t>Web</a:t>
+            </a:r>
+            <a:r>
+              <a:rPr lang="ru-RU" dirty="0">
+                <a:sym typeface="Montserrat SemiBold"/>
+              </a:rPr>
+              <a:t>-сервис реального времени</a:t>
+            </a:r>
+          </a:p>
+          <a:p>
+            <a:pPr marL="285750" indent="-285750">
+              <a:buFont typeface="Arial" panose="020B0604020202020204" pitchFamily="34" charset="0"/>
+              <a:buChar char="•"/>
+            </a:pPr>
+            <a:r>
+              <a:rPr lang="en-US" dirty="0">
+                <a:sym typeface="Montserrat SemiBold"/>
+              </a:rPr>
+              <a:t>SPA-</a:t>
+            </a:r>
+            <a:r>
+              <a:rPr lang="ru-RU" dirty="0">
+                <a:sym typeface="Montserrat SemiBold"/>
+              </a:rPr>
+              <a:t>приложение для мониторинга параметров ДНС</a:t>
+            </a:r>
+            <a:endParaRPr lang="en-US" dirty="0">
+              <a:sym typeface="Montserrat SemiBold"/>
+            </a:endParaRPr>
+          </a:p>
+          <a:p>
+            <a:endParaRPr lang="ru-RU" dirty="0">
+              <a:sym typeface="Montserrat SemiBold"/>
+            </a:endParaRPr>
+          </a:p>
+          <a:p>
+            <a:endParaRPr lang="ru-RU" dirty="0">
+              <a:sym typeface="Montserrat SemiBold"/>
+            </a:endParaRPr>
+          </a:p>
+        </p:txBody>
+      </p:sp>
+      <p:sp>
+        <p:nvSpPr>
+          <p:cNvPr id="9" name="TextBox 8">
+            <a:extLst>
+              <a:ext uri="{FF2B5EF4-FFF2-40B4-BE49-F238E27FC236}">
+                <a16:creationId xmlns:a16="http://schemas.microsoft.com/office/drawing/2014/main" id="{08B7356A-8BF7-491F-AF05-8AC19A76986D}"/>
+              </a:ext>
+            </a:extLst>
+          </p:cNvPr>
+          <p:cNvSpPr txBox="1"/>
+          <p:nvPr/>
+        </p:nvSpPr>
+        <p:spPr>
+          <a:xfrm>
+            <a:off x="690034" y="3614249"/>
+            <a:ext cx="5617148" cy="369332"/>
+          </a:xfrm>
+          <a:prstGeom prst="rect">
+            <a:avLst/>
+          </a:prstGeom>
+          <a:noFill/>
+        </p:spPr>
+        <p:txBody>
+          <a:bodyPr wrap="square">
+            <a:spAutoFit/>
+          </a:bodyPr>
+          <a:lstStyle/>
+          <a:p>
+            <a:r>
+              <a:rPr lang="ru-RU" dirty="0">
+                <a:hlinkClick r:id="rId3"/>
+              </a:rPr>
+              <a:t>https://github.com/AlLevykin/techstorm</a:t>
+            </a:r>
+            <a:endParaRPr lang="ru-RU" dirty="0"/>
+          </a:p>
+        </p:txBody>
+      </p:sp>
+      <p:pic>
+        <p:nvPicPr>
+          <p:cNvPr id="11" name="Рисунок 10">
+            <a:extLst>
+              <a:ext uri="{FF2B5EF4-FFF2-40B4-BE49-F238E27FC236}">
+                <a16:creationId xmlns:a16="http://schemas.microsoft.com/office/drawing/2014/main" id="{26DE4AF7-15E7-6611-7CF8-4F6EB9A66C39}"/>
+              </a:ext>
+            </a:extLst>
+          </p:cNvPr>
+          <p:cNvPicPr>
+            <a:picLocks noChangeAspect="1"/>
+          </p:cNvPicPr>
+          <p:nvPr/>
+        </p:nvPicPr>
+        <p:blipFill>
+          <a:blip r:embed="rId4"/>
+          <a:stretch>
+            <a:fillRect/>
+          </a:stretch>
+        </p:blipFill>
+        <p:spPr>
+          <a:xfrm>
+            <a:off x="8447314" y="2382303"/>
+            <a:ext cx="1959769" cy="1959769"/>
+          </a:xfrm>
+          <a:prstGeom prst="rect">
+            <a:avLst/>
+          </a:prstGeom>
+        </p:spPr>
+      </p:pic>
+      <p:sp>
+        <p:nvSpPr>
+          <p:cNvPr id="14" name="TextBox 13">
+            <a:extLst>
+              <a:ext uri="{FF2B5EF4-FFF2-40B4-BE49-F238E27FC236}">
+                <a16:creationId xmlns:a16="http://schemas.microsoft.com/office/drawing/2014/main" id="{D23973EE-739B-D800-E82E-CCAA69FAD48D}"/>
+              </a:ext>
+            </a:extLst>
+          </p:cNvPr>
+          <p:cNvSpPr txBox="1"/>
+          <p:nvPr/>
+        </p:nvSpPr>
+        <p:spPr>
+          <a:xfrm>
+            <a:off x="690034" y="4929401"/>
+            <a:ext cx="10405026" cy="369332"/>
+          </a:xfrm>
+          <a:prstGeom prst="rect">
+            <a:avLst/>
+          </a:prstGeom>
+          <a:noFill/>
+        </p:spPr>
+        <p:txBody>
+          <a:bodyPr wrap="square">
+            <a:spAutoFit/>
+          </a:bodyPr>
+          <a:lstStyle/>
+          <a:p>
+            <a:r>
+              <a:rPr lang="ru-RU" dirty="0">
+                <a:hlinkClick r:id="rId5"/>
+              </a:rPr>
+              <a:t>https://simulationresearch.lbl.gov/wetter/download/2013-IBPSA-Pang-Dye-Nouidui-Wetter-Deringer.pdf</a:t>
+            </a:r>
+            <a:endParaRPr lang="ru-RU" dirty="0"/>
+          </a:p>
+        </p:txBody>
+      </p:sp>
+      <p:sp>
+        <p:nvSpPr>
+          <p:cNvPr id="15" name="Google Shape;62;p14">
+            <a:extLst>
+              <a:ext uri="{FF2B5EF4-FFF2-40B4-BE49-F238E27FC236}">
+                <a16:creationId xmlns:a16="http://schemas.microsoft.com/office/drawing/2014/main" id="{141A7919-DBF4-5B9B-2C14-FDBE70B0CE8D}"/>
+              </a:ext>
+            </a:extLst>
+          </p:cNvPr>
+          <p:cNvSpPr txBox="1">
+            <a:spLocks/>
+          </p:cNvSpPr>
+          <p:nvPr/>
+        </p:nvSpPr>
+        <p:spPr>
+          <a:xfrm>
+            <a:off x="690036" y="3982432"/>
+            <a:ext cx="11011287" cy="479065"/>
+          </a:xfrm>
+          <a:prstGeom prst="rect">
+            <a:avLst/>
+          </a:prstGeom>
+        </p:spPr>
+        <p:txBody>
+          <a:bodyPr spcFirstLastPara="1" vert="horz" wrap="square" lIns="91425" tIns="91425" rIns="91425" bIns="91425" rtlCol="0" anchor="t" anchorCtr="0">
+            <a:noAutofit/>
+          </a:bodyPr>
+          <a:lstStyle>
+            <a:lvl1pPr algn="ctr" defTabSz="914400" rtl="0" eaLnBrk="1" latinLnBrk="0" hangingPunct="1">
+              <a:lnSpc>
+                <a:spcPct val="90000"/>
+              </a:lnSpc>
+              <a:spcBef>
+                <a:spcPct val="0"/>
+              </a:spcBef>
+              <a:buNone/>
+              <a:defRPr sz="6000" kern="1200">
+                <a:solidFill>
+                  <a:schemeClr val="tx1"/>
+                </a:solidFill>
+                <a:latin typeface="+mj-lt"/>
+                <a:ea typeface="+mj-ea"/>
+                <a:cs typeface="+mj-cs"/>
+              </a:defRPr>
+            </a:lvl1pPr>
+          </a:lstStyle>
+          <a:p>
+            <a:pPr algn="l">
+              <a:buClr>
+                <a:schemeClr val="dk1"/>
+              </a:buClr>
+              <a:buSzPts val="990"/>
+            </a:pPr>
+            <a:r>
+              <a:rPr lang="ru-RU" sz="2400" b="1" dirty="0">
+                <a:solidFill>
+                  <a:srgbClr val="0A9B69"/>
+                </a:solidFill>
+                <a:latin typeface="Montserrat Medium" panose="00000600000000000000" pitchFamily="2" charset="-52"/>
+                <a:ea typeface="Montserrat SemiBold"/>
+                <a:cs typeface="Gotham Pro" panose="02000503040000020004" pitchFamily="2" charset="0"/>
+                <a:sym typeface="Montserrat SemiBold"/>
+              </a:rPr>
+              <a:t>Полезные ссылки</a:t>
+            </a:r>
+          </a:p>
+        </p:txBody>
+      </p:sp>
+      <p:sp>
+        <p:nvSpPr>
+          <p:cNvPr id="16" name="Google Shape;62;p14">
+            <a:extLst>
+              <a:ext uri="{FF2B5EF4-FFF2-40B4-BE49-F238E27FC236}">
+                <a16:creationId xmlns:a16="http://schemas.microsoft.com/office/drawing/2014/main" id="{DB58C414-BC01-B04B-0FBB-EA42F1DEA407}"/>
+              </a:ext>
+            </a:extLst>
+          </p:cNvPr>
+          <p:cNvSpPr txBox="1">
+            <a:spLocks/>
+          </p:cNvSpPr>
+          <p:nvPr/>
+        </p:nvSpPr>
+        <p:spPr>
+          <a:xfrm>
+            <a:off x="690035" y="4451438"/>
+            <a:ext cx="11011288" cy="477963"/>
+          </a:xfrm>
+          <a:prstGeom prst="rect">
+            <a:avLst/>
+          </a:prstGeom>
+        </p:spPr>
+        <p:txBody>
+          <a:bodyPr spcFirstLastPara="1" vert="horz" wrap="square" lIns="91425" tIns="91425" rIns="91425" bIns="91425" rtlCol="0" anchor="t" anchorCtr="0">
+            <a:noAutofit/>
+          </a:bodyPr>
+          <a:lstStyle>
+            <a:lvl1pPr algn="ctr" defTabSz="914400" rtl="0" eaLnBrk="1" latinLnBrk="0" hangingPunct="1">
+              <a:lnSpc>
+                <a:spcPct val="90000"/>
+              </a:lnSpc>
+              <a:spcBef>
+                <a:spcPct val="0"/>
+              </a:spcBef>
+              <a:buNone/>
+              <a:defRPr sz="6000" kern="1200">
+                <a:solidFill>
+                  <a:schemeClr val="tx1"/>
+                </a:solidFill>
+                <a:latin typeface="+mj-lt"/>
+                <a:ea typeface="+mj-ea"/>
+                <a:cs typeface="+mj-cs"/>
+              </a:defRPr>
+            </a:lvl1pPr>
+          </a:lstStyle>
+          <a:p>
+            <a:pPr algn="l">
+              <a:buClr>
+                <a:schemeClr val="dk1"/>
+              </a:buClr>
+              <a:buSzPts val="990"/>
+            </a:pPr>
+            <a:r>
+              <a:rPr lang="en-US" sz="1400" b="1" dirty="0">
+                <a:solidFill>
+                  <a:schemeClr val="tx1">
+                    <a:lumMod val="50000"/>
+                    <a:lumOff val="50000"/>
+                  </a:schemeClr>
+                </a:solidFill>
+                <a:latin typeface="Montserrat Medium" panose="00000600000000000000" pitchFamily="2" charset="-52"/>
+                <a:ea typeface="Montserrat SemiBold"/>
+                <a:cs typeface="Gotham Pro" panose="02000503040000020004" pitchFamily="2" charset="0"/>
+                <a:sym typeface="Montserrat SemiBold"/>
+              </a:rPr>
+              <a:t>“Linking interactive Modelica simulations to html5 using the</a:t>
+            </a:r>
+            <a:r>
+              <a:rPr lang="ru-RU" sz="1400" b="1" dirty="0">
+                <a:solidFill>
+                  <a:schemeClr val="tx1">
+                    <a:lumMod val="50000"/>
+                    <a:lumOff val="50000"/>
+                  </a:schemeClr>
+                </a:solidFill>
+                <a:latin typeface="Montserrat Medium" panose="00000600000000000000" pitchFamily="2" charset="-52"/>
+                <a:ea typeface="Montserrat SemiBold"/>
+                <a:cs typeface="Gotham Pro" panose="02000503040000020004" pitchFamily="2" charset="0"/>
+                <a:sym typeface="Montserrat SemiBold"/>
+              </a:rPr>
+              <a:t> </a:t>
+            </a:r>
+            <a:r>
+              <a:rPr lang="en-US" sz="1400" b="1" dirty="0">
+                <a:solidFill>
+                  <a:schemeClr val="tx1">
+                    <a:lumMod val="50000"/>
+                    <a:lumOff val="50000"/>
+                  </a:schemeClr>
+                </a:solidFill>
+                <a:latin typeface="Montserrat Medium" panose="00000600000000000000" pitchFamily="2" charset="-52"/>
+                <a:ea typeface="Montserrat SemiBold"/>
+                <a:cs typeface="Gotham Pro" panose="02000503040000020004" pitchFamily="2" charset="0"/>
+                <a:sym typeface="Montserrat SemiBold"/>
+              </a:rPr>
+              <a:t>Functional Mockup Interface for the LearnHPB platform</a:t>
+            </a:r>
+            <a:r>
+              <a:rPr lang="ru-RU" sz="1400" b="1" dirty="0">
+                <a:solidFill>
+                  <a:schemeClr val="tx1">
+                    <a:lumMod val="50000"/>
+                    <a:lumOff val="50000"/>
+                  </a:schemeClr>
+                </a:solidFill>
+                <a:latin typeface="Montserrat Medium" panose="00000600000000000000" pitchFamily="2" charset="-52"/>
+                <a:ea typeface="Montserrat SemiBold"/>
+                <a:cs typeface="Gotham Pro" panose="02000503040000020004" pitchFamily="2" charset="0"/>
+                <a:sym typeface="Montserrat SemiBold"/>
+              </a:rPr>
+              <a:t>.</a:t>
+            </a:r>
+            <a:r>
+              <a:rPr lang="en-US" sz="1400" b="1" dirty="0">
+                <a:solidFill>
+                  <a:schemeClr val="tx1">
+                    <a:lumMod val="50000"/>
+                    <a:lumOff val="50000"/>
+                  </a:schemeClr>
+                </a:solidFill>
+                <a:latin typeface="Montserrat Medium" panose="00000600000000000000" pitchFamily="2" charset="-52"/>
+                <a:ea typeface="Montserrat SemiBold"/>
+                <a:cs typeface="Gotham Pro" panose="02000503040000020004" pitchFamily="2" charset="0"/>
+                <a:sym typeface="Montserrat SemiBold"/>
+              </a:rPr>
+              <a:t>”</a:t>
+            </a:r>
+            <a:br>
+              <a:rPr lang="en-US" sz="1400" b="1" dirty="0">
+                <a:solidFill>
+                  <a:schemeClr val="tx1">
+                    <a:lumMod val="50000"/>
+                    <a:lumOff val="50000"/>
+                  </a:schemeClr>
+                </a:solidFill>
+                <a:latin typeface="Montserrat Medium" panose="00000600000000000000" pitchFamily="2" charset="-52"/>
+                <a:ea typeface="Montserrat SemiBold"/>
+                <a:cs typeface="Gotham Pro" panose="02000503040000020004" pitchFamily="2" charset="0"/>
+                <a:sym typeface="Montserrat SemiBold"/>
+              </a:rPr>
+            </a:br>
+            <a:r>
+              <a:rPr lang="en-US" sz="1400" b="1" dirty="0">
+                <a:solidFill>
+                  <a:schemeClr val="tx1">
+                    <a:lumMod val="50000"/>
+                    <a:lumOff val="50000"/>
+                  </a:schemeClr>
+                </a:solidFill>
+                <a:latin typeface="Montserrat Medium" panose="00000600000000000000" pitchFamily="2" charset="-52"/>
+                <a:ea typeface="Montserrat SemiBold"/>
+                <a:cs typeface="Gotham Pro" panose="02000503040000020004" pitchFamily="2" charset="0"/>
+                <a:sym typeface="Montserrat SemiBold"/>
+              </a:rPr>
+              <a:t>Lawrence Berkeley National Laboratory</a:t>
+            </a:r>
+            <a:r>
+              <a:rPr lang="ru-RU" sz="1400" b="1" dirty="0">
+                <a:solidFill>
+                  <a:schemeClr val="tx1">
+                    <a:lumMod val="50000"/>
+                    <a:lumOff val="50000"/>
+                  </a:schemeClr>
+                </a:solidFill>
+                <a:latin typeface="Montserrat Medium" panose="00000600000000000000" pitchFamily="2" charset="-52"/>
+                <a:ea typeface="Montserrat SemiBold"/>
+                <a:cs typeface="Gotham Pro" panose="02000503040000020004" pitchFamily="2" charset="0"/>
+                <a:sym typeface="Montserrat SemiBold"/>
+              </a:rPr>
+              <a:t>, </a:t>
+            </a:r>
+            <a:r>
+              <a:rPr lang="en-US" sz="1400" b="1" dirty="0">
+                <a:solidFill>
+                  <a:schemeClr val="tx1">
+                    <a:lumMod val="50000"/>
+                    <a:lumOff val="50000"/>
+                  </a:schemeClr>
+                </a:solidFill>
+                <a:latin typeface="Montserrat Medium" panose="00000600000000000000" pitchFamily="2" charset="-52"/>
+                <a:ea typeface="Montserrat SemiBold"/>
+                <a:cs typeface="Gotham Pro" panose="02000503040000020004" pitchFamily="2" charset="0"/>
+                <a:sym typeface="Montserrat SemiBold"/>
+              </a:rPr>
+              <a:t>USA</a:t>
+            </a:r>
+          </a:p>
+          <a:p>
+            <a:pPr algn="l">
+              <a:buClr>
+                <a:schemeClr val="dk1"/>
+              </a:buClr>
+              <a:buSzPts val="990"/>
+            </a:pPr>
+            <a:br>
+              <a:rPr lang="en-US" sz="1400" b="1" dirty="0">
+                <a:solidFill>
+                  <a:schemeClr val="tx1">
+                    <a:lumMod val="50000"/>
+                    <a:lumOff val="50000"/>
+                  </a:schemeClr>
+                </a:solidFill>
+                <a:latin typeface="Montserrat Medium" panose="00000600000000000000" pitchFamily="2" charset="-52"/>
+                <a:ea typeface="Montserrat SemiBold"/>
+                <a:cs typeface="Gotham Pro" panose="02000503040000020004" pitchFamily="2" charset="0"/>
+                <a:sym typeface="Montserrat SemiBold"/>
+              </a:rPr>
+            </a:br>
+            <a:endParaRPr lang="ru-RU" sz="1400" b="1" dirty="0">
+              <a:solidFill>
+                <a:schemeClr val="tx1">
+                  <a:lumMod val="50000"/>
+                  <a:lumOff val="50000"/>
+                </a:schemeClr>
+              </a:solidFill>
+              <a:latin typeface="Montserrat Medium" panose="00000600000000000000" pitchFamily="2" charset="-52"/>
+              <a:ea typeface="Montserrat SemiBold"/>
+              <a:cs typeface="Gotham Pro" panose="02000503040000020004" pitchFamily="2" charset="0"/>
+              <a:sym typeface="Montserrat SemiBold"/>
+            </a:endParaRPr>
+          </a:p>
+        </p:txBody>
+      </p:sp>
+      <p:sp>
+        <p:nvSpPr>
+          <p:cNvPr id="18" name="TextBox 17">
+            <a:extLst>
+              <a:ext uri="{FF2B5EF4-FFF2-40B4-BE49-F238E27FC236}">
+                <a16:creationId xmlns:a16="http://schemas.microsoft.com/office/drawing/2014/main" id="{4E56DE1F-2F07-DC68-7AA8-A768E6C32600}"/>
+              </a:ext>
+            </a:extLst>
+          </p:cNvPr>
+          <p:cNvSpPr txBox="1"/>
+          <p:nvPr/>
+        </p:nvSpPr>
+        <p:spPr>
+          <a:xfrm>
+            <a:off x="690032" y="6000206"/>
+            <a:ext cx="10648525" cy="369332"/>
+          </a:xfrm>
+          <a:prstGeom prst="rect">
+            <a:avLst/>
+          </a:prstGeom>
+          <a:noFill/>
+        </p:spPr>
+        <p:txBody>
+          <a:bodyPr wrap="square">
+            <a:spAutoFit/>
+          </a:bodyPr>
+          <a:lstStyle/>
+          <a:p>
+            <a:r>
+              <a:rPr lang="en-US" dirty="0">
+                <a:hlinkClick r:id="rId6"/>
+              </a:rPr>
+              <a:t>https://www.researchgate.net/ ... </a:t>
+            </a:r>
+            <a:r>
+              <a:rPr lang="en-US" dirty="0" err="1">
+                <a:hlinkClick r:id="rId6"/>
+              </a:rPr>
+              <a:t>The_Modelica_Fluid_and_Media_Library_for_Modeling</a:t>
+            </a:r>
+            <a:r>
+              <a:rPr lang="en-US" dirty="0">
+                <a:hlinkClick r:id="rId6"/>
+              </a:rPr>
+              <a:t> ... </a:t>
+            </a:r>
+            <a:r>
+              <a:rPr lang="en-US" dirty="0" err="1">
+                <a:hlinkClick r:id="rId6"/>
+              </a:rPr>
+              <a:t>Pipe_Networks</a:t>
+            </a:r>
+            <a:endParaRPr lang="ru-RU" dirty="0"/>
+          </a:p>
+        </p:txBody>
+      </p:sp>
+      <p:sp>
+        <p:nvSpPr>
+          <p:cNvPr id="20" name="TextBox 19">
+            <a:extLst>
+              <a:ext uri="{FF2B5EF4-FFF2-40B4-BE49-F238E27FC236}">
+                <a16:creationId xmlns:a16="http://schemas.microsoft.com/office/drawing/2014/main" id="{99405E05-864D-4DC2-55EE-C0E6D997A294}"/>
+              </a:ext>
+            </a:extLst>
+          </p:cNvPr>
+          <p:cNvSpPr txBox="1"/>
+          <p:nvPr/>
+        </p:nvSpPr>
+        <p:spPr>
+          <a:xfrm>
+            <a:off x="690032" y="5298733"/>
+            <a:ext cx="10648525" cy="701473"/>
+          </a:xfrm>
+          <a:prstGeom prst="rect">
+            <a:avLst/>
+          </a:prstGeom>
+        </p:spPr>
+        <p:txBody>
+          <a:bodyPr spcFirstLastPara="1" vert="horz" wrap="square" lIns="91425" tIns="91425" rIns="91425" bIns="91425" rtlCol="0" anchor="t" anchorCtr="0">
+            <a:noAutofit/>
+          </a:bodyPr>
+          <a:lstStyle>
+            <a:defPPr>
+              <a:defRPr lang="ru-RU"/>
+            </a:defPPr>
+            <a:lvl1pPr>
+              <a:lnSpc>
+                <a:spcPct val="90000"/>
+              </a:lnSpc>
+              <a:spcBef>
+                <a:spcPct val="0"/>
+              </a:spcBef>
+              <a:buClr>
+                <a:schemeClr val="dk1"/>
+              </a:buClr>
+              <a:buSzPts val="990"/>
+              <a:buNone/>
+              <a:defRPr sz="1400" b="1">
+                <a:solidFill>
+                  <a:schemeClr val="tx1">
+                    <a:lumMod val="50000"/>
+                    <a:lumOff val="50000"/>
+                  </a:schemeClr>
+                </a:solidFill>
+                <a:latin typeface="Montserrat Medium" panose="00000600000000000000" pitchFamily="2" charset="-52"/>
+                <a:ea typeface="Montserrat SemiBold"/>
+                <a:cs typeface="Gotham Pro" panose="02000503040000020004" pitchFamily="2" charset="0"/>
+              </a:defRPr>
+            </a:lvl1pPr>
+          </a:lstStyle>
+          <a:p>
+            <a:r>
+              <a:rPr lang="en-US" dirty="0"/>
+              <a:t>“The Modelica Fluid and Media Library for Modeling of Incompressible and Compressible Thermo-Fluid Pipe Networks”</a:t>
+            </a:r>
+          </a:p>
+          <a:p>
+            <a:r>
+              <a:rPr lang="en-US" dirty="0"/>
+              <a:t>5th International Modelica Conference</a:t>
+            </a:r>
+          </a:p>
+        </p:txBody>
+      </p:sp>
+    </p:spTree>
+    <p:extLst>
+      <p:ext uri="{BB962C8B-B14F-4D97-AF65-F5344CB8AC3E}">
+        <p14:creationId xmlns:p14="http://schemas.microsoft.com/office/powerpoint/2010/main" val="2993849778"/>
+      </p:ext>
+    </p:extLst>
+  </p:cSld>
+  <p:clrMapOvr>
+    <a:masterClrMapping/>
+  </p:clrMapOvr>
+</p:sld>
+</file>
+
+<file path=ppt/slides/slide9.xml><?xml version="1.0" encoding="utf-8"?>
 <p:sld xmlns:a="http://schemas.openxmlformats.org/drawingml/2006/main" xmlns:r="http://schemas.openxmlformats.org/officeDocument/2006/relationships" xmlns:p="http://schemas.openxmlformats.org/presentationml/2006/main">
   <p:cSld>
     <p:spTree>

--- a/Презентация/Кейс2-SNZ-Левыкин.pptx
+++ b/Презентация/Кейс2-SNZ-Левыкин.pptx
@@ -10782,7 +10782,7 @@
         <p:spPr>
           <a:xfrm>
             <a:off x="690037" y="1012760"/>
-            <a:ext cx="11011288" cy="1260177"/>
+            <a:ext cx="10405023" cy="816897"/>
           </a:xfrm>
           <a:prstGeom prst="rect">
             <a:avLst/>
@@ -10819,7 +10819,7 @@
               <a:buSzPts val="990"/>
             </a:pPr>
             <a:r>
-              <a:rPr lang="ru-RU" sz="2000" b="1" dirty="0">
+              <a:rPr lang="ru-RU" sz="1600" b="1" dirty="0">
                 <a:solidFill>
                   <a:srgbClr val="C00000"/>
                 </a:solidFill>
@@ -10828,7 +10828,7 @@
                 <a:cs typeface="Gotham Pro" panose="02000503040000020004" pitchFamily="2" charset="0"/>
                 <a:sym typeface="Montserrat SemiBold"/>
               </a:rPr>
-              <a:t>Предложена концепция программного обеспечения АСУ для обеспечения равномерного поступления жидкости в ТП. В основе концепции лежит математическая модель системы перекачки жидкости, встроенная в микросервис. Микросервис работает в режиме реального времени.</a:t>
+              <a:t>Предложена концепция ПО АСУ для обеспечения равномерного поступления жидкости в ТП. В основе концепции лежит математическая модель системы перекачки жидкости, встроенная в микросервис. Микросервис должен работать в режиме реального времени.</a:t>
             </a:r>
           </a:p>
         </p:txBody>
@@ -10849,7 +10849,7 @@
         </p:nvSpPr>
         <p:spPr>
           <a:xfrm>
-            <a:off x="690036" y="2271055"/>
+            <a:off x="690036" y="1792084"/>
             <a:ext cx="11011287" cy="479065"/>
           </a:xfrm>
           <a:prstGeom prst="rect">
@@ -10917,7 +10917,7 @@
         </p:nvSpPr>
         <p:spPr>
           <a:xfrm>
-            <a:off x="690034" y="2743294"/>
+            <a:off x="690034" y="2264323"/>
             <a:ext cx="7556983" cy="910094"/>
           </a:xfrm>
           <a:prstGeom prst="rect">
@@ -11058,7 +11058,7 @@
         </p:nvSpPr>
         <p:spPr>
           <a:xfrm>
-            <a:off x="690034" y="3614249"/>
+            <a:off x="690034" y="3135278"/>
             <a:ext cx="5617148" cy="369332"/>
           </a:xfrm>
           <a:prstGeom prst="rect">
@@ -11104,7 +11104,7 @@
         </p:blipFill>
         <p:spPr>
           <a:xfrm>
-            <a:off x="8447314" y="2382303"/>
+            <a:off x="8447314" y="1903332"/>
             <a:ext cx="1959769" cy="1959769"/>
           </a:xfrm>
           <a:prstGeom prst="rect">
@@ -11126,7 +11126,7 @@
         </p:nvSpPr>
         <p:spPr>
           <a:xfrm>
-            <a:off x="690034" y="4929401"/>
+            <a:off x="690034" y="5277747"/>
             <a:ext cx="10405026" cy="369332"/>
           </a:xfrm>
           <a:prstGeom prst="rect">
@@ -11166,7 +11166,7 @@
         </p:nvSpPr>
         <p:spPr>
           <a:xfrm>
-            <a:off x="690036" y="3982432"/>
+            <a:off x="690036" y="3503461"/>
             <a:ext cx="11011287" cy="479065"/>
           </a:xfrm>
           <a:prstGeom prst="rect">
@@ -11234,7 +11234,7 @@
         </p:nvSpPr>
         <p:spPr>
           <a:xfrm>
-            <a:off x="690035" y="4451438"/>
+            <a:off x="690035" y="4799784"/>
             <a:ext cx="11011288" cy="477963"/>
           </a:xfrm>
           <a:prstGeom prst="rect">
@@ -11456,7 +11456,7 @@
         </p:nvSpPr>
         <p:spPr>
           <a:xfrm>
-            <a:off x="690032" y="6000206"/>
+            <a:off x="690028" y="4419627"/>
             <a:ext cx="10648525" cy="369332"/>
           </a:xfrm>
           <a:prstGeom prst="rect">
@@ -11512,8 +11512,8 @@
         </p:nvSpPr>
         <p:spPr>
           <a:xfrm>
-            <a:off x="690032" y="5298733"/>
-            <a:ext cx="10648525" cy="701473"/>
+            <a:off x="690032" y="3931484"/>
+            <a:ext cx="11011287" cy="529006"/>
           </a:xfrm>
           <a:prstGeom prst="rect">
             <a:avLst/>
@@ -11563,6 +11563,208 @@
               <a:rPr lang="en-US" dirty="0"/>
               <a:t>5th International Modelica Conference</a:t>
             </a:r>
+          </a:p>
+        </p:txBody>
+      </p:sp>
+      <p:sp>
+        <p:nvSpPr>
+          <p:cNvPr id="22" name="TextBox 21">
+            <a:extLst>
+              <a:ext uri="{FF2B5EF4-FFF2-40B4-BE49-F238E27FC236}">
+                <a16:creationId xmlns:a16="http://schemas.microsoft.com/office/drawing/2014/main" id="{51283F13-81C6-D574-01BC-719891F51B03}"/>
+              </a:ext>
+            </a:extLst>
+          </p:cNvPr>
+          <p:cNvSpPr txBox="1"/>
+          <p:nvPr/>
+        </p:nvSpPr>
+        <p:spPr>
+          <a:xfrm>
+            <a:off x="690028" y="6133919"/>
+            <a:ext cx="11110082" cy="369332"/>
+          </a:xfrm>
+          <a:prstGeom prst="rect">
+            <a:avLst/>
+          </a:prstGeom>
+          <a:noFill/>
+        </p:spPr>
+        <p:txBody>
+          <a:bodyPr wrap="square">
+            <a:spAutoFit/>
+          </a:bodyPr>
+          <a:lstStyle/>
+          <a:p>
+            <a:r>
+              <a:rPr lang="fr-FR" dirty="0">
+                <a:hlinkClick r:id="rId7"/>
+              </a:rPr>
+              <a:t>https://sites.ecse.rpi.edu/ ... publications/conference/2022/CP220_MdC_Modelica_RealTime_dSPACE.pdf</a:t>
+            </a:r>
+            <a:endParaRPr lang="ru-RU" dirty="0"/>
+          </a:p>
+        </p:txBody>
+      </p:sp>
+      <p:sp>
+        <p:nvSpPr>
+          <p:cNvPr id="23" name="Google Shape;62;p14">
+            <a:extLst>
+              <a:ext uri="{FF2B5EF4-FFF2-40B4-BE49-F238E27FC236}">
+                <a16:creationId xmlns:a16="http://schemas.microsoft.com/office/drawing/2014/main" id="{3AB9F3B8-7EB1-5057-AD14-3B1A55C92547}"/>
+              </a:ext>
+            </a:extLst>
+          </p:cNvPr>
+          <p:cNvSpPr txBox="1">
+            <a:spLocks/>
+          </p:cNvSpPr>
+          <p:nvPr/>
+        </p:nvSpPr>
+        <p:spPr>
+          <a:xfrm>
+            <a:off x="690028" y="5653088"/>
+            <a:ext cx="11011288" cy="477963"/>
+          </a:xfrm>
+          <a:prstGeom prst="rect">
+            <a:avLst/>
+          </a:prstGeom>
+        </p:spPr>
+        <p:txBody>
+          <a:bodyPr spcFirstLastPara="1" vert="horz" wrap="square" lIns="91425" tIns="91425" rIns="91425" bIns="91425" rtlCol="0" anchor="t" anchorCtr="0">
+            <a:noAutofit/>
+          </a:bodyPr>
+          <a:lstStyle>
+            <a:lvl1pPr algn="ctr" defTabSz="914400" rtl="0" eaLnBrk="1" latinLnBrk="0" hangingPunct="1">
+              <a:lnSpc>
+                <a:spcPct val="90000"/>
+              </a:lnSpc>
+              <a:spcBef>
+                <a:spcPct val="0"/>
+              </a:spcBef>
+              <a:buNone/>
+              <a:defRPr sz="6000" kern="1200">
+                <a:solidFill>
+                  <a:schemeClr val="tx1"/>
+                </a:solidFill>
+                <a:latin typeface="+mj-lt"/>
+                <a:ea typeface="+mj-ea"/>
+                <a:cs typeface="+mj-cs"/>
+              </a:defRPr>
+            </a:lvl1pPr>
+          </a:lstStyle>
+          <a:p>
+            <a:pPr algn="l">
+              <a:buClr>
+                <a:schemeClr val="dk1"/>
+              </a:buClr>
+              <a:buSzPts val="990"/>
+            </a:pPr>
+            <a:r>
+              <a:rPr lang="en-US" sz="1400" b="1" dirty="0">
+                <a:solidFill>
+                  <a:schemeClr val="tx1">
+                    <a:lumMod val="50000"/>
+                    <a:lumOff val="50000"/>
+                  </a:schemeClr>
+                </a:solidFill>
+                <a:latin typeface="Montserrat Medium" panose="00000600000000000000" pitchFamily="2" charset="-52"/>
+                <a:ea typeface="Montserrat SemiBold"/>
+                <a:cs typeface="Gotham Pro" panose="02000503040000020004" pitchFamily="2" charset="0"/>
+                <a:sym typeface="Montserrat SemiBold"/>
+              </a:rPr>
+              <a:t>“Power System Real-Time Simulation using Modelica and the FMI</a:t>
+            </a:r>
+            <a:r>
+              <a:rPr lang="ru-RU" sz="1400" b="1" dirty="0">
+                <a:solidFill>
+                  <a:schemeClr val="tx1">
+                    <a:lumMod val="50000"/>
+                    <a:lumOff val="50000"/>
+                  </a:schemeClr>
+                </a:solidFill>
+                <a:latin typeface="Montserrat Medium" panose="00000600000000000000" pitchFamily="2" charset="-52"/>
+                <a:ea typeface="Montserrat SemiBold"/>
+                <a:cs typeface="Gotham Pro" panose="02000503040000020004" pitchFamily="2" charset="0"/>
+                <a:sym typeface="Montserrat SemiBold"/>
+              </a:rPr>
+              <a:t>.</a:t>
+            </a:r>
+            <a:r>
+              <a:rPr lang="en-US" sz="1400" b="1" dirty="0">
+                <a:solidFill>
+                  <a:schemeClr val="tx1">
+                    <a:lumMod val="50000"/>
+                    <a:lumOff val="50000"/>
+                  </a:schemeClr>
+                </a:solidFill>
+                <a:latin typeface="Montserrat Medium" panose="00000600000000000000" pitchFamily="2" charset="-52"/>
+                <a:ea typeface="Montserrat SemiBold"/>
+                <a:cs typeface="Gotham Pro" panose="02000503040000020004" pitchFamily="2" charset="0"/>
+                <a:sym typeface="Montserrat SemiBold"/>
+              </a:rPr>
+              <a:t>”</a:t>
+            </a:r>
+            <a:br>
+              <a:rPr lang="en-US" sz="1400" b="1" dirty="0">
+                <a:solidFill>
+                  <a:schemeClr val="tx1">
+                    <a:lumMod val="50000"/>
+                    <a:lumOff val="50000"/>
+                  </a:schemeClr>
+                </a:solidFill>
+                <a:latin typeface="Montserrat Medium" panose="00000600000000000000" pitchFamily="2" charset="-52"/>
+                <a:ea typeface="Montserrat SemiBold"/>
+                <a:cs typeface="Gotham Pro" panose="02000503040000020004" pitchFamily="2" charset="0"/>
+                <a:sym typeface="Montserrat SemiBold"/>
+              </a:rPr>
+            </a:br>
+            <a:r>
+              <a:rPr lang="en-US" sz="1400" b="1" dirty="0">
+                <a:solidFill>
+                  <a:schemeClr val="tx1">
+                    <a:lumMod val="50000"/>
+                    <a:lumOff val="50000"/>
+                  </a:schemeClr>
+                </a:solidFill>
+                <a:latin typeface="Montserrat Medium" panose="00000600000000000000" pitchFamily="2" charset="-52"/>
+                <a:ea typeface="Montserrat SemiBold"/>
+                <a:cs typeface="Gotham Pro" panose="02000503040000020004" pitchFamily="2" charset="0"/>
+                <a:sym typeface="Montserrat SemiBold"/>
+              </a:rPr>
+              <a:t>American Modelica Conference 2022</a:t>
+            </a:r>
+          </a:p>
+          <a:p>
+            <a:pPr algn="l">
+              <a:buClr>
+                <a:schemeClr val="dk1"/>
+              </a:buClr>
+              <a:buSzPts val="990"/>
+            </a:pPr>
+            <a:br>
+              <a:rPr lang="en-US" sz="1400" b="1" dirty="0">
+                <a:solidFill>
+                  <a:schemeClr val="tx1">
+                    <a:lumMod val="50000"/>
+                    <a:lumOff val="50000"/>
+                  </a:schemeClr>
+                </a:solidFill>
+                <a:latin typeface="Montserrat Medium" panose="00000600000000000000" pitchFamily="2" charset="-52"/>
+                <a:ea typeface="Montserrat SemiBold"/>
+                <a:cs typeface="Gotham Pro" panose="02000503040000020004" pitchFamily="2" charset="0"/>
+                <a:sym typeface="Montserrat SemiBold"/>
+              </a:rPr>
+            </a:br>
+            <a:endParaRPr lang="ru-RU" sz="1400" b="1" dirty="0">
+              <a:solidFill>
+                <a:schemeClr val="tx1">
+                  <a:lumMod val="50000"/>
+                  <a:lumOff val="50000"/>
+                </a:schemeClr>
+              </a:solidFill>
+              <a:latin typeface="Montserrat Medium" panose="00000600000000000000" pitchFamily="2" charset="-52"/>
+              <a:ea typeface="Montserrat SemiBold"/>
+              <a:cs typeface="Gotham Pro" panose="02000503040000020004" pitchFamily="2" charset="0"/>
+              <a:sym typeface="Montserrat SemiBold"/>
+            </a:endParaRPr>
           </a:p>
         </p:txBody>
       </p:sp>

--- a/Презентация/Кейс2-SNZ-Левыкин.pptx
+++ b/Презентация/Кейс2-SNZ-Левыкин.pptx
@@ -10,8 +10,8 @@
     <p:sldId id="267" r:id="rId4"/>
     <p:sldId id="272" r:id="rId5"/>
     <p:sldId id="268" r:id="rId6"/>
-    <p:sldId id="269" r:id="rId7"/>
-    <p:sldId id="270" r:id="rId8"/>
+    <p:sldId id="270" r:id="rId7"/>
+    <p:sldId id="269" r:id="rId8"/>
     <p:sldId id="273" r:id="rId9"/>
     <p:sldId id="265" r:id="rId10"/>
   </p:sldIdLst>
@@ -8901,75 +8901,9 @@
           <a:chExt cx="0" cy="0"/>
         </a:xfrm>
       </p:grpSpPr>
-      <p:pic>
-        <p:nvPicPr>
-          <p:cNvPr id="88" name="Рисунок 87"/>
-          <p:cNvPicPr>
-            <a:picLocks noChangeAspect="1"/>
-          </p:cNvPicPr>
-          <p:nvPr/>
-        </p:nvPicPr>
-        <p:blipFill>
-          <a:blip r:embed="rId2" cstate="print">
-            <a:extLst>
-              <a:ext uri="{28A0092B-C50C-407E-A947-70E740481C1C}">
-                <a14:useLocalDpi xmlns:a14="http://schemas.microsoft.com/office/drawing/2010/main" val="0"/>
-              </a:ext>
-            </a:extLst>
-          </a:blip>
-          <a:stretch>
-            <a:fillRect/>
-          </a:stretch>
-        </p:blipFill>
-        <p:spPr>
-          <a:xfrm>
-            <a:off x="10962658" y="5701827"/>
-            <a:ext cx="738667" cy="738667"/>
-          </a:xfrm>
-          <a:prstGeom prst="rect">
-            <a:avLst/>
-          </a:prstGeom>
-        </p:spPr>
-      </p:pic>
-      <p:pic>
-        <p:nvPicPr>
-          <p:cNvPr id="93" name="Рисунок 92"/>
-          <p:cNvPicPr>
-            <a:picLocks noChangeAspect="1"/>
-          </p:cNvPicPr>
-          <p:nvPr/>
-        </p:nvPicPr>
-        <p:blipFill>
-          <a:blip r:embed="rId3" cstate="print">
-            <a:extLst>
-              <a:ext uri="{28A0092B-C50C-407E-A947-70E740481C1C}">
-                <a14:useLocalDpi xmlns:a14="http://schemas.microsoft.com/office/drawing/2010/main" val="0"/>
-              </a:ext>
-            </a:extLst>
-          </a:blip>
-          <a:stretch>
-            <a:fillRect/>
-          </a:stretch>
-        </p:blipFill>
-        <p:spPr>
-          <a:xfrm>
-            <a:off x="370726" y="216906"/>
-            <a:ext cx="1042437" cy="297599"/>
-          </a:xfrm>
-          <a:prstGeom prst="rect">
-            <a:avLst/>
-          </a:prstGeom>
-        </p:spPr>
-      </p:pic>
-      <p:sp>
-        <p:nvSpPr>
-          <p:cNvPr id="2" name="Google Shape;62;p14">
-            <a:extLst>
-              <a:ext uri="{FF2B5EF4-FFF2-40B4-BE49-F238E27FC236}">
-                <a16:creationId xmlns:a16="http://schemas.microsoft.com/office/drawing/2014/main" id="{B9898F5D-4DFA-B198-8974-8B54136833FE}"/>
-              </a:ext>
-            </a:extLst>
-          </p:cNvPr>
+      <p:sp>
+        <p:nvSpPr>
+          <p:cNvPr id="13" name="Google Shape;62;p14"/>
           <p:cNvSpPr txBox="1">
             <a:spLocks/>
           </p:cNvSpPr>
@@ -8977,7 +8911,7 @@
         </p:nvSpPr>
         <p:spPr>
           <a:xfrm>
-            <a:off x="690036" y="533695"/>
+            <a:off x="690036" y="542404"/>
             <a:ext cx="11011287" cy="479065"/>
           </a:xfrm>
           <a:prstGeom prst="rect">
@@ -9024,1092 +8958,107 @@
                 <a:cs typeface="Gotham Pro" panose="02000503040000020004" pitchFamily="2" charset="0"/>
                 <a:sym typeface="Montserrat SemiBold"/>
               </a:rPr>
-              <a:t>Архитектура прототипа</a:t>
-            </a:r>
-          </a:p>
-        </p:txBody>
-      </p:sp>
-      <p:sp>
-        <p:nvSpPr>
-          <p:cNvPr id="3" name="Google Shape;62;p14">
-            <a:extLst>
-              <a:ext uri="{FF2B5EF4-FFF2-40B4-BE49-F238E27FC236}">
-                <a16:creationId xmlns:a16="http://schemas.microsoft.com/office/drawing/2014/main" id="{0F2AD3D4-B09C-C0A9-2F89-4AA5CA91FAA7}"/>
-              </a:ext>
-            </a:extLst>
-          </p:cNvPr>
-          <p:cNvSpPr txBox="1">
-            <a:spLocks/>
-          </p:cNvSpPr>
-          <p:nvPr/>
-        </p:nvSpPr>
-        <p:spPr>
-          <a:xfrm>
-            <a:off x="690037" y="1012760"/>
-            <a:ext cx="11011288" cy="678065"/>
-          </a:xfrm>
-          <a:prstGeom prst="rect">
-            <a:avLst/>
-          </a:prstGeom>
-        </p:spPr>
-        <p:txBody>
-          <a:bodyPr spcFirstLastPara="1" vert="horz" wrap="square" lIns="91425" tIns="91425" rIns="91425" bIns="91425" rtlCol="0" anchor="t" anchorCtr="0">
-            <a:noAutofit/>
-          </a:bodyPr>
-          <a:lstStyle>
-            <a:lvl1pPr algn="ctr" defTabSz="914400" rtl="0" eaLnBrk="1" latinLnBrk="0" hangingPunct="1">
-              <a:lnSpc>
-                <a:spcPct val="90000"/>
-              </a:lnSpc>
-              <a:spcBef>
-                <a:spcPct val="0"/>
-              </a:spcBef>
-              <a:buNone/>
-              <a:defRPr sz="6000" kern="1200">
-                <a:solidFill>
-                  <a:schemeClr val="tx1"/>
-                </a:solidFill>
-                <a:latin typeface="+mj-lt"/>
-                <a:ea typeface="+mj-ea"/>
-                <a:cs typeface="+mj-cs"/>
-              </a:defRPr>
-            </a:lvl1pPr>
-          </a:lstStyle>
-          <a:p>
-            <a:pPr algn="l">
-              <a:buClr>
-                <a:schemeClr val="dk1"/>
-              </a:buClr>
-              <a:buSzPts val="990"/>
-            </a:pPr>
-            <a:r>
-              <a:rPr lang="ru-RU" sz="2000" b="1" dirty="0">
-                <a:solidFill>
-                  <a:srgbClr val="C00000"/>
-                </a:solidFill>
-                <a:latin typeface="Montserrat Medium" panose="00000600000000000000" pitchFamily="2" charset="-52"/>
-                <a:ea typeface="Montserrat SemiBold"/>
-                <a:cs typeface="Gotham Pro" panose="02000503040000020004" pitchFamily="2" charset="0"/>
-                <a:sym typeface="Montserrat SemiBold"/>
-              </a:rPr>
-              <a:t>Прототип предназначен для демонстрации моделирования работы ДНС в реальном времени.</a:t>
-            </a:r>
-          </a:p>
-        </p:txBody>
-      </p:sp>
-      <p:sp>
-        <p:nvSpPr>
-          <p:cNvPr id="4" name="Шестиугольник 3">
-            <a:extLst>
-              <a:ext uri="{FF2B5EF4-FFF2-40B4-BE49-F238E27FC236}">
-                <a16:creationId xmlns:a16="http://schemas.microsoft.com/office/drawing/2014/main" id="{2947AF8F-6042-3257-354A-1FE9D8235C7D}"/>
-              </a:ext>
-            </a:extLst>
-          </p:cNvPr>
-          <p:cNvSpPr/>
-          <p:nvPr/>
-        </p:nvSpPr>
-        <p:spPr>
-          <a:xfrm>
-            <a:off x="4841966" y="2159726"/>
-            <a:ext cx="3240000" cy="3240000"/>
-          </a:xfrm>
-          <a:prstGeom prst="hexagon">
-            <a:avLst/>
-          </a:prstGeom>
-          <a:solidFill>
-            <a:srgbClr val="7CC4A3"/>
-          </a:solidFill>
-          <a:ln>
-            <a:solidFill>
-              <a:srgbClr val="008E5B"/>
-            </a:solidFill>
-          </a:ln>
-        </p:spPr>
-        <p:style>
-          <a:lnRef idx="2">
-            <a:schemeClr val="accent1">
-              <a:shade val="15000"/>
-            </a:schemeClr>
-          </a:lnRef>
-          <a:fillRef idx="1">
-            <a:schemeClr val="accent1"/>
-          </a:fillRef>
-          <a:effectRef idx="0">
-            <a:schemeClr val="accent1"/>
-          </a:effectRef>
-          <a:fontRef idx="minor">
-            <a:schemeClr val="lt1"/>
-          </a:fontRef>
-        </p:style>
-        <p:txBody>
-          <a:bodyPr rtlCol="0" anchor="ctr"/>
-          <a:lstStyle/>
-          <a:p>
-            <a:pPr algn="ctr"/>
-            <a:endParaRPr lang="ru-RU"/>
-          </a:p>
-        </p:txBody>
-      </p:sp>
-      <p:sp>
-        <p:nvSpPr>
-          <p:cNvPr id="5" name="Google Shape;62;p14">
-            <a:extLst>
-              <a:ext uri="{FF2B5EF4-FFF2-40B4-BE49-F238E27FC236}">
-                <a16:creationId xmlns:a16="http://schemas.microsoft.com/office/drawing/2014/main" id="{126F1182-0359-74A8-B635-894AC24A526B}"/>
-              </a:ext>
-            </a:extLst>
-          </p:cNvPr>
-          <p:cNvSpPr txBox="1">
-            <a:spLocks/>
-          </p:cNvSpPr>
-          <p:nvPr/>
-        </p:nvSpPr>
-        <p:spPr>
-          <a:xfrm>
-            <a:off x="5259977" y="1840652"/>
-            <a:ext cx="2439633" cy="297599"/>
-          </a:xfrm>
-          <a:prstGeom prst="rect">
-            <a:avLst/>
-          </a:prstGeom>
-        </p:spPr>
-        <p:txBody>
-          <a:bodyPr spcFirstLastPara="1" vert="horz" wrap="square" lIns="91425" tIns="91425" rIns="91425" bIns="91425" rtlCol="0" anchor="t" anchorCtr="0">
-            <a:noAutofit/>
-          </a:bodyPr>
-          <a:lstStyle>
-            <a:lvl1pPr algn="ctr" defTabSz="914400" rtl="0" eaLnBrk="1" latinLnBrk="0" hangingPunct="1">
-              <a:lnSpc>
-                <a:spcPct val="90000"/>
-              </a:lnSpc>
-              <a:spcBef>
-                <a:spcPct val="0"/>
-              </a:spcBef>
-              <a:buNone/>
-              <a:defRPr sz="6000" kern="1200">
-                <a:solidFill>
-                  <a:schemeClr val="tx1"/>
-                </a:solidFill>
-                <a:latin typeface="+mj-lt"/>
-                <a:ea typeface="+mj-ea"/>
-                <a:cs typeface="+mj-cs"/>
-              </a:defRPr>
-            </a:lvl1pPr>
-          </a:lstStyle>
-          <a:p>
-            <a:pPr>
-              <a:buClr>
-                <a:schemeClr val="dk1"/>
-              </a:buClr>
-              <a:buSzPts val="990"/>
-            </a:pPr>
-            <a:r>
-              <a:rPr lang="ru-RU" sz="1100" b="1" dirty="0">
-                <a:solidFill>
-                  <a:srgbClr val="D53033"/>
-                </a:solidFill>
-                <a:latin typeface="Montserrat Medium" panose="00000600000000000000" pitchFamily="2" charset="-52"/>
-                <a:ea typeface="Montserrat SemiBold"/>
-                <a:cs typeface="Gotham Pro" panose="02000503040000020004" pitchFamily="2" charset="0"/>
-                <a:sym typeface="Montserrat SemiBold"/>
-              </a:rPr>
-              <a:t>Сервис моделирования</a:t>
-            </a:r>
-            <a:r>
-              <a:rPr lang="en-US" sz="1100" b="1" dirty="0">
-                <a:solidFill>
-                  <a:srgbClr val="D53033"/>
-                </a:solidFill>
-                <a:latin typeface="Montserrat Medium" panose="00000600000000000000" pitchFamily="2" charset="-52"/>
-                <a:ea typeface="Montserrat SemiBold"/>
-                <a:cs typeface="Gotham Pro" panose="02000503040000020004" pitchFamily="2" charset="0"/>
-                <a:sym typeface="Montserrat SemiBold"/>
-              </a:rPr>
-              <a:t>, C#</a:t>
-            </a:r>
-            <a:endParaRPr lang="ru-RU" sz="1100" b="1" dirty="0">
-              <a:solidFill>
-                <a:srgbClr val="D53033"/>
-              </a:solidFill>
-              <a:latin typeface="Montserrat Medium" panose="00000600000000000000" pitchFamily="2" charset="-52"/>
-              <a:ea typeface="Montserrat SemiBold"/>
-              <a:cs typeface="Gotham Pro" panose="02000503040000020004" pitchFamily="2" charset="0"/>
-              <a:sym typeface="Montserrat SemiBold"/>
-            </a:endParaRPr>
+              <a:t>Модель ДНС</a:t>
+            </a:r>
           </a:p>
         </p:txBody>
       </p:sp>
       <p:pic>
         <p:nvPicPr>
-          <p:cNvPr id="1026" name="Picture 2">
-            <a:extLst>
-              <a:ext uri="{FF2B5EF4-FFF2-40B4-BE49-F238E27FC236}">
-                <a16:creationId xmlns:a16="http://schemas.microsoft.com/office/drawing/2014/main" id="{9E2C5FB2-2C3A-A107-49CD-D17CDE4F3FD5}"/>
-              </a:ext>
-            </a:extLst>
-          </p:cNvPr>
+          <p:cNvPr id="93" name="Рисунок 92"/>
           <p:cNvPicPr>
-            <a:picLocks noChangeAspect="1" noChangeArrowheads="1"/>
+            <a:picLocks noChangeAspect="1"/>
           </p:cNvPicPr>
           <p:nvPr/>
         </p:nvPicPr>
         <p:blipFill>
-          <a:blip r:embed="rId4" cstate="print">
+          <a:blip r:embed="rId2" cstate="print">
             <a:extLst>
               <a:ext uri="{28A0092B-C50C-407E-A947-70E740481C1C}">
                 <a14:useLocalDpi xmlns:a14="http://schemas.microsoft.com/office/drawing/2010/main" val="0"/>
               </a:ext>
             </a:extLst>
           </a:blip>
-          <a:srcRect/>
           <a:stretch>
             <a:fillRect/>
           </a:stretch>
         </p:blipFill>
-        <p:spPr bwMode="auto">
-          <a:xfrm>
-            <a:off x="9109165" y="2973911"/>
-            <a:ext cx="2865120" cy="1611630"/>
+        <p:spPr>
+          <a:xfrm>
+            <a:off x="370726" y="216906"/>
+            <a:ext cx="1042437" cy="297599"/>
           </a:xfrm>
           <a:prstGeom prst="rect">
             <a:avLst/>
           </a:prstGeom>
-          <a:noFill/>
-          <a:extLst>
-            <a:ext uri="{909E8E84-426E-40DD-AFC4-6F175D3DCCD1}">
-              <a14:hiddenFill xmlns:a14="http://schemas.microsoft.com/office/drawing/2010/main">
-                <a:solidFill>
-                  <a:srgbClr val="FFFFFF"/>
-                </a:solidFill>
-              </a14:hiddenFill>
-            </a:ext>
-          </a:extLst>
         </p:spPr>
       </p:pic>
-      <p:sp>
-        <p:nvSpPr>
-          <p:cNvPr id="6" name="Google Shape;62;p14">
-            <a:extLst>
-              <a:ext uri="{FF2B5EF4-FFF2-40B4-BE49-F238E27FC236}">
-                <a16:creationId xmlns:a16="http://schemas.microsoft.com/office/drawing/2014/main" id="{11038806-1F76-D4B2-11A0-29995E395E5F}"/>
-              </a:ext>
-            </a:extLst>
-          </p:cNvPr>
-          <p:cNvSpPr txBox="1">
-            <a:spLocks/>
-          </p:cNvSpPr>
-          <p:nvPr/>
-        </p:nvSpPr>
-        <p:spPr>
-          <a:xfrm>
-            <a:off x="9667542" y="2638791"/>
-            <a:ext cx="1748366" cy="297599"/>
-          </a:xfrm>
-          <a:prstGeom prst="rect">
-            <a:avLst/>
-          </a:prstGeom>
-        </p:spPr>
-        <p:txBody>
-          <a:bodyPr spcFirstLastPara="1" vert="horz" wrap="square" lIns="91425" tIns="91425" rIns="91425" bIns="91425" rtlCol="0" anchor="t" anchorCtr="0">
-            <a:noAutofit/>
-          </a:bodyPr>
-          <a:lstStyle>
-            <a:lvl1pPr algn="ctr" defTabSz="914400" rtl="0" eaLnBrk="1" latinLnBrk="0" hangingPunct="1">
-              <a:lnSpc>
-                <a:spcPct val="90000"/>
-              </a:lnSpc>
-              <a:spcBef>
-                <a:spcPct val="0"/>
-              </a:spcBef>
-              <a:buNone/>
-              <a:defRPr sz="6000" kern="1200">
-                <a:solidFill>
-                  <a:schemeClr val="tx1"/>
-                </a:solidFill>
-                <a:latin typeface="+mj-lt"/>
-                <a:ea typeface="+mj-ea"/>
-                <a:cs typeface="+mj-cs"/>
-              </a:defRPr>
-            </a:lvl1pPr>
-          </a:lstStyle>
-          <a:p>
-            <a:pPr>
-              <a:buClr>
-                <a:schemeClr val="dk1"/>
-              </a:buClr>
-              <a:buSzPts val="990"/>
-            </a:pPr>
-            <a:r>
-              <a:rPr lang="en-US" sz="1100" b="1" dirty="0">
-                <a:solidFill>
-                  <a:srgbClr val="D53033"/>
-                </a:solidFill>
-                <a:latin typeface="Montserrat Medium" panose="00000600000000000000" pitchFamily="2" charset="-52"/>
-                <a:ea typeface="Montserrat SemiBold"/>
-                <a:cs typeface="Gotham Pro" panose="02000503040000020004" pitchFamily="2" charset="0"/>
-                <a:sym typeface="Montserrat SemiBold"/>
-              </a:rPr>
-              <a:t>OpenModelica</a:t>
-            </a:r>
-            <a:endParaRPr lang="ru-RU" sz="1100" b="1" dirty="0">
-              <a:solidFill>
-                <a:srgbClr val="D53033"/>
-              </a:solidFill>
-              <a:latin typeface="Montserrat Medium" panose="00000600000000000000" pitchFamily="2" charset="-52"/>
-              <a:ea typeface="Montserrat SemiBold"/>
-              <a:cs typeface="Gotham Pro" panose="02000503040000020004" pitchFamily="2" charset="0"/>
-              <a:sym typeface="Montserrat SemiBold"/>
-            </a:endParaRPr>
-          </a:p>
-        </p:txBody>
-      </p:sp>
-      <p:sp>
-        <p:nvSpPr>
-          <p:cNvPr id="7" name="Прямоугольник: скругленные углы 6">
-            <a:extLst>
-              <a:ext uri="{FF2B5EF4-FFF2-40B4-BE49-F238E27FC236}">
-                <a16:creationId xmlns:a16="http://schemas.microsoft.com/office/drawing/2014/main" id="{3BBC1B20-C091-4CD0-8206-54914BFD1E16}"/>
-              </a:ext>
-            </a:extLst>
-          </p:cNvPr>
-          <p:cNvSpPr/>
-          <p:nvPr/>
-        </p:nvSpPr>
-        <p:spPr>
-          <a:xfrm>
-            <a:off x="5561657" y="2879726"/>
-            <a:ext cx="1800000" cy="1800000"/>
-          </a:xfrm>
-          <a:prstGeom prst="roundRect">
-            <a:avLst/>
-          </a:prstGeom>
-          <a:solidFill>
-            <a:srgbClr val="C5E5D7"/>
-          </a:solidFill>
-          <a:ln>
-            <a:solidFill>
-              <a:srgbClr val="008E5B"/>
-            </a:solidFill>
-          </a:ln>
-        </p:spPr>
-        <p:style>
-          <a:lnRef idx="2">
-            <a:schemeClr val="accent1">
-              <a:shade val="15000"/>
-            </a:schemeClr>
-          </a:lnRef>
-          <a:fillRef idx="1">
-            <a:schemeClr val="accent1"/>
-          </a:fillRef>
-          <a:effectRef idx="0">
-            <a:schemeClr val="accent1"/>
-          </a:effectRef>
-          <a:fontRef idx="minor">
-            <a:schemeClr val="lt1"/>
-          </a:fontRef>
-        </p:style>
-        <p:txBody>
-          <a:bodyPr rtlCol="0" anchor="ctr"/>
-          <a:lstStyle/>
-          <a:p>
-            <a:pPr algn="ctr"/>
-            <a:endParaRPr lang="ru-RU"/>
-          </a:p>
-        </p:txBody>
-      </p:sp>
-      <p:sp>
-        <p:nvSpPr>
-          <p:cNvPr id="8" name="Google Shape;62;p14">
-            <a:extLst>
-              <a:ext uri="{FF2B5EF4-FFF2-40B4-BE49-F238E27FC236}">
-                <a16:creationId xmlns:a16="http://schemas.microsoft.com/office/drawing/2014/main" id="{1F88DEFF-F584-0B9E-B524-FB7927A39D43}"/>
-              </a:ext>
-            </a:extLst>
-          </p:cNvPr>
-          <p:cNvSpPr txBox="1">
-            <a:spLocks/>
-          </p:cNvSpPr>
-          <p:nvPr/>
-        </p:nvSpPr>
-        <p:spPr>
-          <a:xfrm>
-            <a:off x="5613291" y="3548670"/>
-            <a:ext cx="1748366" cy="462112"/>
-          </a:xfrm>
-          <a:prstGeom prst="rect">
-            <a:avLst/>
-          </a:prstGeom>
-        </p:spPr>
-        <p:txBody>
-          <a:bodyPr spcFirstLastPara="1" vert="horz" wrap="square" lIns="91425" tIns="91425" rIns="91425" bIns="91425" rtlCol="0" anchor="t" anchorCtr="0">
-            <a:noAutofit/>
-          </a:bodyPr>
-          <a:lstStyle>
-            <a:lvl1pPr algn="ctr" defTabSz="914400" rtl="0" eaLnBrk="1" latinLnBrk="0" hangingPunct="1">
-              <a:lnSpc>
-                <a:spcPct val="90000"/>
-              </a:lnSpc>
-              <a:spcBef>
-                <a:spcPct val="0"/>
-              </a:spcBef>
-              <a:buNone/>
-              <a:defRPr sz="6000" kern="1200">
-                <a:solidFill>
-                  <a:schemeClr val="tx1"/>
-                </a:solidFill>
-                <a:latin typeface="+mj-lt"/>
-                <a:ea typeface="+mj-ea"/>
-                <a:cs typeface="+mj-cs"/>
-              </a:defRPr>
-            </a:lvl1pPr>
-          </a:lstStyle>
-          <a:p>
-            <a:pPr>
-              <a:buClr>
-                <a:schemeClr val="dk1"/>
-              </a:buClr>
-              <a:buSzPts val="990"/>
-            </a:pPr>
-            <a:r>
-              <a:rPr lang="en-US" sz="1100" b="1" dirty="0">
-                <a:solidFill>
-                  <a:schemeClr val="tx1">
-                    <a:lumMod val="50000"/>
-                    <a:lumOff val="50000"/>
-                  </a:schemeClr>
-                </a:solidFill>
-                <a:latin typeface="Montserrat Medium" panose="00000600000000000000" pitchFamily="2" charset="-52"/>
-                <a:ea typeface="Montserrat SemiBold"/>
-                <a:cs typeface="Gotham Pro" panose="02000503040000020004" pitchFamily="2" charset="0"/>
-                <a:sym typeface="Montserrat SemiBold"/>
-              </a:rPr>
-              <a:t>FMU </a:t>
-            </a:r>
-            <a:r>
-              <a:rPr lang="ru-RU" sz="1100" b="1" dirty="0">
-                <a:solidFill>
-                  <a:schemeClr val="tx1">
-                    <a:lumMod val="50000"/>
-                    <a:lumOff val="50000"/>
-                  </a:schemeClr>
-                </a:solidFill>
-                <a:latin typeface="Montserrat Medium" panose="00000600000000000000" pitchFamily="2" charset="-52"/>
-                <a:ea typeface="Montserrat SemiBold"/>
-                <a:cs typeface="Gotham Pro" panose="02000503040000020004" pitchFamily="2" charset="0"/>
-                <a:sym typeface="Montserrat SemiBold"/>
-              </a:rPr>
-              <a:t>модель </a:t>
-            </a:r>
-            <a:br>
-              <a:rPr lang="ru-RU" sz="1100" b="1" dirty="0">
-                <a:solidFill>
-                  <a:schemeClr val="tx1">
-                    <a:lumMod val="50000"/>
-                    <a:lumOff val="50000"/>
-                  </a:schemeClr>
-                </a:solidFill>
-                <a:latin typeface="Montserrat Medium" panose="00000600000000000000" pitchFamily="2" charset="-52"/>
-                <a:ea typeface="Montserrat SemiBold"/>
-                <a:cs typeface="Gotham Pro" panose="02000503040000020004" pitchFamily="2" charset="0"/>
-                <a:sym typeface="Montserrat SemiBold"/>
-              </a:rPr>
-            </a:br>
-            <a:r>
-              <a:rPr lang="ru-RU" sz="1100" b="1" dirty="0">
-                <a:solidFill>
-                  <a:schemeClr val="tx1">
-                    <a:lumMod val="50000"/>
-                    <a:lumOff val="50000"/>
-                  </a:schemeClr>
-                </a:solidFill>
-                <a:latin typeface="Montserrat Medium" panose="00000600000000000000" pitchFamily="2" charset="-52"/>
-                <a:ea typeface="Montserrat SemiBold"/>
-                <a:cs typeface="Gotham Pro" panose="02000503040000020004" pitchFamily="2" charset="0"/>
-                <a:sym typeface="Montserrat SemiBold"/>
-              </a:rPr>
-              <a:t>ДНС</a:t>
-            </a:r>
-          </a:p>
-        </p:txBody>
-      </p:sp>
-      <p:sp>
-        <p:nvSpPr>
-          <p:cNvPr id="9" name="Google Shape;62;p14">
-            <a:extLst>
-              <a:ext uri="{FF2B5EF4-FFF2-40B4-BE49-F238E27FC236}">
-                <a16:creationId xmlns:a16="http://schemas.microsoft.com/office/drawing/2014/main" id="{108E941F-CBFF-0205-B5D5-C4F46951284F}"/>
-              </a:ext>
-            </a:extLst>
-          </p:cNvPr>
-          <p:cNvSpPr txBox="1">
-            <a:spLocks/>
-          </p:cNvSpPr>
-          <p:nvPr/>
-        </p:nvSpPr>
-        <p:spPr>
-          <a:xfrm>
-            <a:off x="9667542" y="4585541"/>
-            <a:ext cx="1748366" cy="456731"/>
-          </a:xfrm>
-          <a:prstGeom prst="rect">
-            <a:avLst/>
-          </a:prstGeom>
-        </p:spPr>
-        <p:txBody>
-          <a:bodyPr spcFirstLastPara="1" vert="horz" wrap="square" lIns="91425" tIns="91425" rIns="91425" bIns="91425" rtlCol="0" anchor="t" anchorCtr="0">
-            <a:noAutofit/>
-          </a:bodyPr>
-          <a:lstStyle>
-            <a:lvl1pPr algn="ctr" defTabSz="914400" rtl="0" eaLnBrk="1" latinLnBrk="0" hangingPunct="1">
-              <a:lnSpc>
-                <a:spcPct val="90000"/>
-              </a:lnSpc>
-              <a:spcBef>
-                <a:spcPct val="0"/>
-              </a:spcBef>
-              <a:buNone/>
-              <a:defRPr sz="6000" kern="1200">
-                <a:solidFill>
-                  <a:schemeClr val="tx1"/>
-                </a:solidFill>
-                <a:latin typeface="+mj-lt"/>
-                <a:ea typeface="+mj-ea"/>
-                <a:cs typeface="+mj-cs"/>
-              </a:defRPr>
-            </a:lvl1pPr>
-          </a:lstStyle>
-          <a:p>
-            <a:pPr>
-              <a:buClr>
-                <a:schemeClr val="dk1"/>
-              </a:buClr>
-              <a:buSzPts val="990"/>
-            </a:pPr>
-            <a:r>
-              <a:rPr lang="ru-RU" sz="1100" b="1" dirty="0">
-                <a:solidFill>
-                  <a:schemeClr val="tx1">
-                    <a:lumMod val="50000"/>
-                    <a:lumOff val="50000"/>
-                  </a:schemeClr>
-                </a:solidFill>
-                <a:latin typeface="Montserrat Medium" panose="00000600000000000000" pitchFamily="2" charset="-52"/>
-                <a:ea typeface="Montserrat SemiBold"/>
-                <a:cs typeface="Gotham Pro" panose="02000503040000020004" pitchFamily="2" charset="0"/>
-                <a:sym typeface="Montserrat SemiBold"/>
-              </a:rPr>
-              <a:t>Модель ДНС</a:t>
-            </a:r>
-          </a:p>
-        </p:txBody>
-      </p:sp>
-      <p:sp>
-        <p:nvSpPr>
-          <p:cNvPr id="10" name="Google Shape;62;p14">
-            <a:extLst>
-              <a:ext uri="{FF2B5EF4-FFF2-40B4-BE49-F238E27FC236}">
-                <a16:creationId xmlns:a16="http://schemas.microsoft.com/office/drawing/2014/main" id="{4CEE467D-913F-4B12-A214-CFE57DAF0D40}"/>
-              </a:ext>
-            </a:extLst>
-          </p:cNvPr>
-          <p:cNvSpPr txBox="1">
-            <a:spLocks/>
-          </p:cNvSpPr>
-          <p:nvPr/>
-        </p:nvSpPr>
-        <p:spPr>
-          <a:xfrm>
-            <a:off x="5613290" y="2181201"/>
-            <a:ext cx="1696731" cy="332087"/>
-          </a:xfrm>
-          <a:prstGeom prst="rect">
-            <a:avLst/>
-          </a:prstGeom>
-        </p:spPr>
-        <p:txBody>
-          <a:bodyPr spcFirstLastPara="1" vert="horz" wrap="square" lIns="91425" tIns="91425" rIns="91425" bIns="91425" rtlCol="0" anchor="t" anchorCtr="0">
-            <a:noAutofit/>
-          </a:bodyPr>
-          <a:lstStyle>
-            <a:lvl1pPr algn="ctr" defTabSz="914400" rtl="0" eaLnBrk="1" latinLnBrk="0" hangingPunct="1">
-              <a:lnSpc>
-                <a:spcPct val="90000"/>
-              </a:lnSpc>
-              <a:spcBef>
-                <a:spcPct val="0"/>
-              </a:spcBef>
-              <a:buNone/>
-              <a:defRPr sz="6000" kern="1200">
-                <a:solidFill>
-                  <a:schemeClr val="tx1"/>
-                </a:solidFill>
-                <a:latin typeface="+mj-lt"/>
-                <a:ea typeface="+mj-ea"/>
-                <a:cs typeface="+mj-cs"/>
-              </a:defRPr>
-            </a:lvl1pPr>
-          </a:lstStyle>
-          <a:p>
-            <a:pPr>
-              <a:buClr>
-                <a:schemeClr val="dk1"/>
-              </a:buClr>
-              <a:buSzPts val="990"/>
-            </a:pPr>
-            <a:r>
-              <a:rPr lang="en-US" sz="1100" b="1" dirty="0">
-                <a:solidFill>
-                  <a:srgbClr val="008E5B"/>
-                </a:solidFill>
-                <a:latin typeface="Montserrat Medium" panose="00000600000000000000" pitchFamily="2" charset="-52"/>
-                <a:ea typeface="Montserrat SemiBold"/>
-                <a:cs typeface="Gotham Pro" panose="02000503040000020004" pitchFamily="2" charset="0"/>
-                <a:sym typeface="Montserrat SemiBold"/>
-              </a:rPr>
-              <a:t>ASP.Net</a:t>
-            </a:r>
-            <a:endParaRPr lang="ru-RU" sz="1100" b="1" dirty="0">
-              <a:solidFill>
-                <a:srgbClr val="008E5B"/>
-              </a:solidFill>
-              <a:latin typeface="Montserrat Medium" panose="00000600000000000000" pitchFamily="2" charset="-52"/>
-              <a:ea typeface="Montserrat SemiBold"/>
-              <a:cs typeface="Gotham Pro" panose="02000503040000020004" pitchFamily="2" charset="0"/>
-              <a:sym typeface="Montserrat SemiBold"/>
-            </a:endParaRPr>
-          </a:p>
-        </p:txBody>
-      </p:sp>
-      <p:sp>
-        <p:nvSpPr>
-          <p:cNvPr id="11" name="Google Shape;62;p14">
-            <a:extLst>
-              <a:ext uri="{FF2B5EF4-FFF2-40B4-BE49-F238E27FC236}">
-                <a16:creationId xmlns:a16="http://schemas.microsoft.com/office/drawing/2014/main" id="{2B6768F5-6AFA-45E9-1E5B-F6A9BA53A7A3}"/>
-              </a:ext>
-            </a:extLst>
-          </p:cNvPr>
-          <p:cNvSpPr txBox="1">
-            <a:spLocks/>
-          </p:cNvSpPr>
-          <p:nvPr/>
-        </p:nvSpPr>
-        <p:spPr>
-          <a:xfrm>
-            <a:off x="5639108" y="2919571"/>
-            <a:ext cx="1696731" cy="332087"/>
-          </a:xfrm>
-          <a:prstGeom prst="rect">
-            <a:avLst/>
-          </a:prstGeom>
-        </p:spPr>
-        <p:txBody>
-          <a:bodyPr spcFirstLastPara="1" vert="horz" wrap="square" lIns="91425" tIns="91425" rIns="91425" bIns="91425" rtlCol="0" anchor="t" anchorCtr="0">
-            <a:noAutofit/>
-          </a:bodyPr>
-          <a:lstStyle>
-            <a:lvl1pPr algn="ctr" defTabSz="914400" rtl="0" eaLnBrk="1" latinLnBrk="0" hangingPunct="1">
-              <a:lnSpc>
-                <a:spcPct val="90000"/>
-              </a:lnSpc>
-              <a:spcBef>
-                <a:spcPct val="0"/>
-              </a:spcBef>
-              <a:buNone/>
-              <a:defRPr sz="6000" kern="1200">
-                <a:solidFill>
-                  <a:schemeClr val="tx1"/>
-                </a:solidFill>
-                <a:latin typeface="+mj-lt"/>
-                <a:ea typeface="+mj-ea"/>
-                <a:cs typeface="+mj-cs"/>
-              </a:defRPr>
-            </a:lvl1pPr>
-          </a:lstStyle>
-          <a:p>
-            <a:pPr>
-              <a:buClr>
-                <a:schemeClr val="dk1"/>
-              </a:buClr>
-              <a:buSzPts val="990"/>
-            </a:pPr>
-            <a:r>
-              <a:rPr lang="en-US" sz="1100" b="1" dirty="0">
-                <a:solidFill>
-                  <a:srgbClr val="008E5B"/>
-                </a:solidFill>
-                <a:latin typeface="Montserrat Medium" panose="00000600000000000000" pitchFamily="2" charset="-52"/>
-                <a:ea typeface="Montserrat SemiBold"/>
-                <a:cs typeface="Gotham Pro" panose="02000503040000020004" pitchFamily="2" charset="0"/>
-                <a:sym typeface="Montserrat SemiBold"/>
-              </a:rPr>
-              <a:t>FMU wrapper</a:t>
-            </a:r>
-            <a:endParaRPr lang="ru-RU" sz="1100" b="1" dirty="0">
-              <a:solidFill>
-                <a:srgbClr val="008E5B"/>
-              </a:solidFill>
-              <a:latin typeface="Montserrat Medium" panose="00000600000000000000" pitchFamily="2" charset="-52"/>
-              <a:ea typeface="Montserrat SemiBold"/>
-              <a:cs typeface="Gotham Pro" panose="02000503040000020004" pitchFamily="2" charset="0"/>
-              <a:sym typeface="Montserrat SemiBold"/>
-            </a:endParaRPr>
-          </a:p>
-        </p:txBody>
-      </p:sp>
-      <p:sp>
-        <p:nvSpPr>
-          <p:cNvPr id="13" name="Стрелка: вправо 12">
-            <a:extLst>
-              <a:ext uri="{FF2B5EF4-FFF2-40B4-BE49-F238E27FC236}">
-                <a16:creationId xmlns:a16="http://schemas.microsoft.com/office/drawing/2014/main" id="{25B21A03-AF17-D0FD-38E4-82F45CE448D3}"/>
-              </a:ext>
-            </a:extLst>
-          </p:cNvPr>
-          <p:cNvSpPr/>
-          <p:nvPr/>
-        </p:nvSpPr>
-        <p:spPr>
-          <a:xfrm rot="10800000">
-            <a:off x="7264164" y="3635492"/>
-            <a:ext cx="1748367" cy="297012"/>
-          </a:xfrm>
-          <a:prstGeom prst="rightArrow">
-            <a:avLst/>
-          </a:prstGeom>
-          <a:solidFill>
-            <a:srgbClr val="C5E5D7"/>
-          </a:solidFill>
-          <a:ln>
-            <a:solidFill>
-              <a:srgbClr val="008E5B"/>
-            </a:solidFill>
-          </a:ln>
-        </p:spPr>
-        <p:style>
-          <a:lnRef idx="2">
-            <a:schemeClr val="accent1">
-              <a:shade val="15000"/>
-            </a:schemeClr>
-          </a:lnRef>
-          <a:fillRef idx="1">
-            <a:schemeClr val="accent1"/>
-          </a:fillRef>
-          <a:effectRef idx="0">
-            <a:schemeClr val="accent1"/>
-          </a:effectRef>
-          <a:fontRef idx="minor">
-            <a:schemeClr val="lt1"/>
-          </a:fontRef>
-        </p:style>
-        <p:txBody>
-          <a:bodyPr rtlCol="0" anchor="ctr"/>
-          <a:lstStyle/>
-          <a:p>
-            <a:pPr algn="ctr"/>
-            <a:endParaRPr lang="ru-RU"/>
-          </a:p>
-        </p:txBody>
-      </p:sp>
-      <p:sp>
-        <p:nvSpPr>
-          <p:cNvPr id="16" name="Google Shape;62;p14">
-            <a:extLst>
-              <a:ext uri="{FF2B5EF4-FFF2-40B4-BE49-F238E27FC236}">
-                <a16:creationId xmlns:a16="http://schemas.microsoft.com/office/drawing/2014/main" id="{151B723E-620C-8CE3-5E03-1BE2228CD513}"/>
-              </a:ext>
-            </a:extLst>
-          </p:cNvPr>
-          <p:cNvSpPr txBox="1">
-            <a:spLocks/>
-          </p:cNvSpPr>
-          <p:nvPr/>
-        </p:nvSpPr>
-        <p:spPr>
-          <a:xfrm>
-            <a:off x="7699611" y="2871982"/>
-            <a:ext cx="1454331" cy="608094"/>
-          </a:xfrm>
-          <a:prstGeom prst="rect">
-            <a:avLst/>
-          </a:prstGeom>
-        </p:spPr>
-        <p:txBody>
-          <a:bodyPr spcFirstLastPara="1" vert="horz" wrap="square" lIns="91425" tIns="91425" rIns="91425" bIns="91425" rtlCol="0" anchor="t" anchorCtr="0">
-            <a:noAutofit/>
-          </a:bodyPr>
-          <a:lstStyle>
-            <a:lvl1pPr algn="ctr" defTabSz="914400" rtl="0" eaLnBrk="1" latinLnBrk="0" hangingPunct="1">
-              <a:lnSpc>
-                <a:spcPct val="90000"/>
-              </a:lnSpc>
-              <a:spcBef>
-                <a:spcPct val="0"/>
-              </a:spcBef>
-              <a:buNone/>
-              <a:defRPr sz="6000" kern="1200">
-                <a:solidFill>
-                  <a:schemeClr val="tx1"/>
-                </a:solidFill>
-                <a:latin typeface="+mj-lt"/>
-                <a:ea typeface="+mj-ea"/>
-                <a:cs typeface="+mj-cs"/>
-              </a:defRPr>
-            </a:lvl1pPr>
-          </a:lstStyle>
-          <a:p>
-            <a:pPr>
-              <a:buClr>
-                <a:schemeClr val="dk1"/>
-              </a:buClr>
-              <a:buSzPts val="990"/>
-            </a:pPr>
-            <a:r>
-              <a:rPr lang="ru-RU" sz="1100" b="1" dirty="0">
-                <a:solidFill>
-                  <a:schemeClr val="tx1">
-                    <a:lumMod val="50000"/>
-                    <a:lumOff val="50000"/>
-                  </a:schemeClr>
-                </a:solidFill>
-                <a:latin typeface="Montserrat Medium" panose="00000600000000000000" pitchFamily="2" charset="-52"/>
-                <a:ea typeface="Montserrat SemiBold"/>
-                <a:cs typeface="Gotham Pro" panose="02000503040000020004" pitchFamily="2" charset="0"/>
-                <a:sym typeface="Montserrat SemiBold"/>
-              </a:rPr>
-              <a:t>Преобразование модели по стандарту </a:t>
-            </a:r>
-            <a:r>
-              <a:rPr lang="en-US" sz="1100" b="1" dirty="0">
-                <a:solidFill>
-                  <a:schemeClr val="tx1">
-                    <a:lumMod val="50000"/>
-                    <a:lumOff val="50000"/>
-                  </a:schemeClr>
-                </a:solidFill>
-                <a:latin typeface="Montserrat Medium" panose="00000600000000000000" pitchFamily="2" charset="-52"/>
-                <a:ea typeface="Montserrat SemiBold"/>
-                <a:cs typeface="Gotham Pro" panose="02000503040000020004" pitchFamily="2" charset="0"/>
-                <a:sym typeface="Montserrat SemiBold"/>
-              </a:rPr>
-              <a:t>FMI</a:t>
-            </a:r>
-            <a:endParaRPr lang="ru-RU" sz="1100" b="1" dirty="0">
-              <a:solidFill>
-                <a:schemeClr val="tx1">
-                  <a:lumMod val="50000"/>
-                  <a:lumOff val="50000"/>
-                </a:schemeClr>
-              </a:solidFill>
-              <a:latin typeface="Montserrat Medium" panose="00000600000000000000" pitchFamily="2" charset="-52"/>
-              <a:ea typeface="Montserrat SemiBold"/>
-              <a:cs typeface="Gotham Pro" panose="02000503040000020004" pitchFamily="2" charset="0"/>
-              <a:sym typeface="Montserrat SemiBold"/>
-            </a:endParaRPr>
-          </a:p>
-        </p:txBody>
-      </p:sp>
-      <p:sp>
-        <p:nvSpPr>
-          <p:cNvPr id="17" name="Облако 16">
-            <a:extLst>
-              <a:ext uri="{FF2B5EF4-FFF2-40B4-BE49-F238E27FC236}">
-                <a16:creationId xmlns:a16="http://schemas.microsoft.com/office/drawing/2014/main" id="{0D8B28D2-0281-A3DF-6398-BBD524E1F0B6}"/>
-              </a:ext>
-            </a:extLst>
-          </p:cNvPr>
-          <p:cNvSpPr/>
-          <p:nvPr/>
-        </p:nvSpPr>
-        <p:spPr>
-          <a:xfrm>
-            <a:off x="2298445" y="2787590"/>
-            <a:ext cx="2384282" cy="1946750"/>
-          </a:xfrm>
-          <a:prstGeom prst="cloud">
-            <a:avLst/>
-          </a:prstGeom>
-          <a:solidFill>
-            <a:srgbClr val="7CC4A3"/>
-          </a:solidFill>
-          <a:ln>
-            <a:solidFill>
-              <a:srgbClr val="008E5B"/>
-            </a:solidFill>
-          </a:ln>
-        </p:spPr>
-        <p:style>
-          <a:lnRef idx="2">
-            <a:schemeClr val="accent1">
-              <a:shade val="15000"/>
-            </a:schemeClr>
-          </a:lnRef>
-          <a:fillRef idx="1">
-            <a:schemeClr val="accent1"/>
-          </a:fillRef>
-          <a:effectRef idx="0">
-            <a:schemeClr val="accent1"/>
-          </a:effectRef>
-          <a:fontRef idx="minor">
-            <a:schemeClr val="lt1"/>
-          </a:fontRef>
-        </p:style>
-        <p:txBody>
-          <a:bodyPr rtlCol="0" anchor="ctr"/>
-          <a:lstStyle/>
-          <a:p>
-            <a:pPr algn="ctr"/>
-            <a:r>
-              <a:rPr lang="en-US" sz="1400" b="1" dirty="0">
-                <a:solidFill>
-                  <a:srgbClr val="008E5B"/>
-                </a:solidFill>
-                <a:latin typeface="Montserrat Medium" panose="00000600000000000000" pitchFamily="2" charset="-52"/>
-              </a:rPr>
-              <a:t>SignalR</a:t>
-            </a:r>
-            <a:endParaRPr lang="ru-RU" sz="1400" b="1" dirty="0">
-              <a:solidFill>
-                <a:srgbClr val="008E5B"/>
-              </a:solidFill>
-              <a:latin typeface="Montserrat Medium" panose="00000600000000000000" pitchFamily="2" charset="-52"/>
-            </a:endParaRPr>
-          </a:p>
-        </p:txBody>
-      </p:sp>
-      <p:sp>
-        <p:nvSpPr>
-          <p:cNvPr id="32" name="Google Shape;62;p14">
-            <a:extLst>
-              <a:ext uri="{FF2B5EF4-FFF2-40B4-BE49-F238E27FC236}">
-                <a16:creationId xmlns:a16="http://schemas.microsoft.com/office/drawing/2014/main" id="{8765EFDD-AC99-032E-A081-DD7AA18A3741}"/>
-              </a:ext>
-            </a:extLst>
-          </p:cNvPr>
-          <p:cNvSpPr txBox="1">
-            <a:spLocks/>
-          </p:cNvSpPr>
-          <p:nvPr/>
-        </p:nvSpPr>
-        <p:spPr>
-          <a:xfrm>
-            <a:off x="4030451" y="4309496"/>
-            <a:ext cx="1401187" cy="608094"/>
-          </a:xfrm>
-          <a:prstGeom prst="rect">
-            <a:avLst/>
-          </a:prstGeom>
-          <a:noFill/>
-        </p:spPr>
-        <p:txBody>
-          <a:bodyPr spcFirstLastPara="1" vert="horz" wrap="square" lIns="91425" tIns="91425" rIns="91425" bIns="91425" rtlCol="0" anchor="t" anchorCtr="0">
-            <a:noAutofit/>
-          </a:bodyPr>
-          <a:lstStyle>
-            <a:lvl1pPr algn="ctr" defTabSz="914400" rtl="0" eaLnBrk="1" latinLnBrk="0" hangingPunct="1">
-              <a:lnSpc>
-                <a:spcPct val="90000"/>
-              </a:lnSpc>
-              <a:spcBef>
-                <a:spcPct val="0"/>
-              </a:spcBef>
-              <a:buNone/>
-              <a:defRPr sz="6000" kern="1200">
-                <a:solidFill>
-                  <a:schemeClr val="tx1"/>
-                </a:solidFill>
-                <a:latin typeface="+mj-lt"/>
-                <a:ea typeface="+mj-ea"/>
-                <a:cs typeface="+mj-cs"/>
-              </a:defRPr>
-            </a:lvl1pPr>
-          </a:lstStyle>
-          <a:p>
-            <a:pPr>
-              <a:buClr>
-                <a:schemeClr val="dk1"/>
-              </a:buClr>
-              <a:buSzPts val="990"/>
-            </a:pPr>
-            <a:r>
-              <a:rPr lang="ru-RU" sz="1100" b="1" dirty="0">
-                <a:solidFill>
-                  <a:schemeClr val="tx1">
-                    <a:lumMod val="50000"/>
-                    <a:lumOff val="50000"/>
-                  </a:schemeClr>
-                </a:solidFill>
-                <a:latin typeface="Montserrat Medium" panose="00000600000000000000" pitchFamily="2" charset="-52"/>
-                <a:ea typeface="Montserrat SemiBold"/>
-                <a:cs typeface="Gotham Pro" panose="02000503040000020004" pitchFamily="2" charset="0"/>
-                <a:sym typeface="Montserrat SemiBold"/>
-              </a:rPr>
-              <a:t>Интерфейс результатов моделирования</a:t>
-            </a:r>
-          </a:p>
-        </p:txBody>
-      </p:sp>
-      <p:sp>
-        <p:nvSpPr>
-          <p:cNvPr id="35" name="Стрелка: вправо 34">
-            <a:extLst>
-              <a:ext uri="{FF2B5EF4-FFF2-40B4-BE49-F238E27FC236}">
-                <a16:creationId xmlns:a16="http://schemas.microsoft.com/office/drawing/2014/main" id="{E0D11C9B-BFF6-1A8C-AFA6-4C3E15D559B4}"/>
-              </a:ext>
-            </a:extLst>
-          </p:cNvPr>
-          <p:cNvSpPr/>
-          <p:nvPr/>
-        </p:nvSpPr>
-        <p:spPr>
-          <a:xfrm rot="10800000">
-            <a:off x="3919466" y="3666318"/>
-            <a:ext cx="1748367" cy="297012"/>
-          </a:xfrm>
-          <a:prstGeom prst="rightArrow">
-            <a:avLst/>
-          </a:prstGeom>
-          <a:solidFill>
-            <a:srgbClr val="C5E5D7"/>
-          </a:solidFill>
-          <a:ln>
-            <a:solidFill>
-              <a:srgbClr val="008E5B"/>
-            </a:solidFill>
-          </a:ln>
-        </p:spPr>
-        <p:style>
-          <a:lnRef idx="2">
-            <a:schemeClr val="accent1">
-              <a:shade val="15000"/>
-            </a:schemeClr>
-          </a:lnRef>
-          <a:fillRef idx="1">
-            <a:schemeClr val="accent1"/>
-          </a:fillRef>
-          <a:effectRef idx="0">
-            <a:schemeClr val="accent1"/>
-          </a:effectRef>
-          <a:fontRef idx="minor">
-            <a:schemeClr val="lt1"/>
-          </a:fontRef>
-        </p:style>
-        <p:txBody>
-          <a:bodyPr rtlCol="0" anchor="ctr"/>
-          <a:lstStyle/>
-          <a:p>
-            <a:pPr algn="ctr"/>
-            <a:endParaRPr lang="ru-RU"/>
-          </a:p>
-        </p:txBody>
-      </p:sp>
       <p:pic>
         <p:nvPicPr>
-          <p:cNvPr id="39" name="Рисунок 38">
+          <p:cNvPr id="8" name="Рисунок 7">
             <a:extLst>
               <a:ext uri="{FF2B5EF4-FFF2-40B4-BE49-F238E27FC236}">
-                <a16:creationId xmlns:a16="http://schemas.microsoft.com/office/drawing/2014/main" id="{9C57D51C-9812-B326-CAB8-B1E76F8A8DCC}"/>
+                <a16:creationId xmlns:a16="http://schemas.microsoft.com/office/drawing/2014/main" id="{031CAF22-7067-7AD6-6466-0209A2009511}"/>
+              </a:ext>
+            </a:extLst>
+          </p:cNvPr>
+          <p:cNvPicPr>
+            <a:picLocks noChangeAspect="1"/>
+          </p:cNvPicPr>
+          <p:nvPr/>
+        </p:nvPicPr>
+        <p:blipFill>
+          <a:blip r:embed="rId3"/>
+          <a:stretch>
+            <a:fillRect/>
+          </a:stretch>
+        </p:blipFill>
+        <p:spPr>
+          <a:xfrm>
+            <a:off x="146521" y="1401827"/>
+            <a:ext cx="5830404" cy="4054345"/>
+          </a:xfrm>
+          <a:prstGeom prst="rect">
+            <a:avLst/>
+          </a:prstGeom>
+        </p:spPr>
+      </p:pic>
+      <p:pic>
+        <p:nvPicPr>
+          <p:cNvPr id="3" name="Рисунок 2">
+            <a:extLst>
+              <a:ext uri="{FF2B5EF4-FFF2-40B4-BE49-F238E27FC236}">
+                <a16:creationId xmlns:a16="http://schemas.microsoft.com/office/drawing/2014/main" id="{F9B42509-3E5E-5DCB-E2D1-4DF815707D75}"/>
+              </a:ext>
+            </a:extLst>
+          </p:cNvPr>
+          <p:cNvPicPr>
+            <a:picLocks noChangeAspect="1"/>
+          </p:cNvPicPr>
+          <p:nvPr/>
+        </p:nvPicPr>
+        <p:blipFill>
+          <a:blip r:embed="rId4"/>
+          <a:stretch>
+            <a:fillRect/>
+          </a:stretch>
+        </p:blipFill>
+        <p:spPr>
+          <a:xfrm>
+            <a:off x="6068555" y="3726481"/>
+            <a:ext cx="5949479" cy="2855664"/>
+          </a:xfrm>
+          <a:prstGeom prst="rect">
+            <a:avLst/>
+          </a:prstGeom>
+        </p:spPr>
+      </p:pic>
+      <p:pic>
+        <p:nvPicPr>
+          <p:cNvPr id="7" name="Рисунок 6">
+            <a:extLst>
+              <a:ext uri="{FF2B5EF4-FFF2-40B4-BE49-F238E27FC236}">
+                <a16:creationId xmlns:a16="http://schemas.microsoft.com/office/drawing/2014/main" id="{D0E48694-263D-4B70-9984-29B9273C4B95}"/>
               </a:ext>
             </a:extLst>
           </p:cNvPr>
@@ -10126,315 +9075,18 @@
         </p:blipFill>
         <p:spPr>
           <a:xfrm>
-            <a:off x="370726" y="4481354"/>
-            <a:ext cx="2073907" cy="1121835"/>
+            <a:off x="6068555" y="781936"/>
+            <a:ext cx="5976924" cy="2705013"/>
           </a:xfrm>
           <a:prstGeom prst="rect">
             <a:avLst/>
           </a:prstGeom>
-          <a:ln>
-            <a:solidFill>
-              <a:srgbClr val="008E5B"/>
-            </a:solidFill>
-          </a:ln>
         </p:spPr>
       </p:pic>
-      <p:sp>
-        <p:nvSpPr>
-          <p:cNvPr id="41" name="Стрелка: вправо 40">
-            <a:extLst>
-              <a:ext uri="{FF2B5EF4-FFF2-40B4-BE49-F238E27FC236}">
-                <a16:creationId xmlns:a16="http://schemas.microsoft.com/office/drawing/2014/main" id="{EFDCA160-DC27-D21B-610A-058ADC26ACB3}"/>
-              </a:ext>
-            </a:extLst>
-          </p:cNvPr>
-          <p:cNvSpPr/>
-          <p:nvPr/>
-        </p:nvSpPr>
-        <p:spPr>
-          <a:xfrm rot="8483121">
-            <a:off x="1768902" y="4437034"/>
-            <a:ext cx="1390290" cy="297012"/>
-          </a:xfrm>
-          <a:prstGeom prst="rightArrow">
-            <a:avLst/>
-          </a:prstGeom>
-          <a:solidFill>
-            <a:srgbClr val="C5E5D7"/>
-          </a:solidFill>
-          <a:ln>
-            <a:solidFill>
-              <a:srgbClr val="008E5B"/>
-            </a:solidFill>
-          </a:ln>
-        </p:spPr>
-        <p:style>
-          <a:lnRef idx="2">
-            <a:schemeClr val="accent1">
-              <a:shade val="15000"/>
-            </a:schemeClr>
-          </a:lnRef>
-          <a:fillRef idx="1">
-            <a:schemeClr val="accent1"/>
-          </a:fillRef>
-          <a:effectRef idx="0">
-            <a:schemeClr val="accent1"/>
-          </a:effectRef>
-          <a:fontRef idx="minor">
-            <a:schemeClr val="lt1"/>
-          </a:fontRef>
-        </p:style>
-        <p:txBody>
-          <a:bodyPr rtlCol="0" anchor="ctr"/>
-          <a:lstStyle/>
-          <a:p>
-            <a:pPr algn="ctr"/>
-            <a:endParaRPr lang="ru-RU"/>
-          </a:p>
-        </p:txBody>
-      </p:sp>
-      <p:sp>
-        <p:nvSpPr>
-          <p:cNvPr id="40" name="Google Shape;62;p14">
-            <a:extLst>
-              <a:ext uri="{FF2B5EF4-FFF2-40B4-BE49-F238E27FC236}">
-                <a16:creationId xmlns:a16="http://schemas.microsoft.com/office/drawing/2014/main" id="{2155D9D9-2EFF-D850-B4E3-26F474730902}"/>
-              </a:ext>
-            </a:extLst>
-          </p:cNvPr>
-          <p:cNvSpPr txBox="1">
-            <a:spLocks/>
-          </p:cNvSpPr>
-          <p:nvPr/>
-        </p:nvSpPr>
-        <p:spPr>
-          <a:xfrm>
-            <a:off x="630225" y="4035854"/>
-            <a:ext cx="1261933" cy="297599"/>
-          </a:xfrm>
-          <a:prstGeom prst="rect">
-            <a:avLst/>
-          </a:prstGeom>
-        </p:spPr>
-        <p:txBody>
-          <a:bodyPr spcFirstLastPara="1" vert="horz" wrap="square" lIns="91425" tIns="91425" rIns="91425" bIns="91425" rtlCol="0" anchor="t" anchorCtr="0">
-            <a:noAutofit/>
-          </a:bodyPr>
-          <a:lstStyle>
-            <a:lvl1pPr algn="ctr" defTabSz="914400" rtl="0" eaLnBrk="1" latinLnBrk="0" hangingPunct="1">
-              <a:lnSpc>
-                <a:spcPct val="90000"/>
-              </a:lnSpc>
-              <a:spcBef>
-                <a:spcPct val="0"/>
-              </a:spcBef>
-              <a:buNone/>
-              <a:defRPr sz="6000" kern="1200">
-                <a:solidFill>
-                  <a:schemeClr val="tx1"/>
-                </a:solidFill>
-                <a:latin typeface="+mj-lt"/>
-                <a:ea typeface="+mj-ea"/>
-                <a:cs typeface="+mj-cs"/>
-              </a:defRPr>
-            </a:lvl1pPr>
-          </a:lstStyle>
-          <a:p>
-            <a:pPr>
-              <a:buClr>
-                <a:schemeClr val="dk1"/>
-              </a:buClr>
-              <a:buSzPts val="990"/>
-            </a:pPr>
-            <a:r>
-              <a:rPr lang="en-US" sz="1100" b="1" dirty="0">
-                <a:solidFill>
-                  <a:srgbClr val="D53033"/>
-                </a:solidFill>
-                <a:latin typeface="Montserrat Medium" panose="00000600000000000000" pitchFamily="2" charset="-52"/>
-                <a:ea typeface="Montserrat SemiBold"/>
-                <a:cs typeface="Gotham Pro" panose="02000503040000020004" pitchFamily="2" charset="0"/>
-                <a:sym typeface="Montserrat SemiBold"/>
-              </a:rPr>
-              <a:t>UI </a:t>
-            </a:r>
-            <a:r>
-              <a:rPr lang="ru-RU" sz="1100" b="1" dirty="0">
-                <a:solidFill>
-                  <a:srgbClr val="D53033"/>
-                </a:solidFill>
-                <a:latin typeface="Montserrat Medium" panose="00000600000000000000" pitchFamily="2" charset="-52"/>
-                <a:ea typeface="Montserrat SemiBold"/>
-                <a:cs typeface="Gotham Pro" panose="02000503040000020004" pitchFamily="2" charset="0"/>
-                <a:sym typeface="Montserrat SemiBold"/>
-              </a:rPr>
-              <a:t>системы мониторинга</a:t>
-            </a:r>
-          </a:p>
-        </p:txBody>
-      </p:sp>
-      <p:sp>
-        <p:nvSpPr>
-          <p:cNvPr id="42" name="Google Shape;62;p14">
-            <a:extLst>
-              <a:ext uri="{FF2B5EF4-FFF2-40B4-BE49-F238E27FC236}">
-                <a16:creationId xmlns:a16="http://schemas.microsoft.com/office/drawing/2014/main" id="{09C07EAE-0DC9-2F3A-ECA6-D43A25FD5402}"/>
-              </a:ext>
-            </a:extLst>
-          </p:cNvPr>
-          <p:cNvSpPr txBox="1">
-            <a:spLocks/>
-          </p:cNvSpPr>
-          <p:nvPr/>
-        </p:nvSpPr>
-        <p:spPr>
-          <a:xfrm>
-            <a:off x="209006" y="5597855"/>
-            <a:ext cx="2206155" cy="329402"/>
-          </a:xfrm>
-          <a:prstGeom prst="rect">
-            <a:avLst/>
-          </a:prstGeom>
-        </p:spPr>
-        <p:txBody>
-          <a:bodyPr spcFirstLastPara="1" vert="horz" wrap="square" lIns="91425" tIns="91425" rIns="91425" bIns="91425" rtlCol="0" anchor="t" anchorCtr="0">
-            <a:noAutofit/>
-          </a:bodyPr>
-          <a:lstStyle>
-            <a:lvl1pPr algn="ctr" defTabSz="914400" rtl="0" eaLnBrk="1" latinLnBrk="0" hangingPunct="1">
-              <a:lnSpc>
-                <a:spcPct val="90000"/>
-              </a:lnSpc>
-              <a:spcBef>
-                <a:spcPct val="0"/>
-              </a:spcBef>
-              <a:buNone/>
-              <a:defRPr sz="6000" kern="1200">
-                <a:solidFill>
-                  <a:schemeClr val="tx1"/>
-                </a:solidFill>
-                <a:latin typeface="+mj-lt"/>
-                <a:ea typeface="+mj-ea"/>
-                <a:cs typeface="+mj-cs"/>
-              </a:defRPr>
-            </a:lvl1pPr>
-          </a:lstStyle>
-          <a:p>
-            <a:pPr>
-              <a:buClr>
-                <a:schemeClr val="dk1"/>
-              </a:buClr>
-              <a:buSzPts val="990"/>
-            </a:pPr>
-            <a:r>
-              <a:rPr lang="en-US" sz="1100" b="1" dirty="0">
-                <a:solidFill>
-                  <a:schemeClr val="tx1">
-                    <a:lumMod val="50000"/>
-                    <a:lumOff val="50000"/>
-                  </a:schemeClr>
-                </a:solidFill>
-                <a:latin typeface="Montserrat Medium" panose="00000600000000000000" pitchFamily="2" charset="-52"/>
-                <a:ea typeface="Montserrat SemiBold"/>
-                <a:cs typeface="Gotham Pro" panose="02000503040000020004" pitchFamily="2" charset="0"/>
-                <a:sym typeface="Montserrat SemiBold"/>
-              </a:rPr>
-              <a:t>Web</a:t>
-            </a:r>
-            <a:r>
-              <a:rPr lang="ru-RU" sz="1100" b="1" dirty="0">
-                <a:solidFill>
-                  <a:schemeClr val="tx1">
-                    <a:lumMod val="50000"/>
-                    <a:lumOff val="50000"/>
-                  </a:schemeClr>
-                </a:solidFill>
-                <a:latin typeface="Montserrat Medium" panose="00000600000000000000" pitchFamily="2" charset="-52"/>
-                <a:ea typeface="Montserrat SemiBold"/>
-                <a:cs typeface="Gotham Pro" panose="02000503040000020004" pitchFamily="2" charset="0"/>
-                <a:sym typeface="Montserrat SemiBold"/>
-              </a:rPr>
-              <a:t>-приложение, </a:t>
-            </a:r>
-            <a:r>
-              <a:rPr lang="en-US" sz="1100" b="1" dirty="0">
-                <a:solidFill>
-                  <a:schemeClr val="tx1">
-                    <a:lumMod val="50000"/>
-                    <a:lumOff val="50000"/>
-                  </a:schemeClr>
-                </a:solidFill>
-                <a:latin typeface="Montserrat Medium" panose="00000600000000000000" pitchFamily="2" charset="-52"/>
-                <a:ea typeface="Montserrat SemiBold"/>
-                <a:cs typeface="Gotham Pro" panose="02000503040000020004" pitchFamily="2" charset="0"/>
-                <a:sym typeface="Montserrat SemiBold"/>
-              </a:rPr>
-              <a:t>JavaScript</a:t>
-            </a:r>
-            <a:endParaRPr lang="ru-RU" sz="1100" b="1" dirty="0">
-              <a:solidFill>
-                <a:schemeClr val="tx1">
-                  <a:lumMod val="50000"/>
-                  <a:lumOff val="50000"/>
-                </a:schemeClr>
-              </a:solidFill>
-              <a:latin typeface="Montserrat Medium" panose="00000600000000000000" pitchFamily="2" charset="-52"/>
-              <a:ea typeface="Montserrat SemiBold"/>
-              <a:cs typeface="Gotham Pro" panose="02000503040000020004" pitchFamily="2" charset="0"/>
-              <a:sym typeface="Montserrat SemiBold"/>
-            </a:endParaRPr>
-          </a:p>
-        </p:txBody>
-      </p:sp>
-      <p:sp>
-        <p:nvSpPr>
-          <p:cNvPr id="43" name="AutoShape 4">
-            <a:extLst>
-              <a:ext uri="{FF2B5EF4-FFF2-40B4-BE49-F238E27FC236}">
-                <a16:creationId xmlns:a16="http://schemas.microsoft.com/office/drawing/2014/main" id="{4F537E68-0161-03FB-C1F8-7C834286583E}"/>
-              </a:ext>
-            </a:extLst>
-          </p:cNvPr>
-          <p:cNvSpPr>
-            <a:spLocks noChangeAspect="1" noChangeArrowheads="1"/>
-          </p:cNvSpPr>
-          <p:nvPr/>
-        </p:nvSpPr>
-        <p:spPr bwMode="auto">
-          <a:xfrm>
-            <a:off x="5943600" y="3233058"/>
-            <a:ext cx="304800" cy="304800"/>
-          </a:xfrm>
-          <a:prstGeom prst="rect">
-            <a:avLst/>
-          </a:prstGeom>
-          <a:noFill/>
-          <a:extLst>
-            <a:ext uri="{909E8E84-426E-40DD-AFC4-6F175D3DCCD1}">
-              <a14:hiddenFill xmlns:a14="http://schemas.microsoft.com/office/drawing/2010/main">
-                <a:solidFill>
-                  <a:srgbClr val="FFFFFF"/>
-                </a:solidFill>
-              </a14:hiddenFill>
-            </a:ext>
-          </a:extLst>
-        </p:spPr>
-        <p:txBody>
-          <a:bodyPr vert="horz" wrap="square" lIns="91440" tIns="45720" rIns="91440" bIns="45720" numCol="1" anchor="t" anchorCtr="0" compatLnSpc="1">
-            <a:prstTxWarp prst="textNoShape">
-              <a:avLst/>
-            </a:prstTxWarp>
-          </a:bodyPr>
-          <a:lstStyle/>
-          <a:p>
-            <a:endParaRPr lang="ru-RU"/>
-          </a:p>
-        </p:txBody>
-      </p:sp>
     </p:spTree>
     <p:extLst>
       <p:ext uri="{BB962C8B-B14F-4D97-AF65-F5344CB8AC3E}">
-        <p14:creationId xmlns:p14="http://schemas.microsoft.com/office/powerpoint/2010/main" val="4246136638"/>
+        <p14:creationId xmlns:p14="http://schemas.microsoft.com/office/powerpoint/2010/main" val="4017957982"/>
       </p:ext>
     </p:extLst>
   </p:cSld>
@@ -10461,9 +9113,75 @@
           <a:chExt cx="0" cy="0"/>
         </a:xfrm>
       </p:grpSpPr>
-      <p:sp>
-        <p:nvSpPr>
-          <p:cNvPr id="13" name="Google Shape;62;p14"/>
+      <p:pic>
+        <p:nvPicPr>
+          <p:cNvPr id="88" name="Рисунок 87"/>
+          <p:cNvPicPr>
+            <a:picLocks noChangeAspect="1"/>
+          </p:cNvPicPr>
+          <p:nvPr/>
+        </p:nvPicPr>
+        <p:blipFill>
+          <a:blip r:embed="rId2" cstate="print">
+            <a:extLst>
+              <a:ext uri="{28A0092B-C50C-407E-A947-70E740481C1C}">
+                <a14:useLocalDpi xmlns:a14="http://schemas.microsoft.com/office/drawing/2010/main" val="0"/>
+              </a:ext>
+            </a:extLst>
+          </a:blip>
+          <a:stretch>
+            <a:fillRect/>
+          </a:stretch>
+        </p:blipFill>
+        <p:spPr>
+          <a:xfrm>
+            <a:off x="10962658" y="5701827"/>
+            <a:ext cx="738667" cy="738667"/>
+          </a:xfrm>
+          <a:prstGeom prst="rect">
+            <a:avLst/>
+          </a:prstGeom>
+        </p:spPr>
+      </p:pic>
+      <p:pic>
+        <p:nvPicPr>
+          <p:cNvPr id="93" name="Рисунок 92"/>
+          <p:cNvPicPr>
+            <a:picLocks noChangeAspect="1"/>
+          </p:cNvPicPr>
+          <p:nvPr/>
+        </p:nvPicPr>
+        <p:blipFill>
+          <a:blip r:embed="rId3" cstate="print">
+            <a:extLst>
+              <a:ext uri="{28A0092B-C50C-407E-A947-70E740481C1C}">
+                <a14:useLocalDpi xmlns:a14="http://schemas.microsoft.com/office/drawing/2010/main" val="0"/>
+              </a:ext>
+            </a:extLst>
+          </a:blip>
+          <a:stretch>
+            <a:fillRect/>
+          </a:stretch>
+        </p:blipFill>
+        <p:spPr>
+          <a:xfrm>
+            <a:off x="370726" y="216906"/>
+            <a:ext cx="1042437" cy="297599"/>
+          </a:xfrm>
+          <a:prstGeom prst="rect">
+            <a:avLst/>
+          </a:prstGeom>
+        </p:spPr>
+      </p:pic>
+      <p:sp>
+        <p:nvSpPr>
+          <p:cNvPr id="2" name="Google Shape;62;p14">
+            <a:extLst>
+              <a:ext uri="{FF2B5EF4-FFF2-40B4-BE49-F238E27FC236}">
+                <a16:creationId xmlns:a16="http://schemas.microsoft.com/office/drawing/2014/main" id="{B9898F5D-4DFA-B198-8974-8B54136833FE}"/>
+              </a:ext>
+            </a:extLst>
+          </p:cNvPr>
           <p:cNvSpPr txBox="1">
             <a:spLocks/>
           </p:cNvSpPr>
@@ -10471,7 +9189,7 @@
         </p:nvSpPr>
         <p:spPr>
           <a:xfrm>
-            <a:off x="690036" y="542404"/>
+            <a:off x="690036" y="533695"/>
             <a:ext cx="11011287" cy="479065"/>
           </a:xfrm>
           <a:prstGeom prst="rect">
@@ -10518,107 +9236,1092 @@
                 <a:cs typeface="Gotham Pro" panose="02000503040000020004" pitchFamily="2" charset="0"/>
                 <a:sym typeface="Montserrat SemiBold"/>
               </a:rPr>
-              <a:t>Модель ДНС</a:t>
-            </a:r>
+              <a:t>Архитектура прототипа</a:t>
+            </a:r>
+          </a:p>
+        </p:txBody>
+      </p:sp>
+      <p:sp>
+        <p:nvSpPr>
+          <p:cNvPr id="3" name="Google Shape;62;p14">
+            <a:extLst>
+              <a:ext uri="{FF2B5EF4-FFF2-40B4-BE49-F238E27FC236}">
+                <a16:creationId xmlns:a16="http://schemas.microsoft.com/office/drawing/2014/main" id="{0F2AD3D4-B09C-C0A9-2F89-4AA5CA91FAA7}"/>
+              </a:ext>
+            </a:extLst>
+          </p:cNvPr>
+          <p:cNvSpPr txBox="1">
+            <a:spLocks/>
+          </p:cNvSpPr>
+          <p:nvPr/>
+        </p:nvSpPr>
+        <p:spPr>
+          <a:xfrm>
+            <a:off x="690037" y="1012760"/>
+            <a:ext cx="11011288" cy="678065"/>
+          </a:xfrm>
+          <a:prstGeom prst="rect">
+            <a:avLst/>
+          </a:prstGeom>
+        </p:spPr>
+        <p:txBody>
+          <a:bodyPr spcFirstLastPara="1" vert="horz" wrap="square" lIns="91425" tIns="91425" rIns="91425" bIns="91425" rtlCol="0" anchor="t" anchorCtr="0">
+            <a:noAutofit/>
+          </a:bodyPr>
+          <a:lstStyle>
+            <a:lvl1pPr algn="ctr" defTabSz="914400" rtl="0" eaLnBrk="1" latinLnBrk="0" hangingPunct="1">
+              <a:lnSpc>
+                <a:spcPct val="90000"/>
+              </a:lnSpc>
+              <a:spcBef>
+                <a:spcPct val="0"/>
+              </a:spcBef>
+              <a:buNone/>
+              <a:defRPr sz="6000" kern="1200">
+                <a:solidFill>
+                  <a:schemeClr val="tx1"/>
+                </a:solidFill>
+                <a:latin typeface="+mj-lt"/>
+                <a:ea typeface="+mj-ea"/>
+                <a:cs typeface="+mj-cs"/>
+              </a:defRPr>
+            </a:lvl1pPr>
+          </a:lstStyle>
+          <a:p>
+            <a:pPr algn="l">
+              <a:buClr>
+                <a:schemeClr val="dk1"/>
+              </a:buClr>
+              <a:buSzPts val="990"/>
+            </a:pPr>
+            <a:r>
+              <a:rPr lang="ru-RU" sz="2000" b="1" dirty="0">
+                <a:solidFill>
+                  <a:srgbClr val="C00000"/>
+                </a:solidFill>
+                <a:latin typeface="Montserrat Medium" panose="00000600000000000000" pitchFamily="2" charset="-52"/>
+                <a:ea typeface="Montserrat SemiBold"/>
+                <a:cs typeface="Gotham Pro" panose="02000503040000020004" pitchFamily="2" charset="0"/>
+                <a:sym typeface="Montserrat SemiBold"/>
+              </a:rPr>
+              <a:t>Прототип предназначен для демонстрации моделирования работы ДНС в реальном времени.</a:t>
+            </a:r>
+          </a:p>
+        </p:txBody>
+      </p:sp>
+      <p:sp>
+        <p:nvSpPr>
+          <p:cNvPr id="4" name="Шестиугольник 3">
+            <a:extLst>
+              <a:ext uri="{FF2B5EF4-FFF2-40B4-BE49-F238E27FC236}">
+                <a16:creationId xmlns:a16="http://schemas.microsoft.com/office/drawing/2014/main" id="{2947AF8F-6042-3257-354A-1FE9D8235C7D}"/>
+              </a:ext>
+            </a:extLst>
+          </p:cNvPr>
+          <p:cNvSpPr/>
+          <p:nvPr/>
+        </p:nvSpPr>
+        <p:spPr>
+          <a:xfrm>
+            <a:off x="4841966" y="2159726"/>
+            <a:ext cx="3240000" cy="3240000"/>
+          </a:xfrm>
+          <a:prstGeom prst="hexagon">
+            <a:avLst/>
+          </a:prstGeom>
+          <a:solidFill>
+            <a:srgbClr val="7CC4A3"/>
+          </a:solidFill>
+          <a:ln>
+            <a:solidFill>
+              <a:srgbClr val="008E5B"/>
+            </a:solidFill>
+          </a:ln>
+        </p:spPr>
+        <p:style>
+          <a:lnRef idx="2">
+            <a:schemeClr val="accent1">
+              <a:shade val="15000"/>
+            </a:schemeClr>
+          </a:lnRef>
+          <a:fillRef idx="1">
+            <a:schemeClr val="accent1"/>
+          </a:fillRef>
+          <a:effectRef idx="0">
+            <a:schemeClr val="accent1"/>
+          </a:effectRef>
+          <a:fontRef idx="minor">
+            <a:schemeClr val="lt1"/>
+          </a:fontRef>
+        </p:style>
+        <p:txBody>
+          <a:bodyPr rtlCol="0" anchor="ctr"/>
+          <a:lstStyle/>
+          <a:p>
+            <a:pPr algn="ctr"/>
+            <a:endParaRPr lang="ru-RU"/>
+          </a:p>
+        </p:txBody>
+      </p:sp>
+      <p:sp>
+        <p:nvSpPr>
+          <p:cNvPr id="5" name="Google Shape;62;p14">
+            <a:extLst>
+              <a:ext uri="{FF2B5EF4-FFF2-40B4-BE49-F238E27FC236}">
+                <a16:creationId xmlns:a16="http://schemas.microsoft.com/office/drawing/2014/main" id="{126F1182-0359-74A8-B635-894AC24A526B}"/>
+              </a:ext>
+            </a:extLst>
+          </p:cNvPr>
+          <p:cNvSpPr txBox="1">
+            <a:spLocks/>
+          </p:cNvSpPr>
+          <p:nvPr/>
+        </p:nvSpPr>
+        <p:spPr>
+          <a:xfrm>
+            <a:off x="5259977" y="1840652"/>
+            <a:ext cx="2439633" cy="297599"/>
+          </a:xfrm>
+          <a:prstGeom prst="rect">
+            <a:avLst/>
+          </a:prstGeom>
+        </p:spPr>
+        <p:txBody>
+          <a:bodyPr spcFirstLastPara="1" vert="horz" wrap="square" lIns="91425" tIns="91425" rIns="91425" bIns="91425" rtlCol="0" anchor="t" anchorCtr="0">
+            <a:noAutofit/>
+          </a:bodyPr>
+          <a:lstStyle>
+            <a:lvl1pPr algn="ctr" defTabSz="914400" rtl="0" eaLnBrk="1" latinLnBrk="0" hangingPunct="1">
+              <a:lnSpc>
+                <a:spcPct val="90000"/>
+              </a:lnSpc>
+              <a:spcBef>
+                <a:spcPct val="0"/>
+              </a:spcBef>
+              <a:buNone/>
+              <a:defRPr sz="6000" kern="1200">
+                <a:solidFill>
+                  <a:schemeClr val="tx1"/>
+                </a:solidFill>
+                <a:latin typeface="+mj-lt"/>
+                <a:ea typeface="+mj-ea"/>
+                <a:cs typeface="+mj-cs"/>
+              </a:defRPr>
+            </a:lvl1pPr>
+          </a:lstStyle>
+          <a:p>
+            <a:pPr>
+              <a:buClr>
+                <a:schemeClr val="dk1"/>
+              </a:buClr>
+              <a:buSzPts val="990"/>
+            </a:pPr>
+            <a:r>
+              <a:rPr lang="ru-RU" sz="1100" b="1" dirty="0">
+                <a:solidFill>
+                  <a:srgbClr val="D53033"/>
+                </a:solidFill>
+                <a:latin typeface="Montserrat Medium" panose="00000600000000000000" pitchFamily="2" charset="-52"/>
+                <a:ea typeface="Montserrat SemiBold"/>
+                <a:cs typeface="Gotham Pro" panose="02000503040000020004" pitchFamily="2" charset="0"/>
+                <a:sym typeface="Montserrat SemiBold"/>
+              </a:rPr>
+              <a:t>Сервис моделирования</a:t>
+            </a:r>
+            <a:r>
+              <a:rPr lang="en-US" sz="1100" b="1" dirty="0">
+                <a:solidFill>
+                  <a:srgbClr val="D53033"/>
+                </a:solidFill>
+                <a:latin typeface="Montserrat Medium" panose="00000600000000000000" pitchFamily="2" charset="-52"/>
+                <a:ea typeface="Montserrat SemiBold"/>
+                <a:cs typeface="Gotham Pro" panose="02000503040000020004" pitchFamily="2" charset="0"/>
+                <a:sym typeface="Montserrat SemiBold"/>
+              </a:rPr>
+              <a:t>, C#</a:t>
+            </a:r>
+            <a:endParaRPr lang="ru-RU" sz="1100" b="1" dirty="0">
+              <a:solidFill>
+                <a:srgbClr val="D53033"/>
+              </a:solidFill>
+              <a:latin typeface="Montserrat Medium" panose="00000600000000000000" pitchFamily="2" charset="-52"/>
+              <a:ea typeface="Montserrat SemiBold"/>
+              <a:cs typeface="Gotham Pro" panose="02000503040000020004" pitchFamily="2" charset="0"/>
+              <a:sym typeface="Montserrat SemiBold"/>
+            </a:endParaRPr>
           </a:p>
         </p:txBody>
       </p:sp>
       <p:pic>
         <p:nvPicPr>
-          <p:cNvPr id="93" name="Рисунок 92"/>
+          <p:cNvPr id="1026" name="Picture 2">
+            <a:extLst>
+              <a:ext uri="{FF2B5EF4-FFF2-40B4-BE49-F238E27FC236}">
+                <a16:creationId xmlns:a16="http://schemas.microsoft.com/office/drawing/2014/main" id="{9E2C5FB2-2C3A-A107-49CD-D17CDE4F3FD5}"/>
+              </a:ext>
+            </a:extLst>
+          </p:cNvPr>
           <p:cNvPicPr>
-            <a:picLocks noChangeAspect="1"/>
+            <a:picLocks noChangeAspect="1" noChangeArrowheads="1"/>
           </p:cNvPicPr>
           <p:nvPr/>
         </p:nvPicPr>
         <p:blipFill>
-          <a:blip r:embed="rId2" cstate="print">
+          <a:blip r:embed="rId4" cstate="print">
             <a:extLst>
               <a:ext uri="{28A0092B-C50C-407E-A947-70E740481C1C}">
                 <a14:useLocalDpi xmlns:a14="http://schemas.microsoft.com/office/drawing/2010/main" val="0"/>
               </a:ext>
             </a:extLst>
           </a:blip>
+          <a:srcRect/>
           <a:stretch>
             <a:fillRect/>
           </a:stretch>
         </p:blipFill>
-        <p:spPr>
-          <a:xfrm>
-            <a:off x="370726" y="216906"/>
-            <a:ext cx="1042437" cy="297599"/>
+        <p:spPr bwMode="auto">
+          <a:xfrm>
+            <a:off x="9109165" y="2973911"/>
+            <a:ext cx="2865120" cy="1611630"/>
           </a:xfrm>
           <a:prstGeom prst="rect">
             <a:avLst/>
           </a:prstGeom>
+          <a:noFill/>
+          <a:extLst>
+            <a:ext uri="{909E8E84-426E-40DD-AFC4-6F175D3DCCD1}">
+              <a14:hiddenFill xmlns:a14="http://schemas.microsoft.com/office/drawing/2010/main">
+                <a:solidFill>
+                  <a:srgbClr val="FFFFFF"/>
+                </a:solidFill>
+              </a14:hiddenFill>
+            </a:ext>
+          </a:extLst>
         </p:spPr>
       </p:pic>
+      <p:sp>
+        <p:nvSpPr>
+          <p:cNvPr id="6" name="Google Shape;62;p14">
+            <a:extLst>
+              <a:ext uri="{FF2B5EF4-FFF2-40B4-BE49-F238E27FC236}">
+                <a16:creationId xmlns:a16="http://schemas.microsoft.com/office/drawing/2014/main" id="{11038806-1F76-D4B2-11A0-29995E395E5F}"/>
+              </a:ext>
+            </a:extLst>
+          </p:cNvPr>
+          <p:cNvSpPr txBox="1">
+            <a:spLocks/>
+          </p:cNvSpPr>
+          <p:nvPr/>
+        </p:nvSpPr>
+        <p:spPr>
+          <a:xfrm>
+            <a:off x="9667542" y="2638791"/>
+            <a:ext cx="1748366" cy="297599"/>
+          </a:xfrm>
+          <a:prstGeom prst="rect">
+            <a:avLst/>
+          </a:prstGeom>
+        </p:spPr>
+        <p:txBody>
+          <a:bodyPr spcFirstLastPara="1" vert="horz" wrap="square" lIns="91425" tIns="91425" rIns="91425" bIns="91425" rtlCol="0" anchor="t" anchorCtr="0">
+            <a:noAutofit/>
+          </a:bodyPr>
+          <a:lstStyle>
+            <a:lvl1pPr algn="ctr" defTabSz="914400" rtl="0" eaLnBrk="1" latinLnBrk="0" hangingPunct="1">
+              <a:lnSpc>
+                <a:spcPct val="90000"/>
+              </a:lnSpc>
+              <a:spcBef>
+                <a:spcPct val="0"/>
+              </a:spcBef>
+              <a:buNone/>
+              <a:defRPr sz="6000" kern="1200">
+                <a:solidFill>
+                  <a:schemeClr val="tx1"/>
+                </a:solidFill>
+                <a:latin typeface="+mj-lt"/>
+                <a:ea typeface="+mj-ea"/>
+                <a:cs typeface="+mj-cs"/>
+              </a:defRPr>
+            </a:lvl1pPr>
+          </a:lstStyle>
+          <a:p>
+            <a:pPr>
+              <a:buClr>
+                <a:schemeClr val="dk1"/>
+              </a:buClr>
+              <a:buSzPts val="990"/>
+            </a:pPr>
+            <a:r>
+              <a:rPr lang="en-US" sz="1100" b="1" dirty="0">
+                <a:solidFill>
+                  <a:srgbClr val="D53033"/>
+                </a:solidFill>
+                <a:latin typeface="Montserrat Medium" panose="00000600000000000000" pitchFamily="2" charset="-52"/>
+                <a:ea typeface="Montserrat SemiBold"/>
+                <a:cs typeface="Gotham Pro" panose="02000503040000020004" pitchFamily="2" charset="0"/>
+                <a:sym typeface="Montserrat SemiBold"/>
+              </a:rPr>
+              <a:t>OpenModelica</a:t>
+            </a:r>
+            <a:endParaRPr lang="ru-RU" sz="1100" b="1" dirty="0">
+              <a:solidFill>
+                <a:srgbClr val="D53033"/>
+              </a:solidFill>
+              <a:latin typeface="Montserrat Medium" panose="00000600000000000000" pitchFamily="2" charset="-52"/>
+              <a:ea typeface="Montserrat SemiBold"/>
+              <a:cs typeface="Gotham Pro" panose="02000503040000020004" pitchFamily="2" charset="0"/>
+              <a:sym typeface="Montserrat SemiBold"/>
+            </a:endParaRPr>
+          </a:p>
+        </p:txBody>
+      </p:sp>
+      <p:sp>
+        <p:nvSpPr>
+          <p:cNvPr id="7" name="Прямоугольник: скругленные углы 6">
+            <a:extLst>
+              <a:ext uri="{FF2B5EF4-FFF2-40B4-BE49-F238E27FC236}">
+                <a16:creationId xmlns:a16="http://schemas.microsoft.com/office/drawing/2014/main" id="{3BBC1B20-C091-4CD0-8206-54914BFD1E16}"/>
+              </a:ext>
+            </a:extLst>
+          </p:cNvPr>
+          <p:cNvSpPr/>
+          <p:nvPr/>
+        </p:nvSpPr>
+        <p:spPr>
+          <a:xfrm>
+            <a:off x="5561657" y="2879726"/>
+            <a:ext cx="1800000" cy="1800000"/>
+          </a:xfrm>
+          <a:prstGeom prst="roundRect">
+            <a:avLst/>
+          </a:prstGeom>
+          <a:solidFill>
+            <a:srgbClr val="C5E5D7"/>
+          </a:solidFill>
+          <a:ln>
+            <a:solidFill>
+              <a:srgbClr val="008E5B"/>
+            </a:solidFill>
+          </a:ln>
+        </p:spPr>
+        <p:style>
+          <a:lnRef idx="2">
+            <a:schemeClr val="accent1">
+              <a:shade val="15000"/>
+            </a:schemeClr>
+          </a:lnRef>
+          <a:fillRef idx="1">
+            <a:schemeClr val="accent1"/>
+          </a:fillRef>
+          <a:effectRef idx="0">
+            <a:schemeClr val="accent1"/>
+          </a:effectRef>
+          <a:fontRef idx="minor">
+            <a:schemeClr val="lt1"/>
+          </a:fontRef>
+        </p:style>
+        <p:txBody>
+          <a:bodyPr rtlCol="0" anchor="ctr"/>
+          <a:lstStyle/>
+          <a:p>
+            <a:pPr algn="ctr"/>
+            <a:endParaRPr lang="ru-RU"/>
+          </a:p>
+        </p:txBody>
+      </p:sp>
+      <p:sp>
+        <p:nvSpPr>
+          <p:cNvPr id="8" name="Google Shape;62;p14">
+            <a:extLst>
+              <a:ext uri="{FF2B5EF4-FFF2-40B4-BE49-F238E27FC236}">
+                <a16:creationId xmlns:a16="http://schemas.microsoft.com/office/drawing/2014/main" id="{1F88DEFF-F584-0B9E-B524-FB7927A39D43}"/>
+              </a:ext>
+            </a:extLst>
+          </p:cNvPr>
+          <p:cNvSpPr txBox="1">
+            <a:spLocks/>
+          </p:cNvSpPr>
+          <p:nvPr/>
+        </p:nvSpPr>
+        <p:spPr>
+          <a:xfrm>
+            <a:off x="5613291" y="3548670"/>
+            <a:ext cx="1748366" cy="462112"/>
+          </a:xfrm>
+          <a:prstGeom prst="rect">
+            <a:avLst/>
+          </a:prstGeom>
+        </p:spPr>
+        <p:txBody>
+          <a:bodyPr spcFirstLastPara="1" vert="horz" wrap="square" lIns="91425" tIns="91425" rIns="91425" bIns="91425" rtlCol="0" anchor="t" anchorCtr="0">
+            <a:noAutofit/>
+          </a:bodyPr>
+          <a:lstStyle>
+            <a:lvl1pPr algn="ctr" defTabSz="914400" rtl="0" eaLnBrk="1" latinLnBrk="0" hangingPunct="1">
+              <a:lnSpc>
+                <a:spcPct val="90000"/>
+              </a:lnSpc>
+              <a:spcBef>
+                <a:spcPct val="0"/>
+              </a:spcBef>
+              <a:buNone/>
+              <a:defRPr sz="6000" kern="1200">
+                <a:solidFill>
+                  <a:schemeClr val="tx1"/>
+                </a:solidFill>
+                <a:latin typeface="+mj-lt"/>
+                <a:ea typeface="+mj-ea"/>
+                <a:cs typeface="+mj-cs"/>
+              </a:defRPr>
+            </a:lvl1pPr>
+          </a:lstStyle>
+          <a:p>
+            <a:pPr>
+              <a:buClr>
+                <a:schemeClr val="dk1"/>
+              </a:buClr>
+              <a:buSzPts val="990"/>
+            </a:pPr>
+            <a:r>
+              <a:rPr lang="en-US" sz="1100" b="1" dirty="0">
+                <a:solidFill>
+                  <a:schemeClr val="tx1">
+                    <a:lumMod val="50000"/>
+                    <a:lumOff val="50000"/>
+                  </a:schemeClr>
+                </a:solidFill>
+                <a:latin typeface="Montserrat Medium" panose="00000600000000000000" pitchFamily="2" charset="-52"/>
+                <a:ea typeface="Montserrat SemiBold"/>
+                <a:cs typeface="Gotham Pro" panose="02000503040000020004" pitchFamily="2" charset="0"/>
+                <a:sym typeface="Montserrat SemiBold"/>
+              </a:rPr>
+              <a:t>FMU </a:t>
+            </a:r>
+            <a:r>
+              <a:rPr lang="ru-RU" sz="1100" b="1" dirty="0">
+                <a:solidFill>
+                  <a:schemeClr val="tx1">
+                    <a:lumMod val="50000"/>
+                    <a:lumOff val="50000"/>
+                  </a:schemeClr>
+                </a:solidFill>
+                <a:latin typeface="Montserrat Medium" panose="00000600000000000000" pitchFamily="2" charset="-52"/>
+                <a:ea typeface="Montserrat SemiBold"/>
+                <a:cs typeface="Gotham Pro" panose="02000503040000020004" pitchFamily="2" charset="0"/>
+                <a:sym typeface="Montserrat SemiBold"/>
+              </a:rPr>
+              <a:t>модель </a:t>
+            </a:r>
+            <a:br>
+              <a:rPr lang="ru-RU" sz="1100" b="1" dirty="0">
+                <a:solidFill>
+                  <a:schemeClr val="tx1">
+                    <a:lumMod val="50000"/>
+                    <a:lumOff val="50000"/>
+                  </a:schemeClr>
+                </a:solidFill>
+                <a:latin typeface="Montserrat Medium" panose="00000600000000000000" pitchFamily="2" charset="-52"/>
+                <a:ea typeface="Montserrat SemiBold"/>
+                <a:cs typeface="Gotham Pro" panose="02000503040000020004" pitchFamily="2" charset="0"/>
+                <a:sym typeface="Montserrat SemiBold"/>
+              </a:rPr>
+            </a:br>
+            <a:r>
+              <a:rPr lang="ru-RU" sz="1100" b="1" dirty="0">
+                <a:solidFill>
+                  <a:schemeClr val="tx1">
+                    <a:lumMod val="50000"/>
+                    <a:lumOff val="50000"/>
+                  </a:schemeClr>
+                </a:solidFill>
+                <a:latin typeface="Montserrat Medium" panose="00000600000000000000" pitchFamily="2" charset="-52"/>
+                <a:ea typeface="Montserrat SemiBold"/>
+                <a:cs typeface="Gotham Pro" panose="02000503040000020004" pitchFamily="2" charset="0"/>
+                <a:sym typeface="Montserrat SemiBold"/>
+              </a:rPr>
+              <a:t>ДНС</a:t>
+            </a:r>
+          </a:p>
+        </p:txBody>
+      </p:sp>
+      <p:sp>
+        <p:nvSpPr>
+          <p:cNvPr id="9" name="Google Shape;62;p14">
+            <a:extLst>
+              <a:ext uri="{FF2B5EF4-FFF2-40B4-BE49-F238E27FC236}">
+                <a16:creationId xmlns:a16="http://schemas.microsoft.com/office/drawing/2014/main" id="{108E941F-CBFF-0205-B5D5-C4F46951284F}"/>
+              </a:ext>
+            </a:extLst>
+          </p:cNvPr>
+          <p:cNvSpPr txBox="1">
+            <a:spLocks/>
+          </p:cNvSpPr>
+          <p:nvPr/>
+        </p:nvSpPr>
+        <p:spPr>
+          <a:xfrm>
+            <a:off x="9667542" y="4585541"/>
+            <a:ext cx="1748366" cy="456731"/>
+          </a:xfrm>
+          <a:prstGeom prst="rect">
+            <a:avLst/>
+          </a:prstGeom>
+        </p:spPr>
+        <p:txBody>
+          <a:bodyPr spcFirstLastPara="1" vert="horz" wrap="square" lIns="91425" tIns="91425" rIns="91425" bIns="91425" rtlCol="0" anchor="t" anchorCtr="0">
+            <a:noAutofit/>
+          </a:bodyPr>
+          <a:lstStyle>
+            <a:lvl1pPr algn="ctr" defTabSz="914400" rtl="0" eaLnBrk="1" latinLnBrk="0" hangingPunct="1">
+              <a:lnSpc>
+                <a:spcPct val="90000"/>
+              </a:lnSpc>
+              <a:spcBef>
+                <a:spcPct val="0"/>
+              </a:spcBef>
+              <a:buNone/>
+              <a:defRPr sz="6000" kern="1200">
+                <a:solidFill>
+                  <a:schemeClr val="tx1"/>
+                </a:solidFill>
+                <a:latin typeface="+mj-lt"/>
+                <a:ea typeface="+mj-ea"/>
+                <a:cs typeface="+mj-cs"/>
+              </a:defRPr>
+            </a:lvl1pPr>
+          </a:lstStyle>
+          <a:p>
+            <a:pPr>
+              <a:buClr>
+                <a:schemeClr val="dk1"/>
+              </a:buClr>
+              <a:buSzPts val="990"/>
+            </a:pPr>
+            <a:r>
+              <a:rPr lang="ru-RU" sz="1100" b="1" dirty="0">
+                <a:solidFill>
+                  <a:schemeClr val="tx1">
+                    <a:lumMod val="50000"/>
+                    <a:lumOff val="50000"/>
+                  </a:schemeClr>
+                </a:solidFill>
+                <a:latin typeface="Montserrat Medium" panose="00000600000000000000" pitchFamily="2" charset="-52"/>
+                <a:ea typeface="Montserrat SemiBold"/>
+                <a:cs typeface="Gotham Pro" panose="02000503040000020004" pitchFamily="2" charset="0"/>
+                <a:sym typeface="Montserrat SemiBold"/>
+              </a:rPr>
+              <a:t>Модель ДНС</a:t>
+            </a:r>
+          </a:p>
+        </p:txBody>
+      </p:sp>
+      <p:sp>
+        <p:nvSpPr>
+          <p:cNvPr id="10" name="Google Shape;62;p14">
+            <a:extLst>
+              <a:ext uri="{FF2B5EF4-FFF2-40B4-BE49-F238E27FC236}">
+                <a16:creationId xmlns:a16="http://schemas.microsoft.com/office/drawing/2014/main" id="{4CEE467D-913F-4B12-A214-CFE57DAF0D40}"/>
+              </a:ext>
+            </a:extLst>
+          </p:cNvPr>
+          <p:cNvSpPr txBox="1">
+            <a:spLocks/>
+          </p:cNvSpPr>
+          <p:nvPr/>
+        </p:nvSpPr>
+        <p:spPr>
+          <a:xfrm>
+            <a:off x="5613290" y="2181201"/>
+            <a:ext cx="1696731" cy="332087"/>
+          </a:xfrm>
+          <a:prstGeom prst="rect">
+            <a:avLst/>
+          </a:prstGeom>
+        </p:spPr>
+        <p:txBody>
+          <a:bodyPr spcFirstLastPara="1" vert="horz" wrap="square" lIns="91425" tIns="91425" rIns="91425" bIns="91425" rtlCol="0" anchor="t" anchorCtr="0">
+            <a:noAutofit/>
+          </a:bodyPr>
+          <a:lstStyle>
+            <a:lvl1pPr algn="ctr" defTabSz="914400" rtl="0" eaLnBrk="1" latinLnBrk="0" hangingPunct="1">
+              <a:lnSpc>
+                <a:spcPct val="90000"/>
+              </a:lnSpc>
+              <a:spcBef>
+                <a:spcPct val="0"/>
+              </a:spcBef>
+              <a:buNone/>
+              <a:defRPr sz="6000" kern="1200">
+                <a:solidFill>
+                  <a:schemeClr val="tx1"/>
+                </a:solidFill>
+                <a:latin typeface="+mj-lt"/>
+                <a:ea typeface="+mj-ea"/>
+                <a:cs typeface="+mj-cs"/>
+              </a:defRPr>
+            </a:lvl1pPr>
+          </a:lstStyle>
+          <a:p>
+            <a:pPr>
+              <a:buClr>
+                <a:schemeClr val="dk1"/>
+              </a:buClr>
+              <a:buSzPts val="990"/>
+            </a:pPr>
+            <a:r>
+              <a:rPr lang="en-US" sz="1100" b="1" dirty="0">
+                <a:solidFill>
+                  <a:srgbClr val="008E5B"/>
+                </a:solidFill>
+                <a:latin typeface="Montserrat Medium" panose="00000600000000000000" pitchFamily="2" charset="-52"/>
+                <a:ea typeface="Montserrat SemiBold"/>
+                <a:cs typeface="Gotham Pro" panose="02000503040000020004" pitchFamily="2" charset="0"/>
+                <a:sym typeface="Montserrat SemiBold"/>
+              </a:rPr>
+              <a:t>ASP.Net</a:t>
+            </a:r>
+            <a:endParaRPr lang="ru-RU" sz="1100" b="1" dirty="0">
+              <a:solidFill>
+                <a:srgbClr val="008E5B"/>
+              </a:solidFill>
+              <a:latin typeface="Montserrat Medium" panose="00000600000000000000" pitchFamily="2" charset="-52"/>
+              <a:ea typeface="Montserrat SemiBold"/>
+              <a:cs typeface="Gotham Pro" panose="02000503040000020004" pitchFamily="2" charset="0"/>
+              <a:sym typeface="Montserrat SemiBold"/>
+            </a:endParaRPr>
+          </a:p>
+        </p:txBody>
+      </p:sp>
+      <p:sp>
+        <p:nvSpPr>
+          <p:cNvPr id="11" name="Google Shape;62;p14">
+            <a:extLst>
+              <a:ext uri="{FF2B5EF4-FFF2-40B4-BE49-F238E27FC236}">
+                <a16:creationId xmlns:a16="http://schemas.microsoft.com/office/drawing/2014/main" id="{2B6768F5-6AFA-45E9-1E5B-F6A9BA53A7A3}"/>
+              </a:ext>
+            </a:extLst>
+          </p:cNvPr>
+          <p:cNvSpPr txBox="1">
+            <a:spLocks/>
+          </p:cNvSpPr>
+          <p:nvPr/>
+        </p:nvSpPr>
+        <p:spPr>
+          <a:xfrm>
+            <a:off x="5639108" y="2919571"/>
+            <a:ext cx="1696731" cy="332087"/>
+          </a:xfrm>
+          <a:prstGeom prst="rect">
+            <a:avLst/>
+          </a:prstGeom>
+        </p:spPr>
+        <p:txBody>
+          <a:bodyPr spcFirstLastPara="1" vert="horz" wrap="square" lIns="91425" tIns="91425" rIns="91425" bIns="91425" rtlCol="0" anchor="t" anchorCtr="0">
+            <a:noAutofit/>
+          </a:bodyPr>
+          <a:lstStyle>
+            <a:lvl1pPr algn="ctr" defTabSz="914400" rtl="0" eaLnBrk="1" latinLnBrk="0" hangingPunct="1">
+              <a:lnSpc>
+                <a:spcPct val="90000"/>
+              </a:lnSpc>
+              <a:spcBef>
+                <a:spcPct val="0"/>
+              </a:spcBef>
+              <a:buNone/>
+              <a:defRPr sz="6000" kern="1200">
+                <a:solidFill>
+                  <a:schemeClr val="tx1"/>
+                </a:solidFill>
+                <a:latin typeface="+mj-lt"/>
+                <a:ea typeface="+mj-ea"/>
+                <a:cs typeface="+mj-cs"/>
+              </a:defRPr>
+            </a:lvl1pPr>
+          </a:lstStyle>
+          <a:p>
+            <a:pPr>
+              <a:buClr>
+                <a:schemeClr val="dk1"/>
+              </a:buClr>
+              <a:buSzPts val="990"/>
+            </a:pPr>
+            <a:r>
+              <a:rPr lang="en-US" sz="1100" b="1" dirty="0">
+                <a:solidFill>
+                  <a:srgbClr val="008E5B"/>
+                </a:solidFill>
+                <a:latin typeface="Montserrat Medium" panose="00000600000000000000" pitchFamily="2" charset="-52"/>
+                <a:ea typeface="Montserrat SemiBold"/>
+                <a:cs typeface="Gotham Pro" panose="02000503040000020004" pitchFamily="2" charset="0"/>
+                <a:sym typeface="Montserrat SemiBold"/>
+              </a:rPr>
+              <a:t>FMU wrapper</a:t>
+            </a:r>
+            <a:endParaRPr lang="ru-RU" sz="1100" b="1" dirty="0">
+              <a:solidFill>
+                <a:srgbClr val="008E5B"/>
+              </a:solidFill>
+              <a:latin typeface="Montserrat Medium" panose="00000600000000000000" pitchFamily="2" charset="-52"/>
+              <a:ea typeface="Montserrat SemiBold"/>
+              <a:cs typeface="Gotham Pro" panose="02000503040000020004" pitchFamily="2" charset="0"/>
+              <a:sym typeface="Montserrat SemiBold"/>
+            </a:endParaRPr>
+          </a:p>
+        </p:txBody>
+      </p:sp>
+      <p:sp>
+        <p:nvSpPr>
+          <p:cNvPr id="13" name="Стрелка: вправо 12">
+            <a:extLst>
+              <a:ext uri="{FF2B5EF4-FFF2-40B4-BE49-F238E27FC236}">
+                <a16:creationId xmlns:a16="http://schemas.microsoft.com/office/drawing/2014/main" id="{25B21A03-AF17-D0FD-38E4-82F45CE448D3}"/>
+              </a:ext>
+            </a:extLst>
+          </p:cNvPr>
+          <p:cNvSpPr/>
+          <p:nvPr/>
+        </p:nvSpPr>
+        <p:spPr>
+          <a:xfrm rot="10800000">
+            <a:off x="7264164" y="3635492"/>
+            <a:ext cx="1748367" cy="297012"/>
+          </a:xfrm>
+          <a:prstGeom prst="rightArrow">
+            <a:avLst/>
+          </a:prstGeom>
+          <a:solidFill>
+            <a:srgbClr val="C5E5D7"/>
+          </a:solidFill>
+          <a:ln>
+            <a:solidFill>
+              <a:srgbClr val="008E5B"/>
+            </a:solidFill>
+          </a:ln>
+        </p:spPr>
+        <p:style>
+          <a:lnRef idx="2">
+            <a:schemeClr val="accent1">
+              <a:shade val="15000"/>
+            </a:schemeClr>
+          </a:lnRef>
+          <a:fillRef idx="1">
+            <a:schemeClr val="accent1"/>
+          </a:fillRef>
+          <a:effectRef idx="0">
+            <a:schemeClr val="accent1"/>
+          </a:effectRef>
+          <a:fontRef idx="minor">
+            <a:schemeClr val="lt1"/>
+          </a:fontRef>
+        </p:style>
+        <p:txBody>
+          <a:bodyPr rtlCol="0" anchor="ctr"/>
+          <a:lstStyle/>
+          <a:p>
+            <a:pPr algn="ctr"/>
+            <a:endParaRPr lang="ru-RU"/>
+          </a:p>
+        </p:txBody>
+      </p:sp>
+      <p:sp>
+        <p:nvSpPr>
+          <p:cNvPr id="16" name="Google Shape;62;p14">
+            <a:extLst>
+              <a:ext uri="{FF2B5EF4-FFF2-40B4-BE49-F238E27FC236}">
+                <a16:creationId xmlns:a16="http://schemas.microsoft.com/office/drawing/2014/main" id="{151B723E-620C-8CE3-5E03-1BE2228CD513}"/>
+              </a:ext>
+            </a:extLst>
+          </p:cNvPr>
+          <p:cNvSpPr txBox="1">
+            <a:spLocks/>
+          </p:cNvSpPr>
+          <p:nvPr/>
+        </p:nvSpPr>
+        <p:spPr>
+          <a:xfrm>
+            <a:off x="7699611" y="2871982"/>
+            <a:ext cx="1454331" cy="608094"/>
+          </a:xfrm>
+          <a:prstGeom prst="rect">
+            <a:avLst/>
+          </a:prstGeom>
+        </p:spPr>
+        <p:txBody>
+          <a:bodyPr spcFirstLastPara="1" vert="horz" wrap="square" lIns="91425" tIns="91425" rIns="91425" bIns="91425" rtlCol="0" anchor="t" anchorCtr="0">
+            <a:noAutofit/>
+          </a:bodyPr>
+          <a:lstStyle>
+            <a:lvl1pPr algn="ctr" defTabSz="914400" rtl="0" eaLnBrk="1" latinLnBrk="0" hangingPunct="1">
+              <a:lnSpc>
+                <a:spcPct val="90000"/>
+              </a:lnSpc>
+              <a:spcBef>
+                <a:spcPct val="0"/>
+              </a:spcBef>
+              <a:buNone/>
+              <a:defRPr sz="6000" kern="1200">
+                <a:solidFill>
+                  <a:schemeClr val="tx1"/>
+                </a:solidFill>
+                <a:latin typeface="+mj-lt"/>
+                <a:ea typeface="+mj-ea"/>
+                <a:cs typeface="+mj-cs"/>
+              </a:defRPr>
+            </a:lvl1pPr>
+          </a:lstStyle>
+          <a:p>
+            <a:pPr>
+              <a:buClr>
+                <a:schemeClr val="dk1"/>
+              </a:buClr>
+              <a:buSzPts val="990"/>
+            </a:pPr>
+            <a:r>
+              <a:rPr lang="ru-RU" sz="1100" b="1" dirty="0">
+                <a:solidFill>
+                  <a:schemeClr val="tx1">
+                    <a:lumMod val="50000"/>
+                    <a:lumOff val="50000"/>
+                  </a:schemeClr>
+                </a:solidFill>
+                <a:latin typeface="Montserrat Medium" panose="00000600000000000000" pitchFamily="2" charset="-52"/>
+                <a:ea typeface="Montserrat SemiBold"/>
+                <a:cs typeface="Gotham Pro" panose="02000503040000020004" pitchFamily="2" charset="0"/>
+                <a:sym typeface="Montserrat SemiBold"/>
+              </a:rPr>
+              <a:t>Преобразование модели по стандарту </a:t>
+            </a:r>
+            <a:r>
+              <a:rPr lang="en-US" sz="1100" b="1" dirty="0">
+                <a:solidFill>
+                  <a:schemeClr val="tx1">
+                    <a:lumMod val="50000"/>
+                    <a:lumOff val="50000"/>
+                  </a:schemeClr>
+                </a:solidFill>
+                <a:latin typeface="Montserrat Medium" panose="00000600000000000000" pitchFamily="2" charset="-52"/>
+                <a:ea typeface="Montserrat SemiBold"/>
+                <a:cs typeface="Gotham Pro" panose="02000503040000020004" pitchFamily="2" charset="0"/>
+                <a:sym typeface="Montserrat SemiBold"/>
+              </a:rPr>
+              <a:t>FMI</a:t>
+            </a:r>
+            <a:endParaRPr lang="ru-RU" sz="1100" b="1" dirty="0">
+              <a:solidFill>
+                <a:schemeClr val="tx1">
+                  <a:lumMod val="50000"/>
+                  <a:lumOff val="50000"/>
+                </a:schemeClr>
+              </a:solidFill>
+              <a:latin typeface="Montserrat Medium" panose="00000600000000000000" pitchFamily="2" charset="-52"/>
+              <a:ea typeface="Montserrat SemiBold"/>
+              <a:cs typeface="Gotham Pro" panose="02000503040000020004" pitchFamily="2" charset="0"/>
+              <a:sym typeface="Montserrat SemiBold"/>
+            </a:endParaRPr>
+          </a:p>
+        </p:txBody>
+      </p:sp>
+      <p:sp>
+        <p:nvSpPr>
+          <p:cNvPr id="17" name="Облако 16">
+            <a:extLst>
+              <a:ext uri="{FF2B5EF4-FFF2-40B4-BE49-F238E27FC236}">
+                <a16:creationId xmlns:a16="http://schemas.microsoft.com/office/drawing/2014/main" id="{0D8B28D2-0281-A3DF-6398-BBD524E1F0B6}"/>
+              </a:ext>
+            </a:extLst>
+          </p:cNvPr>
+          <p:cNvSpPr/>
+          <p:nvPr/>
+        </p:nvSpPr>
+        <p:spPr>
+          <a:xfrm>
+            <a:off x="2298445" y="2787590"/>
+            <a:ext cx="2384282" cy="1946750"/>
+          </a:xfrm>
+          <a:prstGeom prst="cloud">
+            <a:avLst/>
+          </a:prstGeom>
+          <a:solidFill>
+            <a:srgbClr val="7CC4A3"/>
+          </a:solidFill>
+          <a:ln>
+            <a:solidFill>
+              <a:srgbClr val="008E5B"/>
+            </a:solidFill>
+          </a:ln>
+        </p:spPr>
+        <p:style>
+          <a:lnRef idx="2">
+            <a:schemeClr val="accent1">
+              <a:shade val="15000"/>
+            </a:schemeClr>
+          </a:lnRef>
+          <a:fillRef idx="1">
+            <a:schemeClr val="accent1"/>
+          </a:fillRef>
+          <a:effectRef idx="0">
+            <a:schemeClr val="accent1"/>
+          </a:effectRef>
+          <a:fontRef idx="minor">
+            <a:schemeClr val="lt1"/>
+          </a:fontRef>
+        </p:style>
+        <p:txBody>
+          <a:bodyPr rtlCol="0" anchor="ctr"/>
+          <a:lstStyle/>
+          <a:p>
+            <a:pPr algn="ctr"/>
+            <a:r>
+              <a:rPr lang="en-US" sz="1400" b="1" dirty="0">
+                <a:solidFill>
+                  <a:srgbClr val="008E5B"/>
+                </a:solidFill>
+                <a:latin typeface="Montserrat Medium" panose="00000600000000000000" pitchFamily="2" charset="-52"/>
+              </a:rPr>
+              <a:t>SignalR</a:t>
+            </a:r>
+            <a:endParaRPr lang="ru-RU" sz="1400" b="1" dirty="0">
+              <a:solidFill>
+                <a:srgbClr val="008E5B"/>
+              </a:solidFill>
+              <a:latin typeface="Montserrat Medium" panose="00000600000000000000" pitchFamily="2" charset="-52"/>
+            </a:endParaRPr>
+          </a:p>
+        </p:txBody>
+      </p:sp>
+      <p:sp>
+        <p:nvSpPr>
+          <p:cNvPr id="32" name="Google Shape;62;p14">
+            <a:extLst>
+              <a:ext uri="{FF2B5EF4-FFF2-40B4-BE49-F238E27FC236}">
+                <a16:creationId xmlns:a16="http://schemas.microsoft.com/office/drawing/2014/main" id="{8765EFDD-AC99-032E-A081-DD7AA18A3741}"/>
+              </a:ext>
+            </a:extLst>
+          </p:cNvPr>
+          <p:cNvSpPr txBox="1">
+            <a:spLocks/>
+          </p:cNvSpPr>
+          <p:nvPr/>
+        </p:nvSpPr>
+        <p:spPr>
+          <a:xfrm>
+            <a:off x="4030451" y="4309496"/>
+            <a:ext cx="1401187" cy="608094"/>
+          </a:xfrm>
+          <a:prstGeom prst="rect">
+            <a:avLst/>
+          </a:prstGeom>
+          <a:noFill/>
+        </p:spPr>
+        <p:txBody>
+          <a:bodyPr spcFirstLastPara="1" vert="horz" wrap="square" lIns="91425" tIns="91425" rIns="91425" bIns="91425" rtlCol="0" anchor="t" anchorCtr="0">
+            <a:noAutofit/>
+          </a:bodyPr>
+          <a:lstStyle>
+            <a:lvl1pPr algn="ctr" defTabSz="914400" rtl="0" eaLnBrk="1" latinLnBrk="0" hangingPunct="1">
+              <a:lnSpc>
+                <a:spcPct val="90000"/>
+              </a:lnSpc>
+              <a:spcBef>
+                <a:spcPct val="0"/>
+              </a:spcBef>
+              <a:buNone/>
+              <a:defRPr sz="6000" kern="1200">
+                <a:solidFill>
+                  <a:schemeClr val="tx1"/>
+                </a:solidFill>
+                <a:latin typeface="+mj-lt"/>
+                <a:ea typeface="+mj-ea"/>
+                <a:cs typeface="+mj-cs"/>
+              </a:defRPr>
+            </a:lvl1pPr>
+          </a:lstStyle>
+          <a:p>
+            <a:pPr>
+              <a:buClr>
+                <a:schemeClr val="dk1"/>
+              </a:buClr>
+              <a:buSzPts val="990"/>
+            </a:pPr>
+            <a:r>
+              <a:rPr lang="ru-RU" sz="1100" b="1" dirty="0">
+                <a:solidFill>
+                  <a:schemeClr val="tx1">
+                    <a:lumMod val="50000"/>
+                    <a:lumOff val="50000"/>
+                  </a:schemeClr>
+                </a:solidFill>
+                <a:latin typeface="Montserrat Medium" panose="00000600000000000000" pitchFamily="2" charset="-52"/>
+                <a:ea typeface="Montserrat SemiBold"/>
+                <a:cs typeface="Gotham Pro" panose="02000503040000020004" pitchFamily="2" charset="0"/>
+                <a:sym typeface="Montserrat SemiBold"/>
+              </a:rPr>
+              <a:t>Интерфейс результатов моделирования</a:t>
+            </a:r>
+          </a:p>
+        </p:txBody>
+      </p:sp>
+      <p:sp>
+        <p:nvSpPr>
+          <p:cNvPr id="35" name="Стрелка: вправо 34">
+            <a:extLst>
+              <a:ext uri="{FF2B5EF4-FFF2-40B4-BE49-F238E27FC236}">
+                <a16:creationId xmlns:a16="http://schemas.microsoft.com/office/drawing/2014/main" id="{E0D11C9B-BFF6-1A8C-AFA6-4C3E15D559B4}"/>
+              </a:ext>
+            </a:extLst>
+          </p:cNvPr>
+          <p:cNvSpPr/>
+          <p:nvPr/>
+        </p:nvSpPr>
+        <p:spPr>
+          <a:xfrm rot="10800000">
+            <a:off x="3919466" y="3666318"/>
+            <a:ext cx="1748367" cy="297012"/>
+          </a:xfrm>
+          <a:prstGeom prst="rightArrow">
+            <a:avLst/>
+          </a:prstGeom>
+          <a:solidFill>
+            <a:srgbClr val="C5E5D7"/>
+          </a:solidFill>
+          <a:ln>
+            <a:solidFill>
+              <a:srgbClr val="008E5B"/>
+            </a:solidFill>
+          </a:ln>
+        </p:spPr>
+        <p:style>
+          <a:lnRef idx="2">
+            <a:schemeClr val="accent1">
+              <a:shade val="15000"/>
+            </a:schemeClr>
+          </a:lnRef>
+          <a:fillRef idx="1">
+            <a:schemeClr val="accent1"/>
+          </a:fillRef>
+          <a:effectRef idx="0">
+            <a:schemeClr val="accent1"/>
+          </a:effectRef>
+          <a:fontRef idx="minor">
+            <a:schemeClr val="lt1"/>
+          </a:fontRef>
+        </p:style>
+        <p:txBody>
+          <a:bodyPr rtlCol="0" anchor="ctr"/>
+          <a:lstStyle/>
+          <a:p>
+            <a:pPr algn="ctr"/>
+            <a:endParaRPr lang="ru-RU"/>
+          </a:p>
+        </p:txBody>
+      </p:sp>
       <p:pic>
         <p:nvPicPr>
-          <p:cNvPr id="8" name="Рисунок 7">
+          <p:cNvPr id="39" name="Рисунок 38">
             <a:extLst>
               <a:ext uri="{FF2B5EF4-FFF2-40B4-BE49-F238E27FC236}">
-                <a16:creationId xmlns:a16="http://schemas.microsoft.com/office/drawing/2014/main" id="{031CAF22-7067-7AD6-6466-0209A2009511}"/>
-              </a:ext>
-            </a:extLst>
-          </p:cNvPr>
-          <p:cNvPicPr>
-            <a:picLocks noChangeAspect="1"/>
-          </p:cNvPicPr>
-          <p:nvPr/>
-        </p:nvPicPr>
-        <p:blipFill>
-          <a:blip r:embed="rId3"/>
-          <a:stretch>
-            <a:fillRect/>
-          </a:stretch>
-        </p:blipFill>
-        <p:spPr>
-          <a:xfrm>
-            <a:off x="146521" y="1401827"/>
-            <a:ext cx="5830404" cy="4054345"/>
-          </a:xfrm>
-          <a:prstGeom prst="rect">
-            <a:avLst/>
-          </a:prstGeom>
-        </p:spPr>
-      </p:pic>
-      <p:pic>
-        <p:nvPicPr>
-          <p:cNvPr id="3" name="Рисунок 2">
-            <a:extLst>
-              <a:ext uri="{FF2B5EF4-FFF2-40B4-BE49-F238E27FC236}">
-                <a16:creationId xmlns:a16="http://schemas.microsoft.com/office/drawing/2014/main" id="{F9B42509-3E5E-5DCB-E2D1-4DF815707D75}"/>
-              </a:ext>
-            </a:extLst>
-          </p:cNvPr>
-          <p:cNvPicPr>
-            <a:picLocks noChangeAspect="1"/>
-          </p:cNvPicPr>
-          <p:nvPr/>
-        </p:nvPicPr>
-        <p:blipFill>
-          <a:blip r:embed="rId4"/>
-          <a:stretch>
-            <a:fillRect/>
-          </a:stretch>
-        </p:blipFill>
-        <p:spPr>
-          <a:xfrm>
-            <a:off x="6068555" y="3726481"/>
-            <a:ext cx="5949479" cy="2855664"/>
-          </a:xfrm>
-          <a:prstGeom prst="rect">
-            <a:avLst/>
-          </a:prstGeom>
-        </p:spPr>
-      </p:pic>
-      <p:pic>
-        <p:nvPicPr>
-          <p:cNvPr id="7" name="Рисунок 6">
-            <a:extLst>
-              <a:ext uri="{FF2B5EF4-FFF2-40B4-BE49-F238E27FC236}">
-                <a16:creationId xmlns:a16="http://schemas.microsoft.com/office/drawing/2014/main" id="{D0E48694-263D-4B70-9984-29B9273C4B95}"/>
+                <a16:creationId xmlns:a16="http://schemas.microsoft.com/office/drawing/2014/main" id="{9C57D51C-9812-B326-CAB8-B1E76F8A8DCC}"/>
               </a:ext>
             </a:extLst>
           </p:cNvPr>
@@ -10635,18 +10338,315 @@
         </p:blipFill>
         <p:spPr>
           <a:xfrm>
-            <a:off x="6068555" y="781936"/>
-            <a:ext cx="5976924" cy="2705013"/>
+            <a:off x="370726" y="4481354"/>
+            <a:ext cx="2073907" cy="1121835"/>
           </a:xfrm>
           <a:prstGeom prst="rect">
             <a:avLst/>
           </a:prstGeom>
+          <a:ln>
+            <a:solidFill>
+              <a:srgbClr val="008E5B"/>
+            </a:solidFill>
+          </a:ln>
         </p:spPr>
       </p:pic>
+      <p:sp>
+        <p:nvSpPr>
+          <p:cNvPr id="41" name="Стрелка: вправо 40">
+            <a:extLst>
+              <a:ext uri="{FF2B5EF4-FFF2-40B4-BE49-F238E27FC236}">
+                <a16:creationId xmlns:a16="http://schemas.microsoft.com/office/drawing/2014/main" id="{EFDCA160-DC27-D21B-610A-058ADC26ACB3}"/>
+              </a:ext>
+            </a:extLst>
+          </p:cNvPr>
+          <p:cNvSpPr/>
+          <p:nvPr/>
+        </p:nvSpPr>
+        <p:spPr>
+          <a:xfrm rot="8483121">
+            <a:off x="1768902" y="4437034"/>
+            <a:ext cx="1390290" cy="297012"/>
+          </a:xfrm>
+          <a:prstGeom prst="rightArrow">
+            <a:avLst/>
+          </a:prstGeom>
+          <a:solidFill>
+            <a:srgbClr val="C5E5D7"/>
+          </a:solidFill>
+          <a:ln>
+            <a:solidFill>
+              <a:srgbClr val="008E5B"/>
+            </a:solidFill>
+          </a:ln>
+        </p:spPr>
+        <p:style>
+          <a:lnRef idx="2">
+            <a:schemeClr val="accent1">
+              <a:shade val="15000"/>
+            </a:schemeClr>
+          </a:lnRef>
+          <a:fillRef idx="1">
+            <a:schemeClr val="accent1"/>
+          </a:fillRef>
+          <a:effectRef idx="0">
+            <a:schemeClr val="accent1"/>
+          </a:effectRef>
+          <a:fontRef idx="minor">
+            <a:schemeClr val="lt1"/>
+          </a:fontRef>
+        </p:style>
+        <p:txBody>
+          <a:bodyPr rtlCol="0" anchor="ctr"/>
+          <a:lstStyle/>
+          <a:p>
+            <a:pPr algn="ctr"/>
+            <a:endParaRPr lang="ru-RU"/>
+          </a:p>
+        </p:txBody>
+      </p:sp>
+      <p:sp>
+        <p:nvSpPr>
+          <p:cNvPr id="40" name="Google Shape;62;p14">
+            <a:extLst>
+              <a:ext uri="{FF2B5EF4-FFF2-40B4-BE49-F238E27FC236}">
+                <a16:creationId xmlns:a16="http://schemas.microsoft.com/office/drawing/2014/main" id="{2155D9D9-2EFF-D850-B4E3-26F474730902}"/>
+              </a:ext>
+            </a:extLst>
+          </p:cNvPr>
+          <p:cNvSpPr txBox="1">
+            <a:spLocks/>
+          </p:cNvSpPr>
+          <p:nvPr/>
+        </p:nvSpPr>
+        <p:spPr>
+          <a:xfrm>
+            <a:off x="630225" y="4035854"/>
+            <a:ext cx="1261933" cy="297599"/>
+          </a:xfrm>
+          <a:prstGeom prst="rect">
+            <a:avLst/>
+          </a:prstGeom>
+        </p:spPr>
+        <p:txBody>
+          <a:bodyPr spcFirstLastPara="1" vert="horz" wrap="square" lIns="91425" tIns="91425" rIns="91425" bIns="91425" rtlCol="0" anchor="t" anchorCtr="0">
+            <a:noAutofit/>
+          </a:bodyPr>
+          <a:lstStyle>
+            <a:lvl1pPr algn="ctr" defTabSz="914400" rtl="0" eaLnBrk="1" latinLnBrk="0" hangingPunct="1">
+              <a:lnSpc>
+                <a:spcPct val="90000"/>
+              </a:lnSpc>
+              <a:spcBef>
+                <a:spcPct val="0"/>
+              </a:spcBef>
+              <a:buNone/>
+              <a:defRPr sz="6000" kern="1200">
+                <a:solidFill>
+                  <a:schemeClr val="tx1"/>
+                </a:solidFill>
+                <a:latin typeface="+mj-lt"/>
+                <a:ea typeface="+mj-ea"/>
+                <a:cs typeface="+mj-cs"/>
+              </a:defRPr>
+            </a:lvl1pPr>
+          </a:lstStyle>
+          <a:p>
+            <a:pPr>
+              <a:buClr>
+                <a:schemeClr val="dk1"/>
+              </a:buClr>
+              <a:buSzPts val="990"/>
+            </a:pPr>
+            <a:r>
+              <a:rPr lang="en-US" sz="1100" b="1" dirty="0">
+                <a:solidFill>
+                  <a:srgbClr val="D53033"/>
+                </a:solidFill>
+                <a:latin typeface="Montserrat Medium" panose="00000600000000000000" pitchFamily="2" charset="-52"/>
+                <a:ea typeface="Montserrat SemiBold"/>
+                <a:cs typeface="Gotham Pro" panose="02000503040000020004" pitchFamily="2" charset="0"/>
+                <a:sym typeface="Montserrat SemiBold"/>
+              </a:rPr>
+              <a:t>UI </a:t>
+            </a:r>
+            <a:r>
+              <a:rPr lang="ru-RU" sz="1100" b="1" dirty="0">
+                <a:solidFill>
+                  <a:srgbClr val="D53033"/>
+                </a:solidFill>
+                <a:latin typeface="Montserrat Medium" panose="00000600000000000000" pitchFamily="2" charset="-52"/>
+                <a:ea typeface="Montserrat SemiBold"/>
+                <a:cs typeface="Gotham Pro" panose="02000503040000020004" pitchFamily="2" charset="0"/>
+                <a:sym typeface="Montserrat SemiBold"/>
+              </a:rPr>
+              <a:t>системы мониторинга</a:t>
+            </a:r>
+          </a:p>
+        </p:txBody>
+      </p:sp>
+      <p:sp>
+        <p:nvSpPr>
+          <p:cNvPr id="42" name="Google Shape;62;p14">
+            <a:extLst>
+              <a:ext uri="{FF2B5EF4-FFF2-40B4-BE49-F238E27FC236}">
+                <a16:creationId xmlns:a16="http://schemas.microsoft.com/office/drawing/2014/main" id="{09C07EAE-0DC9-2F3A-ECA6-D43A25FD5402}"/>
+              </a:ext>
+            </a:extLst>
+          </p:cNvPr>
+          <p:cNvSpPr txBox="1">
+            <a:spLocks/>
+          </p:cNvSpPr>
+          <p:nvPr/>
+        </p:nvSpPr>
+        <p:spPr>
+          <a:xfrm>
+            <a:off x="209006" y="5597855"/>
+            <a:ext cx="2206155" cy="329402"/>
+          </a:xfrm>
+          <a:prstGeom prst="rect">
+            <a:avLst/>
+          </a:prstGeom>
+        </p:spPr>
+        <p:txBody>
+          <a:bodyPr spcFirstLastPara="1" vert="horz" wrap="square" lIns="91425" tIns="91425" rIns="91425" bIns="91425" rtlCol="0" anchor="t" anchorCtr="0">
+            <a:noAutofit/>
+          </a:bodyPr>
+          <a:lstStyle>
+            <a:lvl1pPr algn="ctr" defTabSz="914400" rtl="0" eaLnBrk="1" latinLnBrk="0" hangingPunct="1">
+              <a:lnSpc>
+                <a:spcPct val="90000"/>
+              </a:lnSpc>
+              <a:spcBef>
+                <a:spcPct val="0"/>
+              </a:spcBef>
+              <a:buNone/>
+              <a:defRPr sz="6000" kern="1200">
+                <a:solidFill>
+                  <a:schemeClr val="tx1"/>
+                </a:solidFill>
+                <a:latin typeface="+mj-lt"/>
+                <a:ea typeface="+mj-ea"/>
+                <a:cs typeface="+mj-cs"/>
+              </a:defRPr>
+            </a:lvl1pPr>
+          </a:lstStyle>
+          <a:p>
+            <a:pPr>
+              <a:buClr>
+                <a:schemeClr val="dk1"/>
+              </a:buClr>
+              <a:buSzPts val="990"/>
+            </a:pPr>
+            <a:r>
+              <a:rPr lang="en-US" sz="1100" b="1" dirty="0">
+                <a:solidFill>
+                  <a:schemeClr val="tx1">
+                    <a:lumMod val="50000"/>
+                    <a:lumOff val="50000"/>
+                  </a:schemeClr>
+                </a:solidFill>
+                <a:latin typeface="Montserrat Medium" panose="00000600000000000000" pitchFamily="2" charset="-52"/>
+                <a:ea typeface="Montserrat SemiBold"/>
+                <a:cs typeface="Gotham Pro" panose="02000503040000020004" pitchFamily="2" charset="0"/>
+                <a:sym typeface="Montserrat SemiBold"/>
+              </a:rPr>
+              <a:t>Web</a:t>
+            </a:r>
+            <a:r>
+              <a:rPr lang="ru-RU" sz="1100" b="1" dirty="0">
+                <a:solidFill>
+                  <a:schemeClr val="tx1">
+                    <a:lumMod val="50000"/>
+                    <a:lumOff val="50000"/>
+                  </a:schemeClr>
+                </a:solidFill>
+                <a:latin typeface="Montserrat Medium" panose="00000600000000000000" pitchFamily="2" charset="-52"/>
+                <a:ea typeface="Montserrat SemiBold"/>
+                <a:cs typeface="Gotham Pro" panose="02000503040000020004" pitchFamily="2" charset="0"/>
+                <a:sym typeface="Montserrat SemiBold"/>
+              </a:rPr>
+              <a:t>-приложение, </a:t>
+            </a:r>
+            <a:r>
+              <a:rPr lang="en-US" sz="1100" b="1" dirty="0">
+                <a:solidFill>
+                  <a:schemeClr val="tx1">
+                    <a:lumMod val="50000"/>
+                    <a:lumOff val="50000"/>
+                  </a:schemeClr>
+                </a:solidFill>
+                <a:latin typeface="Montserrat Medium" panose="00000600000000000000" pitchFamily="2" charset="-52"/>
+                <a:ea typeface="Montserrat SemiBold"/>
+                <a:cs typeface="Gotham Pro" panose="02000503040000020004" pitchFamily="2" charset="0"/>
+                <a:sym typeface="Montserrat SemiBold"/>
+              </a:rPr>
+              <a:t>JavaScript</a:t>
+            </a:r>
+            <a:endParaRPr lang="ru-RU" sz="1100" b="1" dirty="0">
+              <a:solidFill>
+                <a:schemeClr val="tx1">
+                  <a:lumMod val="50000"/>
+                  <a:lumOff val="50000"/>
+                </a:schemeClr>
+              </a:solidFill>
+              <a:latin typeface="Montserrat Medium" panose="00000600000000000000" pitchFamily="2" charset="-52"/>
+              <a:ea typeface="Montserrat SemiBold"/>
+              <a:cs typeface="Gotham Pro" panose="02000503040000020004" pitchFamily="2" charset="0"/>
+              <a:sym typeface="Montserrat SemiBold"/>
+            </a:endParaRPr>
+          </a:p>
+        </p:txBody>
+      </p:sp>
+      <p:sp>
+        <p:nvSpPr>
+          <p:cNvPr id="43" name="AutoShape 4">
+            <a:extLst>
+              <a:ext uri="{FF2B5EF4-FFF2-40B4-BE49-F238E27FC236}">
+                <a16:creationId xmlns:a16="http://schemas.microsoft.com/office/drawing/2014/main" id="{4F537E68-0161-03FB-C1F8-7C834286583E}"/>
+              </a:ext>
+            </a:extLst>
+          </p:cNvPr>
+          <p:cNvSpPr>
+            <a:spLocks noChangeAspect="1" noChangeArrowheads="1"/>
+          </p:cNvSpPr>
+          <p:nvPr/>
+        </p:nvSpPr>
+        <p:spPr bwMode="auto">
+          <a:xfrm>
+            <a:off x="5943600" y="3233058"/>
+            <a:ext cx="304800" cy="304800"/>
+          </a:xfrm>
+          <a:prstGeom prst="rect">
+            <a:avLst/>
+          </a:prstGeom>
+          <a:noFill/>
+          <a:extLst>
+            <a:ext uri="{909E8E84-426E-40DD-AFC4-6F175D3DCCD1}">
+              <a14:hiddenFill xmlns:a14="http://schemas.microsoft.com/office/drawing/2010/main">
+                <a:solidFill>
+                  <a:srgbClr val="FFFFFF"/>
+                </a:solidFill>
+              </a14:hiddenFill>
+            </a:ext>
+          </a:extLst>
+        </p:spPr>
+        <p:txBody>
+          <a:bodyPr vert="horz" wrap="square" lIns="91440" tIns="45720" rIns="91440" bIns="45720" numCol="1" anchor="t" anchorCtr="0" compatLnSpc="1">
+            <a:prstTxWarp prst="textNoShape">
+              <a:avLst/>
+            </a:prstTxWarp>
+          </a:bodyPr>
+          <a:lstStyle/>
+          <a:p>
+            <a:endParaRPr lang="ru-RU"/>
+          </a:p>
+        </p:txBody>
+      </p:sp>
     </p:spTree>
     <p:extLst>
       <p:ext uri="{BB962C8B-B14F-4D97-AF65-F5344CB8AC3E}">
-        <p14:creationId xmlns:p14="http://schemas.microsoft.com/office/powerpoint/2010/main" val="4017957982"/>
+        <p14:creationId xmlns:p14="http://schemas.microsoft.com/office/powerpoint/2010/main" val="4246136638"/>
       </p:ext>
     </p:extLst>
   </p:cSld>
